--- a/publications/presentation-2021-02-aac/crdw-2021-02.pptx
+++ b/publications/presentation-2021-02-aac/crdw-2021-02.pptx
@@ -5,7 +5,7 @@
     <p:sldMasterId id="2147483648" r:id="rId1"/>
   </p:sldMasterIdLst>
   <p:notesMasterIdLst>
-    <p:notesMasterId r:id="rId24"/>
+    <p:notesMasterId r:id="rId25"/>
   </p:notesMasterIdLst>
   <p:sldIdLst>
     <p:sldId id="292" r:id="rId2"/>
@@ -26,10 +26,11 @@
     <p:sldId id="399" r:id="rId17"/>
     <p:sldId id="391" r:id="rId18"/>
     <p:sldId id="400" r:id="rId19"/>
-    <p:sldId id="367" r:id="rId20"/>
-    <p:sldId id="296" r:id="rId21"/>
-    <p:sldId id="276" r:id="rId22"/>
-    <p:sldId id="340" r:id="rId23"/>
+    <p:sldId id="401" r:id="rId20"/>
+    <p:sldId id="367" r:id="rId21"/>
+    <p:sldId id="296" r:id="rId22"/>
+    <p:sldId id="276" r:id="rId23"/>
+    <p:sldId id="340" r:id="rId24"/>
   </p:sldIdLst>
   <p:sldSz cx="12192000" cy="6858000"/>
   <p:notesSz cx="6858000" cy="9144000"/>
@@ -149,7 +150,7 @@
 </file>
 
 <file path=ppt/charts/chart1.xml><?xml version="1.0" encoding="utf-8"?>
-<c:chartSpace xmlns:c="http://schemas.openxmlformats.org/drawingml/2006/chart" xmlns:a="http://schemas.openxmlformats.org/drawingml/2006/main" xmlns:r="http://schemas.openxmlformats.org/officeDocument/2006/relationships" xmlns:c16r2="http://schemas.microsoft.com/office/drawing/2015/06/chart">
+<c:chartSpace xmlns:c="http://schemas.openxmlformats.org/drawingml/2006/chart" xmlns:a="http://schemas.openxmlformats.org/drawingml/2006/main" xmlns:r="http://schemas.openxmlformats.org/officeDocument/2006/relationships">
   <c:date1904 val="0"/>
   <c:lang val="en-US"/>
   <c:roundedCorners val="0"/>
@@ -205,7 +206,7 @@
               </a:ln>
               <a:effectLst/>
             </c:spPr>
-            <c:extLst>
+            <c:extLst xmlns:c16r2="http://schemas.microsoft.com/office/drawing/2015/06/chart">
               <c:ext xmlns:c16="http://schemas.microsoft.com/office/drawing/2014/chart" uri="{C3380CC4-5D6E-409C-BE32-E72D297353CC}">
                 <c16:uniqueId val="{00000001-E03B-4DAF-BB50-99C9409CFA87}"/>
               </c:ext>
@@ -225,7 +226,7 @@
               </a:ln>
               <a:effectLst/>
             </c:spPr>
-            <c:extLst>
+            <c:extLst xmlns:c16r2="http://schemas.microsoft.com/office/drawing/2015/06/chart">
               <c:ext xmlns:c16="http://schemas.microsoft.com/office/drawing/2014/chart" uri="{C3380CC4-5D6E-409C-BE32-E72D297353CC}">
                 <c16:uniqueId val="{00000002-E03B-4DAF-BB50-99C9409CFA87}"/>
               </c:ext>
@@ -245,7 +246,7 @@
               </a:ln>
               <a:effectLst/>
             </c:spPr>
-            <c:extLst>
+            <c:extLst xmlns:c16r2="http://schemas.microsoft.com/office/drawing/2015/06/chart">
               <c:ext xmlns:c16="http://schemas.microsoft.com/office/drawing/2014/chart" uri="{C3380CC4-5D6E-409C-BE32-E72D297353CC}">
                 <c16:uniqueId val="{00000003-E03B-4DAF-BB50-99C9409CFA87}"/>
               </c:ext>
@@ -267,7 +268,7 @@
               </a:ln>
               <a:effectLst/>
             </c:spPr>
-            <c:extLst>
+            <c:extLst xmlns:c16r2="http://schemas.microsoft.com/office/drawing/2015/06/chart">
               <c:ext xmlns:c16="http://schemas.microsoft.com/office/drawing/2014/chart" uri="{C3380CC4-5D6E-409C-BE32-E72D297353CC}">
                 <c16:uniqueId val="{00000004-E03B-4DAF-BB50-99C9409CFA87}"/>
               </c:ext>
@@ -288,12 +289,12 @@
               <c:showSerName val="0"/>
               <c:showPercent val="1"/>
               <c:showBubbleSize val="0"/>
-              <c:extLst>
+              <c:extLst xmlns:c16r2="http://schemas.microsoft.com/office/drawing/2015/06/chart">
+                <c:ext xmlns:c16="http://schemas.microsoft.com/office/drawing/2014/chart" uri="{C3380CC4-5D6E-409C-BE32-E72D297353CC}">
+                  <c16:uniqueId val="{00000001-E03B-4DAF-BB50-99C9409CFA87}"/>
+                </c:ext>
                 <c:ext xmlns:c15="http://schemas.microsoft.com/office/drawing/2012/chart" uri="{CE6537A1-D6FC-4f65-9D91-7224C49458BB}">
                   <c15:layout/>
-                </c:ext>
-                <c:ext xmlns:c16="http://schemas.microsoft.com/office/drawing/2014/chart" uri="{C3380CC4-5D6E-409C-BE32-E72D297353CC}">
-                  <c16:uniqueId val="{00000001-E03B-4DAF-BB50-99C9409CFA87}"/>
                 </c:ext>
               </c:extLst>
             </c:dLbl>
@@ -311,12 +312,12 @@
               <c:showSerName val="0"/>
               <c:showPercent val="1"/>
               <c:showBubbleSize val="0"/>
-              <c:extLst>
+              <c:extLst xmlns:c16r2="http://schemas.microsoft.com/office/drawing/2015/06/chart">
+                <c:ext xmlns:c16="http://schemas.microsoft.com/office/drawing/2014/chart" uri="{C3380CC4-5D6E-409C-BE32-E72D297353CC}">
+                  <c16:uniqueId val="{00000002-E03B-4DAF-BB50-99C9409CFA87}"/>
+                </c:ext>
                 <c:ext xmlns:c15="http://schemas.microsoft.com/office/drawing/2012/chart" uri="{CE6537A1-D6FC-4f65-9D91-7224C49458BB}">
                   <c15:layout/>
-                </c:ext>
-                <c:ext xmlns:c16="http://schemas.microsoft.com/office/drawing/2014/chart" uri="{C3380CC4-5D6E-409C-BE32-E72D297353CC}">
-                  <c16:uniqueId val="{00000002-E03B-4DAF-BB50-99C9409CFA87}"/>
                 </c:ext>
               </c:extLst>
             </c:dLbl>
@@ -334,12 +335,12 @@
               <c:showSerName val="0"/>
               <c:showPercent val="1"/>
               <c:showBubbleSize val="0"/>
-              <c:extLst>
+              <c:extLst xmlns:c16r2="http://schemas.microsoft.com/office/drawing/2015/06/chart">
+                <c:ext xmlns:c16="http://schemas.microsoft.com/office/drawing/2014/chart" uri="{C3380CC4-5D6E-409C-BE32-E72D297353CC}">
+                  <c16:uniqueId val="{00000003-E03B-4DAF-BB50-99C9409CFA87}"/>
+                </c:ext>
                 <c:ext xmlns:c15="http://schemas.microsoft.com/office/drawing/2012/chart" uri="{CE6537A1-D6FC-4f65-9D91-7224C49458BB}">
                   <c15:layout/>
-                </c:ext>
-                <c:ext xmlns:c16="http://schemas.microsoft.com/office/drawing/2014/chart" uri="{C3380CC4-5D6E-409C-BE32-E72D297353CC}">
-                  <c16:uniqueId val="{00000003-E03B-4DAF-BB50-99C9409CFA87}"/>
                 </c:ext>
               </c:extLst>
             </c:dLbl>
@@ -357,12 +358,12 @@
               <c:showSerName val="0"/>
               <c:showPercent val="1"/>
               <c:showBubbleSize val="0"/>
-              <c:extLst>
+              <c:extLst xmlns:c16r2="http://schemas.microsoft.com/office/drawing/2015/06/chart">
+                <c:ext xmlns:c16="http://schemas.microsoft.com/office/drawing/2014/chart" uri="{C3380CC4-5D6E-409C-BE32-E72D297353CC}">
+                  <c16:uniqueId val="{00000004-E03B-4DAF-BB50-99C9409CFA87}"/>
+                </c:ext>
                 <c:ext xmlns:c15="http://schemas.microsoft.com/office/drawing/2012/chart" uri="{CE6537A1-D6FC-4f65-9D91-7224C49458BB}">
                   <c15:layout/>
-                </c:ext>
-                <c:ext xmlns:c16="http://schemas.microsoft.com/office/drawing/2014/chart" uri="{C3380CC4-5D6E-409C-BE32-E72D297353CC}">
-                  <c16:uniqueId val="{00000004-E03B-4DAF-BB50-99C9409CFA87}"/>
                 </c:ext>
               </c:extLst>
             </c:dLbl>
@@ -416,7 +417,7 @@
                 <a:effectLst/>
               </c:spPr>
             </c:leaderLines>
-            <c:extLst>
+            <c:extLst xmlns:c16r2="http://schemas.microsoft.com/office/drawing/2015/06/chart">
               <c:ext xmlns:c15="http://schemas.microsoft.com/office/drawing/2012/chart" uri="{CE6537A1-D6FC-4f65-9D91-7224C49458BB}"/>
             </c:extLst>
           </c:dLbls>
@@ -461,7 +462,7 @@
               </c:numCache>
             </c:numRef>
           </c:val>
-          <c:extLst>
+          <c:extLst xmlns:c16r2="http://schemas.microsoft.com/office/drawing/2015/06/chart">
             <c:ext xmlns:c16="http://schemas.microsoft.com/office/drawing/2014/chart" uri="{C3380CC4-5D6E-409C-BE32-E72D297353CC}">
               <c16:uniqueId val="{00000000-E03B-4DAF-BB50-99C9409CFA87}"/>
             </c:ext>
@@ -2536,25 +2537,7 @@
             <a:rPr lang="en-US" sz="1100" b="1" dirty="0" smtClean="0">
               <a:latin typeface="+mj-lt"/>
             </a:rPr>
-            <a:t>Assign project to </a:t>
-          </a:r>
-          <a:r>
-            <a:rPr lang="en-US" sz="1100" b="1" dirty="0" smtClean="0">
-              <a:latin typeface="+mj-lt"/>
-            </a:rPr>
-            <a:t>BBMC analyst </a:t>
-          </a:r>
-          <a:r>
-            <a:rPr lang="en-US" sz="1100" b="1" dirty="0" smtClean="0">
-              <a:latin typeface="+mj-lt"/>
-            </a:rPr>
-            <a:t>based on </a:t>
-          </a:r>
-          <a:r>
-            <a:rPr lang="en-US" sz="1100" b="1" dirty="0" smtClean="0">
-              <a:latin typeface="+mj-lt"/>
-            </a:rPr>
-            <a:t>skills, workload, &amp; interests</a:t>
+            <a:t>Assign project to BBMC analyst based on skills, workload, &amp; interests</a:t>
           </a:r>
           <a:endParaRPr lang="en-US" sz="1100" b="1" dirty="0">
             <a:latin typeface="+mj-lt"/>
@@ -2752,6 +2735,300 @@
         </a:p>
       </dgm:t>
     </dgm:pt>
+    <dgm:pt modelId="{BD10A304-1F73-43DD-9545-9D1E21226479}">
+      <dgm:prSet phldrT="[Text]" custT="1"/>
+      <dgm:spPr/>
+      <dgm:t>
+        <a:bodyPr/>
+        <a:lstStyle/>
+        <a:p>
+          <a:pPr algn="l"/>
+          <a:r>
+            <a:rPr lang="en-US" sz="1100" b="1" dirty="0" smtClean="0">
+              <a:latin typeface="+mj-lt"/>
+            </a:rPr>
+            <a:t>BBMC Triage to services:</a:t>
+          </a:r>
+          <a:endParaRPr lang="en-US" sz="1100" b="1" dirty="0">
+            <a:latin typeface="+mj-lt"/>
+          </a:endParaRPr>
+        </a:p>
+      </dgm:t>
+    </dgm:pt>
+    <dgm:pt modelId="{FF06F63D-4F49-40CC-B0EE-81F5A9E5E354}" type="parTrans" cxnId="{E22326DC-AAAD-429A-BBB8-9CAFD1F3E29A}">
+      <dgm:prSet/>
+      <dgm:spPr/>
+      <dgm:t>
+        <a:bodyPr/>
+        <a:lstStyle/>
+        <a:p>
+          <a:endParaRPr lang="en-US"/>
+        </a:p>
+      </dgm:t>
+    </dgm:pt>
+    <dgm:pt modelId="{BD5CE1BD-F027-429D-A35F-548BC446F45F}" type="sibTrans" cxnId="{E22326DC-AAAD-429A-BBB8-9CAFD1F3E29A}">
+      <dgm:prSet/>
+      <dgm:spPr/>
+      <dgm:t>
+        <a:bodyPr/>
+        <a:lstStyle/>
+        <a:p>
+          <a:endParaRPr lang="en-US"/>
+        </a:p>
+      </dgm:t>
+    </dgm:pt>
+    <dgm:pt modelId="{25953BB6-850A-47EF-A2B2-98ACD9BBD186}">
+      <dgm:prSet phldrT="[Text]" custT="1"/>
+      <dgm:spPr/>
+      <dgm:t>
+        <a:bodyPr/>
+        <a:lstStyle/>
+        <a:p>
+          <a:pPr algn="l"/>
+          <a:r>
+            <a:rPr lang="en-US" sz="1100" b="0" dirty="0" smtClean="0">
+              <a:latin typeface="+mj-lt"/>
+            </a:rPr>
+            <a:t>Feasibility</a:t>
+          </a:r>
+          <a:endParaRPr lang="en-US" sz="1100" b="0" dirty="0">
+            <a:latin typeface="+mj-lt"/>
+          </a:endParaRPr>
+        </a:p>
+      </dgm:t>
+    </dgm:pt>
+    <dgm:pt modelId="{A77C307B-DC84-4B4B-B3E4-1E1EAB8380EF}" type="parTrans" cxnId="{CB71E6A5-97F7-42E4-80D3-DEBCA96FF241}">
+      <dgm:prSet/>
+      <dgm:spPr/>
+      <dgm:t>
+        <a:bodyPr/>
+        <a:lstStyle/>
+        <a:p>
+          <a:endParaRPr lang="en-US"/>
+        </a:p>
+      </dgm:t>
+    </dgm:pt>
+    <dgm:pt modelId="{85E0FC6C-0E1F-4A68-938D-E103717A4CE3}" type="sibTrans" cxnId="{CB71E6A5-97F7-42E4-80D3-DEBCA96FF241}">
+      <dgm:prSet/>
+      <dgm:spPr/>
+      <dgm:t>
+        <a:bodyPr/>
+        <a:lstStyle/>
+        <a:p>
+          <a:endParaRPr lang="en-US"/>
+        </a:p>
+      </dgm:t>
+    </dgm:pt>
+    <dgm:pt modelId="{EE6CC463-806B-49F1-9D27-85973620214C}">
+      <dgm:prSet phldrT="[Text]" custT="1"/>
+      <dgm:spPr/>
+      <dgm:t>
+        <a:bodyPr/>
+        <a:lstStyle/>
+        <a:p>
+          <a:pPr algn="l"/>
+          <a:r>
+            <a:rPr lang="en-US" sz="1100" b="0" dirty="0" smtClean="0">
+              <a:latin typeface="+mj-lt"/>
+            </a:rPr>
+            <a:t>Program Evaluation</a:t>
+          </a:r>
+          <a:endParaRPr lang="en-US" sz="1100" b="0" dirty="0">
+            <a:latin typeface="+mj-lt"/>
+          </a:endParaRPr>
+        </a:p>
+      </dgm:t>
+    </dgm:pt>
+    <dgm:pt modelId="{EDB78E5F-2374-4BE3-9191-627E4C1A88C2}" type="parTrans" cxnId="{6CD03455-961E-4C9D-A840-748AA20E2BAB}">
+      <dgm:prSet/>
+      <dgm:spPr/>
+      <dgm:t>
+        <a:bodyPr/>
+        <a:lstStyle/>
+        <a:p>
+          <a:endParaRPr lang="en-US"/>
+        </a:p>
+      </dgm:t>
+    </dgm:pt>
+    <dgm:pt modelId="{CD35F4D9-030E-448B-8470-FAEF90CD08CD}" type="sibTrans" cxnId="{6CD03455-961E-4C9D-A840-748AA20E2BAB}">
+      <dgm:prSet/>
+      <dgm:spPr/>
+      <dgm:t>
+        <a:bodyPr/>
+        <a:lstStyle/>
+        <a:p>
+          <a:endParaRPr lang="en-US"/>
+        </a:p>
+      </dgm:t>
+    </dgm:pt>
+    <dgm:pt modelId="{CF4F6786-0163-44E8-A7A2-DFEB228CDE01}">
+      <dgm:prSet phldrT="[Text]" custT="1"/>
+      <dgm:spPr/>
+      <dgm:t>
+        <a:bodyPr/>
+        <a:lstStyle/>
+        <a:p>
+          <a:pPr algn="l"/>
+          <a:r>
+            <a:rPr lang="en-US" sz="1100" b="0" dirty="0" smtClean="0">
+              <a:latin typeface="+mj-lt"/>
+            </a:rPr>
+            <a:t>Recruitment</a:t>
+          </a:r>
+          <a:endParaRPr lang="en-US" sz="1100" b="0" dirty="0">
+            <a:latin typeface="+mj-lt"/>
+          </a:endParaRPr>
+        </a:p>
+      </dgm:t>
+    </dgm:pt>
+    <dgm:pt modelId="{E840309A-1748-4175-8942-B0F4A5C27DCF}" type="parTrans" cxnId="{BD74EBA8-41FF-4F7A-A9BA-3F7D1C992210}">
+      <dgm:prSet/>
+      <dgm:spPr/>
+      <dgm:t>
+        <a:bodyPr/>
+        <a:lstStyle/>
+        <a:p>
+          <a:endParaRPr lang="en-US"/>
+        </a:p>
+      </dgm:t>
+    </dgm:pt>
+    <dgm:pt modelId="{96706024-6147-4AE0-A8D3-2D288121A0CD}" type="sibTrans" cxnId="{BD74EBA8-41FF-4F7A-A9BA-3F7D1C992210}">
+      <dgm:prSet/>
+      <dgm:spPr/>
+      <dgm:t>
+        <a:bodyPr/>
+        <a:lstStyle/>
+        <a:p>
+          <a:endParaRPr lang="en-US"/>
+        </a:p>
+      </dgm:t>
+    </dgm:pt>
+    <dgm:pt modelId="{E88CFD2C-D693-4C54-8459-61E3AFAF7F56}">
+      <dgm:prSet phldrT="[Text]" custT="1"/>
+      <dgm:spPr/>
+      <dgm:t>
+        <a:bodyPr/>
+        <a:lstStyle/>
+        <a:p>
+          <a:pPr algn="l"/>
+          <a:r>
+            <a:rPr lang="en-US" sz="1100" b="0" dirty="0" smtClean="0">
+              <a:latin typeface="+mj-lt"/>
+            </a:rPr>
+            <a:t>Registry</a:t>
+          </a:r>
+          <a:endParaRPr lang="en-US" sz="1100" b="0" dirty="0">
+            <a:latin typeface="+mj-lt"/>
+          </a:endParaRPr>
+        </a:p>
+      </dgm:t>
+    </dgm:pt>
+    <dgm:pt modelId="{1AC48D6A-9F1B-437D-8957-1D16B2250DEB}" type="parTrans" cxnId="{9722E687-3169-4ED8-B586-21008E5E8DDF}">
+      <dgm:prSet/>
+      <dgm:spPr/>
+      <dgm:t>
+        <a:bodyPr/>
+        <a:lstStyle/>
+        <a:p>
+          <a:endParaRPr lang="en-US"/>
+        </a:p>
+      </dgm:t>
+    </dgm:pt>
+    <dgm:pt modelId="{C555EA95-6E56-4E42-BCB0-E74236DCD5BA}" type="sibTrans" cxnId="{9722E687-3169-4ED8-B586-21008E5E8DDF}">
+      <dgm:prSet/>
+      <dgm:spPr/>
+      <dgm:t>
+        <a:bodyPr/>
+        <a:lstStyle/>
+        <a:p>
+          <a:endParaRPr lang="en-US"/>
+        </a:p>
+      </dgm:t>
+    </dgm:pt>
+    <dgm:pt modelId="{0CD4120B-D47E-4785-9E77-E9C10337775D}">
+      <dgm:prSet phldrT="[Text]" custT="1"/>
+      <dgm:spPr/>
+      <dgm:t>
+        <a:bodyPr/>
+        <a:lstStyle/>
+        <a:p>
+          <a:pPr algn="l"/>
+          <a:r>
+            <a:rPr lang="en-US" sz="1100" b="0" dirty="0" smtClean="0">
+              <a:latin typeface="+mj-lt"/>
+            </a:rPr>
+            <a:t>Retrospective Studies</a:t>
+          </a:r>
+          <a:endParaRPr lang="en-US" sz="1100" b="0" dirty="0">
+            <a:latin typeface="+mj-lt"/>
+          </a:endParaRPr>
+        </a:p>
+      </dgm:t>
+    </dgm:pt>
+    <dgm:pt modelId="{775394F6-A4A9-4424-A0E8-6D46946F5B58}" type="parTrans" cxnId="{082AE83C-0F42-43B0-BB02-A36D712BAF7A}">
+      <dgm:prSet/>
+      <dgm:spPr/>
+      <dgm:t>
+        <a:bodyPr/>
+        <a:lstStyle/>
+        <a:p>
+          <a:endParaRPr lang="en-US"/>
+        </a:p>
+      </dgm:t>
+    </dgm:pt>
+    <dgm:pt modelId="{5E9CC7AC-8D8C-4DFA-A2B9-17F05C5AB103}" type="sibTrans" cxnId="{082AE83C-0F42-43B0-BB02-A36D712BAF7A}">
+      <dgm:prSet/>
+      <dgm:spPr/>
+      <dgm:t>
+        <a:bodyPr/>
+        <a:lstStyle/>
+        <a:p>
+          <a:endParaRPr lang="en-US"/>
+        </a:p>
+      </dgm:t>
+    </dgm:pt>
+    <dgm:pt modelId="{13FBA582-C461-4BAD-99B9-26AE7DA54835}">
+      <dgm:prSet phldrT="[Text]" custT="1"/>
+      <dgm:spPr/>
+      <dgm:t>
+        <a:bodyPr/>
+        <a:lstStyle/>
+        <a:p>
+          <a:pPr algn="l"/>
+          <a:r>
+            <a:rPr lang="en-US" sz="1100" b="0" dirty="0" smtClean="0">
+              <a:latin typeface="+mj-lt"/>
+            </a:rPr>
+            <a:t>Facilitating Abstraction</a:t>
+          </a:r>
+          <a:endParaRPr lang="en-US" sz="1100" b="0" dirty="0">
+            <a:latin typeface="+mj-lt"/>
+          </a:endParaRPr>
+        </a:p>
+      </dgm:t>
+    </dgm:pt>
+    <dgm:pt modelId="{60D8CB22-A372-49CC-84E0-2B2A39EDFCFC}" type="parTrans" cxnId="{B77C2D82-C179-4C63-AA57-D1DFEEF5A433}">
+      <dgm:prSet/>
+      <dgm:spPr/>
+      <dgm:t>
+        <a:bodyPr/>
+        <a:lstStyle/>
+        <a:p>
+          <a:endParaRPr lang="en-US"/>
+        </a:p>
+      </dgm:t>
+    </dgm:pt>
+    <dgm:pt modelId="{47ED8F71-952F-4462-88BC-1BE7EB6F9E7F}" type="sibTrans" cxnId="{B77C2D82-C179-4C63-AA57-D1DFEEF5A433}">
+      <dgm:prSet/>
+      <dgm:spPr/>
+      <dgm:t>
+        <a:bodyPr/>
+        <a:lstStyle/>
+        <a:p>
+          <a:endParaRPr lang="en-US"/>
+        </a:p>
+      </dgm:t>
+    </dgm:pt>
     <dgm:pt modelId="{B8CD9E79-3CCF-4E7E-8116-56B764458029}" type="pres">
       <dgm:prSet presAssocID="{6474E90C-A3F5-4C40-8CEB-46B153A00DEE}" presName="rootnode" presStyleCnt="0">
         <dgm:presLayoutVars>
@@ -2768,11 +3045,11 @@
       <dgm:spPr/>
     </dgm:pt>
     <dgm:pt modelId="{96BAAB4C-475F-4B8D-8BB8-95B0A9B849EF}" type="pres">
-      <dgm:prSet presAssocID="{0010D89C-854E-448B-8127-DA3929F939E8}" presName="LShape" presStyleLbl="alignNode1" presStyleIdx="0" presStyleCnt="11" custLinFactNeighborY="1090"/>
+      <dgm:prSet presAssocID="{0010D89C-854E-448B-8127-DA3929F939E8}" presName="LShape" presStyleLbl="alignNode1" presStyleIdx="0" presStyleCnt="13" custLinFactNeighborY="1090"/>
       <dgm:spPr/>
     </dgm:pt>
     <dgm:pt modelId="{5C43E3DF-F0B8-40ED-80D3-88AAF8CEA4CB}" type="pres">
-      <dgm:prSet presAssocID="{0010D89C-854E-448B-8127-DA3929F939E8}" presName="ParentText" presStyleLbl="revTx" presStyleIdx="0" presStyleCnt="6" custLinFactNeighborY="828">
+      <dgm:prSet presAssocID="{0010D89C-854E-448B-8127-DA3929F939E8}" presName="ParentText" presStyleLbl="revTx" presStyleIdx="0" presStyleCnt="7" custLinFactNeighborY="828">
         <dgm:presLayoutVars>
           <dgm:chMax val="0"/>
           <dgm:chPref val="0"/>
@@ -2789,7 +3066,7 @@
       </dgm:t>
     </dgm:pt>
     <dgm:pt modelId="{C24CF265-89BA-4CC5-B2E0-D2EB87594CC8}" type="pres">
-      <dgm:prSet presAssocID="{0010D89C-854E-448B-8127-DA3929F939E8}" presName="Triangle" presStyleLbl="alignNode1" presStyleIdx="1" presStyleCnt="11" custLinFactNeighborY="3848"/>
+      <dgm:prSet presAssocID="{0010D89C-854E-448B-8127-DA3929F939E8}" presName="Triangle" presStyleLbl="alignNode1" presStyleIdx="1" presStyleCnt="13" custLinFactNeighborY="3848"/>
       <dgm:spPr/>
     </dgm:pt>
     <dgm:pt modelId="{34FD71BF-A89D-4F44-A5DC-13648D81324E}" type="pres">
@@ -2800,16 +3077,53 @@
       <dgm:prSet presAssocID="{815CBACE-0264-47A5-A415-F84E67CE62D1}" presName="space" presStyleCnt="0"/>
       <dgm:spPr/>
     </dgm:pt>
+    <dgm:pt modelId="{2E1783C1-79ED-4460-B791-F5DFCA384133}" type="pres">
+      <dgm:prSet presAssocID="{BD10A304-1F73-43DD-9545-9D1E21226479}" presName="composite" presStyleCnt="0"/>
+      <dgm:spPr/>
+    </dgm:pt>
+    <dgm:pt modelId="{28CC26EE-CBBB-4595-B8EC-241E6791614B}" type="pres">
+      <dgm:prSet presAssocID="{BD10A304-1F73-43DD-9545-9D1E21226479}" presName="LShape" presStyleLbl="alignNode1" presStyleIdx="2" presStyleCnt="13" custLinFactNeighborY="-2692"/>
+      <dgm:spPr/>
+    </dgm:pt>
+    <dgm:pt modelId="{074DB80F-68BF-4581-AF84-D0386B780F14}" type="pres">
+      <dgm:prSet presAssocID="{BD10A304-1F73-43DD-9545-9D1E21226479}" presName="ParentText" presStyleLbl="revTx" presStyleIdx="1" presStyleCnt="7" custScaleX="102693" custScaleY="92362">
+        <dgm:presLayoutVars>
+          <dgm:chMax val="0"/>
+          <dgm:chPref val="0"/>
+          <dgm:bulletEnabled val="1"/>
+        </dgm:presLayoutVars>
+      </dgm:prSet>
+      <dgm:spPr/>
+      <dgm:t>
+        <a:bodyPr/>
+        <a:lstStyle/>
+        <a:p>
+          <a:endParaRPr lang="en-US"/>
+        </a:p>
+      </dgm:t>
+    </dgm:pt>
+    <dgm:pt modelId="{9FF3722C-A49D-4CC5-8B70-771495A0D233}" type="pres">
+      <dgm:prSet presAssocID="{BD10A304-1F73-43DD-9545-9D1E21226479}" presName="Triangle" presStyleLbl="alignNode1" presStyleIdx="3" presStyleCnt="13"/>
+      <dgm:spPr/>
+    </dgm:pt>
+    <dgm:pt modelId="{7715722C-42DD-4ED1-9635-DAD310E785DD}" type="pres">
+      <dgm:prSet presAssocID="{BD5CE1BD-F027-429D-A35F-548BC446F45F}" presName="sibTrans" presStyleCnt="0"/>
+      <dgm:spPr/>
+    </dgm:pt>
+    <dgm:pt modelId="{61BA461A-AD45-44A5-AB1C-78B6DF4FDDE9}" type="pres">
+      <dgm:prSet presAssocID="{BD5CE1BD-F027-429D-A35F-548BC446F45F}" presName="space" presStyleCnt="0"/>
+      <dgm:spPr/>
+    </dgm:pt>
     <dgm:pt modelId="{3878D67D-3186-4E27-99BC-B36EFF6FCF62}" type="pres">
       <dgm:prSet presAssocID="{01F32B2A-131E-4E9C-A1D5-1461015E0B2C}" presName="composite" presStyleCnt="0"/>
       <dgm:spPr/>
     </dgm:pt>
     <dgm:pt modelId="{5F65C369-6736-41D3-BD8C-D3B08A2B9C12}" type="pres">
-      <dgm:prSet presAssocID="{01F32B2A-131E-4E9C-A1D5-1461015E0B2C}" presName="LShape" presStyleLbl="alignNode1" presStyleIdx="2" presStyleCnt="11" custLinFactNeighborY="1090"/>
+      <dgm:prSet presAssocID="{01F32B2A-131E-4E9C-A1D5-1461015E0B2C}" presName="LShape" presStyleLbl="alignNode1" presStyleIdx="4" presStyleCnt="13" custLinFactNeighborY="1090"/>
       <dgm:spPr/>
     </dgm:pt>
     <dgm:pt modelId="{12426410-9ECE-4540-990B-004F5AD61A12}" type="pres">
-      <dgm:prSet presAssocID="{01F32B2A-131E-4E9C-A1D5-1461015E0B2C}" presName="ParentText" presStyleLbl="revTx" presStyleIdx="1" presStyleCnt="6" custLinFactNeighborY="828">
+      <dgm:prSet presAssocID="{01F32B2A-131E-4E9C-A1D5-1461015E0B2C}" presName="ParentText" presStyleLbl="revTx" presStyleIdx="2" presStyleCnt="7" custLinFactNeighborY="828">
         <dgm:presLayoutVars>
           <dgm:chMax val="0"/>
           <dgm:chPref val="0"/>
@@ -2826,7 +3140,7 @@
       </dgm:t>
     </dgm:pt>
     <dgm:pt modelId="{3A7C4B3F-4FAC-4EF5-9512-913D53308C24}" type="pres">
-      <dgm:prSet presAssocID="{01F32B2A-131E-4E9C-A1D5-1461015E0B2C}" presName="Triangle" presStyleLbl="alignNode1" presStyleIdx="3" presStyleCnt="11" custLinFactNeighborY="3848"/>
+      <dgm:prSet presAssocID="{01F32B2A-131E-4E9C-A1D5-1461015E0B2C}" presName="Triangle" presStyleLbl="alignNode1" presStyleIdx="5" presStyleCnt="13" custLinFactNeighborY="3848"/>
       <dgm:spPr/>
     </dgm:pt>
     <dgm:pt modelId="{D777C379-BDE8-49F1-B74D-CBF4F5B15053}" type="pres">
@@ -2842,11 +3156,11 @@
       <dgm:spPr/>
     </dgm:pt>
     <dgm:pt modelId="{4822FC76-EADF-42E6-A829-DEAC9A84C0DE}" type="pres">
-      <dgm:prSet presAssocID="{9F2B29A3-676C-48AE-825C-3DC60DBF2AE2}" presName="LShape" presStyleLbl="alignNode1" presStyleIdx="4" presStyleCnt="11" custLinFactNeighborY="1090"/>
+      <dgm:prSet presAssocID="{9F2B29A3-676C-48AE-825C-3DC60DBF2AE2}" presName="LShape" presStyleLbl="alignNode1" presStyleIdx="6" presStyleCnt="13" custLinFactNeighborY="1090"/>
       <dgm:spPr/>
     </dgm:pt>
     <dgm:pt modelId="{BE86AFED-F9A0-4F8A-8A27-B836B6B098D1}" type="pres">
-      <dgm:prSet presAssocID="{9F2B29A3-676C-48AE-825C-3DC60DBF2AE2}" presName="ParentText" presStyleLbl="revTx" presStyleIdx="2" presStyleCnt="6" custLinFactNeighborY="828">
+      <dgm:prSet presAssocID="{9F2B29A3-676C-48AE-825C-3DC60DBF2AE2}" presName="ParentText" presStyleLbl="revTx" presStyleIdx="3" presStyleCnt="7" custLinFactNeighborY="828">
         <dgm:presLayoutVars>
           <dgm:chMax val="0"/>
           <dgm:chPref val="0"/>
@@ -2863,7 +3177,7 @@
       </dgm:t>
     </dgm:pt>
     <dgm:pt modelId="{EDA7D529-A34E-4829-9CB2-E4F3E98F14B1}" type="pres">
-      <dgm:prSet presAssocID="{9F2B29A3-676C-48AE-825C-3DC60DBF2AE2}" presName="Triangle" presStyleLbl="alignNode1" presStyleIdx="5" presStyleCnt="11" custLinFactNeighborY="3848"/>
+      <dgm:prSet presAssocID="{9F2B29A3-676C-48AE-825C-3DC60DBF2AE2}" presName="Triangle" presStyleLbl="alignNode1" presStyleIdx="7" presStyleCnt="13" custLinFactNeighborY="3848"/>
       <dgm:spPr/>
     </dgm:pt>
     <dgm:pt modelId="{2BBFD3C7-0AE9-4438-B951-03CCC74EDAD2}" type="pres">
@@ -2879,11 +3193,11 @@
       <dgm:spPr/>
     </dgm:pt>
     <dgm:pt modelId="{ADE833BD-FD1A-4856-9066-0C48D2DD5D6F}" type="pres">
-      <dgm:prSet presAssocID="{9299490E-690A-47A2-BF79-343CFAE5FE79}" presName="LShape" presStyleLbl="alignNode1" presStyleIdx="6" presStyleCnt="11" custLinFactNeighborY="1090"/>
+      <dgm:prSet presAssocID="{9299490E-690A-47A2-BF79-343CFAE5FE79}" presName="LShape" presStyleLbl="alignNode1" presStyleIdx="8" presStyleCnt="13" custLinFactNeighborY="1090"/>
       <dgm:spPr/>
     </dgm:pt>
     <dgm:pt modelId="{170748FF-6039-443C-8193-92C430D0DFAA}" type="pres">
-      <dgm:prSet presAssocID="{9299490E-690A-47A2-BF79-343CFAE5FE79}" presName="ParentText" presStyleLbl="revTx" presStyleIdx="3" presStyleCnt="6" custLinFactNeighborY="828">
+      <dgm:prSet presAssocID="{9299490E-690A-47A2-BF79-343CFAE5FE79}" presName="ParentText" presStyleLbl="revTx" presStyleIdx="4" presStyleCnt="7" custLinFactNeighborY="828">
         <dgm:presLayoutVars>
           <dgm:chMax val="0"/>
           <dgm:chPref val="0"/>
@@ -2900,7 +3214,7 @@
       </dgm:t>
     </dgm:pt>
     <dgm:pt modelId="{8570A94F-040C-4CB8-9C06-F728965276B3}" type="pres">
-      <dgm:prSet presAssocID="{9299490E-690A-47A2-BF79-343CFAE5FE79}" presName="Triangle" presStyleLbl="alignNode1" presStyleIdx="7" presStyleCnt="11" custLinFactNeighborY="3848"/>
+      <dgm:prSet presAssocID="{9299490E-690A-47A2-BF79-343CFAE5FE79}" presName="Triangle" presStyleLbl="alignNode1" presStyleIdx="9" presStyleCnt="13" custLinFactNeighborY="3848"/>
       <dgm:spPr/>
     </dgm:pt>
     <dgm:pt modelId="{4506C7E7-C37E-4C11-9126-2A89DA413BEC}" type="pres">
@@ -2916,11 +3230,11 @@
       <dgm:spPr/>
     </dgm:pt>
     <dgm:pt modelId="{5B438569-CCE2-4AAC-8E0A-5743FF9B6502}" type="pres">
-      <dgm:prSet presAssocID="{CE924409-C179-4A2D-B64D-C1667C924238}" presName="LShape" presStyleLbl="alignNode1" presStyleIdx="8" presStyleCnt="11" custLinFactNeighborY="1090"/>
+      <dgm:prSet presAssocID="{CE924409-C179-4A2D-B64D-C1667C924238}" presName="LShape" presStyleLbl="alignNode1" presStyleIdx="10" presStyleCnt="13" custLinFactNeighborY="1090"/>
       <dgm:spPr/>
     </dgm:pt>
     <dgm:pt modelId="{C5F5F110-BA5D-47A9-BE05-32B627697E7C}" type="pres">
-      <dgm:prSet presAssocID="{CE924409-C179-4A2D-B64D-C1667C924238}" presName="ParentText" presStyleLbl="revTx" presStyleIdx="4" presStyleCnt="6" custLinFactNeighborY="828">
+      <dgm:prSet presAssocID="{CE924409-C179-4A2D-B64D-C1667C924238}" presName="ParentText" presStyleLbl="revTx" presStyleIdx="5" presStyleCnt="7" custLinFactNeighborY="828">
         <dgm:presLayoutVars>
           <dgm:chMax val="0"/>
           <dgm:chPref val="0"/>
@@ -2937,7 +3251,7 @@
       </dgm:t>
     </dgm:pt>
     <dgm:pt modelId="{6971FD88-FFEC-4FBF-B3CC-DD255AA67870}" type="pres">
-      <dgm:prSet presAssocID="{CE924409-C179-4A2D-B64D-C1667C924238}" presName="Triangle" presStyleLbl="alignNode1" presStyleIdx="9" presStyleCnt="11" custLinFactNeighborY="3848"/>
+      <dgm:prSet presAssocID="{CE924409-C179-4A2D-B64D-C1667C924238}" presName="Triangle" presStyleLbl="alignNode1" presStyleIdx="11" presStyleCnt="13" custLinFactNeighborY="3848"/>
       <dgm:spPr/>
     </dgm:pt>
     <dgm:pt modelId="{E82C6AE2-34A5-482B-8458-815B10394D18}" type="pres">
@@ -2953,11 +3267,11 @@
       <dgm:spPr/>
     </dgm:pt>
     <dgm:pt modelId="{68E5A9CD-3D01-4E1E-A131-2E66042604FF}" type="pres">
-      <dgm:prSet presAssocID="{037EC5A9-860F-45A9-97E8-A8AEEA9BB793}" presName="LShape" presStyleLbl="alignNode1" presStyleIdx="10" presStyleCnt="11" custLinFactNeighborY="1090"/>
+      <dgm:prSet presAssocID="{037EC5A9-860F-45A9-97E8-A8AEEA9BB793}" presName="LShape" presStyleLbl="alignNode1" presStyleIdx="12" presStyleCnt="13" custLinFactNeighborY="1090"/>
       <dgm:spPr/>
     </dgm:pt>
     <dgm:pt modelId="{7577EDBA-79C8-47EE-9C48-8258D6199F02}" type="pres">
-      <dgm:prSet presAssocID="{037EC5A9-860F-45A9-97E8-A8AEEA9BB793}" presName="ParentText" presStyleLbl="revTx" presStyleIdx="5" presStyleCnt="6" custLinFactNeighborY="828">
+      <dgm:prSet presAssocID="{037EC5A9-860F-45A9-97E8-A8AEEA9BB793}" presName="ParentText" presStyleLbl="revTx" presStyleIdx="6" presStyleCnt="7" custLinFactNeighborY="828">
         <dgm:presLayoutVars>
           <dgm:chMax val="0"/>
           <dgm:chPref val="0"/>
@@ -2975,47 +3289,61 @@
     </dgm:pt>
   </dgm:ptLst>
   <dgm:cxnLst>
-    <dgm:cxn modelId="{B3134007-4773-4C24-B20E-F02605591D9D}" srcId="{6474E90C-A3F5-4C40-8CEB-46B153A00DEE}" destId="{CE924409-C179-4A2D-B64D-C1667C924238}" srcOrd="4" destOrd="0" parTransId="{75A1A668-D881-42BC-92F5-74B80995D5C7}" sibTransId="{FB48574C-4914-4B07-BE09-AF8B154B2CB4}"/>
+    <dgm:cxn modelId="{B3134007-4773-4C24-B20E-F02605591D9D}" srcId="{6474E90C-A3F5-4C40-8CEB-46B153A00DEE}" destId="{CE924409-C179-4A2D-B64D-C1667C924238}" srcOrd="5" destOrd="0" parTransId="{75A1A668-D881-42BC-92F5-74B80995D5C7}" sibTransId="{FB48574C-4914-4B07-BE09-AF8B154B2CB4}"/>
     <dgm:cxn modelId="{F73E479E-5383-4652-83E4-6AAC254B8592}" type="presOf" srcId="{751AAAA0-FD1A-474D-A8CA-BF7C3BFEE3B9}" destId="{12426410-9ECE-4540-990B-004F5AD61A12}" srcOrd="0" destOrd="1" presId="urn:microsoft.com/office/officeart/2009/3/layout/StepUpProcess"/>
     <dgm:cxn modelId="{2298BF1B-966E-4966-8AD9-B0EDD901F0B7}" type="presOf" srcId="{E8E0BA16-10CE-416E-9136-84998F596AE2}" destId="{BE86AFED-F9A0-4F8A-8A27-B836B6B098D1}" srcOrd="0" destOrd="1" presId="urn:microsoft.com/office/officeart/2009/3/layout/StepUpProcess"/>
     <dgm:cxn modelId="{F1BAA056-6CB8-42B2-A552-47FF74E31AB2}" type="presOf" srcId="{4BE9C7D6-461A-44C8-B607-EDEF2EA077EC}" destId="{7577EDBA-79C8-47EE-9C48-8258D6199F02}" srcOrd="0" destOrd="4" presId="urn:microsoft.com/office/officeart/2009/3/layout/StepUpProcess"/>
     <dgm:cxn modelId="{97CC5824-09CC-465D-AFF4-18B539F9D065}" type="presOf" srcId="{0010D89C-854E-448B-8127-DA3929F939E8}" destId="{5C43E3DF-F0B8-40ED-80D3-88AAF8CEA4CB}" srcOrd="0" destOrd="0" presId="urn:microsoft.com/office/officeart/2009/3/layout/StepUpProcess"/>
     <dgm:cxn modelId="{19BE8CA6-AC47-47AF-B71E-521FD4CFFA24}" srcId="{CE924409-C179-4A2D-B64D-C1667C924238}" destId="{97A95825-49E0-4C73-8F5F-F18D87E69E6C}" srcOrd="2" destOrd="0" parTransId="{043D2A7A-B426-42D5-8E97-E57ABA5CD506}" sibTransId="{ADF8E347-7E86-4DF6-B9F1-F5F0B780096C}"/>
+    <dgm:cxn modelId="{52E71EFD-9EF5-43C5-965F-0D7C61CB27AD}" type="presOf" srcId="{E88CFD2C-D693-4C54-8459-61E3AFAF7F56}" destId="{074DB80F-68BF-4581-AF84-D0386B780F14}" srcOrd="0" destOrd="4" presId="urn:microsoft.com/office/officeart/2009/3/layout/StepUpProcess"/>
     <dgm:cxn modelId="{C3A44365-9B22-4CD9-9BF5-55706FA57043}" type="presOf" srcId="{01F32B2A-131E-4E9C-A1D5-1461015E0B2C}" destId="{12426410-9ECE-4540-990B-004F5AD61A12}" srcOrd="0" destOrd="0" presId="urn:microsoft.com/office/officeart/2009/3/layout/StepUpProcess"/>
     <dgm:cxn modelId="{B99C4A80-4DB8-405B-9732-4BE6FAECA59E}" type="presOf" srcId="{97A95825-49E0-4C73-8F5F-F18D87E69E6C}" destId="{C5F5F110-BA5D-47A9-BE05-32B627697E7C}" srcOrd="0" destOrd="3" presId="urn:microsoft.com/office/officeart/2009/3/layout/StepUpProcess"/>
     <dgm:cxn modelId="{596440C4-7175-4B94-9C3E-479BC33E36C6}" srcId="{CE924409-C179-4A2D-B64D-C1667C924238}" destId="{1DD8B8D3-226B-49C2-8005-4A91E508846C}" srcOrd="3" destOrd="0" parTransId="{C70B4F40-4E1E-4421-BAC4-7B503CCAF138}" sibTransId="{6E835272-27B6-4018-964C-93E39AD1AD6A}"/>
     <dgm:cxn modelId="{0BF5620A-B547-450F-9BA4-3A5421A8E374}" srcId="{9F2B29A3-676C-48AE-825C-3DC60DBF2AE2}" destId="{E8E0BA16-10CE-416E-9136-84998F596AE2}" srcOrd="0" destOrd="0" parTransId="{6D3E105B-45E6-424E-B1D5-A553183D47AE}" sibTransId="{B7C06EB8-35FC-4988-9A19-996AFBDCA4DB}"/>
+    <dgm:cxn modelId="{9722E687-3169-4ED8-B586-21008E5E8DDF}" srcId="{BD10A304-1F73-43DD-9545-9D1E21226479}" destId="{E88CFD2C-D693-4C54-8459-61E3AFAF7F56}" srcOrd="3" destOrd="0" parTransId="{1AC48D6A-9F1B-437D-8957-1D16B2250DEB}" sibTransId="{C555EA95-6E56-4E42-BCB0-E74236DCD5BA}"/>
     <dgm:cxn modelId="{86B4FB07-3C60-4EBD-8E76-5E72C2E0AB90}" srcId="{037EC5A9-860F-45A9-97E8-A8AEEA9BB793}" destId="{266FBCAC-8055-4D37-AE88-C83AA214ACFC}" srcOrd="1" destOrd="0" parTransId="{EF20783E-2A4A-4E1F-8E4B-60244D876521}" sibTransId="{39F87B8E-0C0E-4761-B82F-E2DDCD7410C5}"/>
     <dgm:cxn modelId="{4A47BA19-6F43-48D7-808A-4FFD39949DC7}" type="presOf" srcId="{B97F914E-93D2-4D63-AE6C-21B1DB78616D}" destId="{C5F5F110-BA5D-47A9-BE05-32B627697E7C}" srcOrd="0" destOrd="2" presId="urn:microsoft.com/office/officeart/2009/3/layout/StepUpProcess"/>
+    <dgm:cxn modelId="{CB71E6A5-97F7-42E4-80D3-DEBCA96FF241}" srcId="{BD10A304-1F73-43DD-9545-9D1E21226479}" destId="{25953BB6-850A-47EF-A2B2-98ACD9BBD186}" srcOrd="0" destOrd="0" parTransId="{A77C307B-DC84-4B4B-B3E4-1E1EAB8380EF}" sibTransId="{85E0FC6C-0E1F-4A68-938D-E103717A4CE3}"/>
     <dgm:cxn modelId="{0258DA0D-C91C-443D-81F4-7B6A5C31306D}" type="presOf" srcId="{9F2B29A3-676C-48AE-825C-3DC60DBF2AE2}" destId="{BE86AFED-F9A0-4F8A-8A27-B836B6B098D1}" srcOrd="0" destOrd="0" presId="urn:microsoft.com/office/officeart/2009/3/layout/StepUpProcess"/>
-    <dgm:cxn modelId="{63E1B369-A07A-4AF4-8ACA-6D0289E80719}" srcId="{6474E90C-A3F5-4C40-8CEB-46B153A00DEE}" destId="{037EC5A9-860F-45A9-97E8-A8AEEA9BB793}" srcOrd="5" destOrd="0" parTransId="{965C5703-C172-43BA-A947-D2654C3E41F8}" sibTransId="{C02B8F31-CDDD-4163-8613-368B89AB05F2}"/>
+    <dgm:cxn modelId="{63E1B369-A07A-4AF4-8ACA-6D0289E80719}" srcId="{6474E90C-A3F5-4C40-8CEB-46B153A00DEE}" destId="{037EC5A9-860F-45A9-97E8-A8AEEA9BB793}" srcOrd="6" destOrd="0" parTransId="{965C5703-C172-43BA-A947-D2654C3E41F8}" sibTransId="{C02B8F31-CDDD-4163-8613-368B89AB05F2}"/>
+    <dgm:cxn modelId="{082AE83C-0F42-43B0-BB02-A36D712BAF7A}" srcId="{BD10A304-1F73-43DD-9545-9D1E21226479}" destId="{0CD4120B-D47E-4785-9E77-E9C10337775D}" srcOrd="4" destOrd="0" parTransId="{775394F6-A4A9-4424-A0E8-6D46946F5B58}" sibTransId="{5E9CC7AC-8D8C-4DFA-A2B9-17F05C5AB103}"/>
     <dgm:cxn modelId="{FE883C88-B8CC-4A57-A60C-7CBE3578F379}" type="presOf" srcId="{FCE84D98-F65E-4313-A996-C9B3D7EBDD34}" destId="{170748FF-6039-443C-8193-92C430D0DFAA}" srcOrd="0" destOrd="1" presId="urn:microsoft.com/office/officeart/2009/3/layout/StepUpProcess"/>
     <dgm:cxn modelId="{4E7777BC-B488-4932-A07D-1D8DDA805C99}" type="presOf" srcId="{037EC5A9-860F-45A9-97E8-A8AEEA9BB793}" destId="{7577EDBA-79C8-47EE-9C48-8258D6199F02}" srcOrd="0" destOrd="0" presId="urn:microsoft.com/office/officeart/2009/3/layout/StepUpProcess"/>
-    <dgm:cxn modelId="{61DE9222-ED43-4411-A227-A9576786E346}" srcId="{6474E90C-A3F5-4C40-8CEB-46B153A00DEE}" destId="{9F2B29A3-676C-48AE-825C-3DC60DBF2AE2}" srcOrd="2" destOrd="0" parTransId="{3B7E9C7A-3EA1-4A88-A8B1-9E17FD1DBB3E}" sibTransId="{05F740F7-02EF-46A6-BCD4-1932D8C87C34}"/>
+    <dgm:cxn modelId="{B77C2D82-C179-4C63-AA57-D1DFEEF5A433}" srcId="{BD10A304-1F73-43DD-9545-9D1E21226479}" destId="{13FBA582-C461-4BAD-99B9-26AE7DA54835}" srcOrd="5" destOrd="0" parTransId="{60D8CB22-A372-49CC-84E0-2B2A39EDFCFC}" sibTransId="{47ED8F71-952F-4462-88BC-1BE7EB6F9E7F}"/>
+    <dgm:cxn modelId="{61DE9222-ED43-4411-A227-A9576786E346}" srcId="{6474E90C-A3F5-4C40-8CEB-46B153A00DEE}" destId="{9F2B29A3-676C-48AE-825C-3DC60DBF2AE2}" srcOrd="3" destOrd="0" parTransId="{3B7E9C7A-3EA1-4A88-A8B1-9E17FD1DBB3E}" sibTransId="{05F740F7-02EF-46A6-BCD4-1932D8C87C34}"/>
     <dgm:cxn modelId="{15D482B8-ABBF-4B83-9697-86A32B42E76C}" type="presOf" srcId="{6474E90C-A3F5-4C40-8CEB-46B153A00DEE}" destId="{B8CD9E79-3CCF-4E7E-8116-56B764458029}" srcOrd="0" destOrd="0" presId="urn:microsoft.com/office/officeart/2009/3/layout/StepUpProcess"/>
     <dgm:cxn modelId="{7915E895-3B0F-42D5-BDE8-26DB43D3BE57}" type="presOf" srcId="{922EFE4D-47F8-46C3-B467-3FB1F4D3DAE7}" destId="{7577EDBA-79C8-47EE-9C48-8258D6199F02}" srcOrd="0" destOrd="1" presId="urn:microsoft.com/office/officeart/2009/3/layout/StepUpProcess"/>
+    <dgm:cxn modelId="{9136108E-BD9C-441B-B53A-14CF87E18AF7}" type="presOf" srcId="{BD10A304-1F73-43DD-9545-9D1E21226479}" destId="{074DB80F-68BF-4581-AF84-D0386B780F14}" srcOrd="0" destOrd="0" presId="urn:microsoft.com/office/officeart/2009/3/layout/StepUpProcess"/>
     <dgm:cxn modelId="{6C885D36-EA41-4E3E-AB2F-530415C94F72}" type="presOf" srcId="{2E844D7E-8FE8-4447-9546-5BF641386BE4}" destId="{BE86AFED-F9A0-4F8A-8A27-B836B6B098D1}" srcOrd="0" destOrd="3" presId="urn:microsoft.com/office/officeart/2009/3/layout/StepUpProcess"/>
     <dgm:cxn modelId="{C896745D-32AB-4630-A4C9-46AE35CAEA16}" type="presOf" srcId="{CE924409-C179-4A2D-B64D-C1667C924238}" destId="{C5F5F110-BA5D-47A9-BE05-32B627697E7C}" srcOrd="0" destOrd="0" presId="urn:microsoft.com/office/officeart/2009/3/layout/StepUpProcess"/>
     <dgm:cxn modelId="{B970CDA8-6C09-486D-87F3-10BA87CC10C3}" srcId="{9F2B29A3-676C-48AE-825C-3DC60DBF2AE2}" destId="{E951F7F4-3E2F-40F5-BC80-BFE018C1F4DB}" srcOrd="1" destOrd="0" parTransId="{F1248C2D-57B5-4C80-A1CE-5E7E6F471B15}" sibTransId="{4CAFAB52-14FC-433C-948B-9D2D22B128B3}"/>
     <dgm:cxn modelId="{AE93B38B-123E-4548-AF4E-284A6E7104D1}" srcId="{6474E90C-A3F5-4C40-8CEB-46B153A00DEE}" destId="{0010D89C-854E-448B-8127-DA3929F939E8}" srcOrd="0" destOrd="0" parTransId="{0A053686-71FD-4CB5-9AAD-451389B5416F}" sibTransId="{815CBACE-0264-47A5-A415-F84E67CE62D1}"/>
-    <dgm:cxn modelId="{15B38CD7-8A1E-468F-8DE6-5AEE996A15FA}" srcId="{6474E90C-A3F5-4C40-8CEB-46B153A00DEE}" destId="{01F32B2A-131E-4E9C-A1D5-1461015E0B2C}" srcOrd="1" destOrd="0" parTransId="{C513A95C-F65A-45F8-BA4C-B38C763C8C9C}" sibTransId="{86B05AE7-D473-4F37-BE51-3CE8676E20FC}"/>
+    <dgm:cxn modelId="{5B05E056-4355-4C9E-8588-F0CD70C6A39D}" type="presOf" srcId="{EE6CC463-806B-49F1-9D27-85973620214C}" destId="{074DB80F-68BF-4581-AF84-D0386B780F14}" srcOrd="0" destOrd="2" presId="urn:microsoft.com/office/officeart/2009/3/layout/StepUpProcess"/>
+    <dgm:cxn modelId="{15B38CD7-8A1E-468F-8DE6-5AEE996A15FA}" srcId="{6474E90C-A3F5-4C40-8CEB-46B153A00DEE}" destId="{01F32B2A-131E-4E9C-A1D5-1461015E0B2C}" srcOrd="2" destOrd="0" parTransId="{C513A95C-F65A-45F8-BA4C-B38C763C8C9C}" sibTransId="{86B05AE7-D473-4F37-BE51-3CE8676E20FC}"/>
     <dgm:cxn modelId="{8E4ADBF6-7252-48FC-8390-A3990FA1EF4B}" srcId="{01F32B2A-131E-4E9C-A1D5-1461015E0B2C}" destId="{8E0C9345-2A16-4BE3-8E86-AA4D49067A7F}" srcOrd="1" destOrd="0" parTransId="{14FAA190-32F9-42BB-A65D-2307C322D396}" sibTransId="{927B7B74-25E4-436C-ADF8-AEE73E6E8340}"/>
     <dgm:cxn modelId="{88F9E9EF-7EC7-41F2-B426-2BA2B98415A5}" srcId="{9299490E-690A-47A2-BF79-343CFAE5FE79}" destId="{FCE84D98-F65E-4313-A996-C9B3D7EBDD34}" srcOrd="0" destOrd="0" parTransId="{87D56A33-4A12-4823-BB95-BF0B8AD83D55}" sibTransId="{D77242C3-146A-4E7E-896D-2903DB57AA5F}"/>
     <dgm:cxn modelId="{D5D9D066-03C7-499E-BC25-10844D15C44B}" type="presOf" srcId="{8E0C9345-2A16-4BE3-8E86-AA4D49067A7F}" destId="{12426410-9ECE-4540-990B-004F5AD61A12}" srcOrd="0" destOrd="2" presId="urn:microsoft.com/office/officeart/2009/3/layout/StepUpProcess"/>
     <dgm:cxn modelId="{CD848CF2-E4A3-45DB-B9BB-FBC287BDE59C}" type="presOf" srcId="{2EBE0A9F-2B2E-4C90-ACF1-A3020FD7B251}" destId="{C5F5F110-BA5D-47A9-BE05-32B627697E7C}" srcOrd="0" destOrd="1" presId="urn:microsoft.com/office/officeart/2009/3/layout/StepUpProcess"/>
+    <dgm:cxn modelId="{3FDD9922-917A-4B8C-8227-A2B10608F731}" type="presOf" srcId="{25953BB6-850A-47EF-A2B2-98ACD9BBD186}" destId="{074DB80F-68BF-4581-AF84-D0386B780F14}" srcOrd="0" destOrd="1" presId="urn:microsoft.com/office/officeart/2009/3/layout/StepUpProcess"/>
+    <dgm:cxn modelId="{6CD03455-961E-4C9D-A840-748AA20E2BAB}" srcId="{BD10A304-1F73-43DD-9545-9D1E21226479}" destId="{EE6CC463-806B-49F1-9D27-85973620214C}" srcOrd="1" destOrd="0" parTransId="{EDB78E5F-2374-4BE3-9191-627E4C1A88C2}" sibTransId="{CD35F4D9-030E-448B-8470-FAEF90CD08CD}"/>
     <dgm:cxn modelId="{323DD34C-9266-49AD-83BA-374612208AEC}" srcId="{037EC5A9-860F-45A9-97E8-A8AEEA9BB793}" destId="{4BE9C7D6-461A-44C8-B607-EDEF2EA077EC}" srcOrd="3" destOrd="0" parTransId="{21ED4C84-2CAB-47DE-B1D0-EEEEB48B552F}" sibTransId="{A31ACD74-4C55-4E1B-8BF0-1A889A0EBBCF}"/>
     <dgm:cxn modelId="{26B98641-5BB7-468A-A496-259B5263EB31}" srcId="{037EC5A9-860F-45A9-97E8-A8AEEA9BB793}" destId="{922EFE4D-47F8-46C3-B467-3FB1F4D3DAE7}" srcOrd="0" destOrd="0" parTransId="{B562972B-83BB-4C51-AE66-6611FC0484BC}" sibTransId="{A1353CEC-4052-4C7C-A1D4-61FF73AD4BF3}"/>
-    <dgm:cxn modelId="{C14F12D1-CD57-46AA-A6D1-2F64C42F76B3}" srcId="{6474E90C-A3F5-4C40-8CEB-46B153A00DEE}" destId="{9299490E-690A-47A2-BF79-343CFAE5FE79}" srcOrd="3" destOrd="0" parTransId="{5519E34E-0331-4FED-B2C5-80A87D5E3315}" sibTransId="{CA92195C-701C-44C3-9ABA-F4B7BC75B593}"/>
+    <dgm:cxn modelId="{C14F12D1-CD57-46AA-A6D1-2F64C42F76B3}" srcId="{6474E90C-A3F5-4C40-8CEB-46B153A00DEE}" destId="{9299490E-690A-47A2-BF79-343CFAE5FE79}" srcOrd="4" destOrd="0" parTransId="{5519E34E-0331-4FED-B2C5-80A87D5E3315}" sibTransId="{CA92195C-701C-44C3-9ABA-F4B7BC75B593}"/>
     <dgm:cxn modelId="{44E7C80A-C63B-4697-BEEC-F40FE819AFB5}" type="presOf" srcId="{1DD8B8D3-226B-49C2-8005-4A91E508846C}" destId="{C5F5F110-BA5D-47A9-BE05-32B627697E7C}" srcOrd="0" destOrd="4" presId="urn:microsoft.com/office/officeart/2009/3/layout/StepUpProcess"/>
     <dgm:cxn modelId="{714F4B39-6556-4C0C-A8F4-1AFFCBBC1CCF}" srcId="{CE924409-C179-4A2D-B64D-C1667C924238}" destId="{2EBE0A9F-2B2E-4C90-ACF1-A3020FD7B251}" srcOrd="0" destOrd="0" parTransId="{1C17A13E-522B-472E-B60D-ED0B56F458C9}" sibTransId="{0B787E35-75DD-415C-8C78-69DFE5BDD12D}"/>
     <dgm:cxn modelId="{F4F9CAF1-01F4-4AB6-9EC0-6D602469B096}" srcId="{CE924409-C179-4A2D-B64D-C1667C924238}" destId="{B97F914E-93D2-4D63-AE6C-21B1DB78616D}" srcOrd="1" destOrd="0" parTransId="{0665C497-B18A-4EDC-93C5-AC6876B09A17}" sibTransId="{8189EBEF-3309-4294-8D03-6642E2CD037A}"/>
     <dgm:cxn modelId="{CF4C2B66-FD39-45E9-BE5C-B464C37250E9}" type="presOf" srcId="{266FBCAC-8055-4D37-AE88-C83AA214ACFC}" destId="{7577EDBA-79C8-47EE-9C48-8258D6199F02}" srcOrd="0" destOrd="2" presId="urn:microsoft.com/office/officeart/2009/3/layout/StepUpProcess"/>
     <dgm:cxn modelId="{89447D9C-8E4E-4578-9CA2-7AA1F4CE77E7}" type="presOf" srcId="{5461AE26-F7D0-458B-AEB1-88F36C1DCC9B}" destId="{7577EDBA-79C8-47EE-9C48-8258D6199F02}" srcOrd="0" destOrd="3" presId="urn:microsoft.com/office/officeart/2009/3/layout/StepUpProcess"/>
+    <dgm:cxn modelId="{BD74EBA8-41FF-4F7A-A9BA-3F7D1C992210}" srcId="{BD10A304-1F73-43DD-9545-9D1E21226479}" destId="{CF4F6786-0163-44E8-A7A2-DFEB228CDE01}" srcOrd="2" destOrd="0" parTransId="{E840309A-1748-4175-8942-B0F4A5C27DCF}" sibTransId="{96706024-6147-4AE0-A8D3-2D288121A0CD}"/>
     <dgm:cxn modelId="{E3A269AE-4240-4AC0-80AC-44E8AA301791}" srcId="{01F32B2A-131E-4E9C-A1D5-1461015E0B2C}" destId="{751AAAA0-FD1A-474D-A8CA-BF7C3BFEE3B9}" srcOrd="0" destOrd="0" parTransId="{53846A0A-0F2A-438C-9E20-486F2C404199}" sibTransId="{80BAE9E0-019A-4BA0-849D-AF902A506F59}"/>
+    <dgm:cxn modelId="{E22326DC-AAAD-429A-BBB8-9CAFD1F3E29A}" srcId="{6474E90C-A3F5-4C40-8CEB-46B153A00DEE}" destId="{BD10A304-1F73-43DD-9545-9D1E21226479}" srcOrd="1" destOrd="0" parTransId="{FF06F63D-4F49-40CC-B0EE-81F5A9E5E354}" sibTransId="{BD5CE1BD-F027-429D-A35F-548BC446F45F}"/>
     <dgm:cxn modelId="{C5E55304-620F-404E-82A8-9A6F75606ECF}" type="presOf" srcId="{9299490E-690A-47A2-BF79-343CFAE5FE79}" destId="{170748FF-6039-443C-8193-92C430D0DFAA}" srcOrd="0" destOrd="0" presId="urn:microsoft.com/office/officeart/2009/3/layout/StepUpProcess"/>
     <dgm:cxn modelId="{60232E93-8FB7-41A4-87C7-7EDFDF74BB7A}" type="presOf" srcId="{E951F7F4-3E2F-40F5-BC80-BFE018C1F4DB}" destId="{BE86AFED-F9A0-4F8A-8A27-B836B6B098D1}" srcOrd="0" destOrd="2" presId="urn:microsoft.com/office/officeart/2009/3/layout/StepUpProcess"/>
+    <dgm:cxn modelId="{A4597088-4B87-4820-81FE-B0BAE363DB15}" type="presOf" srcId="{0CD4120B-D47E-4785-9E77-E9C10337775D}" destId="{074DB80F-68BF-4581-AF84-D0386B780F14}" srcOrd="0" destOrd="5" presId="urn:microsoft.com/office/officeart/2009/3/layout/StepUpProcess"/>
     <dgm:cxn modelId="{6E4B2691-D38D-4043-A8AF-A0CF0F7A372D}" type="presOf" srcId="{DA143095-1394-4517-9AD3-54285DD8A43B}" destId="{12426410-9ECE-4540-990B-004F5AD61A12}" srcOrd="0" destOrd="3" presId="urn:microsoft.com/office/officeart/2009/3/layout/StepUpProcess"/>
     <dgm:cxn modelId="{D6E0EDDD-0A64-4261-A6DE-CF6D90E87EB7}" srcId="{037EC5A9-860F-45A9-97E8-A8AEEA9BB793}" destId="{5461AE26-F7D0-458B-AEB1-88F36C1DCC9B}" srcOrd="2" destOrd="0" parTransId="{395CF524-AC1D-4E72-A1BD-16D8B39E7530}" sibTransId="{47B01F7C-6179-4482-8701-9A07A89D779E}"/>
+    <dgm:cxn modelId="{8DFF85C7-89BF-4185-A1A8-802B62F42F9F}" type="presOf" srcId="{CF4F6786-0163-44E8-A7A2-DFEB228CDE01}" destId="{074DB80F-68BF-4581-AF84-D0386B780F14}" srcOrd="0" destOrd="3" presId="urn:microsoft.com/office/officeart/2009/3/layout/StepUpProcess"/>
+    <dgm:cxn modelId="{D0D5B7E0-C92C-4B9E-9816-357ED6E27279}" type="presOf" srcId="{13FBA582-C461-4BAD-99B9-26AE7DA54835}" destId="{074DB80F-68BF-4581-AF84-D0386B780F14}" srcOrd="0" destOrd="6" presId="urn:microsoft.com/office/officeart/2009/3/layout/StepUpProcess"/>
     <dgm:cxn modelId="{27ACC6B0-7789-4841-9A6F-B22539B9A744}" srcId="{01F32B2A-131E-4E9C-A1D5-1461015E0B2C}" destId="{DA143095-1394-4517-9AD3-54285DD8A43B}" srcOrd="2" destOrd="0" parTransId="{6210CABA-2451-4C98-9705-462D0DB659AE}" sibTransId="{36D015D5-5AD9-461D-832A-6EA994E789B8}"/>
     <dgm:cxn modelId="{40F0A875-0765-4769-8E84-FF710BEDC598}" srcId="{9F2B29A3-676C-48AE-825C-3DC60DBF2AE2}" destId="{2E844D7E-8FE8-4447-9546-5BF641386BE4}" srcOrd="2" destOrd="0" parTransId="{59DF7492-F831-4A41-9DBF-A863285816D7}" sibTransId="{EB6B44AC-7AB4-40A2-AC5F-711AEE692A6B}"/>
     <dgm:cxn modelId="{52184B58-EAFF-42F7-AE45-073BF2481115}" type="presParOf" srcId="{B8CD9E79-3CCF-4E7E-8116-56B764458029}" destId="{CFBD1DC5-E9B3-4ADF-B430-C3CC6449018F}" srcOrd="0" destOrd="0" presId="urn:microsoft.com/office/officeart/2009/3/layout/StepUpProcess"/>
@@ -3024,31 +3352,37 @@
     <dgm:cxn modelId="{F1980C16-2528-4588-93A7-8E1D2447FD26}" type="presParOf" srcId="{CFBD1DC5-E9B3-4ADF-B430-C3CC6449018F}" destId="{C24CF265-89BA-4CC5-B2E0-D2EB87594CC8}" srcOrd="2" destOrd="0" presId="urn:microsoft.com/office/officeart/2009/3/layout/StepUpProcess"/>
     <dgm:cxn modelId="{231E5565-B64E-4901-8517-CF8C0E8C676A}" type="presParOf" srcId="{B8CD9E79-3CCF-4E7E-8116-56B764458029}" destId="{34FD71BF-A89D-4F44-A5DC-13648D81324E}" srcOrd="1" destOrd="0" presId="urn:microsoft.com/office/officeart/2009/3/layout/StepUpProcess"/>
     <dgm:cxn modelId="{8440FA4D-5094-4748-95CA-41A0430E9674}" type="presParOf" srcId="{34FD71BF-A89D-4F44-A5DC-13648D81324E}" destId="{EEE6C403-3CF2-45A0-BE62-AC3E40AD6C24}" srcOrd="0" destOrd="0" presId="urn:microsoft.com/office/officeart/2009/3/layout/StepUpProcess"/>
-    <dgm:cxn modelId="{901BC186-25C6-41C1-BE4E-3ED0AB37A31D}" type="presParOf" srcId="{B8CD9E79-3CCF-4E7E-8116-56B764458029}" destId="{3878D67D-3186-4E27-99BC-B36EFF6FCF62}" srcOrd="2" destOrd="0" presId="urn:microsoft.com/office/officeart/2009/3/layout/StepUpProcess"/>
+    <dgm:cxn modelId="{F9E27314-4362-4032-A9F1-E894FEC0DCF4}" type="presParOf" srcId="{B8CD9E79-3CCF-4E7E-8116-56B764458029}" destId="{2E1783C1-79ED-4460-B791-F5DFCA384133}" srcOrd="2" destOrd="0" presId="urn:microsoft.com/office/officeart/2009/3/layout/StepUpProcess"/>
+    <dgm:cxn modelId="{341CBAB0-CC21-466A-9B5F-F3068D9C178B}" type="presParOf" srcId="{2E1783C1-79ED-4460-B791-F5DFCA384133}" destId="{28CC26EE-CBBB-4595-B8EC-241E6791614B}" srcOrd="0" destOrd="0" presId="urn:microsoft.com/office/officeart/2009/3/layout/StepUpProcess"/>
+    <dgm:cxn modelId="{E1246984-2E6B-4B10-ABCA-C952C7013107}" type="presParOf" srcId="{2E1783C1-79ED-4460-B791-F5DFCA384133}" destId="{074DB80F-68BF-4581-AF84-D0386B780F14}" srcOrd="1" destOrd="0" presId="urn:microsoft.com/office/officeart/2009/3/layout/StepUpProcess"/>
+    <dgm:cxn modelId="{70C8D71F-BFDB-4580-A84F-CF883152053C}" type="presParOf" srcId="{2E1783C1-79ED-4460-B791-F5DFCA384133}" destId="{9FF3722C-A49D-4CC5-8B70-771495A0D233}" srcOrd="2" destOrd="0" presId="urn:microsoft.com/office/officeart/2009/3/layout/StepUpProcess"/>
+    <dgm:cxn modelId="{A654E570-2DD9-4B68-B9A1-7F7940379E12}" type="presParOf" srcId="{B8CD9E79-3CCF-4E7E-8116-56B764458029}" destId="{7715722C-42DD-4ED1-9635-DAD310E785DD}" srcOrd="3" destOrd="0" presId="urn:microsoft.com/office/officeart/2009/3/layout/StepUpProcess"/>
+    <dgm:cxn modelId="{2CF5C6EC-B955-4E00-9BCF-C20506C2C49E}" type="presParOf" srcId="{7715722C-42DD-4ED1-9635-DAD310E785DD}" destId="{61BA461A-AD45-44A5-AB1C-78B6DF4FDDE9}" srcOrd="0" destOrd="0" presId="urn:microsoft.com/office/officeart/2009/3/layout/StepUpProcess"/>
+    <dgm:cxn modelId="{901BC186-25C6-41C1-BE4E-3ED0AB37A31D}" type="presParOf" srcId="{B8CD9E79-3CCF-4E7E-8116-56B764458029}" destId="{3878D67D-3186-4E27-99BC-B36EFF6FCF62}" srcOrd="4" destOrd="0" presId="urn:microsoft.com/office/officeart/2009/3/layout/StepUpProcess"/>
     <dgm:cxn modelId="{C74445AE-1F97-4C1B-B7C3-ABE9CF8E3634}" type="presParOf" srcId="{3878D67D-3186-4E27-99BC-B36EFF6FCF62}" destId="{5F65C369-6736-41D3-BD8C-D3B08A2B9C12}" srcOrd="0" destOrd="0" presId="urn:microsoft.com/office/officeart/2009/3/layout/StepUpProcess"/>
     <dgm:cxn modelId="{CF8D1316-07DF-4B76-994A-A2120DC995B8}" type="presParOf" srcId="{3878D67D-3186-4E27-99BC-B36EFF6FCF62}" destId="{12426410-9ECE-4540-990B-004F5AD61A12}" srcOrd="1" destOrd="0" presId="urn:microsoft.com/office/officeart/2009/3/layout/StepUpProcess"/>
     <dgm:cxn modelId="{76C5136C-84EC-4B11-8D33-0893316A1828}" type="presParOf" srcId="{3878D67D-3186-4E27-99BC-B36EFF6FCF62}" destId="{3A7C4B3F-4FAC-4EF5-9512-913D53308C24}" srcOrd="2" destOrd="0" presId="urn:microsoft.com/office/officeart/2009/3/layout/StepUpProcess"/>
-    <dgm:cxn modelId="{6C4F8DF6-7F37-40B3-B34B-E1CB6C46B32F}" type="presParOf" srcId="{B8CD9E79-3CCF-4E7E-8116-56B764458029}" destId="{D777C379-BDE8-49F1-B74D-CBF4F5B15053}" srcOrd="3" destOrd="0" presId="urn:microsoft.com/office/officeart/2009/3/layout/StepUpProcess"/>
+    <dgm:cxn modelId="{6C4F8DF6-7F37-40B3-B34B-E1CB6C46B32F}" type="presParOf" srcId="{B8CD9E79-3CCF-4E7E-8116-56B764458029}" destId="{D777C379-BDE8-49F1-B74D-CBF4F5B15053}" srcOrd="5" destOrd="0" presId="urn:microsoft.com/office/officeart/2009/3/layout/StepUpProcess"/>
     <dgm:cxn modelId="{AD82AA53-1672-4C92-8431-A54215E71C55}" type="presParOf" srcId="{D777C379-BDE8-49F1-B74D-CBF4F5B15053}" destId="{18490AC7-9201-4C10-B85F-C24CC77EFFBA}" srcOrd="0" destOrd="0" presId="urn:microsoft.com/office/officeart/2009/3/layout/StepUpProcess"/>
-    <dgm:cxn modelId="{93605013-E961-49AD-B5C0-1220BF07D158}" type="presParOf" srcId="{B8CD9E79-3CCF-4E7E-8116-56B764458029}" destId="{1618F534-5B6D-40AB-BBB8-3F10BDE716F4}" srcOrd="4" destOrd="0" presId="urn:microsoft.com/office/officeart/2009/3/layout/StepUpProcess"/>
+    <dgm:cxn modelId="{93605013-E961-49AD-B5C0-1220BF07D158}" type="presParOf" srcId="{B8CD9E79-3CCF-4E7E-8116-56B764458029}" destId="{1618F534-5B6D-40AB-BBB8-3F10BDE716F4}" srcOrd="6" destOrd="0" presId="urn:microsoft.com/office/officeart/2009/3/layout/StepUpProcess"/>
     <dgm:cxn modelId="{FE46F22A-F425-4EBF-9928-FBA773159DF6}" type="presParOf" srcId="{1618F534-5B6D-40AB-BBB8-3F10BDE716F4}" destId="{4822FC76-EADF-42E6-A829-DEAC9A84C0DE}" srcOrd="0" destOrd="0" presId="urn:microsoft.com/office/officeart/2009/3/layout/StepUpProcess"/>
     <dgm:cxn modelId="{E2503F7F-BC48-41F4-852E-1D0F8112EDCB}" type="presParOf" srcId="{1618F534-5B6D-40AB-BBB8-3F10BDE716F4}" destId="{BE86AFED-F9A0-4F8A-8A27-B836B6B098D1}" srcOrd="1" destOrd="0" presId="urn:microsoft.com/office/officeart/2009/3/layout/StepUpProcess"/>
     <dgm:cxn modelId="{C5E39FAA-147B-47A3-825B-8099A750EA3C}" type="presParOf" srcId="{1618F534-5B6D-40AB-BBB8-3F10BDE716F4}" destId="{EDA7D529-A34E-4829-9CB2-E4F3E98F14B1}" srcOrd="2" destOrd="0" presId="urn:microsoft.com/office/officeart/2009/3/layout/StepUpProcess"/>
-    <dgm:cxn modelId="{6BCB25C9-F5FA-476B-BEEE-C53CD0B421F6}" type="presParOf" srcId="{B8CD9E79-3CCF-4E7E-8116-56B764458029}" destId="{2BBFD3C7-0AE9-4438-B951-03CCC74EDAD2}" srcOrd="5" destOrd="0" presId="urn:microsoft.com/office/officeart/2009/3/layout/StepUpProcess"/>
+    <dgm:cxn modelId="{6BCB25C9-F5FA-476B-BEEE-C53CD0B421F6}" type="presParOf" srcId="{B8CD9E79-3CCF-4E7E-8116-56B764458029}" destId="{2BBFD3C7-0AE9-4438-B951-03CCC74EDAD2}" srcOrd="7" destOrd="0" presId="urn:microsoft.com/office/officeart/2009/3/layout/StepUpProcess"/>
     <dgm:cxn modelId="{506FCB36-7907-4A4C-954A-B801F971503F}" type="presParOf" srcId="{2BBFD3C7-0AE9-4438-B951-03CCC74EDAD2}" destId="{A9F34E50-4222-4338-9AA9-4350DE9D7935}" srcOrd="0" destOrd="0" presId="urn:microsoft.com/office/officeart/2009/3/layout/StepUpProcess"/>
-    <dgm:cxn modelId="{BFC784F5-9D83-41F8-AB6F-35BFE77B4337}" type="presParOf" srcId="{B8CD9E79-3CCF-4E7E-8116-56B764458029}" destId="{C3C49C79-A105-4D81-9471-A6257F4D5D6F}" srcOrd="6" destOrd="0" presId="urn:microsoft.com/office/officeart/2009/3/layout/StepUpProcess"/>
+    <dgm:cxn modelId="{BFC784F5-9D83-41F8-AB6F-35BFE77B4337}" type="presParOf" srcId="{B8CD9E79-3CCF-4E7E-8116-56B764458029}" destId="{C3C49C79-A105-4D81-9471-A6257F4D5D6F}" srcOrd="8" destOrd="0" presId="urn:microsoft.com/office/officeart/2009/3/layout/StepUpProcess"/>
     <dgm:cxn modelId="{EAE9AF8B-C5A2-473A-BE64-2C8E30E44EB6}" type="presParOf" srcId="{C3C49C79-A105-4D81-9471-A6257F4D5D6F}" destId="{ADE833BD-FD1A-4856-9066-0C48D2DD5D6F}" srcOrd="0" destOrd="0" presId="urn:microsoft.com/office/officeart/2009/3/layout/StepUpProcess"/>
     <dgm:cxn modelId="{22EFC1EC-F0E7-4F20-A922-3BCFDC6452BA}" type="presParOf" srcId="{C3C49C79-A105-4D81-9471-A6257F4D5D6F}" destId="{170748FF-6039-443C-8193-92C430D0DFAA}" srcOrd="1" destOrd="0" presId="urn:microsoft.com/office/officeart/2009/3/layout/StepUpProcess"/>
     <dgm:cxn modelId="{CB205391-FC1B-4B81-ABAA-A1D9EDB13073}" type="presParOf" srcId="{C3C49C79-A105-4D81-9471-A6257F4D5D6F}" destId="{8570A94F-040C-4CB8-9C06-F728965276B3}" srcOrd="2" destOrd="0" presId="urn:microsoft.com/office/officeart/2009/3/layout/StepUpProcess"/>
-    <dgm:cxn modelId="{D9FE28BD-6C79-42E7-BF09-DFDFD4EED534}" type="presParOf" srcId="{B8CD9E79-3CCF-4E7E-8116-56B764458029}" destId="{4506C7E7-C37E-4C11-9126-2A89DA413BEC}" srcOrd="7" destOrd="0" presId="urn:microsoft.com/office/officeart/2009/3/layout/StepUpProcess"/>
+    <dgm:cxn modelId="{D9FE28BD-6C79-42E7-BF09-DFDFD4EED534}" type="presParOf" srcId="{B8CD9E79-3CCF-4E7E-8116-56B764458029}" destId="{4506C7E7-C37E-4C11-9126-2A89DA413BEC}" srcOrd="9" destOrd="0" presId="urn:microsoft.com/office/officeart/2009/3/layout/StepUpProcess"/>
     <dgm:cxn modelId="{F4D1AF2F-5317-4AB9-8560-1155270E45B1}" type="presParOf" srcId="{4506C7E7-C37E-4C11-9126-2A89DA413BEC}" destId="{EE5EA8CC-FEAF-4A9A-AE6C-E6BF538724AB}" srcOrd="0" destOrd="0" presId="urn:microsoft.com/office/officeart/2009/3/layout/StepUpProcess"/>
-    <dgm:cxn modelId="{AB4C406E-E2F4-4068-94DE-E40A5ABBB50C}" type="presParOf" srcId="{B8CD9E79-3CCF-4E7E-8116-56B764458029}" destId="{99079E01-8011-4982-ACF6-1F29E4521D0B}" srcOrd="8" destOrd="0" presId="urn:microsoft.com/office/officeart/2009/3/layout/StepUpProcess"/>
+    <dgm:cxn modelId="{AB4C406E-E2F4-4068-94DE-E40A5ABBB50C}" type="presParOf" srcId="{B8CD9E79-3CCF-4E7E-8116-56B764458029}" destId="{99079E01-8011-4982-ACF6-1F29E4521D0B}" srcOrd="10" destOrd="0" presId="urn:microsoft.com/office/officeart/2009/3/layout/StepUpProcess"/>
     <dgm:cxn modelId="{E852C548-E52E-47AD-B552-CA1E3966D690}" type="presParOf" srcId="{99079E01-8011-4982-ACF6-1F29E4521D0B}" destId="{5B438569-CCE2-4AAC-8E0A-5743FF9B6502}" srcOrd="0" destOrd="0" presId="urn:microsoft.com/office/officeart/2009/3/layout/StepUpProcess"/>
     <dgm:cxn modelId="{44A0B41F-F050-4CDF-95D6-AEDB63702421}" type="presParOf" srcId="{99079E01-8011-4982-ACF6-1F29E4521D0B}" destId="{C5F5F110-BA5D-47A9-BE05-32B627697E7C}" srcOrd="1" destOrd="0" presId="urn:microsoft.com/office/officeart/2009/3/layout/StepUpProcess"/>
     <dgm:cxn modelId="{127FC2F2-0AC0-4152-858E-7DC9E08FD33B}" type="presParOf" srcId="{99079E01-8011-4982-ACF6-1F29E4521D0B}" destId="{6971FD88-FFEC-4FBF-B3CC-DD255AA67870}" srcOrd="2" destOrd="0" presId="urn:microsoft.com/office/officeart/2009/3/layout/StepUpProcess"/>
-    <dgm:cxn modelId="{5692A978-9BE8-41C5-B3CD-686B40C4744F}" type="presParOf" srcId="{B8CD9E79-3CCF-4E7E-8116-56B764458029}" destId="{E82C6AE2-34A5-482B-8458-815B10394D18}" srcOrd="9" destOrd="0" presId="urn:microsoft.com/office/officeart/2009/3/layout/StepUpProcess"/>
+    <dgm:cxn modelId="{5692A978-9BE8-41C5-B3CD-686B40C4744F}" type="presParOf" srcId="{B8CD9E79-3CCF-4E7E-8116-56B764458029}" destId="{E82C6AE2-34A5-482B-8458-815B10394D18}" srcOrd="11" destOrd="0" presId="urn:microsoft.com/office/officeart/2009/3/layout/StepUpProcess"/>
     <dgm:cxn modelId="{87248E5E-0993-4092-8E88-D7D052ACFAD1}" type="presParOf" srcId="{E82C6AE2-34A5-482B-8458-815B10394D18}" destId="{ABF156C6-7ABD-4853-BB26-787616A57FBE}" srcOrd="0" destOrd="0" presId="urn:microsoft.com/office/officeart/2009/3/layout/StepUpProcess"/>
-    <dgm:cxn modelId="{B27DFA5F-DB32-4D7A-B137-A3F78CA135F0}" type="presParOf" srcId="{B8CD9E79-3CCF-4E7E-8116-56B764458029}" destId="{3AEBF6BB-C684-4E2F-BDA9-A61E3427424E}" srcOrd="10" destOrd="0" presId="urn:microsoft.com/office/officeart/2009/3/layout/StepUpProcess"/>
+    <dgm:cxn modelId="{B27DFA5F-DB32-4D7A-B137-A3F78CA135F0}" type="presParOf" srcId="{B8CD9E79-3CCF-4E7E-8116-56B764458029}" destId="{3AEBF6BB-C684-4E2F-BDA9-A61E3427424E}" srcOrd="12" destOrd="0" presId="urn:microsoft.com/office/officeart/2009/3/layout/StepUpProcess"/>
     <dgm:cxn modelId="{E9F47178-26FB-46EB-9E1E-162DDFEE318F}" type="presParOf" srcId="{3AEBF6BB-C684-4E2F-BDA9-A61E3427424E}" destId="{68E5A9CD-3D01-4E1E-A131-2E66042604FF}" srcOrd="0" destOrd="0" presId="urn:microsoft.com/office/officeart/2009/3/layout/StepUpProcess"/>
     <dgm:cxn modelId="{9027ADE4-DCB4-4006-B091-DB467F006701}" type="presParOf" srcId="{3AEBF6BB-C684-4E2F-BDA9-A61E3427424E}" destId="{7577EDBA-79C8-47EE-9C48-8258D6199F02}" srcOrd="1" destOrd="0" presId="urn:microsoft.com/office/officeart/2009/3/layout/StepUpProcess"/>
   </dgm:cxnLst>
@@ -3077,8 +3411,8 @@
       </dsp:nvSpPr>
       <dsp:spPr>
         <a:xfrm rot="5400000">
-          <a:off x="363442" y="2272369"/>
-          <a:ext cx="1088970" cy="1812022"/>
+          <a:off x="312682" y="2448864"/>
+          <a:ext cx="931036" cy="1549223"/>
         </a:xfrm>
         <a:prstGeom prst="corner">
           <a:avLst>
@@ -3166,8 +3500,8 @@
       </dsp:nvSpPr>
       <dsp:spPr>
         <a:xfrm>
-          <a:off x="181666" y="2813777"/>
-          <a:ext cx="1635903" cy="1433965"/>
+          <a:off x="157269" y="2911751"/>
+          <a:ext cx="1398647" cy="1225996"/>
         </a:xfrm>
         <a:prstGeom prst="rect">
           <a:avLst/>
@@ -3219,8 +3553,8 @@
         </a:p>
       </dsp:txBody>
       <dsp:txXfrm>
-        <a:off x="181666" y="2813777"/>
-        <a:ext cx="1635903" cy="1433965"/>
+        <a:off x="157269" y="2911751"/>
+        <a:ext cx="1398647" cy="1225996"/>
       </dsp:txXfrm>
     </dsp:sp>
     <dsp:sp modelId="{C24CF265-89BA-4CC5-B2E0-D2EB87594CC8}">
@@ -3230,8 +3564,387 @@
       </dsp:nvSpPr>
       <dsp:spPr>
         <a:xfrm>
-          <a:off x="1508908" y="2138974"/>
-          <a:ext cx="308661" cy="308661"/>
+          <a:off x="1292021" y="2334815"/>
+          <a:ext cx="263895" cy="263895"/>
+        </a:xfrm>
+        <a:prstGeom prst="triangle">
+          <a:avLst>
+            <a:gd name="adj" fmla="val 100000"/>
+          </a:avLst>
+        </a:prstGeom>
+        <a:gradFill rotWithShape="0">
+          <a:gsLst>
+            <a:gs pos="0">
+              <a:schemeClr val="accent1">
+                <a:hueOff val="0"/>
+                <a:satOff val="0"/>
+                <a:lumOff val="0"/>
+                <a:alphaOff val="0"/>
+                <a:satMod val="103000"/>
+                <a:lumMod val="102000"/>
+                <a:tint val="94000"/>
+              </a:schemeClr>
+            </a:gs>
+            <a:gs pos="50000">
+              <a:schemeClr val="accent1">
+                <a:hueOff val="0"/>
+                <a:satOff val="0"/>
+                <a:lumOff val="0"/>
+                <a:alphaOff val="0"/>
+                <a:satMod val="110000"/>
+                <a:lumMod val="100000"/>
+                <a:shade val="100000"/>
+              </a:schemeClr>
+            </a:gs>
+            <a:gs pos="100000">
+              <a:schemeClr val="accent1">
+                <a:hueOff val="0"/>
+                <a:satOff val="0"/>
+                <a:lumOff val="0"/>
+                <a:alphaOff val="0"/>
+                <a:lumMod val="99000"/>
+                <a:satMod val="120000"/>
+                <a:shade val="78000"/>
+              </a:schemeClr>
+            </a:gs>
+          </a:gsLst>
+          <a:lin ang="5400000" scaled="0"/>
+        </a:gradFill>
+        <a:ln w="6350" cap="flat" cmpd="sng" algn="ctr">
+          <a:solidFill>
+            <a:schemeClr val="accent1">
+              <a:hueOff val="0"/>
+              <a:satOff val="0"/>
+              <a:lumOff val="0"/>
+              <a:alphaOff val="0"/>
+            </a:schemeClr>
+          </a:solidFill>
+          <a:prstDash val="solid"/>
+          <a:miter lim="800000"/>
+        </a:ln>
+        <a:effectLst>
+          <a:outerShdw blurRad="57150" dist="19050" dir="5400000" algn="ctr" rotWithShape="0">
+            <a:srgbClr val="000000">
+              <a:alpha val="63000"/>
+            </a:srgbClr>
+          </a:outerShdw>
+        </a:effectLst>
+      </dsp:spPr>
+      <dsp:style>
+        <a:lnRef idx="1">
+          <a:scrgbClr r="0" g="0" b="0"/>
+        </a:lnRef>
+        <a:fillRef idx="3">
+          <a:scrgbClr r="0" g="0" b="0"/>
+        </a:fillRef>
+        <a:effectRef idx="3">
+          <a:scrgbClr r="0" g="0" b="0"/>
+        </a:effectRef>
+        <a:fontRef idx="minor">
+          <a:schemeClr val="lt1"/>
+        </a:fontRef>
+      </dsp:style>
+    </dsp:sp>
+    <dsp:sp modelId="{28CC26EE-CBBB-4595-B8EC-241E6791614B}">
+      <dsp:nvSpPr>
+        <dsp:cNvPr id="0" name=""/>
+        <dsp:cNvSpPr/>
+      </dsp:nvSpPr>
+      <dsp:spPr>
+        <a:xfrm rot="5400000">
+          <a:off x="2024900" y="2036783"/>
+          <a:ext cx="931036" cy="1549223"/>
+        </a:xfrm>
+        <a:prstGeom prst="corner">
+          <a:avLst>
+            <a:gd name="adj1" fmla="val 16120"/>
+            <a:gd name="adj2" fmla="val 16110"/>
+          </a:avLst>
+        </a:prstGeom>
+        <a:gradFill rotWithShape="0">
+          <a:gsLst>
+            <a:gs pos="0">
+              <a:schemeClr val="accent1">
+                <a:hueOff val="0"/>
+                <a:satOff val="0"/>
+                <a:lumOff val="0"/>
+                <a:alphaOff val="0"/>
+                <a:satMod val="103000"/>
+                <a:lumMod val="102000"/>
+                <a:tint val="94000"/>
+              </a:schemeClr>
+            </a:gs>
+            <a:gs pos="50000">
+              <a:schemeClr val="accent1">
+                <a:hueOff val="0"/>
+                <a:satOff val="0"/>
+                <a:lumOff val="0"/>
+                <a:alphaOff val="0"/>
+                <a:satMod val="110000"/>
+                <a:lumMod val="100000"/>
+                <a:shade val="100000"/>
+              </a:schemeClr>
+            </a:gs>
+            <a:gs pos="100000">
+              <a:schemeClr val="accent1">
+                <a:hueOff val="0"/>
+                <a:satOff val="0"/>
+                <a:lumOff val="0"/>
+                <a:alphaOff val="0"/>
+                <a:lumMod val="99000"/>
+                <a:satMod val="120000"/>
+                <a:shade val="78000"/>
+              </a:schemeClr>
+            </a:gs>
+          </a:gsLst>
+          <a:lin ang="5400000" scaled="0"/>
+        </a:gradFill>
+        <a:ln w="6350" cap="flat" cmpd="sng" algn="ctr">
+          <a:solidFill>
+            <a:schemeClr val="accent1">
+              <a:hueOff val="0"/>
+              <a:satOff val="0"/>
+              <a:lumOff val="0"/>
+              <a:alphaOff val="0"/>
+            </a:schemeClr>
+          </a:solidFill>
+          <a:prstDash val="solid"/>
+          <a:miter lim="800000"/>
+        </a:ln>
+        <a:effectLst>
+          <a:outerShdw blurRad="57150" dist="19050" dir="5400000" algn="ctr" rotWithShape="0">
+            <a:srgbClr val="000000">
+              <a:alpha val="63000"/>
+            </a:srgbClr>
+          </a:outerShdw>
+        </a:effectLst>
+      </dsp:spPr>
+      <dsp:style>
+        <a:lnRef idx="1">
+          <a:scrgbClr r="0" g="0" b="0"/>
+        </a:lnRef>
+        <a:fillRef idx="3">
+          <a:scrgbClr r="0" g="0" b="0"/>
+        </a:fillRef>
+        <a:effectRef idx="3">
+          <a:scrgbClr r="0" g="0" b="0"/>
+        </a:effectRef>
+        <a:fontRef idx="minor">
+          <a:schemeClr val="lt1"/>
+        </a:fontRef>
+      </dsp:style>
+    </dsp:sp>
+    <dsp:sp modelId="{074DB80F-68BF-4581-AF84-D0386B780F14}">
+      <dsp:nvSpPr>
+        <dsp:cNvPr id="0" name=""/>
+        <dsp:cNvSpPr/>
+      </dsp:nvSpPr>
+      <dsp:spPr>
+        <a:xfrm>
+          <a:off x="1850654" y="2571552"/>
+          <a:ext cx="1436313" cy="1132355"/>
+        </a:xfrm>
+        <a:prstGeom prst="rect">
+          <a:avLst/>
+        </a:prstGeom>
+        <a:noFill/>
+        <a:ln>
+          <a:noFill/>
+        </a:ln>
+        <a:effectLst/>
+      </dsp:spPr>
+      <dsp:style>
+        <a:lnRef idx="0">
+          <a:scrgbClr r="0" g="0" b="0"/>
+        </a:lnRef>
+        <a:fillRef idx="0">
+          <a:scrgbClr r="0" g="0" b="0"/>
+        </a:fillRef>
+        <a:effectRef idx="0">
+          <a:scrgbClr r="0" g="0" b="0"/>
+        </a:effectRef>
+        <a:fontRef idx="minor"/>
+      </dsp:style>
+      <dsp:txBody>
+        <a:bodyPr spcFirstLastPara="0" vert="horz" wrap="square" lIns="41910" tIns="41910" rIns="41910" bIns="41910" numCol="1" spcCol="1270" anchor="t" anchorCtr="0">
+          <a:noAutofit/>
+        </a:bodyPr>
+        <a:lstStyle/>
+        <a:p>
+          <a:pPr lvl="0" algn="l" defTabSz="488950">
+            <a:lnSpc>
+              <a:spcPct val="90000"/>
+            </a:lnSpc>
+            <a:spcBef>
+              <a:spcPct val="0"/>
+            </a:spcBef>
+            <a:spcAft>
+              <a:spcPct val="35000"/>
+            </a:spcAft>
+          </a:pPr>
+          <a:r>
+            <a:rPr lang="en-US" sz="1100" b="1" kern="1200" dirty="0" smtClean="0">
+              <a:latin typeface="+mj-lt"/>
+            </a:rPr>
+            <a:t>BBMC Triage to services:</a:t>
+          </a:r>
+          <a:endParaRPr lang="en-US" sz="1100" b="1" kern="1200" dirty="0">
+            <a:latin typeface="+mj-lt"/>
+          </a:endParaRPr>
+        </a:p>
+        <a:p>
+          <a:pPr marL="57150" lvl="1" indent="-57150" algn="l" defTabSz="488950">
+            <a:lnSpc>
+              <a:spcPct val="90000"/>
+            </a:lnSpc>
+            <a:spcBef>
+              <a:spcPct val="0"/>
+            </a:spcBef>
+            <a:spcAft>
+              <a:spcPct val="15000"/>
+            </a:spcAft>
+            <a:buChar char="••"/>
+          </a:pPr>
+          <a:r>
+            <a:rPr lang="en-US" sz="1100" b="0" kern="1200" dirty="0" smtClean="0">
+              <a:latin typeface="+mj-lt"/>
+            </a:rPr>
+            <a:t>Feasibility</a:t>
+          </a:r>
+          <a:endParaRPr lang="en-US" sz="1100" b="0" kern="1200" dirty="0">
+            <a:latin typeface="+mj-lt"/>
+          </a:endParaRPr>
+        </a:p>
+        <a:p>
+          <a:pPr marL="57150" lvl="1" indent="-57150" algn="l" defTabSz="488950">
+            <a:lnSpc>
+              <a:spcPct val="90000"/>
+            </a:lnSpc>
+            <a:spcBef>
+              <a:spcPct val="0"/>
+            </a:spcBef>
+            <a:spcAft>
+              <a:spcPct val="15000"/>
+            </a:spcAft>
+            <a:buChar char="••"/>
+          </a:pPr>
+          <a:r>
+            <a:rPr lang="en-US" sz="1100" b="0" kern="1200" dirty="0" smtClean="0">
+              <a:latin typeface="+mj-lt"/>
+            </a:rPr>
+            <a:t>Program Evaluation</a:t>
+          </a:r>
+          <a:endParaRPr lang="en-US" sz="1100" b="0" kern="1200" dirty="0">
+            <a:latin typeface="+mj-lt"/>
+          </a:endParaRPr>
+        </a:p>
+        <a:p>
+          <a:pPr marL="57150" lvl="1" indent="-57150" algn="l" defTabSz="488950">
+            <a:lnSpc>
+              <a:spcPct val="90000"/>
+            </a:lnSpc>
+            <a:spcBef>
+              <a:spcPct val="0"/>
+            </a:spcBef>
+            <a:spcAft>
+              <a:spcPct val="15000"/>
+            </a:spcAft>
+            <a:buChar char="••"/>
+          </a:pPr>
+          <a:r>
+            <a:rPr lang="en-US" sz="1100" b="0" kern="1200" dirty="0" smtClean="0">
+              <a:latin typeface="+mj-lt"/>
+            </a:rPr>
+            <a:t>Recruitment</a:t>
+          </a:r>
+          <a:endParaRPr lang="en-US" sz="1100" b="0" kern="1200" dirty="0">
+            <a:latin typeface="+mj-lt"/>
+          </a:endParaRPr>
+        </a:p>
+        <a:p>
+          <a:pPr marL="57150" lvl="1" indent="-57150" algn="l" defTabSz="488950">
+            <a:lnSpc>
+              <a:spcPct val="90000"/>
+            </a:lnSpc>
+            <a:spcBef>
+              <a:spcPct val="0"/>
+            </a:spcBef>
+            <a:spcAft>
+              <a:spcPct val="15000"/>
+            </a:spcAft>
+            <a:buChar char="••"/>
+          </a:pPr>
+          <a:r>
+            <a:rPr lang="en-US" sz="1100" b="0" kern="1200" dirty="0" smtClean="0">
+              <a:latin typeface="+mj-lt"/>
+            </a:rPr>
+            <a:t>Registry</a:t>
+          </a:r>
+          <a:endParaRPr lang="en-US" sz="1100" b="0" kern="1200" dirty="0">
+            <a:latin typeface="+mj-lt"/>
+          </a:endParaRPr>
+        </a:p>
+        <a:p>
+          <a:pPr marL="57150" lvl="1" indent="-57150" algn="l" defTabSz="488950">
+            <a:lnSpc>
+              <a:spcPct val="90000"/>
+            </a:lnSpc>
+            <a:spcBef>
+              <a:spcPct val="0"/>
+            </a:spcBef>
+            <a:spcAft>
+              <a:spcPct val="15000"/>
+            </a:spcAft>
+            <a:buChar char="••"/>
+          </a:pPr>
+          <a:r>
+            <a:rPr lang="en-US" sz="1100" b="0" kern="1200" dirty="0" smtClean="0">
+              <a:latin typeface="+mj-lt"/>
+            </a:rPr>
+            <a:t>Retrospective Studies</a:t>
+          </a:r>
+          <a:endParaRPr lang="en-US" sz="1100" b="0" kern="1200" dirty="0">
+            <a:latin typeface="+mj-lt"/>
+          </a:endParaRPr>
+        </a:p>
+        <a:p>
+          <a:pPr marL="57150" lvl="1" indent="-57150" algn="l" defTabSz="488950">
+            <a:lnSpc>
+              <a:spcPct val="90000"/>
+            </a:lnSpc>
+            <a:spcBef>
+              <a:spcPct val="0"/>
+            </a:spcBef>
+            <a:spcAft>
+              <a:spcPct val="15000"/>
+            </a:spcAft>
+            <a:buChar char="••"/>
+          </a:pPr>
+          <a:r>
+            <a:rPr lang="en-US" sz="1100" b="0" kern="1200" dirty="0" smtClean="0">
+              <a:latin typeface="+mj-lt"/>
+            </a:rPr>
+            <a:t>Facilitating Abstraction</a:t>
+          </a:r>
+          <a:endParaRPr lang="en-US" sz="1100" b="0" kern="1200" dirty="0">
+            <a:latin typeface="+mj-lt"/>
+          </a:endParaRPr>
+        </a:p>
+      </dsp:txBody>
+      <dsp:txXfrm>
+        <a:off x="1850654" y="2571552"/>
+        <a:ext cx="1436313" cy="1132355"/>
+      </dsp:txXfrm>
+    </dsp:sp>
+    <dsp:sp modelId="{9FF3722C-A49D-4CC5-8B70-771495A0D233}">
+      <dsp:nvSpPr>
+        <dsp:cNvPr id="0" name=""/>
+        <dsp:cNvSpPr/>
+      </dsp:nvSpPr>
+      <dsp:spPr>
+        <a:xfrm>
+          <a:off x="3004239" y="1947791"/>
+          <a:ext cx="263895" cy="263895"/>
         </a:xfrm>
         <a:prstGeom prst="triangle">
           <a:avLst>
@@ -3318,8 +4031,8 @@
       </dsp:nvSpPr>
       <dsp:spPr>
         <a:xfrm rot="5400000">
-          <a:off x="2366108" y="1776808"/>
-          <a:ext cx="1088970" cy="1812022"/>
+          <a:off x="3737118" y="1648305"/>
+          <a:ext cx="931036" cy="1549223"/>
         </a:xfrm>
         <a:prstGeom prst="corner">
           <a:avLst>
@@ -3407,8 +4120,8 @@
       </dsp:nvSpPr>
       <dsp:spPr>
         <a:xfrm>
-          <a:off x="2184331" y="2318216"/>
-          <a:ext cx="1635903" cy="1433965"/>
+          <a:off x="3581705" y="2111192"/>
+          <a:ext cx="1398647" cy="1225996"/>
         </a:xfrm>
         <a:prstGeom prst="rect">
           <a:avLst/>
@@ -3529,8 +4242,8 @@
         </a:p>
       </dsp:txBody>
       <dsp:txXfrm>
-        <a:off x="2184331" y="2318216"/>
-        <a:ext cx="1635903" cy="1433965"/>
+        <a:off x="3581705" y="2111192"/>
+        <a:ext cx="1398647" cy="1225996"/>
       </dsp:txXfrm>
     </dsp:sp>
     <dsp:sp modelId="{3A7C4B3F-4FAC-4EF5-9512-913D53308C24}">
@@ -3540,8 +4253,8 @@
       </dsp:nvSpPr>
       <dsp:spPr>
         <a:xfrm>
-          <a:off x="3511574" y="1643412"/>
-          <a:ext cx="308661" cy="308661"/>
+          <a:off x="4716457" y="1534256"/>
+          <a:ext cx="263895" cy="263895"/>
         </a:xfrm>
         <a:prstGeom prst="triangle">
           <a:avLst>
@@ -3628,8 +4341,8 @@
       </dsp:nvSpPr>
       <dsp:spPr>
         <a:xfrm rot="5400000">
-          <a:off x="4368773" y="1281246"/>
-          <a:ext cx="1088970" cy="1812022"/>
+          <a:off x="5449336" y="1224615"/>
+          <a:ext cx="931036" cy="1549223"/>
         </a:xfrm>
         <a:prstGeom prst="corner">
           <a:avLst>
@@ -3717,8 +4430,8 @@
       </dsp:nvSpPr>
       <dsp:spPr>
         <a:xfrm>
-          <a:off x="4186997" y="1822654"/>
-          <a:ext cx="1635903" cy="1433965"/>
+          <a:off x="5293923" y="1687502"/>
+          <a:ext cx="1398647" cy="1225996"/>
         </a:xfrm>
         <a:prstGeom prst="rect">
           <a:avLst/>
@@ -3839,8 +4552,8 @@
         </a:p>
       </dsp:txBody>
       <dsp:txXfrm>
-        <a:off x="4186997" y="1822654"/>
-        <a:ext cx="1635903" cy="1433965"/>
+        <a:off x="5293923" y="1687502"/>
+        <a:ext cx="1398647" cy="1225996"/>
       </dsp:txXfrm>
     </dsp:sp>
     <dsp:sp modelId="{EDA7D529-A34E-4829-9CB2-E4F3E98F14B1}">
@@ -3850,8 +4563,8 @@
       </dsp:nvSpPr>
       <dsp:spPr>
         <a:xfrm>
-          <a:off x="5514240" y="1147851"/>
-          <a:ext cx="308661" cy="308661"/>
+          <a:off x="6428675" y="1110566"/>
+          <a:ext cx="263895" cy="263895"/>
         </a:xfrm>
         <a:prstGeom prst="triangle">
           <a:avLst>
@@ -3938,8 +4651,8 @@
       </dsp:nvSpPr>
       <dsp:spPr>
         <a:xfrm rot="5400000">
-          <a:off x="6371439" y="785685"/>
-          <a:ext cx="1088970" cy="1812022"/>
+          <a:off x="7161555" y="800925"/>
+          <a:ext cx="931036" cy="1549223"/>
         </a:xfrm>
         <a:prstGeom prst="corner">
           <a:avLst>
@@ -4027,8 +4740,8 @@
       </dsp:nvSpPr>
       <dsp:spPr>
         <a:xfrm>
-          <a:off x="6189663" y="1327092"/>
-          <a:ext cx="1635903" cy="1433965"/>
+          <a:off x="7006142" y="1263812"/>
+          <a:ext cx="1398647" cy="1225996"/>
         </a:xfrm>
         <a:prstGeom prst="rect">
           <a:avLst/>
@@ -4072,25 +4785,7 @@
             <a:rPr lang="en-US" sz="1100" b="1" kern="1200" dirty="0" smtClean="0">
               <a:latin typeface="+mj-lt"/>
             </a:rPr>
-            <a:t>Assign project to </a:t>
-          </a:r>
-          <a:r>
-            <a:rPr lang="en-US" sz="1100" b="1" kern="1200" dirty="0" smtClean="0">
-              <a:latin typeface="+mj-lt"/>
-            </a:rPr>
-            <a:t>BBMC analyst </a:t>
-          </a:r>
-          <a:r>
-            <a:rPr lang="en-US" sz="1100" b="1" kern="1200" dirty="0" smtClean="0">
-              <a:latin typeface="+mj-lt"/>
-            </a:rPr>
-            <a:t>based on </a:t>
-          </a:r>
-          <a:r>
-            <a:rPr lang="en-US" sz="1100" b="1" kern="1200" dirty="0" smtClean="0">
-              <a:latin typeface="+mj-lt"/>
-            </a:rPr>
-            <a:t>skills, workload, &amp; interests</a:t>
+            <a:t>Assign project to BBMC analyst based on skills, workload, &amp; interests</a:t>
           </a:r>
           <a:endParaRPr lang="en-US" sz="1100" b="1" kern="1200" dirty="0">
             <a:latin typeface="+mj-lt"/>
@@ -4121,8 +4816,8 @@
         </a:p>
       </dsp:txBody>
       <dsp:txXfrm>
-        <a:off x="6189663" y="1327092"/>
-        <a:ext cx="1635903" cy="1433965"/>
+        <a:off x="7006142" y="1263812"/>
+        <a:ext cx="1398647" cy="1225996"/>
       </dsp:txXfrm>
     </dsp:sp>
     <dsp:sp modelId="{8570A94F-040C-4CB8-9C06-F728965276B3}">
@@ -4132,8 +4827,8 @@
       </dsp:nvSpPr>
       <dsp:spPr>
         <a:xfrm>
-          <a:off x="7516905" y="652289"/>
-          <a:ext cx="308661" cy="308661"/>
+          <a:off x="8140894" y="686876"/>
+          <a:ext cx="263895" cy="263895"/>
         </a:xfrm>
         <a:prstGeom prst="triangle">
           <a:avLst>
@@ -4220,8 +4915,8 @@
       </dsp:nvSpPr>
       <dsp:spPr>
         <a:xfrm rot="5400000">
-          <a:off x="8374105" y="290123"/>
-          <a:ext cx="1088970" cy="1812022"/>
+          <a:off x="8873773" y="377235"/>
+          <a:ext cx="931036" cy="1549223"/>
         </a:xfrm>
         <a:prstGeom prst="corner">
           <a:avLst>
@@ -4309,8 +5004,8 @@
       </dsp:nvSpPr>
       <dsp:spPr>
         <a:xfrm>
-          <a:off x="8192329" y="831531"/>
-          <a:ext cx="1635903" cy="1433965"/>
+          <a:off x="8718360" y="840122"/>
+          <a:ext cx="1398647" cy="1225996"/>
         </a:xfrm>
         <a:prstGeom prst="rect">
           <a:avLst/>
@@ -4451,8 +5146,8 @@
         </a:p>
       </dsp:txBody>
       <dsp:txXfrm>
-        <a:off x="8192329" y="831531"/>
-        <a:ext cx="1635903" cy="1433965"/>
+        <a:off x="8718360" y="840122"/>
+        <a:ext cx="1398647" cy="1225996"/>
       </dsp:txXfrm>
     </dsp:sp>
     <dsp:sp modelId="{6971FD88-FFEC-4FBF-B3CC-DD255AA67870}">
@@ -4462,8 +5157,8 @@
       </dsp:nvSpPr>
       <dsp:spPr>
         <a:xfrm>
-          <a:off x="9519571" y="156727"/>
-          <a:ext cx="308661" cy="308661"/>
+          <a:off x="9853112" y="263185"/>
+          <a:ext cx="263895" cy="263895"/>
         </a:xfrm>
         <a:prstGeom prst="triangle">
           <a:avLst>
@@ -4550,8 +5245,8 @@
       </dsp:nvSpPr>
       <dsp:spPr>
         <a:xfrm rot="5400000">
-          <a:off x="10376770" y="-205438"/>
-          <a:ext cx="1088970" cy="1812022"/>
+          <a:off x="10585991" y="-46454"/>
+          <a:ext cx="931036" cy="1549223"/>
         </a:xfrm>
         <a:prstGeom prst="corner">
           <a:avLst>
@@ -4639,8 +5334,8 @@
       </dsp:nvSpPr>
       <dsp:spPr>
         <a:xfrm>
-          <a:off x="10194994" y="335969"/>
-          <a:ext cx="1635903" cy="1433965"/>
+          <a:off x="10430578" y="416432"/>
+          <a:ext cx="1398647" cy="1225996"/>
         </a:xfrm>
         <a:prstGeom prst="rect">
           <a:avLst/>
@@ -4784,8 +5479,8 @@
         </a:p>
       </dsp:txBody>
       <dsp:txXfrm>
-        <a:off x="10194994" y="335969"/>
-        <a:ext cx="1635903" cy="1433965"/>
+        <a:off x="10430578" y="416432"/>
+        <a:ext cx="1398647" cy="1225996"/>
       </dsp:txXfrm>
     </dsp:sp>
   </dsp:spTree>
@@ -6160,7 +6855,7 @@
           <a:p>
             <a:fld id="{074B6824-7023-4228-BB04-DF38B9F7BAD4}" type="datetimeFigureOut">
               <a:rPr lang="en-US" smtClean="0"/>
-              <a:t>2/4/2021</a:t>
+              <a:t>2/8/2021</a:t>
             </a:fld>
             <a:endParaRPr lang="en-US"/>
           </a:p>
@@ -6538,6 +7233,107 @@
 </p:notes>
 </file>
 
+<file path=ppt/notesSlides/notesSlide10.xml><?xml version="1.0" encoding="utf-8"?>
+<p:notes xmlns:a="http://schemas.openxmlformats.org/drawingml/2006/main" xmlns:r="http://schemas.openxmlformats.org/officeDocument/2006/relationships" xmlns:p="http://schemas.openxmlformats.org/presentationml/2006/main">
+  <p:cSld>
+    <p:spTree>
+      <p:nvGrpSpPr>
+        <p:cNvPr id="1" name=""/>
+        <p:cNvGrpSpPr/>
+        <p:nvPr/>
+      </p:nvGrpSpPr>
+      <p:grpSpPr>
+        <a:xfrm>
+          <a:off x="0" y="0"/>
+          <a:ext cx="0" cy="0"/>
+          <a:chOff x="0" y="0"/>
+          <a:chExt cx="0" cy="0"/>
+        </a:xfrm>
+      </p:grpSpPr>
+      <p:sp>
+        <p:nvSpPr>
+          <p:cNvPr id="2" name="Slide Image Placeholder 1"/>
+          <p:cNvSpPr>
+            <a:spLocks noGrp="1" noRot="1" noChangeAspect="1"/>
+          </p:cNvSpPr>
+          <p:nvPr>
+            <p:ph type="sldImg"/>
+          </p:nvPr>
+        </p:nvSpPr>
+        <p:spPr/>
+      </p:sp>
+      <p:sp>
+        <p:nvSpPr>
+          <p:cNvPr id="3" name="Notes Placeholder 2"/>
+          <p:cNvSpPr>
+            <a:spLocks noGrp="1"/>
+          </p:cNvSpPr>
+          <p:nvPr>
+            <p:ph type="body" idx="1"/>
+          </p:nvPr>
+        </p:nvSpPr>
+        <p:spPr/>
+        <p:txBody>
+          <a:bodyPr/>
+          <a:lstStyle/>
+          <a:p>
+            <a:r>
+              <a:rPr lang="en-US" dirty="0" smtClean="0"/>
+              <a:t>In short, we work closely with the oversight boards to</a:t>
+            </a:r>
+            <a:r>
+              <a:rPr lang="en-US" baseline="0" dirty="0" smtClean="0"/>
+              <a:t> maintain compliance &amp; improve efficiency.  A new governance board is being created that’s co-chair by the informatics heads of the hospital and of the clinics.  I’m excited that this will speed up parts of our process for those studies that don’t require an IRB.</a:t>
+            </a:r>
+          </a:p>
+          <a:p>
+            <a:endParaRPr lang="en-US" baseline="0" dirty="0" smtClean="0"/>
+          </a:p>
+          <a:p>
+            <a:r>
+              <a:rPr lang="en-US" baseline="0" dirty="0" smtClean="0"/>
+              <a:t>[8 min cumulative]</a:t>
+            </a:r>
+            <a:endParaRPr lang="en-US" dirty="0"/>
+          </a:p>
+        </p:txBody>
+      </p:sp>
+      <p:sp>
+        <p:nvSpPr>
+          <p:cNvPr id="4" name="Slide Number Placeholder 3"/>
+          <p:cNvSpPr>
+            <a:spLocks noGrp="1"/>
+          </p:cNvSpPr>
+          <p:nvPr>
+            <p:ph type="sldNum" sz="quarter" idx="10"/>
+          </p:nvPr>
+        </p:nvSpPr>
+        <p:spPr/>
+        <p:txBody>
+          <a:bodyPr/>
+          <a:lstStyle/>
+          <a:p>
+            <a:fld id="{372B4D55-8C27-4C2C-B1CD-E79AEC43B316}" type="slidenum">
+              <a:rPr lang="en-US" smtClean="0"/>
+              <a:t>23</a:t>
+            </a:fld>
+            <a:endParaRPr lang="en-US"/>
+          </a:p>
+        </p:txBody>
+      </p:sp>
+    </p:spTree>
+    <p:extLst>
+      <p:ext uri="{BB962C8B-B14F-4D97-AF65-F5344CB8AC3E}">
+        <p14:creationId xmlns:p14="http://schemas.microsoft.com/office/powerpoint/2010/main" val="369336152"/>
+      </p:ext>
+    </p:extLst>
+  </p:cSld>
+  <p:clrMapOvr>
+    <a:masterClrMapping/>
+  </p:clrMapOvr>
+</p:notes>
+</file>
+
 <file path=ppt/notesSlides/notesSlide2.xml><?xml version="1.0" encoding="utf-8"?>
 <p:notes xmlns:a="http://schemas.openxmlformats.org/drawingml/2006/main" xmlns:r="http://schemas.openxmlformats.org/officeDocument/2006/relationships" xmlns:p="http://schemas.openxmlformats.org/presentationml/2006/main">
   <p:cSld>
@@ -6786,21 +7582,8 @@
           <a:p>
             <a:r>
               <a:rPr lang="en-US" baseline="0" dirty="0" smtClean="0"/>
-              <a:t>When we receive a request involving the </a:t>
-            </a:r>
-            <a:r>
-              <a:rPr lang="en-US" baseline="0" dirty="0" smtClean="0"/>
-              <a:t>CRDW</a:t>
-            </a:r>
-            <a:r>
-              <a:rPr lang="en-US" baseline="0" dirty="0" smtClean="0"/>
-              <a:t>, it’s reviewed by a triage team and assigned to a mix of people.  We assist with the project (ideally while the proposal is being written –not after it’s submitted).  Some of the time we’re also the statisticians, and some of the time the PI has their own statistician or is collaborating with a group like </a:t>
-            </a:r>
-            <a:r>
-              <a:rPr lang="en-US" baseline="0" dirty="0" smtClean="0"/>
-              <a:t>BERD.  </a:t>
-            </a:r>
-            <a:endParaRPr lang="en-US" baseline="0" dirty="0" smtClean="0"/>
+              <a:t>When we receive a request involving the CRDW, it’s reviewed by a triage team and assigned to a mix of people.  We assist with the project (ideally while the proposal is being written –not after it’s submitted).  Some of the time we’re also the statisticians, and some of the time the PI has their own statistician or is collaborating with a group like BERD.  </a:t>
+            </a:r>
           </a:p>
           <a:p>
             <a:endParaRPr lang="en-US" baseline="0" dirty="0" smtClean="0"/>
@@ -6817,15 +7600,7 @@
           <a:p>
             <a:r>
               <a:rPr lang="en-US" baseline="0" dirty="0" smtClean="0"/>
-              <a:t>I have few friends managing the </a:t>
-            </a:r>
-            <a:r>
-              <a:rPr lang="en-US" baseline="0" dirty="0" smtClean="0"/>
-              <a:t>CRDWs </a:t>
-            </a:r>
-            <a:r>
-              <a:rPr lang="en-US" baseline="0" dirty="0" smtClean="0"/>
-              <a:t>of other universities.  When we compare our situations, the biggest differences arise from the fact that our CDW was created by a group that’s primarily statisticians &amp; researchers, as opposed to being created by an IT group that brings in outside statisticians.  Pros &amp; cons to each origin story.  If you see differences between our approach and other institutions, this is a big reason.</a:t>
+              <a:t>I have few friends managing the CRDWs of other universities.  When we compare our situations, the biggest differences arise from the fact that our CDW was created by a group that’s primarily statisticians &amp; researchers, as opposed to being created by an IT group that brings in outside statisticians.  Pros &amp; cons to each origin story.  If you see differences between our approach and other institutions, this is a big reason.</a:t>
             </a:r>
             <a:endParaRPr lang="en-US" dirty="0"/>
           </a:p>
@@ -7250,27 +8025,18 @@
           <a:bodyPr/>
           <a:lstStyle/>
           <a:p>
-            <a:fld id="{795E7D87-CD48-43C8-A7EA-8D4BB480ED50}" type="slidenum">
-              <a:rPr lang="en-US" smtClean="0">
-                <a:solidFill>
-                  <a:prstClr val="black"/>
-                </a:solidFill>
-              </a:rPr>
-              <a:pPr/>
+            <a:fld id="{372B4D55-8C27-4C2C-B1CD-E79AEC43B316}" type="slidenum">
+              <a:rPr lang="en-US" smtClean="0"/>
               <a:t>19</a:t>
             </a:fld>
-            <a:endParaRPr lang="en-US">
-              <a:solidFill>
-                <a:prstClr val="black"/>
-              </a:solidFill>
-            </a:endParaRPr>
+            <a:endParaRPr lang="en-US"/>
           </a:p>
         </p:txBody>
       </p:sp>
     </p:spTree>
     <p:extLst>
       <p:ext uri="{BB962C8B-B14F-4D97-AF65-F5344CB8AC3E}">
-        <p14:creationId xmlns:p14="http://schemas.microsoft.com/office/powerpoint/2010/main" val="3342317537"/>
+        <p14:creationId xmlns:p14="http://schemas.microsoft.com/office/powerpoint/2010/main" val="3988755010"/>
       </p:ext>
     </p:extLst>
   </p:cSld>
@@ -7324,87 +8090,6 @@
           <a:bodyPr/>
           <a:lstStyle/>
           <a:p>
-            <a:r>
-              <a:rPr lang="en-US" dirty="0" smtClean="0"/>
-              <a:t>Here are the services we provide.  This roughly reflects</a:t>
-            </a:r>
-            <a:r>
-              <a:rPr lang="en-US" baseline="0" dirty="0" smtClean="0"/>
-              <a:t> the needs of the campus, but it’s not one-to-one.  For example, I’m sure there are still a lot of manual chart reviews to create eligibility lists.  Also, there are several groups on campus, like BERD, that are great at analyzing the outcomes once the datasets is delivered in a suitable format.</a:t>
-            </a:r>
-          </a:p>
-          <a:p>
-            <a:endParaRPr lang="en-US" dirty="0" smtClean="0"/>
-          </a:p>
-          <a:p>
-            <a:pPr marL="228600" indent="-228600">
-              <a:buAutoNum type="arabicPeriod"/>
-            </a:pPr>
-            <a:r>
-              <a:rPr lang="en-US" baseline="0" dirty="0" smtClean="0"/>
-              <a:t>As PIs decide how big of a bite to take, some come to us to get a feel for the counts of patients meeting the conditions of interest.  These tasks typically not too heavy, so we can complete most within a day.</a:t>
-            </a:r>
-          </a:p>
-          <a:p>
-            <a:pPr marL="228600" indent="-228600">
-              <a:buAutoNum type="arabicPeriod"/>
-            </a:pPr>
-            <a:r>
-              <a:rPr lang="en-US" dirty="0" smtClean="0"/>
-              <a:t>One-time eligibility is</a:t>
-            </a:r>
-            <a:r>
-              <a:rPr lang="en-US" baseline="0" dirty="0" smtClean="0"/>
-              <a:t> requested </a:t>
-            </a:r>
-            <a:r>
-              <a:rPr lang="en-US" dirty="0" smtClean="0"/>
-              <a:t>a lot, partly because we’ve built</a:t>
-            </a:r>
-            <a:r>
-              <a:rPr lang="en-US" baseline="0" dirty="0" smtClean="0"/>
-              <a:t> a little reputation around it.  And virtually all projects need that patient pool defined.  To create this pool our code doesn’t change much between active studies and retrospective studies.  We’ve designed our pipeline to reuse a lot.</a:t>
-            </a:r>
-          </a:p>
-          <a:p>
-            <a:pPr marL="228600" indent="-228600">
-              <a:buAutoNum type="arabicPeriod"/>
-            </a:pPr>
-            <a:r>
-              <a:rPr lang="en-US" baseline="0" dirty="0" smtClean="0"/>
-              <a:t>If it’s not a one-time enrollment, it’s typically then an ongoing recruitment. That takes more time because a lot of factors need to be incorporated to keep it efficient for humans to process.  And even if it took zero seconds to develop, that daily automation inevitably requires some maintenance as those eligibility lists are deployed every morning.  Although most mornings, the automation is smooth and it’s a simple check for a human to review everything passed.</a:t>
-            </a:r>
-          </a:p>
-          <a:p>
-            <a:pPr marL="228600" indent="-228600">
-              <a:buAutoNum type="arabicPeriod"/>
-            </a:pPr>
-            <a:r>
-              <a:rPr lang="en-US" baseline="0" dirty="0" smtClean="0"/>
-              <a:t>Clinical outcomes is what I thought would soak up the majority of our time, but that’s been fairly manageable so far.</a:t>
-            </a:r>
-          </a:p>
-          <a:p>
-            <a:pPr marL="228600" indent="-228600">
-              <a:buAutoNum type="arabicPeriod"/>
-            </a:pPr>
-            <a:r>
-              <a:rPr lang="en-US" baseline="0" dirty="0" smtClean="0"/>
-              <a:t>And occasionally we get administrative and program </a:t>
-            </a:r>
-            <a:r>
-              <a:rPr lang="en-US" baseline="0" dirty="0" err="1" smtClean="0"/>
-              <a:t>eval</a:t>
-            </a:r>
-            <a:r>
-              <a:rPr lang="en-US" baseline="0" dirty="0" smtClean="0"/>
-              <a:t> tasks that fit inside a larger research project.</a:t>
-            </a:r>
-          </a:p>
-          <a:p>
-            <a:pPr marL="228600" indent="-228600">
-              <a:buAutoNum type="arabicPeriod"/>
-            </a:pPr>
             <a:endParaRPr lang="en-US" dirty="0"/>
           </a:p>
         </p:txBody>
@@ -7424,18 +8109,27 @@
           <a:bodyPr/>
           <a:lstStyle/>
           <a:p>
-            <a:fld id="{372B4D55-8C27-4C2C-B1CD-E79AEC43B316}" type="slidenum">
-              <a:rPr lang="en-US" smtClean="0"/>
-              <a:t>21</a:t>
+            <a:fld id="{795E7D87-CD48-43C8-A7EA-8D4BB480ED50}" type="slidenum">
+              <a:rPr lang="en-US" smtClean="0">
+                <a:solidFill>
+                  <a:prstClr val="black"/>
+                </a:solidFill>
+              </a:rPr>
+              <a:pPr/>
+              <a:t>20</a:t>
             </a:fld>
-            <a:endParaRPr lang="en-US"/>
+            <a:endParaRPr lang="en-US">
+              <a:solidFill>
+                <a:prstClr val="black"/>
+              </a:solidFill>
+            </a:endParaRPr>
           </a:p>
         </p:txBody>
       </p:sp>
     </p:spTree>
     <p:extLst>
       <p:ext uri="{BB962C8B-B14F-4D97-AF65-F5344CB8AC3E}">
-        <p14:creationId xmlns:p14="http://schemas.microsoft.com/office/powerpoint/2010/main" val="87129494"/>
+        <p14:creationId xmlns:p14="http://schemas.microsoft.com/office/powerpoint/2010/main" val="3342317537"/>
       </p:ext>
     </p:extLst>
   </p:cSld>
@@ -7491,21 +8185,85 @@
           <a:p>
             <a:r>
               <a:rPr lang="en-US" dirty="0" smtClean="0"/>
-              <a:t>In short, we work closely with the oversight boards to</a:t>
+              <a:t>Here are the services we provide.  This roughly reflects</a:t>
             </a:r>
             <a:r>
               <a:rPr lang="en-US" baseline="0" dirty="0" smtClean="0"/>
-              <a:t> maintain compliance &amp; improve efficiency.  A new governance board is being created that’s co-chair by the informatics heads of the hospital and of the clinics.  I’m excited that this will speed up parts of our process for those studies that don’t require an IRB.</a:t>
+              <a:t> the needs of the campus, but it’s not one-to-one.  For example, I’m sure there are still a lot of manual chart reviews to create eligibility lists.  Also, there are several groups on campus, like BERD, that are great at analyzing the outcomes once the datasets is delivered in a suitable format.</a:t>
             </a:r>
           </a:p>
           <a:p>
-            <a:endParaRPr lang="en-US" baseline="0" dirty="0" smtClean="0"/>
+            <a:endParaRPr lang="en-US" dirty="0" smtClean="0"/>
           </a:p>
           <a:p>
+            <a:pPr marL="228600" indent="-228600">
+              <a:buAutoNum type="arabicPeriod"/>
+            </a:pPr>
             <a:r>
               <a:rPr lang="en-US" baseline="0" dirty="0" smtClean="0"/>
-              <a:t>[8 min cumulative]</a:t>
-            </a:r>
+              <a:t>As PIs decide how big of a bite to take, some come to us to get a feel for the counts of patients meeting the conditions of interest.  These tasks typically not too heavy, so we can complete most within a day.</a:t>
+            </a:r>
+          </a:p>
+          <a:p>
+            <a:pPr marL="228600" indent="-228600">
+              <a:buAutoNum type="arabicPeriod"/>
+            </a:pPr>
+            <a:r>
+              <a:rPr lang="en-US" dirty="0" smtClean="0"/>
+              <a:t>One-time eligibility is</a:t>
+            </a:r>
+            <a:r>
+              <a:rPr lang="en-US" baseline="0" dirty="0" smtClean="0"/>
+              <a:t> requested </a:t>
+            </a:r>
+            <a:r>
+              <a:rPr lang="en-US" dirty="0" smtClean="0"/>
+              <a:t>a lot, partly because we’ve built</a:t>
+            </a:r>
+            <a:r>
+              <a:rPr lang="en-US" baseline="0" dirty="0" smtClean="0"/>
+              <a:t> a little reputation around it.  And virtually all projects need that patient pool defined.  To create this pool our code doesn’t change much between active studies and retrospective studies.  We’ve designed our pipeline to reuse a lot.</a:t>
+            </a:r>
+          </a:p>
+          <a:p>
+            <a:pPr marL="228600" indent="-228600">
+              <a:buAutoNum type="arabicPeriod"/>
+            </a:pPr>
+            <a:r>
+              <a:rPr lang="en-US" baseline="0" dirty="0" smtClean="0"/>
+              <a:t>If it’s not a one-time enrollment, it’s typically then an ongoing recruitment. That takes more time because a lot of factors need to be incorporated to keep it efficient for humans to process.  And even if it took zero seconds to develop, that daily automation inevitably requires some maintenance as those eligibility lists are deployed every morning.  Although most mornings, the automation is smooth and it’s a simple check for a human to review everything passed.</a:t>
+            </a:r>
+          </a:p>
+          <a:p>
+            <a:pPr marL="228600" indent="-228600">
+              <a:buAutoNum type="arabicPeriod"/>
+            </a:pPr>
+            <a:r>
+              <a:rPr lang="en-US" baseline="0" dirty="0" smtClean="0"/>
+              <a:t>Clinical outcomes is what I thought would soak up the majority of our time, but that’s been fairly manageable so far.</a:t>
+            </a:r>
+          </a:p>
+          <a:p>
+            <a:pPr marL="228600" indent="-228600">
+              <a:buAutoNum type="arabicPeriod"/>
+            </a:pPr>
+            <a:r>
+              <a:rPr lang="en-US" baseline="0" dirty="0" smtClean="0"/>
+              <a:t>And occasionally we get administrative and program </a:t>
+            </a:r>
+            <a:r>
+              <a:rPr lang="en-US" baseline="0" dirty="0" err="1" smtClean="0"/>
+              <a:t>eval</a:t>
+            </a:r>
+            <a:r>
+              <a:rPr lang="en-US" baseline="0" dirty="0" smtClean="0"/>
+              <a:t> tasks that fit inside a larger research project.</a:t>
+            </a:r>
+          </a:p>
+          <a:p>
+            <a:pPr marL="228600" indent="-228600">
+              <a:buAutoNum type="arabicPeriod"/>
+            </a:pPr>
             <a:endParaRPr lang="en-US" dirty="0"/>
           </a:p>
         </p:txBody>
@@ -7536,7 +8294,7 @@
     </p:spTree>
     <p:extLst>
       <p:ext uri="{BB962C8B-B14F-4D97-AF65-F5344CB8AC3E}">
-        <p14:creationId xmlns:p14="http://schemas.microsoft.com/office/powerpoint/2010/main" val="369336152"/>
+        <p14:creationId xmlns:p14="http://schemas.microsoft.com/office/powerpoint/2010/main" val="87129494"/>
       </p:ext>
     </p:extLst>
   </p:cSld>
@@ -7677,7 +8435,7 @@
           <a:p>
             <a:fld id="{48D8CAB9-F02B-405D-B26E-A393DAA55285}" type="datetimeFigureOut">
               <a:rPr lang="en-US" smtClean="0"/>
-              <a:t>2/4/2021</a:t>
+              <a:t>2/8/2021</a:t>
             </a:fld>
             <a:endParaRPr lang="en-US"/>
           </a:p>
@@ -7871,7 +8629,7 @@
           <a:p>
             <a:fld id="{48D8CAB9-F02B-405D-B26E-A393DAA55285}" type="datetimeFigureOut">
               <a:rPr lang="en-US" smtClean="0"/>
-              <a:t>2/4/2021</a:t>
+              <a:t>2/8/2021</a:t>
             </a:fld>
             <a:endParaRPr lang="en-US"/>
           </a:p>
@@ -8051,7 +8809,7 @@
           <a:p>
             <a:fld id="{48D8CAB9-F02B-405D-B26E-A393DAA55285}" type="datetimeFigureOut">
               <a:rPr lang="en-US" smtClean="0"/>
-              <a:t>2/4/2021</a:t>
+              <a:t>2/8/2021</a:t>
             </a:fld>
             <a:endParaRPr lang="en-US"/>
           </a:p>
@@ -8221,7 +8979,7 @@
           <a:p>
             <a:fld id="{48D8CAB9-F02B-405D-B26E-A393DAA55285}" type="datetimeFigureOut">
               <a:rPr lang="en-US" smtClean="0"/>
-              <a:t>2/4/2021</a:t>
+              <a:t>2/8/2021</a:t>
             </a:fld>
             <a:endParaRPr lang="en-US"/>
           </a:p>
@@ -8467,7 +9225,7 @@
           <a:p>
             <a:fld id="{48D8CAB9-F02B-405D-B26E-A393DAA55285}" type="datetimeFigureOut">
               <a:rPr lang="en-US" smtClean="0"/>
-              <a:t>2/4/2021</a:t>
+              <a:t>2/8/2021</a:t>
             </a:fld>
             <a:endParaRPr lang="en-US"/>
           </a:p>
@@ -8699,7 +9457,7 @@
           <a:p>
             <a:fld id="{48D8CAB9-F02B-405D-B26E-A393DAA55285}" type="datetimeFigureOut">
               <a:rPr lang="en-US" smtClean="0"/>
-              <a:t>2/4/2021</a:t>
+              <a:t>2/8/2021</a:t>
             </a:fld>
             <a:endParaRPr lang="en-US"/>
           </a:p>
@@ -9066,7 +9824,7 @@
           <a:p>
             <a:fld id="{48D8CAB9-F02B-405D-B26E-A393DAA55285}" type="datetimeFigureOut">
               <a:rPr lang="en-US" smtClean="0"/>
-              <a:t>2/4/2021</a:t>
+              <a:t>2/8/2021</a:t>
             </a:fld>
             <a:endParaRPr lang="en-US"/>
           </a:p>
@@ -9184,7 +9942,7 @@
           <a:p>
             <a:fld id="{48D8CAB9-F02B-405D-B26E-A393DAA55285}" type="datetimeFigureOut">
               <a:rPr lang="en-US" smtClean="0"/>
-              <a:t>2/4/2021</a:t>
+              <a:t>2/8/2021</a:t>
             </a:fld>
             <a:endParaRPr lang="en-US"/>
           </a:p>
@@ -9279,7 +10037,7 @@
           <a:p>
             <a:fld id="{48D8CAB9-F02B-405D-B26E-A393DAA55285}" type="datetimeFigureOut">
               <a:rPr lang="en-US" smtClean="0"/>
-              <a:t>2/4/2021</a:t>
+              <a:t>2/8/2021</a:t>
             </a:fld>
             <a:endParaRPr lang="en-US"/>
           </a:p>
@@ -9556,7 +10314,7 @@
           <a:p>
             <a:fld id="{48D8CAB9-F02B-405D-B26E-A393DAA55285}" type="datetimeFigureOut">
               <a:rPr lang="en-US" smtClean="0"/>
-              <a:t>2/4/2021</a:t>
+              <a:t>2/8/2021</a:t>
             </a:fld>
             <a:endParaRPr lang="en-US"/>
           </a:p>
@@ -9809,7 +10567,7 @@
           <a:p>
             <a:fld id="{48D8CAB9-F02B-405D-B26E-A393DAA55285}" type="datetimeFigureOut">
               <a:rPr lang="en-US" smtClean="0"/>
-              <a:t>2/4/2021</a:t>
+              <a:t>2/8/2021</a:t>
             </a:fld>
             <a:endParaRPr lang="en-US"/>
           </a:p>
@@ -10022,7 +10780,7 @@
           <a:p>
             <a:fld id="{48D8CAB9-F02B-405D-B26E-A393DAA55285}" type="datetimeFigureOut">
               <a:rPr lang="en-US" smtClean="0"/>
-              <a:t>2/4/2021</a:t>
+              <a:t>2/8/2021</a:t>
             </a:fld>
             <a:endParaRPr lang="en-US"/>
           </a:p>
@@ -10937,21 +11695,21 @@
                 <a:gridCol w="3333583">
                   <a:extLst>
                     <a:ext uri="{9D8B030D-6E8A-4147-A177-3AD203B41FA5}">
-                      <a16:colId xmlns:a16="http://schemas.microsoft.com/office/drawing/2014/main" val="1356431335"/>
+                      <a16:colId xmlns:a16="http://schemas.microsoft.com/office/drawing/2014/main" xmlns="" val="1356431335"/>
                     </a:ext>
                   </a:extLst>
                 </a:gridCol>
                 <a:gridCol w="919190">
                   <a:extLst>
                     <a:ext uri="{9D8B030D-6E8A-4147-A177-3AD203B41FA5}">
-                      <a16:colId xmlns:a16="http://schemas.microsoft.com/office/drawing/2014/main" val="4074852346"/>
+                      <a16:colId xmlns:a16="http://schemas.microsoft.com/office/drawing/2014/main" xmlns="" val="4074852346"/>
                     </a:ext>
                   </a:extLst>
                 </a:gridCol>
                 <a:gridCol w="1120447">
                   <a:extLst>
                     <a:ext uri="{9D8B030D-6E8A-4147-A177-3AD203B41FA5}">
-                      <a16:colId xmlns:a16="http://schemas.microsoft.com/office/drawing/2014/main" val="715510892"/>
+                      <a16:colId xmlns:a16="http://schemas.microsoft.com/office/drawing/2014/main" xmlns="" val="715510892"/>
                     </a:ext>
                   </a:extLst>
                 </a:gridCol>
@@ -11028,7 +11786,7 @@
                 </a:tc>
                 <a:extLst>
                   <a:ext uri="{0D108BD9-81ED-4DB2-BD59-A6C34878D82A}">
-                    <a16:rowId xmlns:a16="http://schemas.microsoft.com/office/drawing/2014/main" val="1236399335"/>
+                    <a16:rowId xmlns:a16="http://schemas.microsoft.com/office/drawing/2014/main" xmlns="" val="1236399335"/>
                   </a:ext>
                 </a:extLst>
               </a:tr>
@@ -11120,7 +11878,7 @@
                 </a:tc>
                 <a:extLst>
                   <a:ext uri="{0D108BD9-81ED-4DB2-BD59-A6C34878D82A}">
-                    <a16:rowId xmlns:a16="http://schemas.microsoft.com/office/drawing/2014/main" val="10001"/>
+                    <a16:rowId xmlns:a16="http://schemas.microsoft.com/office/drawing/2014/main" xmlns="" val="10001"/>
                   </a:ext>
                 </a:extLst>
               </a:tr>
@@ -11212,7 +11970,7 @@
                 </a:tc>
                 <a:extLst>
                   <a:ext uri="{0D108BD9-81ED-4DB2-BD59-A6C34878D82A}">
-                    <a16:rowId xmlns:a16="http://schemas.microsoft.com/office/drawing/2014/main" val="3548785687"/>
+                    <a16:rowId xmlns:a16="http://schemas.microsoft.com/office/drawing/2014/main" xmlns="" val="3548785687"/>
                   </a:ext>
                 </a:extLst>
               </a:tr>
@@ -11316,7 +12074,7 @@
                 </a:tc>
                 <a:extLst>
                   <a:ext uri="{0D108BD9-81ED-4DB2-BD59-A6C34878D82A}">
-                    <a16:rowId xmlns:a16="http://schemas.microsoft.com/office/drawing/2014/main" val="949879066"/>
+                    <a16:rowId xmlns:a16="http://schemas.microsoft.com/office/drawing/2014/main" xmlns="" val="949879066"/>
                   </a:ext>
                 </a:extLst>
               </a:tr>
@@ -11430,7 +12188,7 @@
                 </a:tc>
                 <a:extLst>
                   <a:ext uri="{0D108BD9-81ED-4DB2-BD59-A6C34878D82A}">
-                    <a16:rowId xmlns:a16="http://schemas.microsoft.com/office/drawing/2014/main" val="3222670053"/>
+                    <a16:rowId xmlns:a16="http://schemas.microsoft.com/office/drawing/2014/main" xmlns="" val="3222670053"/>
                   </a:ext>
                 </a:extLst>
               </a:tr>
@@ -11536,7 +12294,7 @@
                 </a:tc>
                 <a:extLst>
                   <a:ext uri="{0D108BD9-81ED-4DB2-BD59-A6C34878D82A}">
-                    <a16:rowId xmlns:a16="http://schemas.microsoft.com/office/drawing/2014/main" val="1661099666"/>
+                    <a16:rowId xmlns:a16="http://schemas.microsoft.com/office/drawing/2014/main" xmlns="" val="1661099666"/>
                   </a:ext>
                 </a:extLst>
               </a:tr>
@@ -11642,7 +12400,7 @@
                 </a:tc>
                 <a:extLst>
                   <a:ext uri="{0D108BD9-81ED-4DB2-BD59-A6C34878D82A}">
-                    <a16:rowId xmlns:a16="http://schemas.microsoft.com/office/drawing/2014/main" val="4172047643"/>
+                    <a16:rowId xmlns:a16="http://schemas.microsoft.com/office/drawing/2014/main" xmlns="" val="4172047643"/>
                   </a:ext>
                 </a:extLst>
               </a:tr>
@@ -11736,7 +12494,7 @@
                 </a:tc>
                 <a:extLst>
                   <a:ext uri="{0D108BD9-81ED-4DB2-BD59-A6C34878D82A}">
-                    <a16:rowId xmlns:a16="http://schemas.microsoft.com/office/drawing/2014/main" val="1057878429"/>
+                    <a16:rowId xmlns:a16="http://schemas.microsoft.com/office/drawing/2014/main" xmlns="" val="1057878429"/>
                   </a:ext>
                 </a:extLst>
               </a:tr>
@@ -11828,7 +12586,7 @@
                 </a:tc>
                 <a:extLst>
                   <a:ext uri="{0D108BD9-81ED-4DB2-BD59-A6C34878D82A}">
-                    <a16:rowId xmlns:a16="http://schemas.microsoft.com/office/drawing/2014/main" val="2151953881"/>
+                    <a16:rowId xmlns:a16="http://schemas.microsoft.com/office/drawing/2014/main" xmlns="" val="2151953881"/>
                   </a:ext>
                 </a:extLst>
               </a:tr>
@@ -11934,7 +12692,7 @@
                 </a:tc>
                 <a:extLst>
                   <a:ext uri="{0D108BD9-81ED-4DB2-BD59-A6C34878D82A}">
-                    <a16:rowId xmlns:a16="http://schemas.microsoft.com/office/drawing/2014/main" val="3615318075"/>
+                    <a16:rowId xmlns:a16="http://schemas.microsoft.com/office/drawing/2014/main" xmlns="" val="3615318075"/>
                   </a:ext>
                 </a:extLst>
               </a:tr>
@@ -12038,7 +12796,7 @@
                 </a:tc>
                 <a:extLst>
                   <a:ext uri="{0D108BD9-81ED-4DB2-BD59-A6C34878D82A}">
-                    <a16:rowId xmlns:a16="http://schemas.microsoft.com/office/drawing/2014/main" val="1810581365"/>
+                    <a16:rowId xmlns:a16="http://schemas.microsoft.com/office/drawing/2014/main" xmlns="" val="1810581365"/>
                   </a:ext>
                 </a:extLst>
               </a:tr>
@@ -12142,7 +12900,7 @@
                 </a:tc>
                 <a:extLst>
                   <a:ext uri="{0D108BD9-81ED-4DB2-BD59-A6C34878D82A}">
-                    <a16:rowId xmlns:a16="http://schemas.microsoft.com/office/drawing/2014/main" val="240284698"/>
+                    <a16:rowId xmlns:a16="http://schemas.microsoft.com/office/drawing/2014/main" xmlns="" val="240284698"/>
                   </a:ext>
                 </a:extLst>
               </a:tr>
@@ -12246,7 +13004,7 @@
                 </a:tc>
                 <a:extLst>
                   <a:ext uri="{0D108BD9-81ED-4DB2-BD59-A6C34878D82A}">
-                    <a16:rowId xmlns:a16="http://schemas.microsoft.com/office/drawing/2014/main" val="2906176452"/>
+                    <a16:rowId xmlns:a16="http://schemas.microsoft.com/office/drawing/2014/main" xmlns="" val="2906176452"/>
                   </a:ext>
                 </a:extLst>
               </a:tr>
@@ -12372,7 +13130,7 @@
                 </a:tc>
                 <a:extLst>
                   <a:ext uri="{0D108BD9-81ED-4DB2-BD59-A6C34878D82A}">
-                    <a16:rowId xmlns:a16="http://schemas.microsoft.com/office/drawing/2014/main" val="3562986470"/>
+                    <a16:rowId xmlns:a16="http://schemas.microsoft.com/office/drawing/2014/main" xmlns="" val="3562986470"/>
                   </a:ext>
                 </a:extLst>
               </a:tr>
@@ -12464,7 +13222,7 @@
                 </a:tc>
                 <a:extLst>
                   <a:ext uri="{0D108BD9-81ED-4DB2-BD59-A6C34878D82A}">
-                    <a16:rowId xmlns:a16="http://schemas.microsoft.com/office/drawing/2014/main" val="1671168545"/>
+                    <a16:rowId xmlns:a16="http://schemas.microsoft.com/office/drawing/2014/main" xmlns="" val="1671168545"/>
                   </a:ext>
                 </a:extLst>
               </a:tr>
@@ -12602,7 +13360,7 @@
                 </a:tc>
                 <a:extLst>
                   <a:ext uri="{0D108BD9-81ED-4DB2-BD59-A6C34878D82A}">
-                    <a16:rowId xmlns:a16="http://schemas.microsoft.com/office/drawing/2014/main" val="1894232362"/>
+                    <a16:rowId xmlns:a16="http://schemas.microsoft.com/office/drawing/2014/main" xmlns="" val="1894232362"/>
                   </a:ext>
                 </a:extLst>
               </a:tr>
@@ -12694,7 +13452,7 @@
                 </a:tc>
                 <a:extLst>
                   <a:ext uri="{0D108BD9-81ED-4DB2-BD59-A6C34878D82A}">
-                    <a16:rowId xmlns:a16="http://schemas.microsoft.com/office/drawing/2014/main" val="2066418765"/>
+                    <a16:rowId xmlns:a16="http://schemas.microsoft.com/office/drawing/2014/main" xmlns="" val="2066418765"/>
                   </a:ext>
                 </a:extLst>
               </a:tr>
@@ -12898,21 +13656,21 @@
                 <a:gridCol w="3333583">
                   <a:extLst>
                     <a:ext uri="{9D8B030D-6E8A-4147-A177-3AD203B41FA5}">
-                      <a16:colId xmlns:a16="http://schemas.microsoft.com/office/drawing/2014/main" val="1356431335"/>
+                      <a16:colId xmlns:a16="http://schemas.microsoft.com/office/drawing/2014/main" xmlns="" val="1356431335"/>
                     </a:ext>
                   </a:extLst>
                 </a:gridCol>
                 <a:gridCol w="869736">
                   <a:extLst>
                     <a:ext uri="{9D8B030D-6E8A-4147-A177-3AD203B41FA5}">
-                      <a16:colId xmlns:a16="http://schemas.microsoft.com/office/drawing/2014/main" val="4074852346"/>
+                      <a16:colId xmlns:a16="http://schemas.microsoft.com/office/drawing/2014/main" xmlns="" val="4074852346"/>
                     </a:ext>
                   </a:extLst>
                 </a:gridCol>
                 <a:gridCol w="1169901">
                   <a:extLst>
                     <a:ext uri="{9D8B030D-6E8A-4147-A177-3AD203B41FA5}">
-                      <a16:colId xmlns:a16="http://schemas.microsoft.com/office/drawing/2014/main" val="715510892"/>
+                      <a16:colId xmlns:a16="http://schemas.microsoft.com/office/drawing/2014/main" xmlns="" val="715510892"/>
                     </a:ext>
                   </a:extLst>
                 </a:gridCol>
@@ -12989,7 +13747,7 @@
                 </a:tc>
                 <a:extLst>
                   <a:ext uri="{0D108BD9-81ED-4DB2-BD59-A6C34878D82A}">
-                    <a16:rowId xmlns:a16="http://schemas.microsoft.com/office/drawing/2014/main" val="1236399335"/>
+                    <a16:rowId xmlns:a16="http://schemas.microsoft.com/office/drawing/2014/main" xmlns="" val="1236399335"/>
                   </a:ext>
                 </a:extLst>
               </a:tr>
@@ -13081,7 +13839,7 @@
                 </a:tc>
                 <a:extLst>
                   <a:ext uri="{0D108BD9-81ED-4DB2-BD59-A6C34878D82A}">
-                    <a16:rowId xmlns:a16="http://schemas.microsoft.com/office/drawing/2014/main" val="10001"/>
+                    <a16:rowId xmlns:a16="http://schemas.microsoft.com/office/drawing/2014/main" xmlns="" val="10001"/>
                   </a:ext>
                 </a:extLst>
               </a:tr>
@@ -13195,7 +13953,7 @@
                 </a:tc>
                 <a:extLst>
                   <a:ext uri="{0D108BD9-81ED-4DB2-BD59-A6C34878D82A}">
-                    <a16:rowId xmlns:a16="http://schemas.microsoft.com/office/drawing/2014/main" val="3548785687"/>
+                    <a16:rowId xmlns:a16="http://schemas.microsoft.com/office/drawing/2014/main" xmlns="" val="3548785687"/>
                   </a:ext>
                 </a:extLst>
               </a:tr>
@@ -13287,7 +14045,7 @@
                 </a:tc>
                 <a:extLst>
                   <a:ext uri="{0D108BD9-81ED-4DB2-BD59-A6C34878D82A}">
-                    <a16:rowId xmlns:a16="http://schemas.microsoft.com/office/drawing/2014/main" val="949879066"/>
+                    <a16:rowId xmlns:a16="http://schemas.microsoft.com/office/drawing/2014/main" xmlns="" val="949879066"/>
                   </a:ext>
                 </a:extLst>
               </a:tr>
@@ -13391,7 +14149,7 @@
                 </a:tc>
                 <a:extLst>
                   <a:ext uri="{0D108BD9-81ED-4DB2-BD59-A6C34878D82A}">
-                    <a16:rowId xmlns:a16="http://schemas.microsoft.com/office/drawing/2014/main" val="3222670053"/>
+                    <a16:rowId xmlns:a16="http://schemas.microsoft.com/office/drawing/2014/main" xmlns="" val="3222670053"/>
                   </a:ext>
                 </a:extLst>
               </a:tr>
@@ -13497,7 +14255,7 @@
                 </a:tc>
                 <a:extLst>
                   <a:ext uri="{0D108BD9-81ED-4DB2-BD59-A6C34878D82A}">
-                    <a16:rowId xmlns:a16="http://schemas.microsoft.com/office/drawing/2014/main" val="1661099666"/>
+                    <a16:rowId xmlns:a16="http://schemas.microsoft.com/office/drawing/2014/main" xmlns="" val="1661099666"/>
                   </a:ext>
                 </a:extLst>
               </a:tr>
@@ -13589,7 +14347,7 @@
                 </a:tc>
                 <a:extLst>
                   <a:ext uri="{0D108BD9-81ED-4DB2-BD59-A6C34878D82A}">
-                    <a16:rowId xmlns:a16="http://schemas.microsoft.com/office/drawing/2014/main" val="4172047643"/>
+                    <a16:rowId xmlns:a16="http://schemas.microsoft.com/office/drawing/2014/main" xmlns="" val="4172047643"/>
                   </a:ext>
                 </a:extLst>
               </a:tr>
@@ -13649,7 +14407,7 @@
                 </a:tc>
                 <a:extLst>
                   <a:ext uri="{0D108BD9-81ED-4DB2-BD59-A6C34878D82A}">
-                    <a16:rowId xmlns:a16="http://schemas.microsoft.com/office/drawing/2014/main" val="1057878429"/>
+                    <a16:rowId xmlns:a16="http://schemas.microsoft.com/office/drawing/2014/main" xmlns="" val="1057878429"/>
                   </a:ext>
                 </a:extLst>
               </a:tr>
@@ -13709,7 +14467,7 @@
                 </a:tc>
                 <a:extLst>
                   <a:ext uri="{0D108BD9-81ED-4DB2-BD59-A6C34878D82A}">
-                    <a16:rowId xmlns:a16="http://schemas.microsoft.com/office/drawing/2014/main" val="2151953881"/>
+                    <a16:rowId xmlns:a16="http://schemas.microsoft.com/office/drawing/2014/main" xmlns="" val="2151953881"/>
                   </a:ext>
                 </a:extLst>
               </a:tr>
@@ -13771,7 +14529,7 @@
                 </a:tc>
                 <a:extLst>
                   <a:ext uri="{0D108BD9-81ED-4DB2-BD59-A6C34878D82A}">
-                    <a16:rowId xmlns:a16="http://schemas.microsoft.com/office/drawing/2014/main" val="3615318075"/>
+                    <a16:rowId xmlns:a16="http://schemas.microsoft.com/office/drawing/2014/main" xmlns="" val="3615318075"/>
                   </a:ext>
                 </a:extLst>
               </a:tr>
@@ -13831,7 +14589,7 @@
                 </a:tc>
                 <a:extLst>
                   <a:ext uri="{0D108BD9-81ED-4DB2-BD59-A6C34878D82A}">
-                    <a16:rowId xmlns:a16="http://schemas.microsoft.com/office/drawing/2014/main" val="1810581365"/>
+                    <a16:rowId xmlns:a16="http://schemas.microsoft.com/office/drawing/2014/main" xmlns="" val="1810581365"/>
                   </a:ext>
                 </a:extLst>
               </a:tr>
@@ -13891,7 +14649,7 @@
                 </a:tc>
                 <a:extLst>
                   <a:ext uri="{0D108BD9-81ED-4DB2-BD59-A6C34878D82A}">
-                    <a16:rowId xmlns:a16="http://schemas.microsoft.com/office/drawing/2014/main" val="240284698"/>
+                    <a16:rowId xmlns:a16="http://schemas.microsoft.com/office/drawing/2014/main" xmlns="" val="240284698"/>
                   </a:ext>
                 </a:extLst>
               </a:tr>
@@ -13951,7 +14709,7 @@
                 </a:tc>
                 <a:extLst>
                   <a:ext uri="{0D108BD9-81ED-4DB2-BD59-A6C34878D82A}">
-                    <a16:rowId xmlns:a16="http://schemas.microsoft.com/office/drawing/2014/main" val="2906176452"/>
+                    <a16:rowId xmlns:a16="http://schemas.microsoft.com/office/drawing/2014/main" xmlns="" val="2906176452"/>
                   </a:ext>
                 </a:extLst>
               </a:tr>
@@ -14011,7 +14769,7 @@
                 </a:tc>
                 <a:extLst>
                   <a:ext uri="{0D108BD9-81ED-4DB2-BD59-A6C34878D82A}">
-                    <a16:rowId xmlns:a16="http://schemas.microsoft.com/office/drawing/2014/main" val="3562986470"/>
+                    <a16:rowId xmlns:a16="http://schemas.microsoft.com/office/drawing/2014/main" xmlns="" val="3562986470"/>
                   </a:ext>
                 </a:extLst>
               </a:tr>
@@ -14071,7 +14829,7 @@
                 </a:tc>
                 <a:extLst>
                   <a:ext uri="{0D108BD9-81ED-4DB2-BD59-A6C34878D82A}">
-                    <a16:rowId xmlns:a16="http://schemas.microsoft.com/office/drawing/2014/main" val="1671168545"/>
+                    <a16:rowId xmlns:a16="http://schemas.microsoft.com/office/drawing/2014/main" xmlns="" val="1671168545"/>
                   </a:ext>
                 </a:extLst>
               </a:tr>
@@ -14131,7 +14889,7 @@
                 </a:tc>
                 <a:extLst>
                   <a:ext uri="{0D108BD9-81ED-4DB2-BD59-A6C34878D82A}">
-                    <a16:rowId xmlns:a16="http://schemas.microsoft.com/office/drawing/2014/main" val="1894232362"/>
+                    <a16:rowId xmlns:a16="http://schemas.microsoft.com/office/drawing/2014/main" xmlns="" val="1894232362"/>
                   </a:ext>
                 </a:extLst>
               </a:tr>
@@ -14191,7 +14949,7 @@
                 </a:tc>
                 <a:extLst>
                   <a:ext uri="{0D108BD9-81ED-4DB2-BD59-A6C34878D82A}">
-                    <a16:rowId xmlns:a16="http://schemas.microsoft.com/office/drawing/2014/main" val="2066418765"/>
+                    <a16:rowId xmlns:a16="http://schemas.microsoft.com/office/drawing/2014/main" xmlns="" val="2066418765"/>
                   </a:ext>
                 </a:extLst>
               </a:tr>
@@ -14251,7 +15009,7 @@
                 </a:tc>
                 <a:extLst>
                   <a:ext uri="{0D108BD9-81ED-4DB2-BD59-A6C34878D82A}">
-                    <a16:rowId xmlns:a16="http://schemas.microsoft.com/office/drawing/2014/main" val="8815647"/>
+                    <a16:rowId xmlns:a16="http://schemas.microsoft.com/office/drawing/2014/main" xmlns="" val="8815647"/>
                   </a:ext>
                 </a:extLst>
               </a:tr>
@@ -14399,7 +15157,7 @@
           <p:nvPr>
             <p:extLst>
               <p:ext uri="{D42A27DB-BD31-4B8C-83A1-F6EECF244321}">
-                <p14:modId xmlns:p14="http://schemas.microsoft.com/office/powerpoint/2010/main" val="3841209614"/>
+                <p14:modId xmlns:p14="http://schemas.microsoft.com/office/powerpoint/2010/main" val="2144985031"/>
               </p:ext>
             </p:extLst>
           </p:nvPr>
@@ -14418,14 +15176,14 @@
                 <a:gridCol w="2434245">
                   <a:extLst>
                     <a:ext uri="{9D8B030D-6E8A-4147-A177-3AD203B41FA5}">
-                      <a16:colId xmlns:a16="http://schemas.microsoft.com/office/drawing/2014/main" val="601924521"/>
+                      <a16:colId xmlns:a16="http://schemas.microsoft.com/office/drawing/2014/main" xmlns="" val="601924521"/>
                     </a:ext>
                   </a:extLst>
                 </a:gridCol>
                 <a:gridCol w="6559454">
                   <a:extLst>
                     <a:ext uri="{9D8B030D-6E8A-4147-A177-3AD203B41FA5}">
-                      <a16:colId xmlns:a16="http://schemas.microsoft.com/office/drawing/2014/main" val="1772112701"/>
+                      <a16:colId xmlns:a16="http://schemas.microsoft.com/office/drawing/2014/main" xmlns="" val="1772112701"/>
                     </a:ext>
                   </a:extLst>
                 </a:gridCol>
@@ -14438,7 +15196,11 @@
                     <a:p>
                       <a:r>
                         <a:rPr lang="en-US" dirty="0" smtClean="0"/>
-                        <a:t>Principle Investigator</a:t>
+                        <a:t>Principal  </a:t>
+                      </a:r>
+                      <a:r>
+                        <a:rPr lang="en-US" dirty="0" smtClean="0"/>
+                        <a:t>Investigator</a:t>
                       </a:r>
                     </a:p>
                   </a:txBody>
@@ -14464,7 +15226,7 @@
                 </a:tc>
                 <a:extLst>
                   <a:ext uri="{0D108BD9-81ED-4DB2-BD59-A6C34878D82A}">
-                    <a16:rowId xmlns:a16="http://schemas.microsoft.com/office/drawing/2014/main" val="368542532"/>
+                    <a16:rowId xmlns:a16="http://schemas.microsoft.com/office/drawing/2014/main" xmlns="" val="368542532"/>
                   </a:ext>
                 </a:extLst>
               </a:tr>
@@ -14498,7 +15260,7 @@
                 </a:tc>
                 <a:extLst>
                   <a:ext uri="{0D108BD9-81ED-4DB2-BD59-A6C34878D82A}">
-                    <a16:rowId xmlns:a16="http://schemas.microsoft.com/office/drawing/2014/main" val="960286342"/>
+                    <a16:rowId xmlns:a16="http://schemas.microsoft.com/office/drawing/2014/main" xmlns="" val="960286342"/>
                   </a:ext>
                 </a:extLst>
               </a:tr>
@@ -14533,7 +15295,7 @@
                 </a:tc>
                 <a:extLst>
                   <a:ext uri="{0D108BD9-81ED-4DB2-BD59-A6C34878D82A}">
-                    <a16:rowId xmlns:a16="http://schemas.microsoft.com/office/drawing/2014/main" val="3060705834"/>
+                    <a16:rowId xmlns:a16="http://schemas.microsoft.com/office/drawing/2014/main" xmlns="" val="3060705834"/>
                   </a:ext>
                 </a:extLst>
               </a:tr>
@@ -14568,7 +15330,7 @@
                 </a:tc>
                 <a:extLst>
                   <a:ext uri="{0D108BD9-81ED-4DB2-BD59-A6C34878D82A}">
-                    <a16:rowId xmlns:a16="http://schemas.microsoft.com/office/drawing/2014/main" val="881160331"/>
+                    <a16:rowId xmlns:a16="http://schemas.microsoft.com/office/drawing/2014/main" xmlns="" val="881160331"/>
                   </a:ext>
                 </a:extLst>
               </a:tr>
@@ -14603,7 +15365,7 @@
                 </a:tc>
                 <a:extLst>
                   <a:ext uri="{0D108BD9-81ED-4DB2-BD59-A6C34878D82A}">
-                    <a16:rowId xmlns:a16="http://schemas.microsoft.com/office/drawing/2014/main" val="648041670"/>
+                    <a16:rowId xmlns:a16="http://schemas.microsoft.com/office/drawing/2014/main" xmlns="" val="648041670"/>
                   </a:ext>
                 </a:extLst>
               </a:tr>
@@ -14646,7 +15408,7 @@
                 </a:tc>
                 <a:extLst>
                   <a:ext uri="{0D108BD9-81ED-4DB2-BD59-A6C34878D82A}">
-                    <a16:rowId xmlns:a16="http://schemas.microsoft.com/office/drawing/2014/main" val="3843739269"/>
+                    <a16:rowId xmlns:a16="http://schemas.microsoft.com/office/drawing/2014/main" xmlns="" val="3843739269"/>
                   </a:ext>
                 </a:extLst>
               </a:tr>
@@ -14706,7 +15468,7 @@
                 </a:tc>
                 <a:extLst>
                   <a:ext uri="{0D108BD9-81ED-4DB2-BD59-A6C34878D82A}">
-                    <a16:rowId xmlns:a16="http://schemas.microsoft.com/office/drawing/2014/main" val="1053835359"/>
+                    <a16:rowId xmlns:a16="http://schemas.microsoft.com/office/drawing/2014/main" xmlns="" val="1053835359"/>
                   </a:ext>
                 </a:extLst>
               </a:tr>
@@ -14737,7 +15499,7 @@
                 </a:tc>
                 <a:extLst>
                   <a:ext uri="{0D108BD9-81ED-4DB2-BD59-A6C34878D82A}">
-                    <a16:rowId xmlns:a16="http://schemas.microsoft.com/office/drawing/2014/main" val="1647707109"/>
+                    <a16:rowId xmlns:a16="http://schemas.microsoft.com/office/drawing/2014/main" xmlns="" val="1647707109"/>
                   </a:ext>
                 </a:extLst>
               </a:tr>
@@ -14812,7 +15574,7 @@
           <p:nvPr>
             <p:extLst>
               <p:ext uri="{D42A27DB-BD31-4B8C-83A1-F6EECF244321}">
-                <p14:modId xmlns:p14="http://schemas.microsoft.com/office/powerpoint/2010/main" val="1042422906"/>
+                <p14:modId xmlns:p14="http://schemas.microsoft.com/office/powerpoint/2010/main" val="3587008448"/>
               </p:ext>
             </p:extLst>
           </p:nvPr>
@@ -14831,14 +15593,14 @@
                 <a:gridCol w="2403564">
                   <a:extLst>
                     <a:ext uri="{9D8B030D-6E8A-4147-A177-3AD203B41FA5}">
-                      <a16:colId xmlns:a16="http://schemas.microsoft.com/office/drawing/2014/main" val="601924521"/>
+                      <a16:colId xmlns:a16="http://schemas.microsoft.com/office/drawing/2014/main" xmlns="" val="601924521"/>
                     </a:ext>
                   </a:extLst>
                 </a:gridCol>
                 <a:gridCol w="6476779">
                   <a:extLst>
                     <a:ext uri="{9D8B030D-6E8A-4147-A177-3AD203B41FA5}">
-                      <a16:colId xmlns:a16="http://schemas.microsoft.com/office/drawing/2014/main" val="1772112701"/>
+                      <a16:colId xmlns:a16="http://schemas.microsoft.com/office/drawing/2014/main" xmlns="" val="1772112701"/>
                     </a:ext>
                   </a:extLst>
                 </a:gridCol>
@@ -14851,8 +15613,9 @@
                     <a:p>
                       <a:r>
                         <a:rPr lang="en-US" dirty="0" smtClean="0"/>
-                        <a:t>Principle Investigator</a:t>
-                      </a:r>
+                        <a:t>Principal Investigator</a:t>
+                      </a:r>
+                      <a:endParaRPr lang="en-US" dirty="0" smtClean="0"/>
                     </a:p>
                   </a:txBody>
                   <a:tcPr/>
@@ -14873,7 +15636,7 @@
                 </a:tc>
                 <a:extLst>
                   <a:ext uri="{0D108BD9-81ED-4DB2-BD59-A6C34878D82A}">
-                    <a16:rowId xmlns:a16="http://schemas.microsoft.com/office/drawing/2014/main" val="368542532"/>
+                    <a16:rowId xmlns:a16="http://schemas.microsoft.com/office/drawing/2014/main" xmlns="" val="368542532"/>
                   </a:ext>
                 </a:extLst>
               </a:tr>
@@ -14907,7 +15670,7 @@
                 </a:tc>
                 <a:extLst>
                   <a:ext uri="{0D108BD9-81ED-4DB2-BD59-A6C34878D82A}">
-                    <a16:rowId xmlns:a16="http://schemas.microsoft.com/office/drawing/2014/main" val="960286342"/>
+                    <a16:rowId xmlns:a16="http://schemas.microsoft.com/office/drawing/2014/main" xmlns="" val="960286342"/>
                   </a:ext>
                 </a:extLst>
               </a:tr>
@@ -14942,7 +15705,7 @@
                 </a:tc>
                 <a:extLst>
                   <a:ext uri="{0D108BD9-81ED-4DB2-BD59-A6C34878D82A}">
-                    <a16:rowId xmlns:a16="http://schemas.microsoft.com/office/drawing/2014/main" val="3060705834"/>
+                    <a16:rowId xmlns:a16="http://schemas.microsoft.com/office/drawing/2014/main" xmlns="" val="3060705834"/>
                   </a:ext>
                 </a:extLst>
               </a:tr>
@@ -14977,7 +15740,7 @@
                 </a:tc>
                 <a:extLst>
                   <a:ext uri="{0D108BD9-81ED-4DB2-BD59-A6C34878D82A}">
-                    <a16:rowId xmlns:a16="http://schemas.microsoft.com/office/drawing/2014/main" val="881160331"/>
+                    <a16:rowId xmlns:a16="http://schemas.microsoft.com/office/drawing/2014/main" xmlns="" val="881160331"/>
                   </a:ext>
                 </a:extLst>
               </a:tr>
@@ -15012,7 +15775,7 @@
                 </a:tc>
                 <a:extLst>
                   <a:ext uri="{0D108BD9-81ED-4DB2-BD59-A6C34878D82A}">
-                    <a16:rowId xmlns:a16="http://schemas.microsoft.com/office/drawing/2014/main" val="648041670"/>
+                    <a16:rowId xmlns:a16="http://schemas.microsoft.com/office/drawing/2014/main" xmlns="" val="648041670"/>
                   </a:ext>
                 </a:extLst>
               </a:tr>
@@ -15055,7 +15818,7 @@
                 </a:tc>
                 <a:extLst>
                   <a:ext uri="{0D108BD9-81ED-4DB2-BD59-A6C34878D82A}">
-                    <a16:rowId xmlns:a16="http://schemas.microsoft.com/office/drawing/2014/main" val="3843739269"/>
+                    <a16:rowId xmlns:a16="http://schemas.microsoft.com/office/drawing/2014/main" xmlns="" val="3843739269"/>
                   </a:ext>
                 </a:extLst>
               </a:tr>
@@ -15118,7 +15881,7 @@
                 </a:tc>
                 <a:extLst>
                   <a:ext uri="{0D108BD9-81ED-4DB2-BD59-A6C34878D82A}">
-                    <a16:rowId xmlns:a16="http://schemas.microsoft.com/office/drawing/2014/main" val="3329494400"/>
+                    <a16:rowId xmlns:a16="http://schemas.microsoft.com/office/drawing/2014/main" xmlns="" val="3329494400"/>
                   </a:ext>
                 </a:extLst>
               </a:tr>
@@ -15181,7 +15944,7 @@
                 </a:tc>
                 <a:extLst>
                   <a:ext uri="{0D108BD9-81ED-4DB2-BD59-A6C34878D82A}">
-                    <a16:rowId xmlns:a16="http://schemas.microsoft.com/office/drawing/2014/main" val="1647707109"/>
+                    <a16:rowId xmlns:a16="http://schemas.microsoft.com/office/drawing/2014/main" xmlns="" val="1647707109"/>
                   </a:ext>
                 </a:extLst>
               </a:tr>
@@ -15370,7 +16133,7 @@
           <p:nvPr>
             <p:extLst>
               <p:ext uri="{D42A27DB-BD31-4B8C-83A1-F6EECF244321}">
-                <p14:modId xmlns:p14="http://schemas.microsoft.com/office/powerpoint/2010/main" val="2326209550"/>
+                <p14:modId xmlns:p14="http://schemas.microsoft.com/office/powerpoint/2010/main" val="2935166352"/>
               </p:ext>
             </p:extLst>
           </p:nvPr>
@@ -15389,14 +16152,14 @@
                 <a:gridCol w="2456744">
                   <a:extLst>
                     <a:ext uri="{9D8B030D-6E8A-4147-A177-3AD203B41FA5}">
-                      <a16:colId xmlns:a16="http://schemas.microsoft.com/office/drawing/2014/main" val="601924521"/>
+                      <a16:colId xmlns:a16="http://schemas.microsoft.com/office/drawing/2014/main" xmlns="" val="601924521"/>
                     </a:ext>
                   </a:extLst>
                 </a:gridCol>
                 <a:gridCol w="6620082">
                   <a:extLst>
                     <a:ext uri="{9D8B030D-6E8A-4147-A177-3AD203B41FA5}">
-                      <a16:colId xmlns:a16="http://schemas.microsoft.com/office/drawing/2014/main" val="1772112701"/>
+                      <a16:colId xmlns:a16="http://schemas.microsoft.com/office/drawing/2014/main" xmlns="" val="1772112701"/>
                     </a:ext>
                   </a:extLst>
                 </a:gridCol>
@@ -15409,8 +16172,9 @@
                     <a:p>
                       <a:r>
                         <a:rPr lang="en-US" dirty="0" smtClean="0"/>
-                        <a:t>Principle Investigator</a:t>
-                      </a:r>
+                        <a:t>Principal Investigator</a:t>
+                      </a:r>
+                      <a:endParaRPr lang="en-US" dirty="0" smtClean="0"/>
                     </a:p>
                   </a:txBody>
                   <a:tcPr/>
@@ -15431,7 +16195,7 @@
                 </a:tc>
                 <a:extLst>
                   <a:ext uri="{0D108BD9-81ED-4DB2-BD59-A6C34878D82A}">
-                    <a16:rowId xmlns:a16="http://schemas.microsoft.com/office/drawing/2014/main" val="368542532"/>
+                    <a16:rowId xmlns:a16="http://schemas.microsoft.com/office/drawing/2014/main" xmlns="" val="368542532"/>
                   </a:ext>
                 </a:extLst>
               </a:tr>
@@ -15465,7 +16229,7 @@
                 </a:tc>
                 <a:extLst>
                   <a:ext uri="{0D108BD9-81ED-4DB2-BD59-A6C34878D82A}">
-                    <a16:rowId xmlns:a16="http://schemas.microsoft.com/office/drawing/2014/main" val="960286342"/>
+                    <a16:rowId xmlns:a16="http://schemas.microsoft.com/office/drawing/2014/main" xmlns="" val="960286342"/>
                   </a:ext>
                 </a:extLst>
               </a:tr>
@@ -15500,7 +16264,7 @@
                 </a:tc>
                 <a:extLst>
                   <a:ext uri="{0D108BD9-81ED-4DB2-BD59-A6C34878D82A}">
-                    <a16:rowId xmlns:a16="http://schemas.microsoft.com/office/drawing/2014/main" val="3060705834"/>
+                    <a16:rowId xmlns:a16="http://schemas.microsoft.com/office/drawing/2014/main" xmlns="" val="3060705834"/>
                   </a:ext>
                 </a:extLst>
               </a:tr>
@@ -15535,7 +16299,7 @@
                 </a:tc>
                 <a:extLst>
                   <a:ext uri="{0D108BD9-81ED-4DB2-BD59-A6C34878D82A}">
-                    <a16:rowId xmlns:a16="http://schemas.microsoft.com/office/drawing/2014/main" val="881160331"/>
+                    <a16:rowId xmlns:a16="http://schemas.microsoft.com/office/drawing/2014/main" xmlns="" val="881160331"/>
                   </a:ext>
                 </a:extLst>
               </a:tr>
@@ -15570,7 +16334,7 @@
                 </a:tc>
                 <a:extLst>
                   <a:ext uri="{0D108BD9-81ED-4DB2-BD59-A6C34878D82A}">
-                    <a16:rowId xmlns:a16="http://schemas.microsoft.com/office/drawing/2014/main" val="648041670"/>
+                    <a16:rowId xmlns:a16="http://schemas.microsoft.com/office/drawing/2014/main" xmlns="" val="648041670"/>
                   </a:ext>
                 </a:extLst>
               </a:tr>
@@ -15613,7 +16377,7 @@
                 </a:tc>
                 <a:extLst>
                   <a:ext uri="{0D108BD9-81ED-4DB2-BD59-A6C34878D82A}">
-                    <a16:rowId xmlns:a16="http://schemas.microsoft.com/office/drawing/2014/main" val="3843739269"/>
+                    <a16:rowId xmlns:a16="http://schemas.microsoft.com/office/drawing/2014/main" xmlns="" val="3843739269"/>
                   </a:ext>
                 </a:extLst>
               </a:tr>
@@ -15693,7 +16457,7 @@
                 </a:tc>
                 <a:extLst>
                   <a:ext uri="{0D108BD9-81ED-4DB2-BD59-A6C34878D82A}">
-                    <a16:rowId xmlns:a16="http://schemas.microsoft.com/office/drawing/2014/main" val="1097377734"/>
+                    <a16:rowId xmlns:a16="http://schemas.microsoft.com/office/drawing/2014/main" xmlns="" val="1097377734"/>
                   </a:ext>
                 </a:extLst>
               </a:tr>
@@ -15724,7 +16488,7 @@
                 </a:tc>
                 <a:extLst>
                   <a:ext uri="{0D108BD9-81ED-4DB2-BD59-A6C34878D82A}">
-                    <a16:rowId xmlns:a16="http://schemas.microsoft.com/office/drawing/2014/main" val="1647707109"/>
+                    <a16:rowId xmlns:a16="http://schemas.microsoft.com/office/drawing/2014/main" xmlns="" val="1647707109"/>
                   </a:ext>
                 </a:extLst>
               </a:tr>
@@ -15804,14 +16568,14 @@
           <p:nvPr>
             <p:extLst>
               <p:ext uri="{D42A27DB-BD31-4B8C-83A1-F6EECF244321}">
-                <p14:modId xmlns:p14="http://schemas.microsoft.com/office/powerpoint/2010/main" val="1359835507"/>
+                <p14:modId xmlns:p14="http://schemas.microsoft.com/office/powerpoint/2010/main" val="1931400770"/>
               </p:ext>
             </p:extLst>
           </p:nvPr>
         </p:nvGraphicFramePr>
         <p:xfrm>
           <a:off x="1691934" y="2797848"/>
-          <a:ext cx="8128000" cy="2595880"/>
+          <a:ext cx="8128000" cy="2865120"/>
         </p:xfrm>
         <a:graphic>
           <a:graphicData uri="http://schemas.openxmlformats.org/drawingml/2006/table">
@@ -15823,14 +16587,14 @@
                 <a:gridCol w="2199934">
                   <a:extLst>
                     <a:ext uri="{9D8B030D-6E8A-4147-A177-3AD203B41FA5}">
-                      <a16:colId xmlns:a16="http://schemas.microsoft.com/office/drawing/2014/main" val="601924521"/>
+                      <a16:colId xmlns:a16="http://schemas.microsoft.com/office/drawing/2014/main" xmlns="" val="601924521"/>
                     </a:ext>
                   </a:extLst>
                 </a:gridCol>
                 <a:gridCol w="5928066">
                   <a:extLst>
                     <a:ext uri="{9D8B030D-6E8A-4147-A177-3AD203B41FA5}">
-                      <a16:colId xmlns:a16="http://schemas.microsoft.com/office/drawing/2014/main" val="1772112701"/>
+                      <a16:colId xmlns:a16="http://schemas.microsoft.com/office/drawing/2014/main" xmlns="" val="1772112701"/>
                     </a:ext>
                   </a:extLst>
                 </a:gridCol>
@@ -15843,7 +16607,11 @@
                     <a:p>
                       <a:r>
                         <a:rPr lang="en-US" dirty="0" smtClean="0"/>
-                        <a:t>Principle Investigator</a:t>
+                        <a:t>Principal  </a:t>
+                      </a:r>
+                      <a:r>
+                        <a:rPr lang="en-US" dirty="0" smtClean="0"/>
+                        <a:t>Investigator</a:t>
                       </a:r>
                     </a:p>
                   </a:txBody>
@@ -15865,7 +16633,7 @@
                 </a:tc>
                 <a:extLst>
                   <a:ext uri="{0D108BD9-81ED-4DB2-BD59-A6C34878D82A}">
-                    <a16:rowId xmlns:a16="http://schemas.microsoft.com/office/drawing/2014/main" val="368542532"/>
+                    <a16:rowId xmlns:a16="http://schemas.microsoft.com/office/drawing/2014/main" xmlns="" val="368542532"/>
                   </a:ext>
                 </a:extLst>
               </a:tr>
@@ -15899,7 +16667,7 @@
                 </a:tc>
                 <a:extLst>
                   <a:ext uri="{0D108BD9-81ED-4DB2-BD59-A6C34878D82A}">
-                    <a16:rowId xmlns:a16="http://schemas.microsoft.com/office/drawing/2014/main" val="960286342"/>
+                    <a16:rowId xmlns:a16="http://schemas.microsoft.com/office/drawing/2014/main" xmlns="" val="960286342"/>
                   </a:ext>
                 </a:extLst>
               </a:tr>
@@ -15934,7 +16702,7 @@
                 </a:tc>
                 <a:extLst>
                   <a:ext uri="{0D108BD9-81ED-4DB2-BD59-A6C34878D82A}">
-                    <a16:rowId xmlns:a16="http://schemas.microsoft.com/office/drawing/2014/main" val="3060705834"/>
+                    <a16:rowId xmlns:a16="http://schemas.microsoft.com/office/drawing/2014/main" xmlns="" val="3060705834"/>
                   </a:ext>
                 </a:extLst>
               </a:tr>
@@ -15969,7 +16737,7 @@
                 </a:tc>
                 <a:extLst>
                   <a:ext uri="{0D108BD9-81ED-4DB2-BD59-A6C34878D82A}">
-                    <a16:rowId xmlns:a16="http://schemas.microsoft.com/office/drawing/2014/main" val="881160331"/>
+                    <a16:rowId xmlns:a16="http://schemas.microsoft.com/office/drawing/2014/main" xmlns="" val="881160331"/>
                   </a:ext>
                 </a:extLst>
               </a:tr>
@@ -16004,7 +16772,7 @@
                 </a:tc>
                 <a:extLst>
                   <a:ext uri="{0D108BD9-81ED-4DB2-BD59-A6C34878D82A}">
-                    <a16:rowId xmlns:a16="http://schemas.microsoft.com/office/drawing/2014/main" val="648041670"/>
+                    <a16:rowId xmlns:a16="http://schemas.microsoft.com/office/drawing/2014/main" xmlns="" val="648041670"/>
                   </a:ext>
                 </a:extLst>
               </a:tr>
@@ -16047,7 +16815,7 @@
                 </a:tc>
                 <a:extLst>
                   <a:ext uri="{0D108BD9-81ED-4DB2-BD59-A6C34878D82A}">
-                    <a16:rowId xmlns:a16="http://schemas.microsoft.com/office/drawing/2014/main" val="3843739269"/>
+                    <a16:rowId xmlns:a16="http://schemas.microsoft.com/office/drawing/2014/main" xmlns="" val="3843739269"/>
                   </a:ext>
                 </a:extLst>
               </a:tr>
@@ -16078,7 +16846,7 @@
                 </a:tc>
                 <a:extLst>
                   <a:ext uri="{0D108BD9-81ED-4DB2-BD59-A6C34878D82A}">
-                    <a16:rowId xmlns:a16="http://schemas.microsoft.com/office/drawing/2014/main" val="1647707109"/>
+                    <a16:rowId xmlns:a16="http://schemas.microsoft.com/office/drawing/2014/main" xmlns="" val="1647707109"/>
                   </a:ext>
                 </a:extLst>
               </a:tr>
@@ -16182,14 +16950,14 @@
           <p:nvPr>
             <p:extLst>
               <p:ext uri="{D42A27DB-BD31-4B8C-83A1-F6EECF244321}">
-                <p14:modId xmlns:p14="http://schemas.microsoft.com/office/powerpoint/2010/main" val="3657580513"/>
+                <p14:modId xmlns:p14="http://schemas.microsoft.com/office/powerpoint/2010/main" val="3382559302"/>
               </p:ext>
             </p:extLst>
           </p:nvPr>
         </p:nvGraphicFramePr>
         <p:xfrm>
           <a:off x="1601250" y="1921233"/>
-          <a:ext cx="8128000" cy="3906520"/>
+          <a:ext cx="8128000" cy="4175760"/>
         </p:xfrm>
         <a:graphic>
           <a:graphicData uri="http://schemas.openxmlformats.org/drawingml/2006/table">
@@ -16201,14 +16969,14 @@
                 <a:gridCol w="2199934">
                   <a:extLst>
                     <a:ext uri="{9D8B030D-6E8A-4147-A177-3AD203B41FA5}">
-                      <a16:colId xmlns:a16="http://schemas.microsoft.com/office/drawing/2014/main" val="601924521"/>
+                      <a16:colId xmlns:a16="http://schemas.microsoft.com/office/drawing/2014/main" xmlns="" val="601924521"/>
                     </a:ext>
                   </a:extLst>
                 </a:gridCol>
                 <a:gridCol w="5928066">
                   <a:extLst>
                     <a:ext uri="{9D8B030D-6E8A-4147-A177-3AD203B41FA5}">
-                      <a16:colId xmlns:a16="http://schemas.microsoft.com/office/drawing/2014/main" val="1772112701"/>
+                      <a16:colId xmlns:a16="http://schemas.microsoft.com/office/drawing/2014/main" xmlns="" val="1772112701"/>
                     </a:ext>
                   </a:extLst>
                 </a:gridCol>
@@ -16221,7 +16989,11 @@
                     <a:p>
                       <a:r>
                         <a:rPr lang="en-US" dirty="0" smtClean="0"/>
-                        <a:t>Principle Investigator</a:t>
+                        <a:t>Principal  </a:t>
+                      </a:r>
+                      <a:r>
+                        <a:rPr lang="en-US" dirty="0" smtClean="0"/>
+                        <a:t>Investigator</a:t>
                       </a:r>
                     </a:p>
                   </a:txBody>
@@ -16247,7 +17019,7 @@
                 </a:tc>
                 <a:extLst>
                   <a:ext uri="{0D108BD9-81ED-4DB2-BD59-A6C34878D82A}">
-                    <a16:rowId xmlns:a16="http://schemas.microsoft.com/office/drawing/2014/main" val="368542532"/>
+                    <a16:rowId xmlns:a16="http://schemas.microsoft.com/office/drawing/2014/main" xmlns="" val="368542532"/>
                   </a:ext>
                 </a:extLst>
               </a:tr>
@@ -16281,7 +17053,7 @@
                 </a:tc>
                 <a:extLst>
                   <a:ext uri="{0D108BD9-81ED-4DB2-BD59-A6C34878D82A}">
-                    <a16:rowId xmlns:a16="http://schemas.microsoft.com/office/drawing/2014/main" val="960286342"/>
+                    <a16:rowId xmlns:a16="http://schemas.microsoft.com/office/drawing/2014/main" xmlns="" val="960286342"/>
                   </a:ext>
                 </a:extLst>
               </a:tr>
@@ -16316,7 +17088,7 @@
                 </a:tc>
                 <a:extLst>
                   <a:ext uri="{0D108BD9-81ED-4DB2-BD59-A6C34878D82A}">
-                    <a16:rowId xmlns:a16="http://schemas.microsoft.com/office/drawing/2014/main" val="3060705834"/>
+                    <a16:rowId xmlns:a16="http://schemas.microsoft.com/office/drawing/2014/main" xmlns="" val="3060705834"/>
                   </a:ext>
                 </a:extLst>
               </a:tr>
@@ -16351,7 +17123,7 @@
                 </a:tc>
                 <a:extLst>
                   <a:ext uri="{0D108BD9-81ED-4DB2-BD59-A6C34878D82A}">
-                    <a16:rowId xmlns:a16="http://schemas.microsoft.com/office/drawing/2014/main" val="881160331"/>
+                    <a16:rowId xmlns:a16="http://schemas.microsoft.com/office/drawing/2014/main" xmlns="" val="881160331"/>
                   </a:ext>
                 </a:extLst>
               </a:tr>
@@ -16386,7 +17158,7 @@
                 </a:tc>
                 <a:extLst>
                   <a:ext uri="{0D108BD9-81ED-4DB2-BD59-A6C34878D82A}">
-                    <a16:rowId xmlns:a16="http://schemas.microsoft.com/office/drawing/2014/main" val="648041670"/>
+                    <a16:rowId xmlns:a16="http://schemas.microsoft.com/office/drawing/2014/main" xmlns="" val="648041670"/>
                   </a:ext>
                 </a:extLst>
               </a:tr>
@@ -16429,7 +17201,7 @@
                 </a:tc>
                 <a:extLst>
                   <a:ext uri="{0D108BD9-81ED-4DB2-BD59-A6C34878D82A}">
-                    <a16:rowId xmlns:a16="http://schemas.microsoft.com/office/drawing/2014/main" val="3843739269"/>
+                    <a16:rowId xmlns:a16="http://schemas.microsoft.com/office/drawing/2014/main" xmlns="" val="3843739269"/>
                   </a:ext>
                 </a:extLst>
               </a:tr>
@@ -16588,7 +17360,7 @@
                 </a:tc>
                 <a:extLst>
                   <a:ext uri="{0D108BD9-81ED-4DB2-BD59-A6C34878D82A}">
-                    <a16:rowId xmlns:a16="http://schemas.microsoft.com/office/drawing/2014/main" val="502384781"/>
+                    <a16:rowId xmlns:a16="http://schemas.microsoft.com/office/drawing/2014/main" xmlns="" val="502384781"/>
                   </a:ext>
                 </a:extLst>
               </a:tr>
@@ -16619,7 +17391,7 @@
                 </a:tc>
                 <a:extLst>
                   <a:ext uri="{0D108BD9-81ED-4DB2-BD59-A6C34878D82A}">
-                    <a16:rowId xmlns:a16="http://schemas.microsoft.com/office/drawing/2014/main" val="1647707109"/>
+                    <a16:rowId xmlns:a16="http://schemas.microsoft.com/office/drawing/2014/main" xmlns="" val="1647707109"/>
                   </a:ext>
                 </a:extLst>
               </a:tr>
@@ -16723,14 +17495,14 @@
           <p:nvPr>
             <p:extLst>
               <p:ext uri="{D42A27DB-BD31-4B8C-83A1-F6EECF244321}">
-                <p14:modId xmlns:p14="http://schemas.microsoft.com/office/powerpoint/2010/main" val="2998533122"/>
+                <p14:modId xmlns:p14="http://schemas.microsoft.com/office/powerpoint/2010/main" val="791316126"/>
               </p:ext>
             </p:extLst>
           </p:nvPr>
         </p:nvGraphicFramePr>
         <p:xfrm>
           <a:off x="1707048" y="1913676"/>
-          <a:ext cx="8128000" cy="2966720"/>
+          <a:ext cx="8128000" cy="3235960"/>
         </p:xfrm>
         <a:graphic>
           <a:graphicData uri="http://schemas.openxmlformats.org/drawingml/2006/table">
@@ -16742,14 +17514,14 @@
                 <a:gridCol w="2199934">
                   <a:extLst>
                     <a:ext uri="{9D8B030D-6E8A-4147-A177-3AD203B41FA5}">
-                      <a16:colId xmlns:a16="http://schemas.microsoft.com/office/drawing/2014/main" val="601924521"/>
+                      <a16:colId xmlns:a16="http://schemas.microsoft.com/office/drawing/2014/main" xmlns="" val="601924521"/>
                     </a:ext>
                   </a:extLst>
                 </a:gridCol>
                 <a:gridCol w="5928066">
                   <a:extLst>
                     <a:ext uri="{9D8B030D-6E8A-4147-A177-3AD203B41FA5}">
-                      <a16:colId xmlns:a16="http://schemas.microsoft.com/office/drawing/2014/main" val="1772112701"/>
+                      <a16:colId xmlns:a16="http://schemas.microsoft.com/office/drawing/2014/main" xmlns="" val="1772112701"/>
                     </a:ext>
                   </a:extLst>
                 </a:gridCol>
@@ -16762,7 +17534,11 @@
                     <a:p>
                       <a:r>
                         <a:rPr lang="en-US" dirty="0" smtClean="0"/>
-                        <a:t>Principle Investigator</a:t>
+                        <a:t>Principal  </a:t>
+                      </a:r>
+                      <a:r>
+                        <a:rPr lang="en-US" dirty="0" smtClean="0"/>
+                        <a:t>Investigator</a:t>
                       </a:r>
                     </a:p>
                   </a:txBody>
@@ -16788,7 +17564,7 @@
                 </a:tc>
                 <a:extLst>
                   <a:ext uri="{0D108BD9-81ED-4DB2-BD59-A6C34878D82A}">
-                    <a16:rowId xmlns:a16="http://schemas.microsoft.com/office/drawing/2014/main" val="368542532"/>
+                    <a16:rowId xmlns:a16="http://schemas.microsoft.com/office/drawing/2014/main" xmlns="" val="368542532"/>
                   </a:ext>
                 </a:extLst>
               </a:tr>
@@ -16822,7 +17598,7 @@
                 </a:tc>
                 <a:extLst>
                   <a:ext uri="{0D108BD9-81ED-4DB2-BD59-A6C34878D82A}">
-                    <a16:rowId xmlns:a16="http://schemas.microsoft.com/office/drawing/2014/main" val="960286342"/>
+                    <a16:rowId xmlns:a16="http://schemas.microsoft.com/office/drawing/2014/main" xmlns="" val="960286342"/>
                   </a:ext>
                 </a:extLst>
               </a:tr>
@@ -16857,7 +17633,7 @@
                 </a:tc>
                 <a:extLst>
                   <a:ext uri="{0D108BD9-81ED-4DB2-BD59-A6C34878D82A}">
-                    <a16:rowId xmlns:a16="http://schemas.microsoft.com/office/drawing/2014/main" val="3060705834"/>
+                    <a16:rowId xmlns:a16="http://schemas.microsoft.com/office/drawing/2014/main" xmlns="" val="3060705834"/>
                   </a:ext>
                 </a:extLst>
               </a:tr>
@@ -16892,7 +17668,7 @@
                 </a:tc>
                 <a:extLst>
                   <a:ext uri="{0D108BD9-81ED-4DB2-BD59-A6C34878D82A}">
-                    <a16:rowId xmlns:a16="http://schemas.microsoft.com/office/drawing/2014/main" val="881160331"/>
+                    <a16:rowId xmlns:a16="http://schemas.microsoft.com/office/drawing/2014/main" xmlns="" val="881160331"/>
                   </a:ext>
                 </a:extLst>
               </a:tr>
@@ -16927,7 +17703,7 @@
                 </a:tc>
                 <a:extLst>
                   <a:ext uri="{0D108BD9-81ED-4DB2-BD59-A6C34878D82A}">
-                    <a16:rowId xmlns:a16="http://schemas.microsoft.com/office/drawing/2014/main" val="648041670"/>
+                    <a16:rowId xmlns:a16="http://schemas.microsoft.com/office/drawing/2014/main" xmlns="" val="648041670"/>
                   </a:ext>
                 </a:extLst>
               </a:tr>
@@ -16970,7 +17746,7 @@
                 </a:tc>
                 <a:extLst>
                   <a:ext uri="{0D108BD9-81ED-4DB2-BD59-A6C34878D82A}">
-                    <a16:rowId xmlns:a16="http://schemas.microsoft.com/office/drawing/2014/main" val="3843739269"/>
+                    <a16:rowId xmlns:a16="http://schemas.microsoft.com/office/drawing/2014/main" xmlns="" val="3843739269"/>
                   </a:ext>
                 </a:extLst>
               </a:tr>
@@ -17001,7 +17777,7 @@
                 </a:tc>
                 <a:extLst>
                   <a:ext uri="{0D108BD9-81ED-4DB2-BD59-A6C34878D82A}">
-                    <a16:rowId xmlns:a16="http://schemas.microsoft.com/office/drawing/2014/main" val="1242140295"/>
+                    <a16:rowId xmlns:a16="http://schemas.microsoft.com/office/drawing/2014/main" xmlns="" val="1242140295"/>
                   </a:ext>
                 </a:extLst>
               </a:tr>
@@ -17032,7 +17808,7 @@
                 </a:tc>
                 <a:extLst>
                   <a:ext uri="{0D108BD9-81ED-4DB2-BD59-A6C34878D82A}">
-                    <a16:rowId xmlns:a16="http://schemas.microsoft.com/office/drawing/2014/main" val="1647707109"/>
+                    <a16:rowId xmlns:a16="http://schemas.microsoft.com/office/drawing/2014/main" xmlns="" val="1647707109"/>
                   </a:ext>
                 </a:extLst>
               </a:tr>
@@ -17150,11 +17926,7 @@
           <a:p>
             <a:r>
               <a:rPr lang="en-US" dirty="0" smtClean="0"/>
-              <a:t>Foundational tables </a:t>
-            </a:r>
-            <a:r>
-              <a:rPr lang="en-US" dirty="0" smtClean="0"/>
-              <a:t>available: patient</a:t>
+              <a:t>Foundational tables available: patient</a:t>
             </a:r>
             <a:r>
               <a:rPr lang="en-US" dirty="0"/>
@@ -17162,25 +17934,17 @@
             </a:r>
             <a:r>
               <a:rPr lang="en-US" dirty="0" smtClean="0"/>
-              <a:t>admission event, diagnosis</a:t>
+              <a:t>admission event, diagnosis, lab, operation, procedure, blood product, </a:t>
+            </a:r>
+            <a:r>
+              <a:rPr lang="en-US" dirty="0" err="1" smtClean="0"/>
+              <a:t>obs</a:t>
             </a:r>
             <a:r>
               <a:rPr lang="en-US" dirty="0" smtClean="0"/>
               <a:t>, </a:t>
             </a:r>
             <a:r>
-              <a:rPr lang="en-US" dirty="0" smtClean="0"/>
-              <a:t>lab, operation, procedure, blood product, </a:t>
-            </a:r>
-            <a:r>
-              <a:rPr lang="en-US" dirty="0" err="1" smtClean="0"/>
-              <a:t>obs</a:t>
-            </a:r>
-            <a:r>
-              <a:rPr lang="en-US" dirty="0" smtClean="0"/>
-              <a:t>, </a:t>
-            </a:r>
-            <a:r>
               <a:rPr lang="en-US" dirty="0"/>
               <a:t>&amp; </a:t>
             </a:r>
@@ -17188,7 +17952,6 @@
               <a:rPr lang="en-US" dirty="0" smtClean="0"/>
               <a:t>medication (from pharmacy).</a:t>
             </a:r>
-            <a:endParaRPr lang="en-US" dirty="0" smtClean="0"/>
           </a:p>
           <a:p>
             <a:r>
@@ -17203,7 +17966,6 @@
               <a:rPr lang="en-US" dirty="0" smtClean="0"/>
               <a:t>’)</a:t>
             </a:r>
-            <a:endParaRPr lang="en-US" dirty="0" smtClean="0"/>
           </a:p>
           <a:p>
             <a:r>
@@ -17349,11 +18111,15 @@
           <p:cNvPr id="7" name="Diagram 6"/>
           <p:cNvGraphicFramePr/>
           <p:nvPr>
-            <p:extLst/>
+            <p:extLst>
+              <p:ext uri="{D42A27DB-BD31-4B8C-83A1-F6EECF244321}">
+                <p14:modId xmlns:p14="http://schemas.microsoft.com/office/powerpoint/2010/main" val="2924752979"/>
+              </p:ext>
+            </p:extLst>
           </p:nvPr>
         </p:nvGraphicFramePr>
         <p:xfrm>
-          <a:off x="245376" y="485470"/>
+          <a:off x="245376" y="184846"/>
           <a:ext cx="11832815" cy="4380088"/>
         </p:xfrm>
         <a:graphic>
@@ -17370,7 +18136,7 @@
         </p:nvSpPr>
         <p:spPr>
           <a:xfrm>
-            <a:off x="668421" y="4907789"/>
+            <a:off x="323955" y="4964156"/>
             <a:ext cx="4299330" cy="1625037"/>
           </a:xfrm>
           <a:prstGeom prst="flowChartProcess">
@@ -17475,7 +18241,7 @@
         </p:nvSpPr>
         <p:spPr>
           <a:xfrm>
-            <a:off x="2286796" y="4138348"/>
+            <a:off x="3739570" y="3605992"/>
             <a:ext cx="1468002" cy="274958"/>
           </a:xfrm>
           <a:prstGeom prst="ellipse">
@@ -17521,8 +18287,8 @@
         </p:nvCxnSpPr>
         <p:spPr>
           <a:xfrm rot="5400000">
-            <a:off x="2672201" y="4559192"/>
-            <a:ext cx="494483" cy="202711"/>
+            <a:off x="2931993" y="3422578"/>
+            <a:ext cx="1083206" cy="1999951"/>
           </a:xfrm>
           <a:prstGeom prst="curvedConnector3">
             <a:avLst>
@@ -17575,11 +18341,7 @@
           <a:p>
             <a:r>
               <a:rPr lang="en-US" sz="4400" dirty="0" smtClean="0"/>
-              <a:t>CRDW </a:t>
-            </a:r>
-            <a:r>
-              <a:rPr lang="en-US" sz="4400" dirty="0" smtClean="0"/>
-              <a:t>Typical Workflow</a:t>
+              <a:t>CRDW Typical Workflow</a:t>
             </a:r>
             <a:endParaRPr lang="en-US" sz="4400" dirty="0"/>
           </a:p>
@@ -17593,7 +18355,7 @@
         </p:nvSpPr>
         <p:spPr>
           <a:xfrm rot="21423496">
-            <a:off x="8219233" y="1961976"/>
+            <a:off x="8614526" y="1655088"/>
             <a:ext cx="1943204" cy="758203"/>
           </a:xfrm>
           <a:prstGeom prst="ellipse">
@@ -17638,9 +18400,9 @@
           <p:nvPr/>
         </p:nvCxnSpPr>
         <p:spPr>
-          <a:xfrm rot="5400000">
-            <a:off x="7650214" y="3347712"/>
-            <a:ext cx="2188110" cy="932044"/>
+          <a:xfrm rot="16200000" flipH="1">
+            <a:off x="8893512" y="3124863"/>
+            <a:ext cx="2394466" cy="970322"/>
           </a:xfrm>
           <a:prstGeom prst="curvedConnector3">
             <a:avLst>
@@ -17677,7 +18439,7 @@
         </p:nvSpPr>
         <p:spPr>
           <a:xfrm>
-            <a:off x="6970365" y="4907789"/>
+            <a:off x="9268024" y="4807257"/>
             <a:ext cx="2615763" cy="1617632"/>
           </a:xfrm>
           <a:prstGeom prst="flowChartProcess">
@@ -17726,8 +18488,8 @@
         </p:nvSpPr>
         <p:spPr>
           <a:xfrm rot="20793995">
-            <a:off x="673897" y="1264233"/>
-            <a:ext cx="9283304" cy="619996"/>
+            <a:off x="638700" y="1268378"/>
+            <a:ext cx="9283304" cy="316984"/>
           </a:xfrm>
           <a:prstGeom prst="rightArrow">
             <a:avLst/>
@@ -17782,7 +18544,7 @@
         </p:blipFill>
         <p:spPr>
           <a:xfrm>
-            <a:off x="784790" y="3722369"/>
+            <a:off x="535804" y="3544425"/>
             <a:ext cx="1051896" cy="1116064"/>
           </a:xfrm>
           <a:prstGeom prst="rect">
@@ -17829,18 +18591,56 @@
       </p:grpSpPr>
       <p:sp>
         <p:nvSpPr>
-          <p:cNvPr id="13" name="Title 12"/>
+          <p:cNvPr id="2" name="Title 1"/>
           <p:cNvSpPr>
             <a:spLocks noGrp="1"/>
           </p:cNvSpPr>
           <p:nvPr>
-            <p:ph type="ctrTitle"/>
+            <p:ph type="title"/>
           </p:nvPr>
         </p:nvSpPr>
         <p:spPr>
           <a:xfrm>
-            <a:off x="1524000" y="1472339"/>
-            <a:ext cx="9144000" cy="1848377"/>
+            <a:off x="776452" y="19985"/>
+            <a:ext cx="10515600" cy="640416"/>
+          </a:xfrm>
+        </p:spPr>
+        <p:txBody>
+          <a:bodyPr>
+            <a:normAutofit/>
+          </a:bodyPr>
+          <a:lstStyle/>
+          <a:p>
+            <a:r>
+              <a:rPr lang="en-US" sz="3600" b="1" i="1" dirty="0" smtClean="0">
+                <a:solidFill>
+                  <a:srgbClr val="0070C0"/>
+                </a:solidFill>
+              </a:rPr>
+              <a:t>Requests</a:t>
+            </a:r>
+            <a:endParaRPr lang="en-US" sz="3600" b="1" i="1" dirty="0">
+              <a:solidFill>
+                <a:srgbClr val="0070C0"/>
+              </a:solidFill>
+            </a:endParaRPr>
+          </a:p>
+        </p:txBody>
+      </p:sp>
+      <p:sp>
+        <p:nvSpPr>
+          <p:cNvPr id="3" name="Content Placeholder 2"/>
+          <p:cNvSpPr>
+            <a:spLocks noGrp="1"/>
+          </p:cNvSpPr>
+          <p:nvPr>
+            <p:ph idx="1"/>
+          </p:nvPr>
+        </p:nvSpPr>
+        <p:spPr>
+          <a:xfrm>
+            <a:off x="88900" y="660402"/>
+            <a:ext cx="12103099" cy="6197598"/>
           </a:xfrm>
         </p:spPr>
         <p:txBody>
@@ -17849,376 +18649,68 @@
           </a:bodyPr>
           <a:lstStyle/>
           <a:p>
-            <a:r>
-              <a:rPr lang="en-US" dirty="0" smtClean="0"/>
-              <a:t>Thank you</a:t>
-            </a:r>
-            <a:endParaRPr lang="en-US" dirty="0"/>
+            <a:pPr marL="344488" lvl="1" indent="-344488">
+              <a:buFont typeface="+mj-lt"/>
+              <a:buAutoNum type="arabicPeriod"/>
+            </a:pPr>
+            <a:r>
+              <a:rPr lang="en-US" sz="2800" dirty="0"/>
+              <a:t>Ideally, IRB would implement a procedure to allow for CDRW upon initial approval without adding staff to KSP (e.g., a check-box on the application indicating use of CDRW to obtain data</a:t>
+            </a:r>
+            <a:r>
+              <a:rPr lang="en-US" sz="2800" dirty="0" smtClean="0"/>
+              <a:t>)</a:t>
+            </a:r>
+          </a:p>
+          <a:p>
+            <a:pPr marL="344488" lvl="1" indent="-344488">
+              <a:buFont typeface="+mj-lt"/>
+              <a:buAutoNum type="arabicPeriod"/>
+            </a:pPr>
+            <a:endParaRPr lang="en-US" sz="2800" dirty="0" smtClean="0"/>
+          </a:p>
+          <a:p>
+            <a:pPr marL="344488" lvl="1" indent="-344488">
+              <a:buFont typeface="+mj-lt"/>
+              <a:buAutoNum type="arabicPeriod"/>
+            </a:pPr>
+            <a:r>
+              <a:rPr lang="en-US" sz="2800" dirty="0" smtClean="0"/>
+              <a:t>We would like read-only access to the other Meditech warehouse (being developed by </a:t>
+            </a:r>
+            <a:r>
+              <a:rPr lang="en-US" sz="2800" dirty="0" err="1" smtClean="0"/>
+              <a:t>CereCore</a:t>
+            </a:r>
+            <a:r>
+              <a:rPr lang="en-US" sz="2800" dirty="0" smtClean="0"/>
+              <a:t>).  This would help validate our version of the warehouse, and occasionally fill-in holes for requests not covered by our research-focused warehouse.</a:t>
+            </a:r>
+          </a:p>
+          <a:p>
+            <a:pPr marL="344488" lvl="1" indent="-344488">
+              <a:buFont typeface="+mj-lt"/>
+              <a:buAutoNum type="arabicPeriod"/>
+            </a:pPr>
+            <a:endParaRPr lang="en-US" sz="2800" dirty="0"/>
+          </a:p>
+          <a:p>
+            <a:pPr marL="344488" lvl="1" indent="-344488">
+              <a:buFont typeface="+mj-lt"/>
+              <a:buAutoNum type="arabicPeriod"/>
+            </a:pPr>
+            <a:r>
+              <a:rPr lang="en-US" sz="2800" dirty="0" err="1" smtClean="0"/>
+              <a:t>TriNetX</a:t>
+            </a:r>
+            <a:endParaRPr lang="en-US" sz="2800" dirty="0"/>
           </a:p>
         </p:txBody>
       </p:sp>
-      <p:sp>
-        <p:nvSpPr>
-          <p:cNvPr id="14" name="Subtitle 13"/>
-          <p:cNvSpPr>
-            <a:spLocks noGrp="1"/>
-          </p:cNvSpPr>
-          <p:nvPr>
-            <p:ph type="subTitle" idx="1"/>
-          </p:nvPr>
-        </p:nvSpPr>
-        <p:spPr>
-          <a:xfrm>
-            <a:off x="1066800" y="3628725"/>
-            <a:ext cx="10058400" cy="2322256"/>
-          </a:xfrm>
-        </p:spPr>
-        <p:txBody>
-          <a:bodyPr>
-            <a:normAutofit fontScale="85000" lnSpcReduction="20000"/>
-          </a:bodyPr>
-          <a:lstStyle/>
-          <a:p>
-            <a:r>
-              <a:rPr lang="en-US" sz="2200" dirty="0"/>
-              <a:t>Will Beasley, PhD</a:t>
-            </a:r>
-          </a:p>
-          <a:p>
-            <a:r>
-              <a:rPr lang="en-US" sz="2200" dirty="0"/>
-              <a:t>Ashley Thumann, MHA</a:t>
-            </a:r>
-          </a:p>
-          <a:p>
-            <a:r>
-              <a:rPr lang="en-US" sz="2200" dirty="0"/>
-              <a:t>Geneva Marshall, MA</a:t>
-            </a:r>
-          </a:p>
-          <a:p>
-            <a:r>
-              <a:rPr lang="en-US" sz="2200" dirty="0"/>
-              <a:t>Lise DeShea, PhD</a:t>
-            </a:r>
-          </a:p>
-          <a:p>
-            <a:r>
-              <a:rPr lang="en-US" sz="2200" dirty="0"/>
-              <a:t>David Bard, PhD</a:t>
-            </a:r>
-          </a:p>
-          <a:p>
-            <a:r>
-              <a:rPr lang="en-US" sz="2200" dirty="0" smtClean="0"/>
-              <a:t>University </a:t>
-            </a:r>
-            <a:r>
-              <a:rPr lang="en-US" sz="2200" dirty="0"/>
-              <a:t>of Oklahoma HSC</a:t>
-            </a:r>
-          </a:p>
-          <a:p>
-            <a:r>
-              <a:rPr lang="en-US" sz="2200" dirty="0"/>
-              <a:t>Biomedical &amp; Behavioral Methodology </a:t>
-            </a:r>
-            <a:r>
-              <a:rPr lang="en-US" sz="2200" dirty="0" smtClean="0"/>
-              <a:t>Core (BBMC)</a:t>
-            </a:r>
-            <a:endParaRPr lang="en-US" dirty="0"/>
-          </a:p>
-        </p:txBody>
-      </p:sp>
-      <p:pic>
-        <p:nvPicPr>
-          <p:cNvPr id="15" name="Picture 14" descr="Unknown.jpeg"/>
-          <p:cNvPicPr>
-            <a:picLocks noChangeAspect="1"/>
-          </p:cNvPicPr>
-          <p:nvPr/>
-        </p:nvPicPr>
-        <p:blipFill>
-          <a:blip r:embed="rId3" cstate="print"/>
-          <a:stretch>
-            <a:fillRect/>
-          </a:stretch>
-        </p:blipFill>
-        <p:spPr>
-          <a:xfrm>
-            <a:off x="4724401" y="6333067"/>
-            <a:ext cx="2905125" cy="524933"/>
-          </a:xfrm>
-          <a:prstGeom prst="rect">
-            <a:avLst/>
-          </a:prstGeom>
-        </p:spPr>
-      </p:pic>
-      <p:sp>
-        <p:nvSpPr>
-          <p:cNvPr id="9" name="Rectangle 8"/>
-          <p:cNvSpPr/>
-          <p:nvPr/>
-        </p:nvSpPr>
-        <p:spPr>
-          <a:xfrm>
-            <a:off x="10677620" y="5543442"/>
-            <a:ext cx="1403889" cy="646331"/>
-          </a:xfrm>
-          <a:prstGeom prst="rect">
-            <a:avLst/>
-          </a:prstGeom>
-        </p:spPr>
-        <p:txBody>
-          <a:bodyPr wrap="square">
-            <a:spAutoFit/>
-          </a:bodyPr>
-          <a:lstStyle/>
-          <a:p>
-            <a:pPr algn="r"/>
-            <a:r>
-              <a:rPr lang="en-US" sz="1200" dirty="0" smtClean="0">
-                <a:latin typeface="Calibri" panose="020F0502020204030204" pitchFamily="34" charset="0"/>
-                <a:ea typeface="Calibri" panose="020F0502020204030204" pitchFamily="34" charset="0"/>
-                <a:cs typeface="Times New Roman" panose="02020603050405020304" pitchFamily="18" charset="0"/>
-              </a:rPr>
-              <a:t>Award Numbers: </a:t>
-            </a:r>
-            <a:r>
-              <a:rPr lang="en-US" sz="1200" dirty="0">
-                <a:latin typeface="Calibri" panose="020F0502020204030204" pitchFamily="34" charset="0"/>
-                <a:ea typeface="Calibri" panose="020F0502020204030204" pitchFamily="34" charset="0"/>
-                <a:cs typeface="Times New Roman" panose="02020603050405020304" pitchFamily="18" charset="0"/>
-              </a:rPr>
-              <a:t>UG1OD024950 </a:t>
-            </a:r>
-            <a:r>
-              <a:rPr lang="en-US" sz="1200" dirty="0" smtClean="0">
-                <a:latin typeface="Calibri" panose="020F0502020204030204" pitchFamily="34" charset="0"/>
-                <a:ea typeface="Calibri" panose="020F0502020204030204" pitchFamily="34" charset="0"/>
-                <a:cs typeface="Times New Roman" panose="02020603050405020304" pitchFamily="18" charset="0"/>
-              </a:rPr>
-              <a:t>U54GM104938</a:t>
-            </a:r>
-            <a:endParaRPr lang="en-US" sz="1200" dirty="0"/>
-          </a:p>
-        </p:txBody>
-      </p:sp>
-      <p:pic>
-        <p:nvPicPr>
-          <p:cNvPr id="10" name="Picture 9"/>
-          <p:cNvPicPr>
-            <a:picLocks noChangeAspect="1"/>
-          </p:cNvPicPr>
-          <p:nvPr/>
-        </p:nvPicPr>
-        <p:blipFill>
-          <a:blip r:embed="rId4"/>
-          <a:stretch>
-            <a:fillRect/>
-          </a:stretch>
-        </p:blipFill>
-        <p:spPr>
-          <a:xfrm>
-            <a:off x="36163" y="6290431"/>
-            <a:ext cx="2514600" cy="542925"/>
-          </a:xfrm>
-          <a:prstGeom prst="rect">
-            <a:avLst/>
-          </a:prstGeom>
-        </p:spPr>
-      </p:pic>
-      <p:pic>
-        <p:nvPicPr>
-          <p:cNvPr id="11" name="Picture 10"/>
-          <p:cNvPicPr>
-            <a:picLocks noChangeAspect="1"/>
-          </p:cNvPicPr>
-          <p:nvPr/>
-        </p:nvPicPr>
-        <p:blipFill>
-          <a:blip r:embed="rId5"/>
-          <a:stretch>
-            <a:fillRect/>
-          </a:stretch>
-        </p:blipFill>
-        <p:spPr>
-          <a:xfrm>
-            <a:off x="8871584" y="6189773"/>
-            <a:ext cx="3209925" cy="666750"/>
-          </a:xfrm>
-          <a:prstGeom prst="rect">
-            <a:avLst/>
-          </a:prstGeom>
-        </p:spPr>
-      </p:pic>
-      <p:pic>
-        <p:nvPicPr>
-          <p:cNvPr id="12" name="Picture 2" descr="BBMC"/>
-          <p:cNvPicPr>
-            <a:picLocks noChangeAspect="1" noChangeArrowheads="1"/>
-          </p:cNvPicPr>
-          <p:nvPr/>
-        </p:nvPicPr>
-        <p:blipFill>
-          <a:blip r:embed="rId6" cstate="print">
-            <a:extLst>
-              <a:ext uri="{28A0092B-C50C-407E-A947-70E740481C1C}">
-                <a14:useLocalDpi xmlns:a14="http://schemas.microsoft.com/office/drawing/2010/main" val="0"/>
-              </a:ext>
-            </a:extLst>
-          </a:blip>
-          <a:srcRect/>
-          <a:stretch>
-            <a:fillRect/>
-          </a:stretch>
-        </p:blipFill>
-        <p:spPr bwMode="auto">
-          <a:xfrm>
-            <a:off x="36163" y="90095"/>
-            <a:ext cx="1627222" cy="1627222"/>
-          </a:xfrm>
-          <a:prstGeom prst="rect">
-            <a:avLst/>
-          </a:prstGeom>
-          <a:noFill/>
-          <a:extLst>
-            <a:ext uri="{909E8E84-426E-40DD-AFC4-6F175D3DCCD1}">
-              <a14:hiddenFill xmlns:a14="http://schemas.microsoft.com/office/drawing/2010/main">
-                <a:solidFill>
-                  <a:srgbClr val="FFFFFF"/>
-                </a:solidFill>
-              </a14:hiddenFill>
-            </a:ext>
-          </a:extLst>
-        </p:spPr>
-      </p:pic>
-      <p:pic>
-        <p:nvPicPr>
-          <p:cNvPr id="16" name="Picture 4" descr="OSCTR"/>
-          <p:cNvPicPr>
-            <a:picLocks noChangeAspect="1" noChangeArrowheads="1"/>
-          </p:cNvPicPr>
-          <p:nvPr/>
-        </p:nvPicPr>
-        <p:blipFill>
-          <a:blip r:embed="rId7" cstate="print">
-            <a:extLst>
-              <a:ext uri="{28A0092B-C50C-407E-A947-70E740481C1C}">
-                <a14:useLocalDpi xmlns:a14="http://schemas.microsoft.com/office/drawing/2010/main" val="0"/>
-              </a:ext>
-            </a:extLst>
-          </a:blip>
-          <a:srcRect/>
-          <a:stretch>
-            <a:fillRect/>
-          </a:stretch>
-        </p:blipFill>
-        <p:spPr bwMode="auto">
-          <a:xfrm>
-            <a:off x="8761095" y="-61784"/>
-            <a:ext cx="3430905" cy="1402349"/>
-          </a:xfrm>
-          <a:prstGeom prst="rect">
-            <a:avLst/>
-          </a:prstGeom>
-          <a:noFill/>
-          <a:extLst>
-            <a:ext uri="{909E8E84-426E-40DD-AFC4-6F175D3DCCD1}">
-              <a14:hiddenFill xmlns:a14="http://schemas.microsoft.com/office/drawing/2010/main">
-                <a:solidFill>
-                  <a:srgbClr val="FFFFFF"/>
-                </a:solidFill>
-              </a14:hiddenFill>
-            </a:ext>
-          </a:extLst>
-        </p:spPr>
-      </p:pic>
-      <p:pic>
-        <p:nvPicPr>
-          <p:cNvPr id="17" name="Picture 16"/>
-          <p:cNvPicPr>
-            <a:picLocks noChangeAspect="1"/>
-          </p:cNvPicPr>
-          <p:nvPr/>
-        </p:nvPicPr>
-        <p:blipFill>
-          <a:blip r:embed="rId8">
-            <a:extLst>
-              <a:ext uri="{28A0092B-C50C-407E-A947-70E740481C1C}">
-                <a14:useLocalDpi xmlns:a14="http://schemas.microsoft.com/office/drawing/2010/main" val="0"/>
-              </a:ext>
-            </a:extLst>
-          </a:blip>
-          <a:stretch>
-            <a:fillRect/>
-          </a:stretch>
-        </p:blipFill>
-        <p:spPr>
-          <a:xfrm>
-            <a:off x="3473659" y="105632"/>
-            <a:ext cx="4906014" cy="1435009"/>
-          </a:xfrm>
-          <a:prstGeom prst="rect">
-            <a:avLst/>
-          </a:prstGeom>
-        </p:spPr>
-      </p:pic>
-      <p:pic>
-        <p:nvPicPr>
-          <p:cNvPr id="18" name="Picture 17" descr="C:\Users\tvanwago\Documents\OCTSI Logos\idea_transparent6.gif"/>
-          <p:cNvPicPr>
-            <a:picLocks noChangeAspect="1" noChangeArrowheads="1"/>
-          </p:cNvPicPr>
-          <p:nvPr/>
-        </p:nvPicPr>
-        <p:blipFill>
-          <a:blip r:embed="rId9" cstate="print">
-            <a:extLst>
-              <a:ext uri="{BEBA8EAE-BF5A-486C-A8C5-ECC9F3942E4B}">
-                <a14:imgProps xmlns:a14="http://schemas.microsoft.com/office/drawing/2010/main">
-                  <a14:imgLayer r:embed="rId10">
-                    <a14:imgEffect>
-                      <a14:brightnessContrast bright="10000"/>
-                    </a14:imgEffect>
-                  </a14:imgLayer>
-                </a14:imgProps>
-              </a:ext>
-              <a:ext uri="{28A0092B-C50C-407E-A947-70E740481C1C}">
-                <a14:useLocalDpi xmlns:a14="http://schemas.microsoft.com/office/drawing/2010/main" val="0"/>
-              </a:ext>
-            </a:extLst>
-          </a:blip>
-          <a:srcRect/>
-          <a:stretch>
-            <a:fillRect/>
-          </a:stretch>
-        </p:blipFill>
-        <p:spPr bwMode="auto">
-          <a:xfrm>
-            <a:off x="110491" y="4546377"/>
-            <a:ext cx="1810173" cy="1524000"/>
-          </a:xfrm>
-          <a:prstGeom prst="rect">
-            <a:avLst/>
-          </a:prstGeom>
-          <a:noFill/>
-          <a:extLst>
-            <a:ext uri="{909E8E84-426E-40DD-AFC4-6F175D3DCCD1}">
-              <a14:hiddenFill xmlns:a14="http://schemas.microsoft.com/office/drawing/2010/main">
-                <a:solidFill>
-                  <a:srgbClr val="FFFFFF"/>
-                </a:solidFill>
-              </a14:hiddenFill>
-            </a:ext>
-          </a:extLst>
-        </p:spPr>
-      </p:pic>
     </p:spTree>
     <p:extLst>
       <p:ext uri="{BB962C8B-B14F-4D97-AF65-F5344CB8AC3E}">
-        <p14:creationId xmlns:p14="http://schemas.microsoft.com/office/powerpoint/2010/main" val="4131642125"/>
+        <p14:creationId xmlns:p14="http://schemas.microsoft.com/office/powerpoint/2010/main" val="3479593431"/>
       </p:ext>
     </p:extLst>
   </p:cSld>
@@ -18732,6 +19224,431 @@
 <file path=ppt/slides/slide20.xml><?xml version="1.0" encoding="utf-8"?>
 <p:sld xmlns:a="http://schemas.openxmlformats.org/drawingml/2006/main" xmlns:r="http://schemas.openxmlformats.org/officeDocument/2006/relationships" xmlns:p="http://schemas.openxmlformats.org/presentationml/2006/main">
   <p:cSld>
+    <p:spTree>
+      <p:nvGrpSpPr>
+        <p:cNvPr id="1" name=""/>
+        <p:cNvGrpSpPr/>
+        <p:nvPr/>
+      </p:nvGrpSpPr>
+      <p:grpSpPr>
+        <a:xfrm>
+          <a:off x="0" y="0"/>
+          <a:ext cx="0" cy="0"/>
+          <a:chOff x="0" y="0"/>
+          <a:chExt cx="0" cy="0"/>
+        </a:xfrm>
+      </p:grpSpPr>
+      <p:sp>
+        <p:nvSpPr>
+          <p:cNvPr id="13" name="Title 12"/>
+          <p:cNvSpPr>
+            <a:spLocks noGrp="1"/>
+          </p:cNvSpPr>
+          <p:nvPr>
+            <p:ph type="ctrTitle"/>
+          </p:nvPr>
+        </p:nvSpPr>
+        <p:spPr>
+          <a:xfrm>
+            <a:off x="1524000" y="1472339"/>
+            <a:ext cx="9144000" cy="1848377"/>
+          </a:xfrm>
+        </p:spPr>
+        <p:txBody>
+          <a:bodyPr>
+            <a:noAutofit/>
+          </a:bodyPr>
+          <a:lstStyle/>
+          <a:p>
+            <a:r>
+              <a:rPr lang="en-US" dirty="0" smtClean="0"/>
+              <a:t>Thank you</a:t>
+            </a:r>
+            <a:endParaRPr lang="en-US" dirty="0"/>
+          </a:p>
+        </p:txBody>
+      </p:sp>
+      <p:sp>
+        <p:nvSpPr>
+          <p:cNvPr id="14" name="Subtitle 13"/>
+          <p:cNvSpPr>
+            <a:spLocks noGrp="1"/>
+          </p:cNvSpPr>
+          <p:nvPr>
+            <p:ph type="subTitle" idx="1"/>
+          </p:nvPr>
+        </p:nvSpPr>
+        <p:spPr>
+          <a:xfrm>
+            <a:off x="1066800" y="3628725"/>
+            <a:ext cx="10058400" cy="2322256"/>
+          </a:xfrm>
+        </p:spPr>
+        <p:txBody>
+          <a:bodyPr>
+            <a:normAutofit fontScale="85000" lnSpcReduction="20000"/>
+          </a:bodyPr>
+          <a:lstStyle/>
+          <a:p>
+            <a:r>
+              <a:rPr lang="en-US" sz="2200" dirty="0"/>
+              <a:t>Will Beasley, PhD</a:t>
+            </a:r>
+          </a:p>
+          <a:p>
+            <a:r>
+              <a:rPr lang="en-US" sz="2200" dirty="0"/>
+              <a:t>Ashley Thumann, MHA</a:t>
+            </a:r>
+          </a:p>
+          <a:p>
+            <a:r>
+              <a:rPr lang="en-US" sz="2200" dirty="0"/>
+              <a:t>Geneva Marshall, MA</a:t>
+            </a:r>
+          </a:p>
+          <a:p>
+            <a:r>
+              <a:rPr lang="en-US" sz="2200" dirty="0"/>
+              <a:t>Lise DeShea, PhD</a:t>
+            </a:r>
+          </a:p>
+          <a:p>
+            <a:r>
+              <a:rPr lang="en-US" sz="2200" dirty="0"/>
+              <a:t>David Bard, PhD</a:t>
+            </a:r>
+          </a:p>
+          <a:p>
+            <a:r>
+              <a:rPr lang="en-US" sz="2200" dirty="0" smtClean="0"/>
+              <a:t>University </a:t>
+            </a:r>
+            <a:r>
+              <a:rPr lang="en-US" sz="2200" dirty="0"/>
+              <a:t>of Oklahoma HSC</a:t>
+            </a:r>
+          </a:p>
+          <a:p>
+            <a:r>
+              <a:rPr lang="en-US" sz="2200" dirty="0"/>
+              <a:t>Biomedical &amp; Behavioral Methodology </a:t>
+            </a:r>
+            <a:r>
+              <a:rPr lang="en-US" sz="2200" dirty="0" smtClean="0"/>
+              <a:t>Core (BBMC)</a:t>
+            </a:r>
+            <a:endParaRPr lang="en-US" dirty="0"/>
+          </a:p>
+        </p:txBody>
+      </p:sp>
+      <p:pic>
+        <p:nvPicPr>
+          <p:cNvPr id="15" name="Picture 14" descr="Unknown.jpeg"/>
+          <p:cNvPicPr>
+            <a:picLocks noChangeAspect="1"/>
+          </p:cNvPicPr>
+          <p:nvPr/>
+        </p:nvPicPr>
+        <p:blipFill>
+          <a:blip r:embed="rId3" cstate="print"/>
+          <a:stretch>
+            <a:fillRect/>
+          </a:stretch>
+        </p:blipFill>
+        <p:spPr>
+          <a:xfrm>
+            <a:off x="4724401" y="6333067"/>
+            <a:ext cx="2905125" cy="524933"/>
+          </a:xfrm>
+          <a:prstGeom prst="rect">
+            <a:avLst/>
+          </a:prstGeom>
+        </p:spPr>
+      </p:pic>
+      <p:sp>
+        <p:nvSpPr>
+          <p:cNvPr id="9" name="Rectangle 8"/>
+          <p:cNvSpPr/>
+          <p:nvPr/>
+        </p:nvSpPr>
+        <p:spPr>
+          <a:xfrm>
+            <a:off x="10677620" y="5543442"/>
+            <a:ext cx="1403889" cy="646331"/>
+          </a:xfrm>
+          <a:prstGeom prst="rect">
+            <a:avLst/>
+          </a:prstGeom>
+        </p:spPr>
+        <p:txBody>
+          <a:bodyPr wrap="square">
+            <a:spAutoFit/>
+          </a:bodyPr>
+          <a:lstStyle/>
+          <a:p>
+            <a:pPr algn="r"/>
+            <a:r>
+              <a:rPr lang="en-US" sz="1200" dirty="0" smtClean="0">
+                <a:latin typeface="Calibri" panose="020F0502020204030204" pitchFamily="34" charset="0"/>
+                <a:ea typeface="Calibri" panose="020F0502020204030204" pitchFamily="34" charset="0"/>
+                <a:cs typeface="Times New Roman" panose="02020603050405020304" pitchFamily="18" charset="0"/>
+              </a:rPr>
+              <a:t>Award Numbers: </a:t>
+            </a:r>
+            <a:r>
+              <a:rPr lang="en-US" sz="1200" dirty="0">
+                <a:latin typeface="Calibri" panose="020F0502020204030204" pitchFamily="34" charset="0"/>
+                <a:ea typeface="Calibri" panose="020F0502020204030204" pitchFamily="34" charset="0"/>
+                <a:cs typeface="Times New Roman" panose="02020603050405020304" pitchFamily="18" charset="0"/>
+              </a:rPr>
+              <a:t>UG1OD024950 </a:t>
+            </a:r>
+            <a:r>
+              <a:rPr lang="en-US" sz="1200" dirty="0" smtClean="0">
+                <a:latin typeface="Calibri" panose="020F0502020204030204" pitchFamily="34" charset="0"/>
+                <a:ea typeface="Calibri" panose="020F0502020204030204" pitchFamily="34" charset="0"/>
+                <a:cs typeface="Times New Roman" panose="02020603050405020304" pitchFamily="18" charset="0"/>
+              </a:rPr>
+              <a:t>U54GM104938</a:t>
+            </a:r>
+            <a:endParaRPr lang="en-US" sz="1200" dirty="0"/>
+          </a:p>
+        </p:txBody>
+      </p:sp>
+      <p:pic>
+        <p:nvPicPr>
+          <p:cNvPr id="10" name="Picture 9"/>
+          <p:cNvPicPr>
+            <a:picLocks noChangeAspect="1"/>
+          </p:cNvPicPr>
+          <p:nvPr/>
+        </p:nvPicPr>
+        <p:blipFill>
+          <a:blip r:embed="rId4"/>
+          <a:stretch>
+            <a:fillRect/>
+          </a:stretch>
+        </p:blipFill>
+        <p:spPr>
+          <a:xfrm>
+            <a:off x="36163" y="6290431"/>
+            <a:ext cx="2514600" cy="542925"/>
+          </a:xfrm>
+          <a:prstGeom prst="rect">
+            <a:avLst/>
+          </a:prstGeom>
+        </p:spPr>
+      </p:pic>
+      <p:pic>
+        <p:nvPicPr>
+          <p:cNvPr id="11" name="Picture 10"/>
+          <p:cNvPicPr>
+            <a:picLocks noChangeAspect="1"/>
+          </p:cNvPicPr>
+          <p:nvPr/>
+        </p:nvPicPr>
+        <p:blipFill>
+          <a:blip r:embed="rId5"/>
+          <a:stretch>
+            <a:fillRect/>
+          </a:stretch>
+        </p:blipFill>
+        <p:spPr>
+          <a:xfrm>
+            <a:off x="8871584" y="6189773"/>
+            <a:ext cx="3209925" cy="666750"/>
+          </a:xfrm>
+          <a:prstGeom prst="rect">
+            <a:avLst/>
+          </a:prstGeom>
+        </p:spPr>
+      </p:pic>
+      <p:pic>
+        <p:nvPicPr>
+          <p:cNvPr id="12" name="Picture 2" descr="BBMC"/>
+          <p:cNvPicPr>
+            <a:picLocks noChangeAspect="1" noChangeArrowheads="1"/>
+          </p:cNvPicPr>
+          <p:nvPr/>
+        </p:nvPicPr>
+        <p:blipFill>
+          <a:blip r:embed="rId6" cstate="print">
+            <a:extLst>
+              <a:ext uri="{28A0092B-C50C-407E-A947-70E740481C1C}">
+                <a14:useLocalDpi xmlns:a14="http://schemas.microsoft.com/office/drawing/2010/main" val="0"/>
+              </a:ext>
+            </a:extLst>
+          </a:blip>
+          <a:srcRect/>
+          <a:stretch>
+            <a:fillRect/>
+          </a:stretch>
+        </p:blipFill>
+        <p:spPr bwMode="auto">
+          <a:xfrm>
+            <a:off x="36163" y="90095"/>
+            <a:ext cx="1627222" cy="1627222"/>
+          </a:xfrm>
+          <a:prstGeom prst="rect">
+            <a:avLst/>
+          </a:prstGeom>
+          <a:noFill/>
+          <a:extLst>
+            <a:ext uri="{909E8E84-426E-40DD-AFC4-6F175D3DCCD1}">
+              <a14:hiddenFill xmlns:a14="http://schemas.microsoft.com/office/drawing/2010/main">
+                <a:solidFill>
+                  <a:srgbClr val="FFFFFF"/>
+                </a:solidFill>
+              </a14:hiddenFill>
+            </a:ext>
+          </a:extLst>
+        </p:spPr>
+      </p:pic>
+      <p:pic>
+        <p:nvPicPr>
+          <p:cNvPr id="16" name="Picture 4" descr="OSCTR"/>
+          <p:cNvPicPr>
+            <a:picLocks noChangeAspect="1" noChangeArrowheads="1"/>
+          </p:cNvPicPr>
+          <p:nvPr/>
+        </p:nvPicPr>
+        <p:blipFill>
+          <a:blip r:embed="rId7" cstate="print">
+            <a:extLst>
+              <a:ext uri="{28A0092B-C50C-407E-A947-70E740481C1C}">
+                <a14:useLocalDpi xmlns:a14="http://schemas.microsoft.com/office/drawing/2010/main" val="0"/>
+              </a:ext>
+            </a:extLst>
+          </a:blip>
+          <a:srcRect/>
+          <a:stretch>
+            <a:fillRect/>
+          </a:stretch>
+        </p:blipFill>
+        <p:spPr bwMode="auto">
+          <a:xfrm>
+            <a:off x="8761095" y="-61784"/>
+            <a:ext cx="3430905" cy="1402349"/>
+          </a:xfrm>
+          <a:prstGeom prst="rect">
+            <a:avLst/>
+          </a:prstGeom>
+          <a:noFill/>
+          <a:extLst>
+            <a:ext uri="{909E8E84-426E-40DD-AFC4-6F175D3DCCD1}">
+              <a14:hiddenFill xmlns:a14="http://schemas.microsoft.com/office/drawing/2010/main">
+                <a:solidFill>
+                  <a:srgbClr val="FFFFFF"/>
+                </a:solidFill>
+              </a14:hiddenFill>
+            </a:ext>
+          </a:extLst>
+        </p:spPr>
+      </p:pic>
+      <p:pic>
+        <p:nvPicPr>
+          <p:cNvPr id="17" name="Picture 16"/>
+          <p:cNvPicPr>
+            <a:picLocks noChangeAspect="1"/>
+          </p:cNvPicPr>
+          <p:nvPr/>
+        </p:nvPicPr>
+        <p:blipFill>
+          <a:blip r:embed="rId8">
+            <a:extLst>
+              <a:ext uri="{28A0092B-C50C-407E-A947-70E740481C1C}">
+                <a14:useLocalDpi xmlns:a14="http://schemas.microsoft.com/office/drawing/2010/main" val="0"/>
+              </a:ext>
+            </a:extLst>
+          </a:blip>
+          <a:stretch>
+            <a:fillRect/>
+          </a:stretch>
+        </p:blipFill>
+        <p:spPr>
+          <a:xfrm>
+            <a:off x="3473659" y="105632"/>
+            <a:ext cx="4906014" cy="1435009"/>
+          </a:xfrm>
+          <a:prstGeom prst="rect">
+            <a:avLst/>
+          </a:prstGeom>
+        </p:spPr>
+      </p:pic>
+      <p:pic>
+        <p:nvPicPr>
+          <p:cNvPr id="18" name="Picture 17" descr="C:\Users\tvanwago\Documents\OCTSI Logos\idea_transparent6.gif"/>
+          <p:cNvPicPr>
+            <a:picLocks noChangeAspect="1" noChangeArrowheads="1"/>
+          </p:cNvPicPr>
+          <p:nvPr/>
+        </p:nvPicPr>
+        <p:blipFill>
+          <a:blip r:embed="rId9" cstate="print">
+            <a:extLst>
+              <a:ext uri="{BEBA8EAE-BF5A-486C-A8C5-ECC9F3942E4B}">
+                <a14:imgProps xmlns:a14="http://schemas.microsoft.com/office/drawing/2010/main">
+                  <a14:imgLayer r:embed="rId10">
+                    <a14:imgEffect>
+                      <a14:brightnessContrast bright="10000"/>
+                    </a14:imgEffect>
+                  </a14:imgLayer>
+                </a14:imgProps>
+              </a:ext>
+              <a:ext uri="{28A0092B-C50C-407E-A947-70E740481C1C}">
+                <a14:useLocalDpi xmlns:a14="http://schemas.microsoft.com/office/drawing/2010/main" val="0"/>
+              </a:ext>
+            </a:extLst>
+          </a:blip>
+          <a:srcRect/>
+          <a:stretch>
+            <a:fillRect/>
+          </a:stretch>
+        </p:blipFill>
+        <p:spPr bwMode="auto">
+          <a:xfrm>
+            <a:off x="110491" y="4546377"/>
+            <a:ext cx="1810173" cy="1524000"/>
+          </a:xfrm>
+          <a:prstGeom prst="rect">
+            <a:avLst/>
+          </a:prstGeom>
+          <a:noFill/>
+          <a:extLst>
+            <a:ext uri="{909E8E84-426E-40DD-AFC4-6F175D3DCCD1}">
+              <a14:hiddenFill xmlns:a14="http://schemas.microsoft.com/office/drawing/2010/main">
+                <a:solidFill>
+                  <a:srgbClr val="FFFFFF"/>
+                </a:solidFill>
+              </a14:hiddenFill>
+            </a:ext>
+          </a:extLst>
+        </p:spPr>
+      </p:pic>
+    </p:spTree>
+    <p:extLst>
+      <p:ext uri="{BB962C8B-B14F-4D97-AF65-F5344CB8AC3E}">
+        <p14:creationId xmlns:p14="http://schemas.microsoft.com/office/powerpoint/2010/main" val="4131642125"/>
+      </p:ext>
+    </p:extLst>
+  </p:cSld>
+  <p:clrMapOvr>
+    <a:masterClrMapping/>
+  </p:clrMapOvr>
+  <p:timing>
+    <p:tnLst>
+      <p:par>
+        <p:cTn id="1" dur="indefinite" restart="never" nodeType="tmRoot"/>
+      </p:par>
+    </p:tnLst>
+  </p:timing>
+</p:sld>
+</file>
+
+<file path=ppt/slides/slide21.xml><?xml version="1.0" encoding="utf-8"?>
+<p:sld xmlns:a="http://schemas.openxmlformats.org/drawingml/2006/main" xmlns:r="http://schemas.openxmlformats.org/officeDocument/2006/relationships" xmlns:p="http://schemas.openxmlformats.org/presentationml/2006/main">
+  <p:cSld>
     <p:bg>
       <p:bgPr>
         <a:solidFill>
@@ -18824,7 +19741,7 @@
 </p:sld>
 </file>
 
-<file path=ppt/slides/slide21.xml><?xml version="1.0" encoding="utf-8"?>
+<file path=ppt/slides/slide22.xml><?xml version="1.0" encoding="utf-8"?>
 <p:sld xmlns:a="http://schemas.openxmlformats.org/drawingml/2006/main" xmlns:r="http://schemas.openxmlformats.org/officeDocument/2006/relationships" xmlns:p="http://schemas.openxmlformats.org/presentationml/2006/main">
   <p:cSld>
     <p:spTree>
@@ -19379,7 +20296,7 @@
 </p:sld>
 </file>
 
-<file path=ppt/slides/slide22.xml><?xml version="1.0" encoding="utf-8"?>
+<file path=ppt/slides/slide23.xml><?xml version="1.0" encoding="utf-8"?>
 <p:sld xmlns:a="http://schemas.openxmlformats.org/drawingml/2006/main" xmlns:r="http://schemas.openxmlformats.org/officeDocument/2006/relationships" xmlns:p="http://schemas.openxmlformats.org/presentationml/2006/main">
   <p:cSld>
     <p:spTree>
@@ -20693,14 +21610,14 @@
                 <a:gridCol w="3570567">
                   <a:extLst>
                     <a:ext uri="{9D8B030D-6E8A-4147-A177-3AD203B41FA5}">
-                      <a16:colId xmlns:a16="http://schemas.microsoft.com/office/drawing/2014/main" val="20000"/>
+                      <a16:colId xmlns:a16="http://schemas.microsoft.com/office/drawing/2014/main" xmlns="" val="20000"/>
                     </a:ext>
                   </a:extLst>
                 </a:gridCol>
                 <a:gridCol w="2522122">
                   <a:extLst>
                     <a:ext uri="{9D8B030D-6E8A-4147-A177-3AD203B41FA5}">
-                      <a16:colId xmlns:a16="http://schemas.microsoft.com/office/drawing/2014/main" val="20001"/>
+                      <a16:colId xmlns:a16="http://schemas.microsoft.com/office/drawing/2014/main" xmlns="" val="20001"/>
                     </a:ext>
                   </a:extLst>
                 </a:gridCol>
@@ -20737,7 +21654,7 @@
                 </a:tc>
                 <a:extLst>
                   <a:ext uri="{0D108BD9-81ED-4DB2-BD59-A6C34878D82A}">
-                    <a16:rowId xmlns:a16="http://schemas.microsoft.com/office/drawing/2014/main" val="10000"/>
+                    <a16:rowId xmlns:a16="http://schemas.microsoft.com/office/drawing/2014/main" xmlns="" val="10000"/>
                   </a:ext>
                 </a:extLst>
               </a:tr>
@@ -20769,7 +21686,7 @@
                 </a:tc>
                 <a:extLst>
                   <a:ext uri="{0D108BD9-81ED-4DB2-BD59-A6C34878D82A}">
-                    <a16:rowId xmlns:a16="http://schemas.microsoft.com/office/drawing/2014/main" val="10001"/>
+                    <a16:rowId xmlns:a16="http://schemas.microsoft.com/office/drawing/2014/main" xmlns="" val="10001"/>
                   </a:ext>
                 </a:extLst>
               </a:tr>
@@ -20801,7 +21718,7 @@
                 </a:tc>
                 <a:extLst>
                   <a:ext uri="{0D108BD9-81ED-4DB2-BD59-A6C34878D82A}">
-                    <a16:rowId xmlns:a16="http://schemas.microsoft.com/office/drawing/2014/main" val="10002"/>
+                    <a16:rowId xmlns:a16="http://schemas.microsoft.com/office/drawing/2014/main" xmlns="" val="10002"/>
                   </a:ext>
                 </a:extLst>
               </a:tr>
@@ -20837,7 +21754,7 @@
                 </a:tc>
                 <a:extLst>
                   <a:ext uri="{0D108BD9-81ED-4DB2-BD59-A6C34878D82A}">
-                    <a16:rowId xmlns:a16="http://schemas.microsoft.com/office/drawing/2014/main" val="10003"/>
+                    <a16:rowId xmlns:a16="http://schemas.microsoft.com/office/drawing/2014/main" xmlns="" val="10003"/>
                   </a:ext>
                 </a:extLst>
               </a:tr>
@@ -20869,7 +21786,7 @@
                 </a:tc>
                 <a:extLst>
                   <a:ext uri="{0D108BD9-81ED-4DB2-BD59-A6C34878D82A}">
-                    <a16:rowId xmlns:a16="http://schemas.microsoft.com/office/drawing/2014/main" val="10004"/>
+                    <a16:rowId xmlns:a16="http://schemas.microsoft.com/office/drawing/2014/main" xmlns="" val="10004"/>
                   </a:ext>
                 </a:extLst>
               </a:tr>
@@ -20901,7 +21818,7 @@
                 </a:tc>
                 <a:extLst>
                   <a:ext uri="{0D108BD9-81ED-4DB2-BD59-A6C34878D82A}">
-                    <a16:rowId xmlns:a16="http://schemas.microsoft.com/office/drawing/2014/main" val="10005"/>
+                    <a16:rowId xmlns:a16="http://schemas.microsoft.com/office/drawing/2014/main" xmlns="" val="10005"/>
                   </a:ext>
                 </a:extLst>
               </a:tr>
@@ -20933,7 +21850,7 @@
                 </a:tc>
                 <a:extLst>
                   <a:ext uri="{0D108BD9-81ED-4DB2-BD59-A6C34878D82A}">
-                    <a16:rowId xmlns:a16="http://schemas.microsoft.com/office/drawing/2014/main" val="10006"/>
+                    <a16:rowId xmlns:a16="http://schemas.microsoft.com/office/drawing/2014/main" xmlns="" val="10006"/>
                   </a:ext>
                 </a:extLst>
               </a:tr>
@@ -20969,7 +21886,7 @@
                 </a:tc>
                 <a:extLst>
                   <a:ext uri="{0D108BD9-81ED-4DB2-BD59-A6C34878D82A}">
-                    <a16:rowId xmlns:a16="http://schemas.microsoft.com/office/drawing/2014/main" val="10007"/>
+                    <a16:rowId xmlns:a16="http://schemas.microsoft.com/office/drawing/2014/main" xmlns="" val="10007"/>
                   </a:ext>
                 </a:extLst>
               </a:tr>
@@ -21001,7 +21918,7 @@
                 </a:tc>
                 <a:extLst>
                   <a:ext uri="{0D108BD9-81ED-4DB2-BD59-A6C34878D82A}">
-                    <a16:rowId xmlns:a16="http://schemas.microsoft.com/office/drawing/2014/main" val="10008"/>
+                    <a16:rowId xmlns:a16="http://schemas.microsoft.com/office/drawing/2014/main" xmlns="" val="10008"/>
                   </a:ext>
                 </a:extLst>
               </a:tr>
@@ -21033,7 +21950,7 @@
                 </a:tc>
                 <a:extLst>
                   <a:ext uri="{0D108BD9-81ED-4DB2-BD59-A6C34878D82A}">
-                    <a16:rowId xmlns:a16="http://schemas.microsoft.com/office/drawing/2014/main" val="10009"/>
+                    <a16:rowId xmlns:a16="http://schemas.microsoft.com/office/drawing/2014/main" xmlns="" val="10009"/>
                   </a:ext>
                 </a:extLst>
               </a:tr>
@@ -21065,7 +21982,7 @@
                 </a:tc>
                 <a:extLst>
                   <a:ext uri="{0D108BD9-81ED-4DB2-BD59-A6C34878D82A}">
-                    <a16:rowId xmlns:a16="http://schemas.microsoft.com/office/drawing/2014/main" val="10010"/>
+                    <a16:rowId xmlns:a16="http://schemas.microsoft.com/office/drawing/2014/main" xmlns="" val="10010"/>
                   </a:ext>
                 </a:extLst>
               </a:tr>
@@ -21097,7 +22014,7 @@
                 </a:tc>
                 <a:extLst>
                   <a:ext uri="{0D108BD9-81ED-4DB2-BD59-A6C34878D82A}">
-                    <a16:rowId xmlns:a16="http://schemas.microsoft.com/office/drawing/2014/main" val="10011"/>
+                    <a16:rowId xmlns:a16="http://schemas.microsoft.com/office/drawing/2014/main" xmlns="" val="10011"/>
                   </a:ext>
                 </a:extLst>
               </a:tr>
@@ -21427,21 +22344,21 @@
                 <a:gridCol w="3021582">
                   <a:extLst>
                     <a:ext uri="{9D8B030D-6E8A-4147-A177-3AD203B41FA5}">
-                      <a16:colId xmlns:a16="http://schemas.microsoft.com/office/drawing/2014/main" val="1356431335"/>
+                      <a16:colId xmlns:a16="http://schemas.microsoft.com/office/drawing/2014/main" xmlns="" val="1356431335"/>
                     </a:ext>
                   </a:extLst>
                 </a:gridCol>
                 <a:gridCol w="1175819">
                   <a:extLst>
                     <a:ext uri="{9D8B030D-6E8A-4147-A177-3AD203B41FA5}">
-                      <a16:colId xmlns:a16="http://schemas.microsoft.com/office/drawing/2014/main" val="4074852346"/>
+                      <a16:colId xmlns:a16="http://schemas.microsoft.com/office/drawing/2014/main" xmlns="" val="4074852346"/>
                     </a:ext>
                   </a:extLst>
                 </a:gridCol>
                 <a:gridCol w="1175819">
                   <a:extLst>
                     <a:ext uri="{9D8B030D-6E8A-4147-A177-3AD203B41FA5}">
-                      <a16:colId xmlns:a16="http://schemas.microsoft.com/office/drawing/2014/main" val="715510892"/>
+                      <a16:colId xmlns:a16="http://schemas.microsoft.com/office/drawing/2014/main" xmlns="" val="715510892"/>
                     </a:ext>
                   </a:extLst>
                 </a:gridCol>
@@ -21518,7 +22435,7 @@
                 </a:tc>
                 <a:extLst>
                   <a:ext uri="{0D108BD9-81ED-4DB2-BD59-A6C34878D82A}">
-                    <a16:rowId xmlns:a16="http://schemas.microsoft.com/office/drawing/2014/main" val="1236399335"/>
+                    <a16:rowId xmlns:a16="http://schemas.microsoft.com/office/drawing/2014/main" xmlns="" val="1236399335"/>
                   </a:ext>
                 </a:extLst>
               </a:tr>
@@ -21594,7 +22511,7 @@
                 </a:tc>
                 <a:extLst>
                   <a:ext uri="{0D108BD9-81ED-4DB2-BD59-A6C34878D82A}">
-                    <a16:rowId xmlns:a16="http://schemas.microsoft.com/office/drawing/2014/main" val="3548785687"/>
+                    <a16:rowId xmlns:a16="http://schemas.microsoft.com/office/drawing/2014/main" xmlns="" val="3548785687"/>
                   </a:ext>
                 </a:extLst>
               </a:tr>
@@ -21670,7 +22587,7 @@
                 </a:tc>
                 <a:extLst>
                   <a:ext uri="{0D108BD9-81ED-4DB2-BD59-A6C34878D82A}">
-                    <a16:rowId xmlns:a16="http://schemas.microsoft.com/office/drawing/2014/main" val="949879066"/>
+                    <a16:rowId xmlns:a16="http://schemas.microsoft.com/office/drawing/2014/main" xmlns="" val="949879066"/>
                   </a:ext>
                 </a:extLst>
               </a:tr>
@@ -21746,7 +22663,7 @@
                 </a:tc>
                 <a:extLst>
                   <a:ext uri="{0D108BD9-81ED-4DB2-BD59-A6C34878D82A}">
-                    <a16:rowId xmlns:a16="http://schemas.microsoft.com/office/drawing/2014/main" val="3222670053"/>
+                    <a16:rowId xmlns:a16="http://schemas.microsoft.com/office/drawing/2014/main" xmlns="" val="3222670053"/>
                   </a:ext>
                 </a:extLst>
               </a:tr>
@@ -21822,7 +22739,7 @@
                 </a:tc>
                 <a:extLst>
                   <a:ext uri="{0D108BD9-81ED-4DB2-BD59-A6C34878D82A}">
-                    <a16:rowId xmlns:a16="http://schemas.microsoft.com/office/drawing/2014/main" val="1661099666"/>
+                    <a16:rowId xmlns:a16="http://schemas.microsoft.com/office/drawing/2014/main" xmlns="" val="1661099666"/>
                   </a:ext>
                 </a:extLst>
               </a:tr>
@@ -21898,7 +22815,7 @@
                 </a:tc>
                 <a:extLst>
                   <a:ext uri="{0D108BD9-81ED-4DB2-BD59-A6C34878D82A}">
-                    <a16:rowId xmlns:a16="http://schemas.microsoft.com/office/drawing/2014/main" val="4172047643"/>
+                    <a16:rowId xmlns:a16="http://schemas.microsoft.com/office/drawing/2014/main" xmlns="" val="4172047643"/>
                   </a:ext>
                 </a:extLst>
               </a:tr>
@@ -21974,7 +22891,7 @@
                 </a:tc>
                 <a:extLst>
                   <a:ext uri="{0D108BD9-81ED-4DB2-BD59-A6C34878D82A}">
-                    <a16:rowId xmlns:a16="http://schemas.microsoft.com/office/drawing/2014/main" val="1057878429"/>
+                    <a16:rowId xmlns:a16="http://schemas.microsoft.com/office/drawing/2014/main" xmlns="" val="1057878429"/>
                   </a:ext>
                 </a:extLst>
               </a:tr>
@@ -22050,7 +22967,7 @@
                 </a:tc>
                 <a:extLst>
                   <a:ext uri="{0D108BD9-81ED-4DB2-BD59-A6C34878D82A}">
-                    <a16:rowId xmlns:a16="http://schemas.microsoft.com/office/drawing/2014/main" val="2151953881"/>
+                    <a16:rowId xmlns:a16="http://schemas.microsoft.com/office/drawing/2014/main" xmlns="" val="2151953881"/>
                   </a:ext>
                 </a:extLst>
               </a:tr>
@@ -22126,7 +23043,7 @@
                 </a:tc>
                 <a:extLst>
                   <a:ext uri="{0D108BD9-81ED-4DB2-BD59-A6C34878D82A}">
-                    <a16:rowId xmlns:a16="http://schemas.microsoft.com/office/drawing/2014/main" val="3615318075"/>
+                    <a16:rowId xmlns:a16="http://schemas.microsoft.com/office/drawing/2014/main" xmlns="" val="3615318075"/>
                   </a:ext>
                 </a:extLst>
               </a:tr>
@@ -22202,7 +23119,7 @@
                 </a:tc>
                 <a:extLst>
                   <a:ext uri="{0D108BD9-81ED-4DB2-BD59-A6C34878D82A}">
-                    <a16:rowId xmlns:a16="http://schemas.microsoft.com/office/drawing/2014/main" val="1810581365"/>
+                    <a16:rowId xmlns:a16="http://schemas.microsoft.com/office/drawing/2014/main" xmlns="" val="1810581365"/>
                   </a:ext>
                 </a:extLst>
               </a:tr>
@@ -22278,7 +23195,7 @@
                 </a:tc>
                 <a:extLst>
                   <a:ext uri="{0D108BD9-81ED-4DB2-BD59-A6C34878D82A}">
-                    <a16:rowId xmlns:a16="http://schemas.microsoft.com/office/drawing/2014/main" val="240284698"/>
+                    <a16:rowId xmlns:a16="http://schemas.microsoft.com/office/drawing/2014/main" xmlns="" val="240284698"/>
                   </a:ext>
                 </a:extLst>
               </a:tr>
@@ -22354,7 +23271,7 @@
                 </a:tc>
                 <a:extLst>
                   <a:ext uri="{0D108BD9-81ED-4DB2-BD59-A6C34878D82A}">
-                    <a16:rowId xmlns:a16="http://schemas.microsoft.com/office/drawing/2014/main" val="2906176452"/>
+                    <a16:rowId xmlns:a16="http://schemas.microsoft.com/office/drawing/2014/main" xmlns="" val="2906176452"/>
                   </a:ext>
                 </a:extLst>
               </a:tr>
@@ -22430,7 +23347,7 @@
                 </a:tc>
                 <a:extLst>
                   <a:ext uri="{0D108BD9-81ED-4DB2-BD59-A6C34878D82A}">
-                    <a16:rowId xmlns:a16="http://schemas.microsoft.com/office/drawing/2014/main" val="3562986470"/>
+                    <a16:rowId xmlns:a16="http://schemas.microsoft.com/office/drawing/2014/main" xmlns="" val="3562986470"/>
                   </a:ext>
                 </a:extLst>
               </a:tr>
@@ -22506,7 +23423,7 @@
                 </a:tc>
                 <a:extLst>
                   <a:ext uri="{0D108BD9-81ED-4DB2-BD59-A6C34878D82A}">
-                    <a16:rowId xmlns:a16="http://schemas.microsoft.com/office/drawing/2014/main" val="1671168545"/>
+                    <a16:rowId xmlns:a16="http://schemas.microsoft.com/office/drawing/2014/main" xmlns="" val="1671168545"/>
                   </a:ext>
                 </a:extLst>
               </a:tr>
@@ -22582,7 +23499,7 @@
                 </a:tc>
                 <a:extLst>
                   <a:ext uri="{0D108BD9-81ED-4DB2-BD59-A6C34878D82A}">
-                    <a16:rowId xmlns:a16="http://schemas.microsoft.com/office/drawing/2014/main" val="2432487341"/>
+                    <a16:rowId xmlns:a16="http://schemas.microsoft.com/office/drawing/2014/main" xmlns="" val="2432487341"/>
                   </a:ext>
                 </a:extLst>
               </a:tr>
@@ -22658,7 +23575,7 @@
                 </a:tc>
                 <a:extLst>
                   <a:ext uri="{0D108BD9-81ED-4DB2-BD59-A6C34878D82A}">
-                    <a16:rowId xmlns:a16="http://schemas.microsoft.com/office/drawing/2014/main" val="823347675"/>
+                    <a16:rowId xmlns:a16="http://schemas.microsoft.com/office/drawing/2014/main" xmlns="" val="823347675"/>
                   </a:ext>
                 </a:extLst>
               </a:tr>
@@ -22734,7 +23651,7 @@
                 </a:tc>
                 <a:extLst>
                   <a:ext uri="{0D108BD9-81ED-4DB2-BD59-A6C34878D82A}">
-                    <a16:rowId xmlns:a16="http://schemas.microsoft.com/office/drawing/2014/main" val="3888237083"/>
+                    <a16:rowId xmlns:a16="http://schemas.microsoft.com/office/drawing/2014/main" xmlns="" val="3888237083"/>
                   </a:ext>
                 </a:extLst>
               </a:tr>
@@ -22810,7 +23727,7 @@
                 </a:tc>
                 <a:extLst>
                   <a:ext uri="{0D108BD9-81ED-4DB2-BD59-A6C34878D82A}">
-                    <a16:rowId xmlns:a16="http://schemas.microsoft.com/office/drawing/2014/main" val="1186328292"/>
+                    <a16:rowId xmlns:a16="http://schemas.microsoft.com/office/drawing/2014/main" xmlns="" val="1186328292"/>
                   </a:ext>
                 </a:extLst>
               </a:tr>
@@ -22904,7 +23821,7 @@
                 </a:tc>
                 <a:extLst>
                   <a:ext uri="{0D108BD9-81ED-4DB2-BD59-A6C34878D82A}">
-                    <a16:rowId xmlns:a16="http://schemas.microsoft.com/office/drawing/2014/main" val="4173546526"/>
+                    <a16:rowId xmlns:a16="http://schemas.microsoft.com/office/drawing/2014/main" xmlns="" val="4173546526"/>
                   </a:ext>
                 </a:extLst>
               </a:tr>
@@ -22980,7 +23897,7 @@
                 </a:tc>
                 <a:extLst>
                   <a:ext uri="{0D108BD9-81ED-4DB2-BD59-A6C34878D82A}">
-                    <a16:rowId xmlns:a16="http://schemas.microsoft.com/office/drawing/2014/main" val="4247627454"/>
+                    <a16:rowId xmlns:a16="http://schemas.microsoft.com/office/drawing/2014/main" xmlns="" val="4247627454"/>
                   </a:ext>
                 </a:extLst>
               </a:tr>
@@ -23056,7 +23973,7 @@
                 </a:tc>
                 <a:extLst>
                   <a:ext uri="{0D108BD9-81ED-4DB2-BD59-A6C34878D82A}">
-                    <a16:rowId xmlns:a16="http://schemas.microsoft.com/office/drawing/2014/main" val="2227278853"/>
+                    <a16:rowId xmlns:a16="http://schemas.microsoft.com/office/drawing/2014/main" xmlns="" val="2227278853"/>
                   </a:ext>
                 </a:extLst>
               </a:tr>
@@ -23132,7 +24049,7 @@
                 </a:tc>
                 <a:extLst>
                   <a:ext uri="{0D108BD9-81ED-4DB2-BD59-A6C34878D82A}">
-                    <a16:rowId xmlns:a16="http://schemas.microsoft.com/office/drawing/2014/main" val="2842433311"/>
+                    <a16:rowId xmlns:a16="http://schemas.microsoft.com/office/drawing/2014/main" xmlns="" val="2842433311"/>
                   </a:ext>
                 </a:extLst>
               </a:tr>
@@ -23164,21 +24081,21 @@
                 <a:gridCol w="3036706">
                   <a:extLst>
                     <a:ext uri="{9D8B030D-6E8A-4147-A177-3AD203B41FA5}">
-                      <a16:colId xmlns:a16="http://schemas.microsoft.com/office/drawing/2014/main" val="1022886225"/>
+                      <a16:colId xmlns:a16="http://schemas.microsoft.com/office/drawing/2014/main" xmlns="" val="1022886225"/>
                     </a:ext>
                   </a:extLst>
                 </a:gridCol>
                 <a:gridCol w="1181705">
                   <a:extLst>
                     <a:ext uri="{9D8B030D-6E8A-4147-A177-3AD203B41FA5}">
-                      <a16:colId xmlns:a16="http://schemas.microsoft.com/office/drawing/2014/main" val="2020208361"/>
+                      <a16:colId xmlns:a16="http://schemas.microsoft.com/office/drawing/2014/main" xmlns="" val="2020208361"/>
                     </a:ext>
                   </a:extLst>
                 </a:gridCol>
                 <a:gridCol w="1181705">
                   <a:extLst>
                     <a:ext uri="{9D8B030D-6E8A-4147-A177-3AD203B41FA5}">
-                      <a16:colId xmlns:a16="http://schemas.microsoft.com/office/drawing/2014/main" val="2629210063"/>
+                      <a16:colId xmlns:a16="http://schemas.microsoft.com/office/drawing/2014/main" xmlns="" val="2629210063"/>
                     </a:ext>
                   </a:extLst>
                 </a:gridCol>
@@ -23255,7 +24172,7 @@
                 </a:tc>
                 <a:extLst>
                   <a:ext uri="{0D108BD9-81ED-4DB2-BD59-A6C34878D82A}">
-                    <a16:rowId xmlns:a16="http://schemas.microsoft.com/office/drawing/2014/main" val="3352158023"/>
+                    <a16:rowId xmlns:a16="http://schemas.microsoft.com/office/drawing/2014/main" xmlns="" val="3352158023"/>
                   </a:ext>
                 </a:extLst>
               </a:tr>
@@ -23331,7 +24248,7 @@
                 </a:tc>
                 <a:extLst>
                   <a:ext uri="{0D108BD9-81ED-4DB2-BD59-A6C34878D82A}">
-                    <a16:rowId xmlns:a16="http://schemas.microsoft.com/office/drawing/2014/main" val="4290189252"/>
+                    <a16:rowId xmlns:a16="http://schemas.microsoft.com/office/drawing/2014/main" xmlns="" val="4290189252"/>
                   </a:ext>
                 </a:extLst>
               </a:tr>
@@ -23407,7 +24324,7 @@
                 </a:tc>
                 <a:extLst>
                   <a:ext uri="{0D108BD9-81ED-4DB2-BD59-A6C34878D82A}">
-                    <a16:rowId xmlns:a16="http://schemas.microsoft.com/office/drawing/2014/main" val="3727132500"/>
+                    <a16:rowId xmlns:a16="http://schemas.microsoft.com/office/drawing/2014/main" xmlns="" val="3727132500"/>
                   </a:ext>
                 </a:extLst>
               </a:tr>
@@ -23483,7 +24400,7 @@
                 </a:tc>
                 <a:extLst>
                   <a:ext uri="{0D108BD9-81ED-4DB2-BD59-A6C34878D82A}">
-                    <a16:rowId xmlns:a16="http://schemas.microsoft.com/office/drawing/2014/main" val="4208757681"/>
+                    <a16:rowId xmlns:a16="http://schemas.microsoft.com/office/drawing/2014/main" xmlns="" val="4208757681"/>
                   </a:ext>
                 </a:extLst>
               </a:tr>
@@ -23559,7 +24476,7 @@
                 </a:tc>
                 <a:extLst>
                   <a:ext uri="{0D108BD9-81ED-4DB2-BD59-A6C34878D82A}">
-                    <a16:rowId xmlns:a16="http://schemas.microsoft.com/office/drawing/2014/main" val="2929237673"/>
+                    <a16:rowId xmlns:a16="http://schemas.microsoft.com/office/drawing/2014/main" xmlns="" val="2929237673"/>
                   </a:ext>
                 </a:extLst>
               </a:tr>
@@ -23635,7 +24552,7 @@
                 </a:tc>
                 <a:extLst>
                   <a:ext uri="{0D108BD9-81ED-4DB2-BD59-A6C34878D82A}">
-                    <a16:rowId xmlns:a16="http://schemas.microsoft.com/office/drawing/2014/main" val="2848627066"/>
+                    <a16:rowId xmlns:a16="http://schemas.microsoft.com/office/drawing/2014/main" xmlns="" val="2848627066"/>
                   </a:ext>
                 </a:extLst>
               </a:tr>
@@ -23711,7 +24628,7 @@
                 </a:tc>
                 <a:extLst>
                   <a:ext uri="{0D108BD9-81ED-4DB2-BD59-A6C34878D82A}">
-                    <a16:rowId xmlns:a16="http://schemas.microsoft.com/office/drawing/2014/main" val="1011726148"/>
+                    <a16:rowId xmlns:a16="http://schemas.microsoft.com/office/drawing/2014/main" xmlns="" val="1011726148"/>
                   </a:ext>
                 </a:extLst>
               </a:tr>
@@ -23793,7 +24710,7 @@
                 </a:tc>
                 <a:extLst>
                   <a:ext uri="{0D108BD9-81ED-4DB2-BD59-A6C34878D82A}">
-                    <a16:rowId xmlns:a16="http://schemas.microsoft.com/office/drawing/2014/main" val="17463372"/>
+                    <a16:rowId xmlns:a16="http://schemas.microsoft.com/office/drawing/2014/main" xmlns="" val="17463372"/>
                   </a:ext>
                 </a:extLst>
               </a:tr>
@@ -23869,7 +24786,7 @@
                 </a:tc>
                 <a:extLst>
                   <a:ext uri="{0D108BD9-81ED-4DB2-BD59-A6C34878D82A}">
-                    <a16:rowId xmlns:a16="http://schemas.microsoft.com/office/drawing/2014/main" val="1971138859"/>
+                    <a16:rowId xmlns:a16="http://schemas.microsoft.com/office/drawing/2014/main" xmlns="" val="1971138859"/>
                   </a:ext>
                 </a:extLst>
               </a:tr>
@@ -23945,7 +24862,7 @@
                 </a:tc>
                 <a:extLst>
                   <a:ext uri="{0D108BD9-81ED-4DB2-BD59-A6C34878D82A}">
-                    <a16:rowId xmlns:a16="http://schemas.microsoft.com/office/drawing/2014/main" val="1508729639"/>
+                    <a16:rowId xmlns:a16="http://schemas.microsoft.com/office/drawing/2014/main" xmlns="" val="1508729639"/>
                   </a:ext>
                 </a:extLst>
               </a:tr>
@@ -24027,7 +24944,7 @@
                 </a:tc>
                 <a:extLst>
                   <a:ext uri="{0D108BD9-81ED-4DB2-BD59-A6C34878D82A}">
-                    <a16:rowId xmlns:a16="http://schemas.microsoft.com/office/drawing/2014/main" val="3853913370"/>
+                    <a16:rowId xmlns:a16="http://schemas.microsoft.com/office/drawing/2014/main" xmlns="" val="3853913370"/>
                   </a:ext>
                 </a:extLst>
               </a:tr>
@@ -24103,7 +25020,7 @@
                 </a:tc>
                 <a:extLst>
                   <a:ext uri="{0D108BD9-81ED-4DB2-BD59-A6C34878D82A}">
-                    <a16:rowId xmlns:a16="http://schemas.microsoft.com/office/drawing/2014/main" val="2386013325"/>
+                    <a16:rowId xmlns:a16="http://schemas.microsoft.com/office/drawing/2014/main" xmlns="" val="2386013325"/>
                   </a:ext>
                 </a:extLst>
               </a:tr>
@@ -24179,7 +25096,7 @@
                 </a:tc>
                 <a:extLst>
                   <a:ext uri="{0D108BD9-81ED-4DB2-BD59-A6C34878D82A}">
-                    <a16:rowId xmlns:a16="http://schemas.microsoft.com/office/drawing/2014/main" val="4131206225"/>
+                    <a16:rowId xmlns:a16="http://schemas.microsoft.com/office/drawing/2014/main" xmlns="" val="4131206225"/>
                   </a:ext>
                 </a:extLst>
               </a:tr>
@@ -24255,7 +25172,7 @@
                 </a:tc>
                 <a:extLst>
                   <a:ext uri="{0D108BD9-81ED-4DB2-BD59-A6C34878D82A}">
-                    <a16:rowId xmlns:a16="http://schemas.microsoft.com/office/drawing/2014/main" val="673049777"/>
+                    <a16:rowId xmlns:a16="http://schemas.microsoft.com/office/drawing/2014/main" xmlns="" val="673049777"/>
                   </a:ext>
                 </a:extLst>
               </a:tr>
@@ -24331,7 +25248,7 @@
                 </a:tc>
                 <a:extLst>
                   <a:ext uri="{0D108BD9-81ED-4DB2-BD59-A6C34878D82A}">
-                    <a16:rowId xmlns:a16="http://schemas.microsoft.com/office/drawing/2014/main" val="1698139637"/>
+                    <a16:rowId xmlns:a16="http://schemas.microsoft.com/office/drawing/2014/main" xmlns="" val="1698139637"/>
                   </a:ext>
                 </a:extLst>
               </a:tr>
@@ -24407,7 +25324,7 @@
                 </a:tc>
                 <a:extLst>
                   <a:ext uri="{0D108BD9-81ED-4DB2-BD59-A6C34878D82A}">
-                    <a16:rowId xmlns:a16="http://schemas.microsoft.com/office/drawing/2014/main" val="3929276156"/>
+                    <a16:rowId xmlns:a16="http://schemas.microsoft.com/office/drawing/2014/main" xmlns="" val="3929276156"/>
                   </a:ext>
                 </a:extLst>
               </a:tr>
@@ -24483,7 +25400,7 @@
                 </a:tc>
                 <a:extLst>
                   <a:ext uri="{0D108BD9-81ED-4DB2-BD59-A6C34878D82A}">
-                    <a16:rowId xmlns:a16="http://schemas.microsoft.com/office/drawing/2014/main" val="1881763618"/>
+                    <a16:rowId xmlns:a16="http://schemas.microsoft.com/office/drawing/2014/main" xmlns="" val="1881763618"/>
                   </a:ext>
                 </a:extLst>
               </a:tr>
@@ -24565,7 +25482,7 @@
                 </a:tc>
                 <a:extLst>
                   <a:ext uri="{0D108BD9-81ED-4DB2-BD59-A6C34878D82A}">
-                    <a16:rowId xmlns:a16="http://schemas.microsoft.com/office/drawing/2014/main" val="160454722"/>
+                    <a16:rowId xmlns:a16="http://schemas.microsoft.com/office/drawing/2014/main" xmlns="" val="160454722"/>
                   </a:ext>
                 </a:extLst>
               </a:tr>
@@ -24641,7 +25558,7 @@
                 </a:tc>
                 <a:extLst>
                   <a:ext uri="{0D108BD9-81ED-4DB2-BD59-A6C34878D82A}">
-                    <a16:rowId xmlns:a16="http://schemas.microsoft.com/office/drawing/2014/main" val="3488362082"/>
+                    <a16:rowId xmlns:a16="http://schemas.microsoft.com/office/drawing/2014/main" xmlns="" val="3488362082"/>
                   </a:ext>
                 </a:extLst>
               </a:tr>
@@ -24717,7 +25634,7 @@
                 </a:tc>
                 <a:extLst>
                   <a:ext uri="{0D108BD9-81ED-4DB2-BD59-A6C34878D82A}">
-                    <a16:rowId xmlns:a16="http://schemas.microsoft.com/office/drawing/2014/main" val="1840069665"/>
+                    <a16:rowId xmlns:a16="http://schemas.microsoft.com/office/drawing/2014/main" xmlns="" val="1840069665"/>
                   </a:ext>
                 </a:extLst>
               </a:tr>
@@ -24793,7 +25710,7 @@
                 </a:tc>
                 <a:extLst>
                   <a:ext uri="{0D108BD9-81ED-4DB2-BD59-A6C34878D82A}">
-                    <a16:rowId xmlns:a16="http://schemas.microsoft.com/office/drawing/2014/main" val="985474525"/>
+                    <a16:rowId xmlns:a16="http://schemas.microsoft.com/office/drawing/2014/main" xmlns="" val="985474525"/>
                   </a:ext>
                 </a:extLst>
               </a:tr>
@@ -24869,7 +25786,7 @@
                 </a:tc>
                 <a:extLst>
                   <a:ext uri="{0D108BD9-81ED-4DB2-BD59-A6C34878D82A}">
-                    <a16:rowId xmlns:a16="http://schemas.microsoft.com/office/drawing/2014/main" val="3784109591"/>
+                    <a16:rowId xmlns:a16="http://schemas.microsoft.com/office/drawing/2014/main" xmlns="" val="3784109591"/>
                   </a:ext>
                 </a:extLst>
               </a:tr>
@@ -24951,7 +25868,7 @@
                 </a:tc>
                 <a:extLst>
                   <a:ext uri="{0D108BD9-81ED-4DB2-BD59-A6C34878D82A}">
-                    <a16:rowId xmlns:a16="http://schemas.microsoft.com/office/drawing/2014/main" val="2131307175"/>
+                    <a16:rowId xmlns:a16="http://schemas.microsoft.com/office/drawing/2014/main" xmlns="" val="2131307175"/>
                   </a:ext>
                 </a:extLst>
               </a:tr>
@@ -25100,21 +26017,21 @@
                 <a:gridCol w="3284597">
                   <a:extLst>
                     <a:ext uri="{9D8B030D-6E8A-4147-A177-3AD203B41FA5}">
-                      <a16:colId xmlns:a16="http://schemas.microsoft.com/office/drawing/2014/main" val="1356431335"/>
+                      <a16:colId xmlns:a16="http://schemas.microsoft.com/office/drawing/2014/main" xmlns="" val="1356431335"/>
                     </a:ext>
                   </a:extLst>
                 </a:gridCol>
                 <a:gridCol w="912804">
                   <a:extLst>
                     <a:ext uri="{9D8B030D-6E8A-4147-A177-3AD203B41FA5}">
-                      <a16:colId xmlns:a16="http://schemas.microsoft.com/office/drawing/2014/main" val="4074852346"/>
+                      <a16:colId xmlns:a16="http://schemas.microsoft.com/office/drawing/2014/main" xmlns="" val="4074852346"/>
                     </a:ext>
                   </a:extLst>
                 </a:gridCol>
                 <a:gridCol w="1175819">
                   <a:extLst>
                     <a:ext uri="{9D8B030D-6E8A-4147-A177-3AD203B41FA5}">
-                      <a16:colId xmlns:a16="http://schemas.microsoft.com/office/drawing/2014/main" val="715510892"/>
+                      <a16:colId xmlns:a16="http://schemas.microsoft.com/office/drawing/2014/main" xmlns="" val="715510892"/>
                     </a:ext>
                   </a:extLst>
                 </a:gridCol>
@@ -25191,7 +26108,7 @@
                 </a:tc>
                 <a:extLst>
                   <a:ext uri="{0D108BD9-81ED-4DB2-BD59-A6C34878D82A}">
-                    <a16:rowId xmlns:a16="http://schemas.microsoft.com/office/drawing/2014/main" val="1236399335"/>
+                    <a16:rowId xmlns:a16="http://schemas.microsoft.com/office/drawing/2014/main" xmlns="" val="1236399335"/>
                   </a:ext>
                 </a:extLst>
               </a:tr>
@@ -25267,7 +26184,7 @@
                 </a:tc>
                 <a:extLst>
                   <a:ext uri="{0D108BD9-81ED-4DB2-BD59-A6C34878D82A}">
-                    <a16:rowId xmlns:a16="http://schemas.microsoft.com/office/drawing/2014/main" val="3548785687"/>
+                    <a16:rowId xmlns:a16="http://schemas.microsoft.com/office/drawing/2014/main" xmlns="" val="3548785687"/>
                   </a:ext>
                 </a:extLst>
               </a:tr>
@@ -25365,7 +26282,7 @@
                 </a:tc>
                 <a:extLst>
                   <a:ext uri="{0D108BD9-81ED-4DB2-BD59-A6C34878D82A}">
-                    <a16:rowId xmlns:a16="http://schemas.microsoft.com/office/drawing/2014/main" val="949879066"/>
+                    <a16:rowId xmlns:a16="http://schemas.microsoft.com/office/drawing/2014/main" xmlns="" val="949879066"/>
                   </a:ext>
                 </a:extLst>
               </a:tr>
@@ -25463,7 +26380,7 @@
                 </a:tc>
                 <a:extLst>
                   <a:ext uri="{0D108BD9-81ED-4DB2-BD59-A6C34878D82A}">
-                    <a16:rowId xmlns:a16="http://schemas.microsoft.com/office/drawing/2014/main" val="3222670053"/>
+                    <a16:rowId xmlns:a16="http://schemas.microsoft.com/office/drawing/2014/main" xmlns="" val="3222670053"/>
                   </a:ext>
                 </a:extLst>
               </a:tr>
@@ -25561,7 +26478,7 @@
                 </a:tc>
                 <a:extLst>
                   <a:ext uri="{0D108BD9-81ED-4DB2-BD59-A6C34878D82A}">
-                    <a16:rowId xmlns:a16="http://schemas.microsoft.com/office/drawing/2014/main" val="1661099666"/>
+                    <a16:rowId xmlns:a16="http://schemas.microsoft.com/office/drawing/2014/main" xmlns="" val="1661099666"/>
                   </a:ext>
                 </a:extLst>
               </a:tr>
@@ -25659,7 +26576,7 @@
                 </a:tc>
                 <a:extLst>
                   <a:ext uri="{0D108BD9-81ED-4DB2-BD59-A6C34878D82A}">
-                    <a16:rowId xmlns:a16="http://schemas.microsoft.com/office/drawing/2014/main" val="4172047643"/>
+                    <a16:rowId xmlns:a16="http://schemas.microsoft.com/office/drawing/2014/main" xmlns="" val="4172047643"/>
                   </a:ext>
                 </a:extLst>
               </a:tr>
@@ -25757,7 +26674,7 @@
                 </a:tc>
                 <a:extLst>
                   <a:ext uri="{0D108BD9-81ED-4DB2-BD59-A6C34878D82A}">
-                    <a16:rowId xmlns:a16="http://schemas.microsoft.com/office/drawing/2014/main" val="1057878429"/>
+                    <a16:rowId xmlns:a16="http://schemas.microsoft.com/office/drawing/2014/main" xmlns="" val="1057878429"/>
                   </a:ext>
                 </a:extLst>
               </a:tr>
@@ -25855,7 +26772,7 @@
                 </a:tc>
                 <a:extLst>
                   <a:ext uri="{0D108BD9-81ED-4DB2-BD59-A6C34878D82A}">
-                    <a16:rowId xmlns:a16="http://schemas.microsoft.com/office/drawing/2014/main" val="2151953881"/>
+                    <a16:rowId xmlns:a16="http://schemas.microsoft.com/office/drawing/2014/main" xmlns="" val="2151953881"/>
                   </a:ext>
                 </a:extLst>
               </a:tr>
@@ -25963,7 +26880,7 @@
                 </a:tc>
                 <a:extLst>
                   <a:ext uri="{0D108BD9-81ED-4DB2-BD59-A6C34878D82A}">
-                    <a16:rowId xmlns:a16="http://schemas.microsoft.com/office/drawing/2014/main" val="3615318075"/>
+                    <a16:rowId xmlns:a16="http://schemas.microsoft.com/office/drawing/2014/main" xmlns="" val="3615318075"/>
                   </a:ext>
                 </a:extLst>
               </a:tr>
@@ -26091,7 +27008,7 @@
                 </a:tc>
                 <a:extLst>
                   <a:ext uri="{0D108BD9-81ED-4DB2-BD59-A6C34878D82A}">
-                    <a16:rowId xmlns:a16="http://schemas.microsoft.com/office/drawing/2014/main" val="1810581365"/>
+                    <a16:rowId xmlns:a16="http://schemas.microsoft.com/office/drawing/2014/main" xmlns="" val="1810581365"/>
                   </a:ext>
                 </a:extLst>
               </a:tr>
@@ -26179,7 +27096,7 @@
                 </a:tc>
                 <a:extLst>
                   <a:ext uri="{0D108BD9-81ED-4DB2-BD59-A6C34878D82A}">
-                    <a16:rowId xmlns:a16="http://schemas.microsoft.com/office/drawing/2014/main" val="240284698"/>
+                    <a16:rowId xmlns:a16="http://schemas.microsoft.com/office/drawing/2014/main" xmlns="" val="240284698"/>
                   </a:ext>
                 </a:extLst>
               </a:tr>
@@ -26267,7 +27184,7 @@
                 </a:tc>
                 <a:extLst>
                   <a:ext uri="{0D108BD9-81ED-4DB2-BD59-A6C34878D82A}">
-                    <a16:rowId xmlns:a16="http://schemas.microsoft.com/office/drawing/2014/main" val="2906176452"/>
+                    <a16:rowId xmlns:a16="http://schemas.microsoft.com/office/drawing/2014/main" xmlns="" val="2906176452"/>
                   </a:ext>
                 </a:extLst>
               </a:tr>
@@ -26365,7 +27282,7 @@
                 </a:tc>
                 <a:extLst>
                   <a:ext uri="{0D108BD9-81ED-4DB2-BD59-A6C34878D82A}">
-                    <a16:rowId xmlns:a16="http://schemas.microsoft.com/office/drawing/2014/main" val="3562986470"/>
+                    <a16:rowId xmlns:a16="http://schemas.microsoft.com/office/drawing/2014/main" xmlns="" val="3562986470"/>
                   </a:ext>
                 </a:extLst>
               </a:tr>
@@ -26473,7 +27390,7 @@
                 </a:tc>
                 <a:extLst>
                   <a:ext uri="{0D108BD9-81ED-4DB2-BD59-A6C34878D82A}">
-                    <a16:rowId xmlns:a16="http://schemas.microsoft.com/office/drawing/2014/main" val="1671168545"/>
+                    <a16:rowId xmlns:a16="http://schemas.microsoft.com/office/drawing/2014/main" xmlns="" val="1671168545"/>
                   </a:ext>
                 </a:extLst>
               </a:tr>
@@ -26571,7 +27488,7 @@
                 </a:tc>
                 <a:extLst>
                   <a:ext uri="{0D108BD9-81ED-4DB2-BD59-A6C34878D82A}">
-                    <a16:rowId xmlns:a16="http://schemas.microsoft.com/office/drawing/2014/main" val="2432487341"/>
+                    <a16:rowId xmlns:a16="http://schemas.microsoft.com/office/drawing/2014/main" xmlns="" val="2432487341"/>
                   </a:ext>
                 </a:extLst>
               </a:tr>
@@ -26689,7 +27606,7 @@
                 </a:tc>
                 <a:extLst>
                   <a:ext uri="{0D108BD9-81ED-4DB2-BD59-A6C34878D82A}">
-                    <a16:rowId xmlns:a16="http://schemas.microsoft.com/office/drawing/2014/main" val="823347675"/>
+                    <a16:rowId xmlns:a16="http://schemas.microsoft.com/office/drawing/2014/main" xmlns="" val="823347675"/>
                   </a:ext>
                 </a:extLst>
               </a:tr>
@@ -26787,7 +27704,7 @@
                 </a:tc>
                 <a:extLst>
                   <a:ext uri="{0D108BD9-81ED-4DB2-BD59-A6C34878D82A}">
-                    <a16:rowId xmlns:a16="http://schemas.microsoft.com/office/drawing/2014/main" val="3888237083"/>
+                    <a16:rowId xmlns:a16="http://schemas.microsoft.com/office/drawing/2014/main" xmlns="" val="3888237083"/>
                   </a:ext>
                 </a:extLst>
               </a:tr>
@@ -26875,7 +27792,7 @@
                 </a:tc>
                 <a:extLst>
                   <a:ext uri="{0D108BD9-81ED-4DB2-BD59-A6C34878D82A}">
-                    <a16:rowId xmlns:a16="http://schemas.microsoft.com/office/drawing/2014/main" val="1186328292"/>
+                    <a16:rowId xmlns:a16="http://schemas.microsoft.com/office/drawing/2014/main" xmlns="" val="1186328292"/>
                   </a:ext>
                 </a:extLst>
               </a:tr>
@@ -26973,7 +27890,7 @@
                 </a:tc>
                 <a:extLst>
                   <a:ext uri="{0D108BD9-81ED-4DB2-BD59-A6C34878D82A}">
-                    <a16:rowId xmlns:a16="http://schemas.microsoft.com/office/drawing/2014/main" val="4173546526"/>
+                    <a16:rowId xmlns:a16="http://schemas.microsoft.com/office/drawing/2014/main" xmlns="" val="4173546526"/>
                   </a:ext>
                 </a:extLst>
               </a:tr>
@@ -27073,7 +27990,7 @@
                 </a:tc>
                 <a:extLst>
                   <a:ext uri="{0D108BD9-81ED-4DB2-BD59-A6C34878D82A}">
-                    <a16:rowId xmlns:a16="http://schemas.microsoft.com/office/drawing/2014/main" val="4247627454"/>
+                    <a16:rowId xmlns:a16="http://schemas.microsoft.com/office/drawing/2014/main" xmlns="" val="4247627454"/>
                   </a:ext>
                 </a:extLst>
               </a:tr>
@@ -27171,7 +28088,7 @@
                 </a:tc>
                 <a:extLst>
                   <a:ext uri="{0D108BD9-81ED-4DB2-BD59-A6C34878D82A}">
-                    <a16:rowId xmlns:a16="http://schemas.microsoft.com/office/drawing/2014/main" val="2227278853"/>
+                    <a16:rowId xmlns:a16="http://schemas.microsoft.com/office/drawing/2014/main" xmlns="" val="2227278853"/>
                   </a:ext>
                 </a:extLst>
               </a:tr>
@@ -27269,7 +28186,7 @@
                 </a:tc>
                 <a:extLst>
                   <a:ext uri="{0D108BD9-81ED-4DB2-BD59-A6C34878D82A}">
-                    <a16:rowId xmlns:a16="http://schemas.microsoft.com/office/drawing/2014/main" val="2842433311"/>
+                    <a16:rowId xmlns:a16="http://schemas.microsoft.com/office/drawing/2014/main" xmlns="" val="2842433311"/>
                   </a:ext>
                 </a:extLst>
               </a:tr>
@@ -27301,21 +28218,21 @@
                 <a:gridCol w="3568779">
                   <a:extLst>
                     <a:ext uri="{9D8B030D-6E8A-4147-A177-3AD203B41FA5}">
-                      <a16:colId xmlns:a16="http://schemas.microsoft.com/office/drawing/2014/main" val="1356431335"/>
+                      <a16:colId xmlns:a16="http://schemas.microsoft.com/office/drawing/2014/main" xmlns="" val="1356431335"/>
                     </a:ext>
                   </a:extLst>
                 </a:gridCol>
                 <a:gridCol w="751115">
                   <a:extLst>
                     <a:ext uri="{9D8B030D-6E8A-4147-A177-3AD203B41FA5}">
-                      <a16:colId xmlns:a16="http://schemas.microsoft.com/office/drawing/2014/main" val="4074852346"/>
+                      <a16:colId xmlns:a16="http://schemas.microsoft.com/office/drawing/2014/main" xmlns="" val="4074852346"/>
                     </a:ext>
                   </a:extLst>
                 </a:gridCol>
                 <a:gridCol w="1053326">
                   <a:extLst>
                     <a:ext uri="{9D8B030D-6E8A-4147-A177-3AD203B41FA5}">
-                      <a16:colId xmlns:a16="http://schemas.microsoft.com/office/drawing/2014/main" val="715510892"/>
+                      <a16:colId xmlns:a16="http://schemas.microsoft.com/office/drawing/2014/main" xmlns="" val="715510892"/>
                     </a:ext>
                   </a:extLst>
                 </a:gridCol>
@@ -27392,7 +28309,7 @@
                 </a:tc>
                 <a:extLst>
                   <a:ext uri="{0D108BD9-81ED-4DB2-BD59-A6C34878D82A}">
-                    <a16:rowId xmlns:a16="http://schemas.microsoft.com/office/drawing/2014/main" val="1236399335"/>
+                    <a16:rowId xmlns:a16="http://schemas.microsoft.com/office/drawing/2014/main" xmlns="" val="1236399335"/>
                   </a:ext>
                 </a:extLst>
               </a:tr>
@@ -27480,7 +28397,7 @@
                 </a:tc>
                 <a:extLst>
                   <a:ext uri="{0D108BD9-81ED-4DB2-BD59-A6C34878D82A}">
-                    <a16:rowId xmlns:a16="http://schemas.microsoft.com/office/drawing/2014/main" val="3548785687"/>
+                    <a16:rowId xmlns:a16="http://schemas.microsoft.com/office/drawing/2014/main" xmlns="" val="3548785687"/>
                   </a:ext>
                 </a:extLst>
               </a:tr>
@@ -27568,7 +28485,7 @@
                 </a:tc>
                 <a:extLst>
                   <a:ext uri="{0D108BD9-81ED-4DB2-BD59-A6C34878D82A}">
-                    <a16:rowId xmlns:a16="http://schemas.microsoft.com/office/drawing/2014/main" val="949879066"/>
+                    <a16:rowId xmlns:a16="http://schemas.microsoft.com/office/drawing/2014/main" xmlns="" val="949879066"/>
                   </a:ext>
                 </a:extLst>
               </a:tr>
@@ -27678,7 +28595,7 @@
                 </a:tc>
                 <a:extLst>
                   <a:ext uri="{0D108BD9-81ED-4DB2-BD59-A6C34878D82A}">
-                    <a16:rowId xmlns:a16="http://schemas.microsoft.com/office/drawing/2014/main" val="3222670053"/>
+                    <a16:rowId xmlns:a16="http://schemas.microsoft.com/office/drawing/2014/main" xmlns="" val="3222670053"/>
                   </a:ext>
                 </a:extLst>
               </a:tr>
@@ -27786,7 +28703,7 @@
                 </a:tc>
                 <a:extLst>
                   <a:ext uri="{0D108BD9-81ED-4DB2-BD59-A6C34878D82A}">
-                    <a16:rowId xmlns:a16="http://schemas.microsoft.com/office/drawing/2014/main" val="1661099666"/>
+                    <a16:rowId xmlns:a16="http://schemas.microsoft.com/office/drawing/2014/main" xmlns="" val="1661099666"/>
                   </a:ext>
                 </a:extLst>
               </a:tr>
@@ -27884,7 +28801,7 @@
                 </a:tc>
                 <a:extLst>
                   <a:ext uri="{0D108BD9-81ED-4DB2-BD59-A6C34878D82A}">
-                    <a16:rowId xmlns:a16="http://schemas.microsoft.com/office/drawing/2014/main" val="4172047643"/>
+                    <a16:rowId xmlns:a16="http://schemas.microsoft.com/office/drawing/2014/main" xmlns="" val="4172047643"/>
                   </a:ext>
                 </a:extLst>
               </a:tr>
@@ -27982,7 +28899,7 @@
                 </a:tc>
                 <a:extLst>
                   <a:ext uri="{0D108BD9-81ED-4DB2-BD59-A6C34878D82A}">
-                    <a16:rowId xmlns:a16="http://schemas.microsoft.com/office/drawing/2014/main" val="1057878429"/>
+                    <a16:rowId xmlns:a16="http://schemas.microsoft.com/office/drawing/2014/main" xmlns="" val="1057878429"/>
                   </a:ext>
                 </a:extLst>
               </a:tr>
@@ -28080,7 +28997,7 @@
                 </a:tc>
                 <a:extLst>
                   <a:ext uri="{0D108BD9-81ED-4DB2-BD59-A6C34878D82A}">
-                    <a16:rowId xmlns:a16="http://schemas.microsoft.com/office/drawing/2014/main" val="2151953881"/>
+                    <a16:rowId xmlns:a16="http://schemas.microsoft.com/office/drawing/2014/main" xmlns="" val="2151953881"/>
                   </a:ext>
                 </a:extLst>
               </a:tr>
@@ -28172,7 +29089,7 @@
                 </a:tc>
                 <a:extLst>
                   <a:ext uri="{0D108BD9-81ED-4DB2-BD59-A6C34878D82A}">
-                    <a16:rowId xmlns:a16="http://schemas.microsoft.com/office/drawing/2014/main" val="3615318075"/>
+                    <a16:rowId xmlns:a16="http://schemas.microsoft.com/office/drawing/2014/main" xmlns="" val="3615318075"/>
                   </a:ext>
                 </a:extLst>
               </a:tr>
@@ -28270,7 +29187,7 @@
                 </a:tc>
                 <a:extLst>
                   <a:ext uri="{0D108BD9-81ED-4DB2-BD59-A6C34878D82A}">
-                    <a16:rowId xmlns:a16="http://schemas.microsoft.com/office/drawing/2014/main" val="1810581365"/>
+                    <a16:rowId xmlns:a16="http://schemas.microsoft.com/office/drawing/2014/main" xmlns="" val="1810581365"/>
                   </a:ext>
                 </a:extLst>
               </a:tr>
@@ -28362,7 +29279,7 @@
                 </a:tc>
                 <a:extLst>
                   <a:ext uri="{0D108BD9-81ED-4DB2-BD59-A6C34878D82A}">
-                    <a16:rowId xmlns:a16="http://schemas.microsoft.com/office/drawing/2014/main" val="240284698"/>
+                    <a16:rowId xmlns:a16="http://schemas.microsoft.com/office/drawing/2014/main" xmlns="" val="240284698"/>
                   </a:ext>
                 </a:extLst>
               </a:tr>
@@ -28460,7 +29377,7 @@
                 </a:tc>
                 <a:extLst>
                   <a:ext uri="{0D108BD9-81ED-4DB2-BD59-A6C34878D82A}">
-                    <a16:rowId xmlns:a16="http://schemas.microsoft.com/office/drawing/2014/main" val="2906176452"/>
+                    <a16:rowId xmlns:a16="http://schemas.microsoft.com/office/drawing/2014/main" xmlns="" val="2906176452"/>
                   </a:ext>
                 </a:extLst>
               </a:tr>
@@ -28548,7 +29465,7 @@
                 </a:tc>
                 <a:extLst>
                   <a:ext uri="{0D108BD9-81ED-4DB2-BD59-A6C34878D82A}">
-                    <a16:rowId xmlns:a16="http://schemas.microsoft.com/office/drawing/2014/main" val="3562986470"/>
+                    <a16:rowId xmlns:a16="http://schemas.microsoft.com/office/drawing/2014/main" xmlns="" val="3562986470"/>
                   </a:ext>
                 </a:extLst>
               </a:tr>
@@ -28648,7 +29565,7 @@
                 </a:tc>
                 <a:extLst>
                   <a:ext uri="{0D108BD9-81ED-4DB2-BD59-A6C34878D82A}">
-                    <a16:rowId xmlns:a16="http://schemas.microsoft.com/office/drawing/2014/main" val="1671168545"/>
+                    <a16:rowId xmlns:a16="http://schemas.microsoft.com/office/drawing/2014/main" xmlns="" val="1671168545"/>
                   </a:ext>
                 </a:extLst>
               </a:tr>
@@ -28778,7 +29695,7 @@
                 </a:tc>
                 <a:extLst>
                   <a:ext uri="{0D108BD9-81ED-4DB2-BD59-A6C34878D82A}">
-                    <a16:rowId xmlns:a16="http://schemas.microsoft.com/office/drawing/2014/main" val="2432487341"/>
+                    <a16:rowId xmlns:a16="http://schemas.microsoft.com/office/drawing/2014/main" xmlns="" val="2432487341"/>
                   </a:ext>
                 </a:extLst>
               </a:tr>
@@ -28920,7 +29837,7 @@
                 </a:tc>
                 <a:extLst>
                   <a:ext uri="{0D108BD9-81ED-4DB2-BD59-A6C34878D82A}">
-                    <a16:rowId xmlns:a16="http://schemas.microsoft.com/office/drawing/2014/main" val="823347675"/>
+                    <a16:rowId xmlns:a16="http://schemas.microsoft.com/office/drawing/2014/main" xmlns="" val="823347675"/>
                   </a:ext>
                 </a:extLst>
               </a:tr>
@@ -29026,7 +29943,7 @@
                 </a:tc>
                 <a:extLst>
                   <a:ext uri="{0D108BD9-81ED-4DB2-BD59-A6C34878D82A}">
-                    <a16:rowId xmlns:a16="http://schemas.microsoft.com/office/drawing/2014/main" val="3888237083"/>
+                    <a16:rowId xmlns:a16="http://schemas.microsoft.com/office/drawing/2014/main" xmlns="" val="3888237083"/>
                   </a:ext>
                 </a:extLst>
               </a:tr>
@@ -29124,7 +30041,7 @@
                 </a:tc>
                 <a:extLst>
                   <a:ext uri="{0D108BD9-81ED-4DB2-BD59-A6C34878D82A}">
-                    <a16:rowId xmlns:a16="http://schemas.microsoft.com/office/drawing/2014/main" val="1186328292"/>
+                    <a16:rowId xmlns:a16="http://schemas.microsoft.com/office/drawing/2014/main" xmlns="" val="1186328292"/>
                   </a:ext>
                 </a:extLst>
               </a:tr>
@@ -29273,21 +30190,21 @@
                 <a:gridCol w="3333583">
                   <a:extLst>
                     <a:ext uri="{9D8B030D-6E8A-4147-A177-3AD203B41FA5}">
-                      <a16:colId xmlns:a16="http://schemas.microsoft.com/office/drawing/2014/main" val="1356431335"/>
+                      <a16:colId xmlns:a16="http://schemas.microsoft.com/office/drawing/2014/main" xmlns="" val="1356431335"/>
                     </a:ext>
                   </a:extLst>
                 </a:gridCol>
                 <a:gridCol w="869736">
                   <a:extLst>
                     <a:ext uri="{9D8B030D-6E8A-4147-A177-3AD203B41FA5}">
-                      <a16:colId xmlns:a16="http://schemas.microsoft.com/office/drawing/2014/main" val="4074852346"/>
+                      <a16:colId xmlns:a16="http://schemas.microsoft.com/office/drawing/2014/main" xmlns="" val="4074852346"/>
                     </a:ext>
                   </a:extLst>
                 </a:gridCol>
                 <a:gridCol w="1169901">
                   <a:extLst>
                     <a:ext uri="{9D8B030D-6E8A-4147-A177-3AD203B41FA5}">
-                      <a16:colId xmlns:a16="http://schemas.microsoft.com/office/drawing/2014/main" val="715510892"/>
+                      <a16:colId xmlns:a16="http://schemas.microsoft.com/office/drawing/2014/main" xmlns="" val="715510892"/>
                     </a:ext>
                   </a:extLst>
                 </a:gridCol>
@@ -29364,7 +30281,7 @@
                 </a:tc>
                 <a:extLst>
                   <a:ext uri="{0D108BD9-81ED-4DB2-BD59-A6C34878D82A}">
-                    <a16:rowId xmlns:a16="http://schemas.microsoft.com/office/drawing/2014/main" val="1236399335"/>
+                    <a16:rowId xmlns:a16="http://schemas.microsoft.com/office/drawing/2014/main" xmlns="" val="1236399335"/>
                   </a:ext>
                 </a:extLst>
               </a:tr>
@@ -29456,7 +30373,7 @@
                 </a:tc>
                 <a:extLst>
                   <a:ext uri="{0D108BD9-81ED-4DB2-BD59-A6C34878D82A}">
-                    <a16:rowId xmlns:a16="http://schemas.microsoft.com/office/drawing/2014/main" val="3548785687"/>
+                    <a16:rowId xmlns:a16="http://schemas.microsoft.com/office/drawing/2014/main" xmlns="" val="3548785687"/>
                   </a:ext>
                 </a:extLst>
               </a:tr>
@@ -29548,7 +30465,7 @@
                 </a:tc>
                 <a:extLst>
                   <a:ext uri="{0D108BD9-81ED-4DB2-BD59-A6C34878D82A}">
-                    <a16:rowId xmlns:a16="http://schemas.microsoft.com/office/drawing/2014/main" val="949879066"/>
+                    <a16:rowId xmlns:a16="http://schemas.microsoft.com/office/drawing/2014/main" xmlns="" val="949879066"/>
                   </a:ext>
                 </a:extLst>
               </a:tr>
@@ -29684,7 +30601,7 @@
                 </a:tc>
                 <a:extLst>
                   <a:ext uri="{0D108BD9-81ED-4DB2-BD59-A6C34878D82A}">
-                    <a16:rowId xmlns:a16="http://schemas.microsoft.com/office/drawing/2014/main" val="3222670053"/>
+                    <a16:rowId xmlns:a16="http://schemas.microsoft.com/office/drawing/2014/main" xmlns="" val="3222670053"/>
                   </a:ext>
                 </a:extLst>
               </a:tr>
@@ -29776,7 +30693,7 @@
                 </a:tc>
                 <a:extLst>
                   <a:ext uri="{0D108BD9-81ED-4DB2-BD59-A6C34878D82A}">
-                    <a16:rowId xmlns:a16="http://schemas.microsoft.com/office/drawing/2014/main" val="1661099666"/>
+                    <a16:rowId xmlns:a16="http://schemas.microsoft.com/office/drawing/2014/main" xmlns="" val="1661099666"/>
                   </a:ext>
                 </a:extLst>
               </a:tr>
@@ -29868,7 +30785,7 @@
                 </a:tc>
                 <a:extLst>
                   <a:ext uri="{0D108BD9-81ED-4DB2-BD59-A6C34878D82A}">
-                    <a16:rowId xmlns:a16="http://schemas.microsoft.com/office/drawing/2014/main" val="4172047643"/>
+                    <a16:rowId xmlns:a16="http://schemas.microsoft.com/office/drawing/2014/main" xmlns="" val="4172047643"/>
                   </a:ext>
                 </a:extLst>
               </a:tr>
@@ -29960,7 +30877,7 @@
                 </a:tc>
                 <a:extLst>
                   <a:ext uri="{0D108BD9-81ED-4DB2-BD59-A6C34878D82A}">
-                    <a16:rowId xmlns:a16="http://schemas.microsoft.com/office/drawing/2014/main" val="1057878429"/>
+                    <a16:rowId xmlns:a16="http://schemas.microsoft.com/office/drawing/2014/main" xmlns="" val="1057878429"/>
                   </a:ext>
                 </a:extLst>
               </a:tr>
@@ -30052,7 +30969,7 @@
                 </a:tc>
                 <a:extLst>
                   <a:ext uri="{0D108BD9-81ED-4DB2-BD59-A6C34878D82A}">
-                    <a16:rowId xmlns:a16="http://schemas.microsoft.com/office/drawing/2014/main" val="2151953881"/>
+                    <a16:rowId xmlns:a16="http://schemas.microsoft.com/office/drawing/2014/main" xmlns="" val="2151953881"/>
                   </a:ext>
                 </a:extLst>
               </a:tr>
@@ -30144,7 +31061,7 @@
                 </a:tc>
                 <a:extLst>
                   <a:ext uri="{0D108BD9-81ED-4DB2-BD59-A6C34878D82A}">
-                    <a16:rowId xmlns:a16="http://schemas.microsoft.com/office/drawing/2014/main" val="3615318075"/>
+                    <a16:rowId xmlns:a16="http://schemas.microsoft.com/office/drawing/2014/main" xmlns="" val="3615318075"/>
                   </a:ext>
                 </a:extLst>
               </a:tr>
@@ -30236,7 +31153,7 @@
                 </a:tc>
                 <a:extLst>
                   <a:ext uri="{0D108BD9-81ED-4DB2-BD59-A6C34878D82A}">
-                    <a16:rowId xmlns:a16="http://schemas.microsoft.com/office/drawing/2014/main" val="1810581365"/>
+                    <a16:rowId xmlns:a16="http://schemas.microsoft.com/office/drawing/2014/main" xmlns="" val="1810581365"/>
                   </a:ext>
                 </a:extLst>
               </a:tr>
@@ -30338,7 +31255,7 @@
                 </a:tc>
                 <a:extLst>
                   <a:ext uri="{0D108BD9-81ED-4DB2-BD59-A6C34878D82A}">
-                    <a16:rowId xmlns:a16="http://schemas.microsoft.com/office/drawing/2014/main" val="240284698"/>
+                    <a16:rowId xmlns:a16="http://schemas.microsoft.com/office/drawing/2014/main" xmlns="" val="240284698"/>
                   </a:ext>
                 </a:extLst>
               </a:tr>
@@ -30440,7 +31357,7 @@
                 </a:tc>
                 <a:extLst>
                   <a:ext uri="{0D108BD9-81ED-4DB2-BD59-A6C34878D82A}">
-                    <a16:rowId xmlns:a16="http://schemas.microsoft.com/office/drawing/2014/main" val="2906176452"/>
+                    <a16:rowId xmlns:a16="http://schemas.microsoft.com/office/drawing/2014/main" xmlns="" val="2906176452"/>
                   </a:ext>
                 </a:extLst>
               </a:tr>
@@ -30544,7 +31461,7 @@
                 </a:tc>
                 <a:extLst>
                   <a:ext uri="{0D108BD9-81ED-4DB2-BD59-A6C34878D82A}">
-                    <a16:rowId xmlns:a16="http://schemas.microsoft.com/office/drawing/2014/main" val="3562986470"/>
+                    <a16:rowId xmlns:a16="http://schemas.microsoft.com/office/drawing/2014/main" xmlns="" val="3562986470"/>
                   </a:ext>
                 </a:extLst>
               </a:tr>
@@ -30646,7 +31563,7 @@
                 </a:tc>
                 <a:extLst>
                   <a:ext uri="{0D108BD9-81ED-4DB2-BD59-A6C34878D82A}">
-                    <a16:rowId xmlns:a16="http://schemas.microsoft.com/office/drawing/2014/main" val="1671168545"/>
+                    <a16:rowId xmlns:a16="http://schemas.microsoft.com/office/drawing/2014/main" xmlns="" val="1671168545"/>
                   </a:ext>
                 </a:extLst>
               </a:tr>
@@ -30748,7 +31665,7 @@
                 </a:tc>
                 <a:extLst>
                   <a:ext uri="{0D108BD9-81ED-4DB2-BD59-A6C34878D82A}">
-                    <a16:rowId xmlns:a16="http://schemas.microsoft.com/office/drawing/2014/main" val="2432487341"/>
+                    <a16:rowId xmlns:a16="http://schemas.microsoft.com/office/drawing/2014/main" xmlns="" val="2432487341"/>
                   </a:ext>
                 </a:extLst>
               </a:tr>
@@ -30850,7 +31767,7 @@
                 </a:tc>
                 <a:extLst>
                   <a:ext uri="{0D108BD9-81ED-4DB2-BD59-A6C34878D82A}">
-                    <a16:rowId xmlns:a16="http://schemas.microsoft.com/office/drawing/2014/main" val="823347675"/>
+                    <a16:rowId xmlns:a16="http://schemas.microsoft.com/office/drawing/2014/main" xmlns="" val="823347675"/>
                   </a:ext>
                 </a:extLst>
               </a:tr>
@@ -30966,7 +31883,7 @@
                 </a:tc>
                 <a:extLst>
                   <a:ext uri="{0D108BD9-81ED-4DB2-BD59-A6C34878D82A}">
-                    <a16:rowId xmlns:a16="http://schemas.microsoft.com/office/drawing/2014/main" val="3888237083"/>
+                    <a16:rowId xmlns:a16="http://schemas.microsoft.com/office/drawing/2014/main" xmlns="" val="3888237083"/>
                   </a:ext>
                 </a:extLst>
               </a:tr>
@@ -31113,7 +32030,7 @@
                 </a:tc>
                 <a:extLst>
                   <a:ext uri="{0D108BD9-81ED-4DB2-BD59-A6C34878D82A}">
-                    <a16:rowId xmlns:a16="http://schemas.microsoft.com/office/drawing/2014/main" val="1186328292"/>
+                    <a16:rowId xmlns:a16="http://schemas.microsoft.com/office/drawing/2014/main" xmlns="" val="1186328292"/>
                   </a:ext>
                 </a:extLst>
               </a:tr>
@@ -31149,21 +32066,21 @@
                 <a:gridCol w="3021582">
                   <a:extLst>
                     <a:ext uri="{9D8B030D-6E8A-4147-A177-3AD203B41FA5}">
-                      <a16:colId xmlns:a16="http://schemas.microsoft.com/office/drawing/2014/main" val="1356431335"/>
+                      <a16:colId xmlns:a16="http://schemas.microsoft.com/office/drawing/2014/main" xmlns="" val="1356431335"/>
                     </a:ext>
                   </a:extLst>
                 </a:gridCol>
                 <a:gridCol w="1175819">
                   <a:extLst>
                     <a:ext uri="{9D8B030D-6E8A-4147-A177-3AD203B41FA5}">
-                      <a16:colId xmlns:a16="http://schemas.microsoft.com/office/drawing/2014/main" val="4074852346"/>
+                      <a16:colId xmlns:a16="http://schemas.microsoft.com/office/drawing/2014/main" xmlns="" val="4074852346"/>
                     </a:ext>
                   </a:extLst>
                 </a:gridCol>
                 <a:gridCol w="1175819">
                   <a:extLst>
                     <a:ext uri="{9D8B030D-6E8A-4147-A177-3AD203B41FA5}">
-                      <a16:colId xmlns:a16="http://schemas.microsoft.com/office/drawing/2014/main" val="715510892"/>
+                      <a16:colId xmlns:a16="http://schemas.microsoft.com/office/drawing/2014/main" xmlns="" val="715510892"/>
                     </a:ext>
                   </a:extLst>
                 </a:gridCol>
@@ -31240,7 +32157,7 @@
                 </a:tc>
                 <a:extLst>
                   <a:ext uri="{0D108BD9-81ED-4DB2-BD59-A6C34878D82A}">
-                    <a16:rowId xmlns:a16="http://schemas.microsoft.com/office/drawing/2014/main" val="1236399335"/>
+                    <a16:rowId xmlns:a16="http://schemas.microsoft.com/office/drawing/2014/main" xmlns="" val="1236399335"/>
                   </a:ext>
                 </a:extLst>
               </a:tr>
@@ -31332,7 +32249,7 @@
                 </a:tc>
                 <a:extLst>
                   <a:ext uri="{0D108BD9-81ED-4DB2-BD59-A6C34878D82A}">
-                    <a16:rowId xmlns:a16="http://schemas.microsoft.com/office/drawing/2014/main" val="3548785687"/>
+                    <a16:rowId xmlns:a16="http://schemas.microsoft.com/office/drawing/2014/main" xmlns="" val="3548785687"/>
                   </a:ext>
                 </a:extLst>
               </a:tr>
@@ -31430,7 +32347,7 @@
                 </a:tc>
                 <a:extLst>
                   <a:ext uri="{0D108BD9-81ED-4DB2-BD59-A6C34878D82A}">
-                    <a16:rowId xmlns:a16="http://schemas.microsoft.com/office/drawing/2014/main" val="949879066"/>
+                    <a16:rowId xmlns:a16="http://schemas.microsoft.com/office/drawing/2014/main" xmlns="" val="949879066"/>
                   </a:ext>
                 </a:extLst>
               </a:tr>
@@ -31540,7 +32457,7 @@
                 </a:tc>
                 <a:extLst>
                   <a:ext uri="{0D108BD9-81ED-4DB2-BD59-A6C34878D82A}">
-                    <a16:rowId xmlns:a16="http://schemas.microsoft.com/office/drawing/2014/main" val="3222670053"/>
+                    <a16:rowId xmlns:a16="http://schemas.microsoft.com/office/drawing/2014/main" xmlns="" val="3222670053"/>
                   </a:ext>
                 </a:extLst>
               </a:tr>
@@ -31650,7 +32567,7 @@
                 </a:tc>
                 <a:extLst>
                   <a:ext uri="{0D108BD9-81ED-4DB2-BD59-A6C34878D82A}">
-                    <a16:rowId xmlns:a16="http://schemas.microsoft.com/office/drawing/2014/main" val="1661099666"/>
+                    <a16:rowId xmlns:a16="http://schemas.microsoft.com/office/drawing/2014/main" xmlns="" val="1661099666"/>
                   </a:ext>
                 </a:extLst>
               </a:tr>
@@ -31758,7 +32675,7 @@
                 </a:tc>
                 <a:extLst>
                   <a:ext uri="{0D108BD9-81ED-4DB2-BD59-A6C34878D82A}">
-                    <a16:rowId xmlns:a16="http://schemas.microsoft.com/office/drawing/2014/main" val="4172047643"/>
+                    <a16:rowId xmlns:a16="http://schemas.microsoft.com/office/drawing/2014/main" xmlns="" val="4172047643"/>
                   </a:ext>
                 </a:extLst>
               </a:tr>
@@ -31866,7 +32783,7 @@
                 </a:tc>
                 <a:extLst>
                   <a:ext uri="{0D108BD9-81ED-4DB2-BD59-A6C34878D82A}">
-                    <a16:rowId xmlns:a16="http://schemas.microsoft.com/office/drawing/2014/main" val="1057878429"/>
+                    <a16:rowId xmlns:a16="http://schemas.microsoft.com/office/drawing/2014/main" xmlns="" val="1057878429"/>
                   </a:ext>
                 </a:extLst>
               </a:tr>
@@ -31962,7 +32879,7 @@
                 </a:tc>
                 <a:extLst>
                   <a:ext uri="{0D108BD9-81ED-4DB2-BD59-A6C34878D82A}">
-                    <a16:rowId xmlns:a16="http://schemas.microsoft.com/office/drawing/2014/main" val="2151953881"/>
+                    <a16:rowId xmlns:a16="http://schemas.microsoft.com/office/drawing/2014/main" xmlns="" val="2151953881"/>
                   </a:ext>
                 </a:extLst>
               </a:tr>
@@ -32058,7 +32975,7 @@
                 </a:tc>
                 <a:extLst>
                   <a:ext uri="{0D108BD9-81ED-4DB2-BD59-A6C34878D82A}">
-                    <a16:rowId xmlns:a16="http://schemas.microsoft.com/office/drawing/2014/main" val="3615318075"/>
+                    <a16:rowId xmlns:a16="http://schemas.microsoft.com/office/drawing/2014/main" xmlns="" val="3615318075"/>
                   </a:ext>
                 </a:extLst>
               </a:tr>
@@ -32178,7 +33095,7 @@
                 </a:tc>
                 <a:extLst>
                   <a:ext uri="{0D108BD9-81ED-4DB2-BD59-A6C34878D82A}">
-                    <a16:rowId xmlns:a16="http://schemas.microsoft.com/office/drawing/2014/main" val="1810581365"/>
+                    <a16:rowId xmlns:a16="http://schemas.microsoft.com/office/drawing/2014/main" xmlns="" val="1810581365"/>
                   </a:ext>
                 </a:extLst>
               </a:tr>
@@ -32286,7 +33203,7 @@
                 </a:tc>
                 <a:extLst>
                   <a:ext uri="{0D108BD9-81ED-4DB2-BD59-A6C34878D82A}">
-                    <a16:rowId xmlns:a16="http://schemas.microsoft.com/office/drawing/2014/main" val="240284698"/>
+                    <a16:rowId xmlns:a16="http://schemas.microsoft.com/office/drawing/2014/main" xmlns="" val="240284698"/>
                   </a:ext>
                 </a:extLst>
               </a:tr>
@@ -32378,7 +33295,7 @@
                 </a:tc>
                 <a:extLst>
                   <a:ext uri="{0D108BD9-81ED-4DB2-BD59-A6C34878D82A}">
-                    <a16:rowId xmlns:a16="http://schemas.microsoft.com/office/drawing/2014/main" val="2906176452"/>
+                    <a16:rowId xmlns:a16="http://schemas.microsoft.com/office/drawing/2014/main" xmlns="" val="2906176452"/>
                   </a:ext>
                 </a:extLst>
               </a:tr>
@@ -32470,7 +33387,7 @@
                 </a:tc>
                 <a:extLst>
                   <a:ext uri="{0D108BD9-81ED-4DB2-BD59-A6C34878D82A}">
-                    <a16:rowId xmlns:a16="http://schemas.microsoft.com/office/drawing/2014/main" val="3562986470"/>
+                    <a16:rowId xmlns:a16="http://schemas.microsoft.com/office/drawing/2014/main" xmlns="" val="3562986470"/>
                   </a:ext>
                 </a:extLst>
               </a:tr>
@@ -32564,7 +33481,7 @@
                 </a:tc>
                 <a:extLst>
                   <a:ext uri="{0D108BD9-81ED-4DB2-BD59-A6C34878D82A}">
-                    <a16:rowId xmlns:a16="http://schemas.microsoft.com/office/drawing/2014/main" val="1671168545"/>
+                    <a16:rowId xmlns:a16="http://schemas.microsoft.com/office/drawing/2014/main" xmlns="" val="1671168545"/>
                   </a:ext>
                 </a:extLst>
               </a:tr>
@@ -32666,7 +33583,7 @@
                 </a:tc>
                 <a:extLst>
                   <a:ext uri="{0D108BD9-81ED-4DB2-BD59-A6C34878D82A}">
-                    <a16:rowId xmlns:a16="http://schemas.microsoft.com/office/drawing/2014/main" val="2432487341"/>
+                    <a16:rowId xmlns:a16="http://schemas.microsoft.com/office/drawing/2014/main" xmlns="" val="2432487341"/>
                   </a:ext>
                 </a:extLst>
               </a:tr>

--- a/publications/presentation-2021-02-aac/crdw-2021-02.pptx
+++ b/publications/presentation-2021-02-aac/crdw-2021-02.pptx
@@ -150,7 +150,7 @@
 </file>
 
 <file path=ppt/charts/chart1.xml><?xml version="1.0" encoding="utf-8"?>
-<c:chartSpace xmlns:c="http://schemas.openxmlformats.org/drawingml/2006/chart" xmlns:a="http://schemas.openxmlformats.org/drawingml/2006/main" xmlns:r="http://schemas.openxmlformats.org/officeDocument/2006/relationships">
+<c:chartSpace xmlns:c="http://schemas.openxmlformats.org/drawingml/2006/chart" xmlns:a="http://schemas.openxmlformats.org/drawingml/2006/main" xmlns:r="http://schemas.openxmlformats.org/officeDocument/2006/relationships" xmlns:c16r2="http://schemas.microsoft.com/office/drawing/2015/06/chart">
   <c:date1904 val="0"/>
   <c:lang val="en-US"/>
   <c:roundedCorners val="0"/>
@@ -206,7 +206,7 @@
               </a:ln>
               <a:effectLst/>
             </c:spPr>
-            <c:extLst xmlns:c16r2="http://schemas.microsoft.com/office/drawing/2015/06/chart">
+            <c:extLst>
               <c:ext xmlns:c16="http://schemas.microsoft.com/office/drawing/2014/chart" uri="{C3380CC4-5D6E-409C-BE32-E72D297353CC}">
                 <c16:uniqueId val="{00000001-E03B-4DAF-BB50-99C9409CFA87}"/>
               </c:ext>
@@ -226,7 +226,7 @@
               </a:ln>
               <a:effectLst/>
             </c:spPr>
-            <c:extLst xmlns:c16r2="http://schemas.microsoft.com/office/drawing/2015/06/chart">
+            <c:extLst>
               <c:ext xmlns:c16="http://schemas.microsoft.com/office/drawing/2014/chart" uri="{C3380CC4-5D6E-409C-BE32-E72D297353CC}">
                 <c16:uniqueId val="{00000002-E03B-4DAF-BB50-99C9409CFA87}"/>
               </c:ext>
@@ -246,7 +246,7 @@
               </a:ln>
               <a:effectLst/>
             </c:spPr>
-            <c:extLst xmlns:c16r2="http://schemas.microsoft.com/office/drawing/2015/06/chart">
+            <c:extLst>
               <c:ext xmlns:c16="http://schemas.microsoft.com/office/drawing/2014/chart" uri="{C3380CC4-5D6E-409C-BE32-E72D297353CC}">
                 <c16:uniqueId val="{00000003-E03B-4DAF-BB50-99C9409CFA87}"/>
               </c:ext>
@@ -268,7 +268,7 @@
               </a:ln>
               <a:effectLst/>
             </c:spPr>
-            <c:extLst xmlns:c16r2="http://schemas.microsoft.com/office/drawing/2015/06/chart">
+            <c:extLst>
               <c:ext xmlns:c16="http://schemas.microsoft.com/office/drawing/2014/chart" uri="{C3380CC4-5D6E-409C-BE32-E72D297353CC}">
                 <c16:uniqueId val="{00000004-E03B-4DAF-BB50-99C9409CFA87}"/>
               </c:ext>
@@ -289,12 +289,12 @@
               <c:showSerName val="0"/>
               <c:showPercent val="1"/>
               <c:showBubbleSize val="0"/>
-              <c:extLst xmlns:c16r2="http://schemas.microsoft.com/office/drawing/2015/06/chart">
+              <c:extLst>
+                <c:ext xmlns:c15="http://schemas.microsoft.com/office/drawing/2012/chart" uri="{CE6537A1-D6FC-4f65-9D91-7224C49458BB}">
+                  <c15:layout/>
+                </c:ext>
                 <c:ext xmlns:c16="http://schemas.microsoft.com/office/drawing/2014/chart" uri="{C3380CC4-5D6E-409C-BE32-E72D297353CC}">
                   <c16:uniqueId val="{00000001-E03B-4DAF-BB50-99C9409CFA87}"/>
-                </c:ext>
-                <c:ext xmlns:c15="http://schemas.microsoft.com/office/drawing/2012/chart" uri="{CE6537A1-D6FC-4f65-9D91-7224C49458BB}">
-                  <c15:layout/>
                 </c:ext>
               </c:extLst>
             </c:dLbl>
@@ -312,12 +312,12 @@
               <c:showSerName val="0"/>
               <c:showPercent val="1"/>
               <c:showBubbleSize val="0"/>
-              <c:extLst xmlns:c16r2="http://schemas.microsoft.com/office/drawing/2015/06/chart">
+              <c:extLst>
+                <c:ext xmlns:c15="http://schemas.microsoft.com/office/drawing/2012/chart" uri="{CE6537A1-D6FC-4f65-9D91-7224C49458BB}">
+                  <c15:layout/>
+                </c:ext>
                 <c:ext xmlns:c16="http://schemas.microsoft.com/office/drawing/2014/chart" uri="{C3380CC4-5D6E-409C-BE32-E72D297353CC}">
                   <c16:uniqueId val="{00000002-E03B-4DAF-BB50-99C9409CFA87}"/>
-                </c:ext>
-                <c:ext xmlns:c15="http://schemas.microsoft.com/office/drawing/2012/chart" uri="{CE6537A1-D6FC-4f65-9D91-7224C49458BB}">
-                  <c15:layout/>
                 </c:ext>
               </c:extLst>
             </c:dLbl>
@@ -335,12 +335,12 @@
               <c:showSerName val="0"/>
               <c:showPercent val="1"/>
               <c:showBubbleSize val="0"/>
-              <c:extLst xmlns:c16r2="http://schemas.microsoft.com/office/drawing/2015/06/chart">
+              <c:extLst>
+                <c:ext xmlns:c15="http://schemas.microsoft.com/office/drawing/2012/chart" uri="{CE6537A1-D6FC-4f65-9D91-7224C49458BB}">
+                  <c15:layout/>
+                </c:ext>
                 <c:ext xmlns:c16="http://schemas.microsoft.com/office/drawing/2014/chart" uri="{C3380CC4-5D6E-409C-BE32-E72D297353CC}">
                   <c16:uniqueId val="{00000003-E03B-4DAF-BB50-99C9409CFA87}"/>
-                </c:ext>
-                <c:ext xmlns:c15="http://schemas.microsoft.com/office/drawing/2012/chart" uri="{CE6537A1-D6FC-4f65-9D91-7224C49458BB}">
-                  <c15:layout/>
                 </c:ext>
               </c:extLst>
             </c:dLbl>
@@ -358,12 +358,12 @@
               <c:showSerName val="0"/>
               <c:showPercent val="1"/>
               <c:showBubbleSize val="0"/>
-              <c:extLst xmlns:c16r2="http://schemas.microsoft.com/office/drawing/2015/06/chart">
+              <c:extLst>
+                <c:ext xmlns:c15="http://schemas.microsoft.com/office/drawing/2012/chart" uri="{CE6537A1-D6FC-4f65-9D91-7224C49458BB}">
+                  <c15:layout/>
+                </c:ext>
                 <c:ext xmlns:c16="http://schemas.microsoft.com/office/drawing/2014/chart" uri="{C3380CC4-5D6E-409C-BE32-E72D297353CC}">
                   <c16:uniqueId val="{00000004-E03B-4DAF-BB50-99C9409CFA87}"/>
-                </c:ext>
-                <c:ext xmlns:c15="http://schemas.microsoft.com/office/drawing/2012/chart" uri="{CE6537A1-D6FC-4f65-9D91-7224C49458BB}">
-                  <c15:layout/>
                 </c:ext>
               </c:extLst>
             </c:dLbl>
@@ -417,7 +417,7 @@
                 <a:effectLst/>
               </c:spPr>
             </c:leaderLines>
-            <c:extLst xmlns:c16r2="http://schemas.microsoft.com/office/drawing/2015/06/chart">
+            <c:extLst>
               <c:ext xmlns:c15="http://schemas.microsoft.com/office/drawing/2012/chart" uri="{CE6537A1-D6FC-4f65-9D91-7224C49458BB}"/>
             </c:extLst>
           </c:dLbls>
@@ -462,7 +462,7 @@
               </c:numCache>
             </c:numRef>
           </c:val>
-          <c:extLst xmlns:c16r2="http://schemas.microsoft.com/office/drawing/2015/06/chart">
+          <c:extLst>
             <c:ext xmlns:c16="http://schemas.microsoft.com/office/drawing/2014/chart" uri="{C3380CC4-5D6E-409C-BE32-E72D297353CC}">
               <c16:uniqueId val="{00000000-E03B-4DAF-BB50-99C9409CFA87}"/>
             </c:ext>
@@ -3294,8 +3294,8 @@
     <dgm:cxn modelId="{2298BF1B-966E-4966-8AD9-B0EDD901F0B7}" type="presOf" srcId="{E8E0BA16-10CE-416E-9136-84998F596AE2}" destId="{BE86AFED-F9A0-4F8A-8A27-B836B6B098D1}" srcOrd="0" destOrd="1" presId="urn:microsoft.com/office/officeart/2009/3/layout/StepUpProcess"/>
     <dgm:cxn modelId="{F1BAA056-6CB8-42B2-A552-47FF74E31AB2}" type="presOf" srcId="{4BE9C7D6-461A-44C8-B607-EDEF2EA077EC}" destId="{7577EDBA-79C8-47EE-9C48-8258D6199F02}" srcOrd="0" destOrd="4" presId="urn:microsoft.com/office/officeart/2009/3/layout/StepUpProcess"/>
     <dgm:cxn modelId="{97CC5824-09CC-465D-AFF4-18B539F9D065}" type="presOf" srcId="{0010D89C-854E-448B-8127-DA3929F939E8}" destId="{5C43E3DF-F0B8-40ED-80D3-88AAF8CEA4CB}" srcOrd="0" destOrd="0" presId="urn:microsoft.com/office/officeart/2009/3/layout/StepUpProcess"/>
+    <dgm:cxn modelId="{52E71EFD-9EF5-43C5-965F-0D7C61CB27AD}" type="presOf" srcId="{E88CFD2C-D693-4C54-8459-61E3AFAF7F56}" destId="{074DB80F-68BF-4581-AF84-D0386B780F14}" srcOrd="0" destOrd="4" presId="urn:microsoft.com/office/officeart/2009/3/layout/StepUpProcess"/>
     <dgm:cxn modelId="{19BE8CA6-AC47-47AF-B71E-521FD4CFFA24}" srcId="{CE924409-C179-4A2D-B64D-C1667C924238}" destId="{97A95825-49E0-4C73-8F5F-F18D87E69E6C}" srcOrd="2" destOrd="0" parTransId="{043D2A7A-B426-42D5-8E97-E57ABA5CD506}" sibTransId="{ADF8E347-7E86-4DF6-B9F1-F5F0B780096C}"/>
-    <dgm:cxn modelId="{52E71EFD-9EF5-43C5-965F-0D7C61CB27AD}" type="presOf" srcId="{E88CFD2C-D693-4C54-8459-61E3AFAF7F56}" destId="{074DB80F-68BF-4581-AF84-D0386B780F14}" srcOrd="0" destOrd="4" presId="urn:microsoft.com/office/officeart/2009/3/layout/StepUpProcess"/>
     <dgm:cxn modelId="{C3A44365-9B22-4CD9-9BF5-55706FA57043}" type="presOf" srcId="{01F32B2A-131E-4E9C-A1D5-1461015E0B2C}" destId="{12426410-9ECE-4540-990B-004F5AD61A12}" srcOrd="0" destOrd="0" presId="urn:microsoft.com/office/officeart/2009/3/layout/StepUpProcess"/>
     <dgm:cxn modelId="{B99C4A80-4DB8-405B-9732-4BE6FAECA59E}" type="presOf" srcId="{97A95825-49E0-4C73-8F5F-F18D87E69E6C}" destId="{C5F5F110-BA5D-47A9-BE05-32B627697E7C}" srcOrd="0" destOrd="3" presId="urn:microsoft.com/office/officeart/2009/3/layout/StepUpProcess"/>
     <dgm:cxn modelId="{596440C4-7175-4B94-9C3E-479BC33E36C6}" srcId="{CE924409-C179-4A2D-B64D-C1667C924238}" destId="{1DD8B8D3-226B-49C2-8005-4A91E508846C}" srcOrd="3" destOrd="0" parTransId="{C70B4F40-4E1E-4421-BAC4-7B503CCAF138}" sibTransId="{6E835272-27B6-4018-964C-93E39AD1AD6A}"/>
@@ -3335,10 +3335,10 @@
     <dgm:cxn modelId="{CF4C2B66-FD39-45E9-BE5C-B464C37250E9}" type="presOf" srcId="{266FBCAC-8055-4D37-AE88-C83AA214ACFC}" destId="{7577EDBA-79C8-47EE-9C48-8258D6199F02}" srcOrd="0" destOrd="2" presId="urn:microsoft.com/office/officeart/2009/3/layout/StepUpProcess"/>
     <dgm:cxn modelId="{89447D9C-8E4E-4578-9CA2-7AA1F4CE77E7}" type="presOf" srcId="{5461AE26-F7D0-458B-AEB1-88F36C1DCC9B}" destId="{7577EDBA-79C8-47EE-9C48-8258D6199F02}" srcOrd="0" destOrd="3" presId="urn:microsoft.com/office/officeart/2009/3/layout/StepUpProcess"/>
     <dgm:cxn modelId="{BD74EBA8-41FF-4F7A-A9BA-3F7D1C992210}" srcId="{BD10A304-1F73-43DD-9545-9D1E21226479}" destId="{CF4F6786-0163-44E8-A7A2-DFEB228CDE01}" srcOrd="2" destOrd="0" parTransId="{E840309A-1748-4175-8942-B0F4A5C27DCF}" sibTransId="{96706024-6147-4AE0-A8D3-2D288121A0CD}"/>
-    <dgm:cxn modelId="{E3A269AE-4240-4AC0-80AC-44E8AA301791}" srcId="{01F32B2A-131E-4E9C-A1D5-1461015E0B2C}" destId="{751AAAA0-FD1A-474D-A8CA-BF7C3BFEE3B9}" srcOrd="0" destOrd="0" parTransId="{53846A0A-0F2A-438C-9E20-486F2C404199}" sibTransId="{80BAE9E0-019A-4BA0-849D-AF902A506F59}"/>
     <dgm:cxn modelId="{E22326DC-AAAD-429A-BBB8-9CAFD1F3E29A}" srcId="{6474E90C-A3F5-4C40-8CEB-46B153A00DEE}" destId="{BD10A304-1F73-43DD-9545-9D1E21226479}" srcOrd="1" destOrd="0" parTransId="{FF06F63D-4F49-40CC-B0EE-81F5A9E5E354}" sibTransId="{BD5CE1BD-F027-429D-A35F-548BC446F45F}"/>
     <dgm:cxn modelId="{C5E55304-620F-404E-82A8-9A6F75606ECF}" type="presOf" srcId="{9299490E-690A-47A2-BF79-343CFAE5FE79}" destId="{170748FF-6039-443C-8193-92C430D0DFAA}" srcOrd="0" destOrd="0" presId="urn:microsoft.com/office/officeart/2009/3/layout/StepUpProcess"/>
     <dgm:cxn modelId="{60232E93-8FB7-41A4-87C7-7EDFDF74BB7A}" type="presOf" srcId="{E951F7F4-3E2F-40F5-BC80-BFE018C1F4DB}" destId="{BE86AFED-F9A0-4F8A-8A27-B836B6B098D1}" srcOrd="0" destOrd="2" presId="urn:microsoft.com/office/officeart/2009/3/layout/StepUpProcess"/>
+    <dgm:cxn modelId="{E3A269AE-4240-4AC0-80AC-44E8AA301791}" srcId="{01F32B2A-131E-4E9C-A1D5-1461015E0B2C}" destId="{751AAAA0-FD1A-474D-A8CA-BF7C3BFEE3B9}" srcOrd="0" destOrd="0" parTransId="{53846A0A-0F2A-438C-9E20-486F2C404199}" sibTransId="{80BAE9E0-019A-4BA0-849D-AF902A506F59}"/>
     <dgm:cxn modelId="{A4597088-4B87-4820-81FE-B0BAE363DB15}" type="presOf" srcId="{0CD4120B-D47E-4785-9E77-E9C10337775D}" destId="{074DB80F-68BF-4581-AF84-D0386B780F14}" srcOrd="0" destOrd="5" presId="urn:microsoft.com/office/officeart/2009/3/layout/StepUpProcess"/>
     <dgm:cxn modelId="{6E4B2691-D38D-4043-A8AF-A0CF0F7A372D}" type="presOf" srcId="{DA143095-1394-4517-9AD3-54285DD8A43B}" destId="{12426410-9ECE-4540-990B-004F5AD61A12}" srcOrd="0" destOrd="3" presId="urn:microsoft.com/office/officeart/2009/3/layout/StepUpProcess"/>
     <dgm:cxn modelId="{D6E0EDDD-0A64-4261-A6DE-CF6D90E87EB7}" srcId="{037EC5A9-860F-45A9-97E8-A8AEEA9BB793}" destId="{5461AE26-F7D0-458B-AEB1-88F36C1DCC9B}" srcOrd="2" destOrd="0" parTransId="{395CF524-AC1D-4E72-A1BD-16D8B39E7530}" sibTransId="{47B01F7C-6179-4482-8701-9A07A89D779E}"/>
@@ -6855,7 +6855,7 @@
           <a:p>
             <a:fld id="{074B6824-7023-4228-BB04-DF38B9F7BAD4}" type="datetimeFigureOut">
               <a:rPr lang="en-US" smtClean="0"/>
-              <a:t>2/8/2021</a:t>
+              <a:t>2/9/2021</a:t>
             </a:fld>
             <a:endParaRPr lang="en-US"/>
           </a:p>
@@ -8435,7 +8435,7 @@
           <a:p>
             <a:fld id="{48D8CAB9-F02B-405D-B26E-A393DAA55285}" type="datetimeFigureOut">
               <a:rPr lang="en-US" smtClean="0"/>
-              <a:t>2/8/2021</a:t>
+              <a:t>2/9/2021</a:t>
             </a:fld>
             <a:endParaRPr lang="en-US"/>
           </a:p>
@@ -8629,7 +8629,7 @@
           <a:p>
             <a:fld id="{48D8CAB9-F02B-405D-B26E-A393DAA55285}" type="datetimeFigureOut">
               <a:rPr lang="en-US" smtClean="0"/>
-              <a:t>2/8/2021</a:t>
+              <a:t>2/9/2021</a:t>
             </a:fld>
             <a:endParaRPr lang="en-US"/>
           </a:p>
@@ -8809,7 +8809,7 @@
           <a:p>
             <a:fld id="{48D8CAB9-F02B-405D-B26E-A393DAA55285}" type="datetimeFigureOut">
               <a:rPr lang="en-US" smtClean="0"/>
-              <a:t>2/8/2021</a:t>
+              <a:t>2/9/2021</a:t>
             </a:fld>
             <a:endParaRPr lang="en-US"/>
           </a:p>
@@ -8979,7 +8979,7 @@
           <a:p>
             <a:fld id="{48D8CAB9-F02B-405D-B26E-A393DAA55285}" type="datetimeFigureOut">
               <a:rPr lang="en-US" smtClean="0"/>
-              <a:t>2/8/2021</a:t>
+              <a:t>2/9/2021</a:t>
             </a:fld>
             <a:endParaRPr lang="en-US"/>
           </a:p>
@@ -9225,7 +9225,7 @@
           <a:p>
             <a:fld id="{48D8CAB9-F02B-405D-B26E-A393DAA55285}" type="datetimeFigureOut">
               <a:rPr lang="en-US" smtClean="0"/>
-              <a:t>2/8/2021</a:t>
+              <a:t>2/9/2021</a:t>
             </a:fld>
             <a:endParaRPr lang="en-US"/>
           </a:p>
@@ -9457,7 +9457,7 @@
           <a:p>
             <a:fld id="{48D8CAB9-F02B-405D-B26E-A393DAA55285}" type="datetimeFigureOut">
               <a:rPr lang="en-US" smtClean="0"/>
-              <a:t>2/8/2021</a:t>
+              <a:t>2/9/2021</a:t>
             </a:fld>
             <a:endParaRPr lang="en-US"/>
           </a:p>
@@ -9824,7 +9824,7 @@
           <a:p>
             <a:fld id="{48D8CAB9-F02B-405D-B26E-A393DAA55285}" type="datetimeFigureOut">
               <a:rPr lang="en-US" smtClean="0"/>
-              <a:t>2/8/2021</a:t>
+              <a:t>2/9/2021</a:t>
             </a:fld>
             <a:endParaRPr lang="en-US"/>
           </a:p>
@@ -9942,7 +9942,7 @@
           <a:p>
             <a:fld id="{48D8CAB9-F02B-405D-B26E-A393DAA55285}" type="datetimeFigureOut">
               <a:rPr lang="en-US" smtClean="0"/>
-              <a:t>2/8/2021</a:t>
+              <a:t>2/9/2021</a:t>
             </a:fld>
             <a:endParaRPr lang="en-US"/>
           </a:p>
@@ -10037,7 +10037,7 @@
           <a:p>
             <a:fld id="{48D8CAB9-F02B-405D-B26E-A393DAA55285}" type="datetimeFigureOut">
               <a:rPr lang="en-US" smtClean="0"/>
-              <a:t>2/8/2021</a:t>
+              <a:t>2/9/2021</a:t>
             </a:fld>
             <a:endParaRPr lang="en-US"/>
           </a:p>
@@ -10314,7 +10314,7 @@
           <a:p>
             <a:fld id="{48D8CAB9-F02B-405D-B26E-A393DAA55285}" type="datetimeFigureOut">
               <a:rPr lang="en-US" smtClean="0"/>
-              <a:t>2/8/2021</a:t>
+              <a:t>2/9/2021</a:t>
             </a:fld>
             <a:endParaRPr lang="en-US"/>
           </a:p>
@@ -10567,7 +10567,7 @@
           <a:p>
             <a:fld id="{48D8CAB9-F02B-405D-B26E-A393DAA55285}" type="datetimeFigureOut">
               <a:rPr lang="en-US" smtClean="0"/>
-              <a:t>2/8/2021</a:t>
+              <a:t>2/9/2021</a:t>
             </a:fld>
             <a:endParaRPr lang="en-US"/>
           </a:p>
@@ -10780,7 +10780,7 @@
           <a:p>
             <a:fld id="{48D8CAB9-F02B-405D-B26E-A393DAA55285}" type="datetimeFigureOut">
               <a:rPr lang="en-US" smtClean="0"/>
-              <a:t>2/8/2021</a:t>
+              <a:t>2/9/2021</a:t>
             </a:fld>
             <a:endParaRPr lang="en-US"/>
           </a:p>
@@ -11695,21 +11695,21 @@
                 <a:gridCol w="3333583">
                   <a:extLst>
                     <a:ext uri="{9D8B030D-6E8A-4147-A177-3AD203B41FA5}">
-                      <a16:colId xmlns:a16="http://schemas.microsoft.com/office/drawing/2014/main" xmlns="" val="1356431335"/>
+                      <a16:colId xmlns:a16="http://schemas.microsoft.com/office/drawing/2014/main" val="1356431335"/>
                     </a:ext>
                   </a:extLst>
                 </a:gridCol>
                 <a:gridCol w="919190">
                   <a:extLst>
                     <a:ext uri="{9D8B030D-6E8A-4147-A177-3AD203B41FA5}">
-                      <a16:colId xmlns:a16="http://schemas.microsoft.com/office/drawing/2014/main" xmlns="" val="4074852346"/>
+                      <a16:colId xmlns:a16="http://schemas.microsoft.com/office/drawing/2014/main" val="4074852346"/>
                     </a:ext>
                   </a:extLst>
                 </a:gridCol>
                 <a:gridCol w="1120447">
                   <a:extLst>
                     <a:ext uri="{9D8B030D-6E8A-4147-A177-3AD203B41FA5}">
-                      <a16:colId xmlns:a16="http://schemas.microsoft.com/office/drawing/2014/main" xmlns="" val="715510892"/>
+                      <a16:colId xmlns:a16="http://schemas.microsoft.com/office/drawing/2014/main" val="715510892"/>
                     </a:ext>
                   </a:extLst>
                 </a:gridCol>
@@ -11786,7 +11786,7 @@
                 </a:tc>
                 <a:extLst>
                   <a:ext uri="{0D108BD9-81ED-4DB2-BD59-A6C34878D82A}">
-                    <a16:rowId xmlns:a16="http://schemas.microsoft.com/office/drawing/2014/main" xmlns="" val="1236399335"/>
+                    <a16:rowId xmlns:a16="http://schemas.microsoft.com/office/drawing/2014/main" val="1236399335"/>
                   </a:ext>
                 </a:extLst>
               </a:tr>
@@ -11878,7 +11878,7 @@
                 </a:tc>
                 <a:extLst>
                   <a:ext uri="{0D108BD9-81ED-4DB2-BD59-A6C34878D82A}">
-                    <a16:rowId xmlns:a16="http://schemas.microsoft.com/office/drawing/2014/main" xmlns="" val="10001"/>
+                    <a16:rowId xmlns:a16="http://schemas.microsoft.com/office/drawing/2014/main" val="10001"/>
                   </a:ext>
                 </a:extLst>
               </a:tr>
@@ -11970,7 +11970,7 @@
                 </a:tc>
                 <a:extLst>
                   <a:ext uri="{0D108BD9-81ED-4DB2-BD59-A6C34878D82A}">
-                    <a16:rowId xmlns:a16="http://schemas.microsoft.com/office/drawing/2014/main" xmlns="" val="3548785687"/>
+                    <a16:rowId xmlns:a16="http://schemas.microsoft.com/office/drawing/2014/main" val="3548785687"/>
                   </a:ext>
                 </a:extLst>
               </a:tr>
@@ -12074,7 +12074,7 @@
                 </a:tc>
                 <a:extLst>
                   <a:ext uri="{0D108BD9-81ED-4DB2-BD59-A6C34878D82A}">
-                    <a16:rowId xmlns:a16="http://schemas.microsoft.com/office/drawing/2014/main" xmlns="" val="949879066"/>
+                    <a16:rowId xmlns:a16="http://schemas.microsoft.com/office/drawing/2014/main" val="949879066"/>
                   </a:ext>
                 </a:extLst>
               </a:tr>
@@ -12188,7 +12188,7 @@
                 </a:tc>
                 <a:extLst>
                   <a:ext uri="{0D108BD9-81ED-4DB2-BD59-A6C34878D82A}">
-                    <a16:rowId xmlns:a16="http://schemas.microsoft.com/office/drawing/2014/main" xmlns="" val="3222670053"/>
+                    <a16:rowId xmlns:a16="http://schemas.microsoft.com/office/drawing/2014/main" val="3222670053"/>
                   </a:ext>
                 </a:extLst>
               </a:tr>
@@ -12294,7 +12294,7 @@
                 </a:tc>
                 <a:extLst>
                   <a:ext uri="{0D108BD9-81ED-4DB2-BD59-A6C34878D82A}">
-                    <a16:rowId xmlns:a16="http://schemas.microsoft.com/office/drawing/2014/main" xmlns="" val="1661099666"/>
+                    <a16:rowId xmlns:a16="http://schemas.microsoft.com/office/drawing/2014/main" val="1661099666"/>
                   </a:ext>
                 </a:extLst>
               </a:tr>
@@ -12400,7 +12400,7 @@
                 </a:tc>
                 <a:extLst>
                   <a:ext uri="{0D108BD9-81ED-4DB2-BD59-A6C34878D82A}">
-                    <a16:rowId xmlns:a16="http://schemas.microsoft.com/office/drawing/2014/main" xmlns="" val="4172047643"/>
+                    <a16:rowId xmlns:a16="http://schemas.microsoft.com/office/drawing/2014/main" val="4172047643"/>
                   </a:ext>
                 </a:extLst>
               </a:tr>
@@ -12494,7 +12494,7 @@
                 </a:tc>
                 <a:extLst>
                   <a:ext uri="{0D108BD9-81ED-4DB2-BD59-A6C34878D82A}">
-                    <a16:rowId xmlns:a16="http://schemas.microsoft.com/office/drawing/2014/main" xmlns="" val="1057878429"/>
+                    <a16:rowId xmlns:a16="http://schemas.microsoft.com/office/drawing/2014/main" val="1057878429"/>
                   </a:ext>
                 </a:extLst>
               </a:tr>
@@ -12586,7 +12586,7 @@
                 </a:tc>
                 <a:extLst>
                   <a:ext uri="{0D108BD9-81ED-4DB2-BD59-A6C34878D82A}">
-                    <a16:rowId xmlns:a16="http://schemas.microsoft.com/office/drawing/2014/main" xmlns="" val="2151953881"/>
+                    <a16:rowId xmlns:a16="http://schemas.microsoft.com/office/drawing/2014/main" val="2151953881"/>
                   </a:ext>
                 </a:extLst>
               </a:tr>
@@ -12692,7 +12692,7 @@
                 </a:tc>
                 <a:extLst>
                   <a:ext uri="{0D108BD9-81ED-4DB2-BD59-A6C34878D82A}">
-                    <a16:rowId xmlns:a16="http://schemas.microsoft.com/office/drawing/2014/main" xmlns="" val="3615318075"/>
+                    <a16:rowId xmlns:a16="http://schemas.microsoft.com/office/drawing/2014/main" val="3615318075"/>
                   </a:ext>
                 </a:extLst>
               </a:tr>
@@ -12796,7 +12796,7 @@
                 </a:tc>
                 <a:extLst>
                   <a:ext uri="{0D108BD9-81ED-4DB2-BD59-A6C34878D82A}">
-                    <a16:rowId xmlns:a16="http://schemas.microsoft.com/office/drawing/2014/main" xmlns="" val="1810581365"/>
+                    <a16:rowId xmlns:a16="http://schemas.microsoft.com/office/drawing/2014/main" val="1810581365"/>
                   </a:ext>
                 </a:extLst>
               </a:tr>
@@ -12900,7 +12900,7 @@
                 </a:tc>
                 <a:extLst>
                   <a:ext uri="{0D108BD9-81ED-4DB2-BD59-A6C34878D82A}">
-                    <a16:rowId xmlns:a16="http://schemas.microsoft.com/office/drawing/2014/main" xmlns="" val="240284698"/>
+                    <a16:rowId xmlns:a16="http://schemas.microsoft.com/office/drawing/2014/main" val="240284698"/>
                   </a:ext>
                 </a:extLst>
               </a:tr>
@@ -13004,7 +13004,7 @@
                 </a:tc>
                 <a:extLst>
                   <a:ext uri="{0D108BD9-81ED-4DB2-BD59-A6C34878D82A}">
-                    <a16:rowId xmlns:a16="http://schemas.microsoft.com/office/drawing/2014/main" xmlns="" val="2906176452"/>
+                    <a16:rowId xmlns:a16="http://schemas.microsoft.com/office/drawing/2014/main" val="2906176452"/>
                   </a:ext>
                 </a:extLst>
               </a:tr>
@@ -13130,7 +13130,7 @@
                 </a:tc>
                 <a:extLst>
                   <a:ext uri="{0D108BD9-81ED-4DB2-BD59-A6C34878D82A}">
-                    <a16:rowId xmlns:a16="http://schemas.microsoft.com/office/drawing/2014/main" xmlns="" val="3562986470"/>
+                    <a16:rowId xmlns:a16="http://schemas.microsoft.com/office/drawing/2014/main" val="3562986470"/>
                   </a:ext>
                 </a:extLst>
               </a:tr>
@@ -13222,7 +13222,7 @@
                 </a:tc>
                 <a:extLst>
                   <a:ext uri="{0D108BD9-81ED-4DB2-BD59-A6C34878D82A}">
-                    <a16:rowId xmlns:a16="http://schemas.microsoft.com/office/drawing/2014/main" xmlns="" val="1671168545"/>
+                    <a16:rowId xmlns:a16="http://schemas.microsoft.com/office/drawing/2014/main" val="1671168545"/>
                   </a:ext>
                 </a:extLst>
               </a:tr>
@@ -13360,7 +13360,7 @@
                 </a:tc>
                 <a:extLst>
                   <a:ext uri="{0D108BD9-81ED-4DB2-BD59-A6C34878D82A}">
-                    <a16:rowId xmlns:a16="http://schemas.microsoft.com/office/drawing/2014/main" xmlns="" val="1894232362"/>
+                    <a16:rowId xmlns:a16="http://schemas.microsoft.com/office/drawing/2014/main" val="1894232362"/>
                   </a:ext>
                 </a:extLst>
               </a:tr>
@@ -13452,7 +13452,7 @@
                 </a:tc>
                 <a:extLst>
                   <a:ext uri="{0D108BD9-81ED-4DB2-BD59-A6C34878D82A}">
-                    <a16:rowId xmlns:a16="http://schemas.microsoft.com/office/drawing/2014/main" xmlns="" val="2066418765"/>
+                    <a16:rowId xmlns:a16="http://schemas.microsoft.com/office/drawing/2014/main" val="2066418765"/>
                   </a:ext>
                 </a:extLst>
               </a:tr>
@@ -13656,21 +13656,21 @@
                 <a:gridCol w="3333583">
                   <a:extLst>
                     <a:ext uri="{9D8B030D-6E8A-4147-A177-3AD203B41FA5}">
-                      <a16:colId xmlns:a16="http://schemas.microsoft.com/office/drawing/2014/main" xmlns="" val="1356431335"/>
+                      <a16:colId xmlns:a16="http://schemas.microsoft.com/office/drawing/2014/main" val="1356431335"/>
                     </a:ext>
                   </a:extLst>
                 </a:gridCol>
                 <a:gridCol w="869736">
                   <a:extLst>
                     <a:ext uri="{9D8B030D-6E8A-4147-A177-3AD203B41FA5}">
-                      <a16:colId xmlns:a16="http://schemas.microsoft.com/office/drawing/2014/main" xmlns="" val="4074852346"/>
+                      <a16:colId xmlns:a16="http://schemas.microsoft.com/office/drawing/2014/main" val="4074852346"/>
                     </a:ext>
                   </a:extLst>
                 </a:gridCol>
                 <a:gridCol w="1169901">
                   <a:extLst>
                     <a:ext uri="{9D8B030D-6E8A-4147-A177-3AD203B41FA5}">
-                      <a16:colId xmlns:a16="http://schemas.microsoft.com/office/drawing/2014/main" xmlns="" val="715510892"/>
+                      <a16:colId xmlns:a16="http://schemas.microsoft.com/office/drawing/2014/main" val="715510892"/>
                     </a:ext>
                   </a:extLst>
                 </a:gridCol>
@@ -13747,7 +13747,7 @@
                 </a:tc>
                 <a:extLst>
                   <a:ext uri="{0D108BD9-81ED-4DB2-BD59-A6C34878D82A}">
-                    <a16:rowId xmlns:a16="http://schemas.microsoft.com/office/drawing/2014/main" xmlns="" val="1236399335"/>
+                    <a16:rowId xmlns:a16="http://schemas.microsoft.com/office/drawing/2014/main" val="1236399335"/>
                   </a:ext>
                 </a:extLst>
               </a:tr>
@@ -13839,7 +13839,7 @@
                 </a:tc>
                 <a:extLst>
                   <a:ext uri="{0D108BD9-81ED-4DB2-BD59-A6C34878D82A}">
-                    <a16:rowId xmlns:a16="http://schemas.microsoft.com/office/drawing/2014/main" xmlns="" val="10001"/>
+                    <a16:rowId xmlns:a16="http://schemas.microsoft.com/office/drawing/2014/main" val="10001"/>
                   </a:ext>
                 </a:extLst>
               </a:tr>
@@ -13953,7 +13953,7 @@
                 </a:tc>
                 <a:extLst>
                   <a:ext uri="{0D108BD9-81ED-4DB2-BD59-A6C34878D82A}">
-                    <a16:rowId xmlns:a16="http://schemas.microsoft.com/office/drawing/2014/main" xmlns="" val="3548785687"/>
+                    <a16:rowId xmlns:a16="http://schemas.microsoft.com/office/drawing/2014/main" val="3548785687"/>
                   </a:ext>
                 </a:extLst>
               </a:tr>
@@ -14045,7 +14045,7 @@
                 </a:tc>
                 <a:extLst>
                   <a:ext uri="{0D108BD9-81ED-4DB2-BD59-A6C34878D82A}">
-                    <a16:rowId xmlns:a16="http://schemas.microsoft.com/office/drawing/2014/main" xmlns="" val="949879066"/>
+                    <a16:rowId xmlns:a16="http://schemas.microsoft.com/office/drawing/2014/main" val="949879066"/>
                   </a:ext>
                 </a:extLst>
               </a:tr>
@@ -14149,7 +14149,7 @@
                 </a:tc>
                 <a:extLst>
                   <a:ext uri="{0D108BD9-81ED-4DB2-BD59-A6C34878D82A}">
-                    <a16:rowId xmlns:a16="http://schemas.microsoft.com/office/drawing/2014/main" xmlns="" val="3222670053"/>
+                    <a16:rowId xmlns:a16="http://schemas.microsoft.com/office/drawing/2014/main" val="3222670053"/>
                   </a:ext>
                 </a:extLst>
               </a:tr>
@@ -14255,7 +14255,7 @@
                 </a:tc>
                 <a:extLst>
                   <a:ext uri="{0D108BD9-81ED-4DB2-BD59-A6C34878D82A}">
-                    <a16:rowId xmlns:a16="http://schemas.microsoft.com/office/drawing/2014/main" xmlns="" val="1661099666"/>
+                    <a16:rowId xmlns:a16="http://schemas.microsoft.com/office/drawing/2014/main" val="1661099666"/>
                   </a:ext>
                 </a:extLst>
               </a:tr>
@@ -14347,7 +14347,7 @@
                 </a:tc>
                 <a:extLst>
                   <a:ext uri="{0D108BD9-81ED-4DB2-BD59-A6C34878D82A}">
-                    <a16:rowId xmlns:a16="http://schemas.microsoft.com/office/drawing/2014/main" xmlns="" val="4172047643"/>
+                    <a16:rowId xmlns:a16="http://schemas.microsoft.com/office/drawing/2014/main" val="4172047643"/>
                   </a:ext>
                 </a:extLst>
               </a:tr>
@@ -14407,7 +14407,7 @@
                 </a:tc>
                 <a:extLst>
                   <a:ext uri="{0D108BD9-81ED-4DB2-BD59-A6C34878D82A}">
-                    <a16:rowId xmlns:a16="http://schemas.microsoft.com/office/drawing/2014/main" xmlns="" val="1057878429"/>
+                    <a16:rowId xmlns:a16="http://schemas.microsoft.com/office/drawing/2014/main" val="1057878429"/>
                   </a:ext>
                 </a:extLst>
               </a:tr>
@@ -14467,7 +14467,7 @@
                 </a:tc>
                 <a:extLst>
                   <a:ext uri="{0D108BD9-81ED-4DB2-BD59-A6C34878D82A}">
-                    <a16:rowId xmlns:a16="http://schemas.microsoft.com/office/drawing/2014/main" xmlns="" val="2151953881"/>
+                    <a16:rowId xmlns:a16="http://schemas.microsoft.com/office/drawing/2014/main" val="2151953881"/>
                   </a:ext>
                 </a:extLst>
               </a:tr>
@@ -14529,7 +14529,7 @@
                 </a:tc>
                 <a:extLst>
                   <a:ext uri="{0D108BD9-81ED-4DB2-BD59-A6C34878D82A}">
-                    <a16:rowId xmlns:a16="http://schemas.microsoft.com/office/drawing/2014/main" xmlns="" val="3615318075"/>
+                    <a16:rowId xmlns:a16="http://schemas.microsoft.com/office/drawing/2014/main" val="3615318075"/>
                   </a:ext>
                 </a:extLst>
               </a:tr>
@@ -14589,7 +14589,7 @@
                 </a:tc>
                 <a:extLst>
                   <a:ext uri="{0D108BD9-81ED-4DB2-BD59-A6C34878D82A}">
-                    <a16:rowId xmlns:a16="http://schemas.microsoft.com/office/drawing/2014/main" xmlns="" val="1810581365"/>
+                    <a16:rowId xmlns:a16="http://schemas.microsoft.com/office/drawing/2014/main" val="1810581365"/>
                   </a:ext>
                 </a:extLst>
               </a:tr>
@@ -14649,7 +14649,7 @@
                 </a:tc>
                 <a:extLst>
                   <a:ext uri="{0D108BD9-81ED-4DB2-BD59-A6C34878D82A}">
-                    <a16:rowId xmlns:a16="http://schemas.microsoft.com/office/drawing/2014/main" xmlns="" val="240284698"/>
+                    <a16:rowId xmlns:a16="http://schemas.microsoft.com/office/drawing/2014/main" val="240284698"/>
                   </a:ext>
                 </a:extLst>
               </a:tr>
@@ -14709,7 +14709,7 @@
                 </a:tc>
                 <a:extLst>
                   <a:ext uri="{0D108BD9-81ED-4DB2-BD59-A6C34878D82A}">
-                    <a16:rowId xmlns:a16="http://schemas.microsoft.com/office/drawing/2014/main" xmlns="" val="2906176452"/>
+                    <a16:rowId xmlns:a16="http://schemas.microsoft.com/office/drawing/2014/main" val="2906176452"/>
                   </a:ext>
                 </a:extLst>
               </a:tr>
@@ -14769,7 +14769,7 @@
                 </a:tc>
                 <a:extLst>
                   <a:ext uri="{0D108BD9-81ED-4DB2-BD59-A6C34878D82A}">
-                    <a16:rowId xmlns:a16="http://schemas.microsoft.com/office/drawing/2014/main" xmlns="" val="3562986470"/>
+                    <a16:rowId xmlns:a16="http://schemas.microsoft.com/office/drawing/2014/main" val="3562986470"/>
                   </a:ext>
                 </a:extLst>
               </a:tr>
@@ -14829,7 +14829,7 @@
                 </a:tc>
                 <a:extLst>
                   <a:ext uri="{0D108BD9-81ED-4DB2-BD59-A6C34878D82A}">
-                    <a16:rowId xmlns:a16="http://schemas.microsoft.com/office/drawing/2014/main" xmlns="" val="1671168545"/>
+                    <a16:rowId xmlns:a16="http://schemas.microsoft.com/office/drawing/2014/main" val="1671168545"/>
                   </a:ext>
                 </a:extLst>
               </a:tr>
@@ -14889,7 +14889,7 @@
                 </a:tc>
                 <a:extLst>
                   <a:ext uri="{0D108BD9-81ED-4DB2-BD59-A6C34878D82A}">
-                    <a16:rowId xmlns:a16="http://schemas.microsoft.com/office/drawing/2014/main" xmlns="" val="1894232362"/>
+                    <a16:rowId xmlns:a16="http://schemas.microsoft.com/office/drawing/2014/main" val="1894232362"/>
                   </a:ext>
                 </a:extLst>
               </a:tr>
@@ -14949,7 +14949,7 @@
                 </a:tc>
                 <a:extLst>
                   <a:ext uri="{0D108BD9-81ED-4DB2-BD59-A6C34878D82A}">
-                    <a16:rowId xmlns:a16="http://schemas.microsoft.com/office/drawing/2014/main" xmlns="" val="2066418765"/>
+                    <a16:rowId xmlns:a16="http://schemas.microsoft.com/office/drawing/2014/main" val="2066418765"/>
                   </a:ext>
                 </a:extLst>
               </a:tr>
@@ -15009,7 +15009,7 @@
                 </a:tc>
                 <a:extLst>
                   <a:ext uri="{0D108BD9-81ED-4DB2-BD59-A6C34878D82A}">
-                    <a16:rowId xmlns:a16="http://schemas.microsoft.com/office/drawing/2014/main" xmlns="" val="8815647"/>
+                    <a16:rowId xmlns:a16="http://schemas.microsoft.com/office/drawing/2014/main" val="8815647"/>
                   </a:ext>
                 </a:extLst>
               </a:tr>
@@ -15176,14 +15176,14 @@
                 <a:gridCol w="2434245">
                   <a:extLst>
                     <a:ext uri="{9D8B030D-6E8A-4147-A177-3AD203B41FA5}">
-                      <a16:colId xmlns:a16="http://schemas.microsoft.com/office/drawing/2014/main" xmlns="" val="601924521"/>
+                      <a16:colId xmlns:a16="http://schemas.microsoft.com/office/drawing/2014/main" val="601924521"/>
                     </a:ext>
                   </a:extLst>
                 </a:gridCol>
                 <a:gridCol w="6559454">
                   <a:extLst>
                     <a:ext uri="{9D8B030D-6E8A-4147-A177-3AD203B41FA5}">
-                      <a16:colId xmlns:a16="http://schemas.microsoft.com/office/drawing/2014/main" xmlns="" val="1772112701"/>
+                      <a16:colId xmlns:a16="http://schemas.microsoft.com/office/drawing/2014/main" val="1772112701"/>
                     </a:ext>
                   </a:extLst>
                 </a:gridCol>
@@ -15196,11 +15196,7 @@
                     <a:p>
                       <a:r>
                         <a:rPr lang="en-US" dirty="0" smtClean="0"/>
-                        <a:t>Principal  </a:t>
-                      </a:r>
-                      <a:r>
-                        <a:rPr lang="en-US" dirty="0" smtClean="0"/>
-                        <a:t>Investigator</a:t>
+                        <a:t>Principal  Investigator</a:t>
                       </a:r>
                     </a:p>
                   </a:txBody>
@@ -15226,7 +15222,7 @@
                 </a:tc>
                 <a:extLst>
                   <a:ext uri="{0D108BD9-81ED-4DB2-BD59-A6C34878D82A}">
-                    <a16:rowId xmlns:a16="http://schemas.microsoft.com/office/drawing/2014/main" xmlns="" val="368542532"/>
+                    <a16:rowId xmlns:a16="http://schemas.microsoft.com/office/drawing/2014/main" val="368542532"/>
                   </a:ext>
                 </a:extLst>
               </a:tr>
@@ -15260,7 +15256,7 @@
                 </a:tc>
                 <a:extLst>
                   <a:ext uri="{0D108BD9-81ED-4DB2-BD59-A6C34878D82A}">
-                    <a16:rowId xmlns:a16="http://schemas.microsoft.com/office/drawing/2014/main" xmlns="" val="960286342"/>
+                    <a16:rowId xmlns:a16="http://schemas.microsoft.com/office/drawing/2014/main" val="960286342"/>
                   </a:ext>
                 </a:extLst>
               </a:tr>
@@ -15295,7 +15291,7 @@
                 </a:tc>
                 <a:extLst>
                   <a:ext uri="{0D108BD9-81ED-4DB2-BD59-A6C34878D82A}">
-                    <a16:rowId xmlns:a16="http://schemas.microsoft.com/office/drawing/2014/main" xmlns="" val="3060705834"/>
+                    <a16:rowId xmlns:a16="http://schemas.microsoft.com/office/drawing/2014/main" val="3060705834"/>
                   </a:ext>
                 </a:extLst>
               </a:tr>
@@ -15330,7 +15326,7 @@
                 </a:tc>
                 <a:extLst>
                   <a:ext uri="{0D108BD9-81ED-4DB2-BD59-A6C34878D82A}">
-                    <a16:rowId xmlns:a16="http://schemas.microsoft.com/office/drawing/2014/main" xmlns="" val="881160331"/>
+                    <a16:rowId xmlns:a16="http://schemas.microsoft.com/office/drawing/2014/main" val="881160331"/>
                   </a:ext>
                 </a:extLst>
               </a:tr>
@@ -15365,7 +15361,7 @@
                 </a:tc>
                 <a:extLst>
                   <a:ext uri="{0D108BD9-81ED-4DB2-BD59-A6C34878D82A}">
-                    <a16:rowId xmlns:a16="http://schemas.microsoft.com/office/drawing/2014/main" xmlns="" val="648041670"/>
+                    <a16:rowId xmlns:a16="http://schemas.microsoft.com/office/drawing/2014/main" val="648041670"/>
                   </a:ext>
                 </a:extLst>
               </a:tr>
@@ -15408,7 +15404,7 @@
                 </a:tc>
                 <a:extLst>
                   <a:ext uri="{0D108BD9-81ED-4DB2-BD59-A6C34878D82A}">
-                    <a16:rowId xmlns:a16="http://schemas.microsoft.com/office/drawing/2014/main" xmlns="" val="3843739269"/>
+                    <a16:rowId xmlns:a16="http://schemas.microsoft.com/office/drawing/2014/main" val="3843739269"/>
                   </a:ext>
                 </a:extLst>
               </a:tr>
@@ -15468,7 +15464,7 @@
                 </a:tc>
                 <a:extLst>
                   <a:ext uri="{0D108BD9-81ED-4DB2-BD59-A6C34878D82A}">
-                    <a16:rowId xmlns:a16="http://schemas.microsoft.com/office/drawing/2014/main" xmlns="" val="1053835359"/>
+                    <a16:rowId xmlns:a16="http://schemas.microsoft.com/office/drawing/2014/main" val="1053835359"/>
                   </a:ext>
                 </a:extLst>
               </a:tr>
@@ -15499,7 +15495,7 @@
                 </a:tc>
                 <a:extLst>
                   <a:ext uri="{0D108BD9-81ED-4DB2-BD59-A6C34878D82A}">
-                    <a16:rowId xmlns:a16="http://schemas.microsoft.com/office/drawing/2014/main" xmlns="" val="1647707109"/>
+                    <a16:rowId xmlns:a16="http://schemas.microsoft.com/office/drawing/2014/main" val="1647707109"/>
                   </a:ext>
                 </a:extLst>
               </a:tr>
@@ -15593,14 +15589,14 @@
                 <a:gridCol w="2403564">
                   <a:extLst>
                     <a:ext uri="{9D8B030D-6E8A-4147-A177-3AD203B41FA5}">
-                      <a16:colId xmlns:a16="http://schemas.microsoft.com/office/drawing/2014/main" xmlns="" val="601924521"/>
+                      <a16:colId xmlns:a16="http://schemas.microsoft.com/office/drawing/2014/main" val="601924521"/>
                     </a:ext>
                   </a:extLst>
                 </a:gridCol>
                 <a:gridCol w="6476779">
                   <a:extLst>
                     <a:ext uri="{9D8B030D-6E8A-4147-A177-3AD203B41FA5}">
-                      <a16:colId xmlns:a16="http://schemas.microsoft.com/office/drawing/2014/main" xmlns="" val="1772112701"/>
+                      <a16:colId xmlns:a16="http://schemas.microsoft.com/office/drawing/2014/main" val="1772112701"/>
                     </a:ext>
                   </a:extLst>
                 </a:gridCol>
@@ -15615,7 +15611,6 @@
                         <a:rPr lang="en-US" dirty="0" smtClean="0"/>
                         <a:t>Principal Investigator</a:t>
                       </a:r>
-                      <a:endParaRPr lang="en-US" dirty="0" smtClean="0"/>
                     </a:p>
                   </a:txBody>
                   <a:tcPr/>
@@ -15636,7 +15631,7 @@
                 </a:tc>
                 <a:extLst>
                   <a:ext uri="{0D108BD9-81ED-4DB2-BD59-A6C34878D82A}">
-                    <a16:rowId xmlns:a16="http://schemas.microsoft.com/office/drawing/2014/main" xmlns="" val="368542532"/>
+                    <a16:rowId xmlns:a16="http://schemas.microsoft.com/office/drawing/2014/main" val="368542532"/>
                   </a:ext>
                 </a:extLst>
               </a:tr>
@@ -15670,7 +15665,7 @@
                 </a:tc>
                 <a:extLst>
                   <a:ext uri="{0D108BD9-81ED-4DB2-BD59-A6C34878D82A}">
-                    <a16:rowId xmlns:a16="http://schemas.microsoft.com/office/drawing/2014/main" xmlns="" val="960286342"/>
+                    <a16:rowId xmlns:a16="http://schemas.microsoft.com/office/drawing/2014/main" val="960286342"/>
                   </a:ext>
                 </a:extLst>
               </a:tr>
@@ -15705,7 +15700,7 @@
                 </a:tc>
                 <a:extLst>
                   <a:ext uri="{0D108BD9-81ED-4DB2-BD59-A6C34878D82A}">
-                    <a16:rowId xmlns:a16="http://schemas.microsoft.com/office/drawing/2014/main" xmlns="" val="3060705834"/>
+                    <a16:rowId xmlns:a16="http://schemas.microsoft.com/office/drawing/2014/main" val="3060705834"/>
                   </a:ext>
                 </a:extLst>
               </a:tr>
@@ -15740,7 +15735,7 @@
                 </a:tc>
                 <a:extLst>
                   <a:ext uri="{0D108BD9-81ED-4DB2-BD59-A6C34878D82A}">
-                    <a16:rowId xmlns:a16="http://schemas.microsoft.com/office/drawing/2014/main" xmlns="" val="881160331"/>
+                    <a16:rowId xmlns:a16="http://schemas.microsoft.com/office/drawing/2014/main" val="881160331"/>
                   </a:ext>
                 </a:extLst>
               </a:tr>
@@ -15775,7 +15770,7 @@
                 </a:tc>
                 <a:extLst>
                   <a:ext uri="{0D108BD9-81ED-4DB2-BD59-A6C34878D82A}">
-                    <a16:rowId xmlns:a16="http://schemas.microsoft.com/office/drawing/2014/main" xmlns="" val="648041670"/>
+                    <a16:rowId xmlns:a16="http://schemas.microsoft.com/office/drawing/2014/main" val="648041670"/>
                   </a:ext>
                 </a:extLst>
               </a:tr>
@@ -15818,7 +15813,7 @@
                 </a:tc>
                 <a:extLst>
                   <a:ext uri="{0D108BD9-81ED-4DB2-BD59-A6C34878D82A}">
-                    <a16:rowId xmlns:a16="http://schemas.microsoft.com/office/drawing/2014/main" xmlns="" val="3843739269"/>
+                    <a16:rowId xmlns:a16="http://schemas.microsoft.com/office/drawing/2014/main" val="3843739269"/>
                   </a:ext>
                 </a:extLst>
               </a:tr>
@@ -15881,7 +15876,7 @@
                 </a:tc>
                 <a:extLst>
                   <a:ext uri="{0D108BD9-81ED-4DB2-BD59-A6C34878D82A}">
-                    <a16:rowId xmlns:a16="http://schemas.microsoft.com/office/drawing/2014/main" xmlns="" val="3329494400"/>
+                    <a16:rowId xmlns:a16="http://schemas.microsoft.com/office/drawing/2014/main" val="3329494400"/>
                   </a:ext>
                 </a:extLst>
               </a:tr>
@@ -15944,7 +15939,7 @@
                 </a:tc>
                 <a:extLst>
                   <a:ext uri="{0D108BD9-81ED-4DB2-BD59-A6C34878D82A}">
-                    <a16:rowId xmlns:a16="http://schemas.microsoft.com/office/drawing/2014/main" xmlns="" val="1647707109"/>
+                    <a16:rowId xmlns:a16="http://schemas.microsoft.com/office/drawing/2014/main" val="1647707109"/>
                   </a:ext>
                 </a:extLst>
               </a:tr>
@@ -16152,14 +16147,14 @@
                 <a:gridCol w="2456744">
                   <a:extLst>
                     <a:ext uri="{9D8B030D-6E8A-4147-A177-3AD203B41FA5}">
-                      <a16:colId xmlns:a16="http://schemas.microsoft.com/office/drawing/2014/main" xmlns="" val="601924521"/>
+                      <a16:colId xmlns:a16="http://schemas.microsoft.com/office/drawing/2014/main" val="601924521"/>
                     </a:ext>
                   </a:extLst>
                 </a:gridCol>
                 <a:gridCol w="6620082">
                   <a:extLst>
                     <a:ext uri="{9D8B030D-6E8A-4147-A177-3AD203B41FA5}">
-                      <a16:colId xmlns:a16="http://schemas.microsoft.com/office/drawing/2014/main" xmlns="" val="1772112701"/>
+                      <a16:colId xmlns:a16="http://schemas.microsoft.com/office/drawing/2014/main" val="1772112701"/>
                     </a:ext>
                   </a:extLst>
                 </a:gridCol>
@@ -16174,7 +16169,6 @@
                         <a:rPr lang="en-US" dirty="0" smtClean="0"/>
                         <a:t>Principal Investigator</a:t>
                       </a:r>
-                      <a:endParaRPr lang="en-US" dirty="0" smtClean="0"/>
                     </a:p>
                   </a:txBody>
                   <a:tcPr/>
@@ -16195,7 +16189,7 @@
                 </a:tc>
                 <a:extLst>
                   <a:ext uri="{0D108BD9-81ED-4DB2-BD59-A6C34878D82A}">
-                    <a16:rowId xmlns:a16="http://schemas.microsoft.com/office/drawing/2014/main" xmlns="" val="368542532"/>
+                    <a16:rowId xmlns:a16="http://schemas.microsoft.com/office/drawing/2014/main" val="368542532"/>
                   </a:ext>
                 </a:extLst>
               </a:tr>
@@ -16229,7 +16223,7 @@
                 </a:tc>
                 <a:extLst>
                   <a:ext uri="{0D108BD9-81ED-4DB2-BD59-A6C34878D82A}">
-                    <a16:rowId xmlns:a16="http://schemas.microsoft.com/office/drawing/2014/main" xmlns="" val="960286342"/>
+                    <a16:rowId xmlns:a16="http://schemas.microsoft.com/office/drawing/2014/main" val="960286342"/>
                   </a:ext>
                 </a:extLst>
               </a:tr>
@@ -16264,7 +16258,7 @@
                 </a:tc>
                 <a:extLst>
                   <a:ext uri="{0D108BD9-81ED-4DB2-BD59-A6C34878D82A}">
-                    <a16:rowId xmlns:a16="http://schemas.microsoft.com/office/drawing/2014/main" xmlns="" val="3060705834"/>
+                    <a16:rowId xmlns:a16="http://schemas.microsoft.com/office/drawing/2014/main" val="3060705834"/>
                   </a:ext>
                 </a:extLst>
               </a:tr>
@@ -16299,7 +16293,7 @@
                 </a:tc>
                 <a:extLst>
                   <a:ext uri="{0D108BD9-81ED-4DB2-BD59-A6C34878D82A}">
-                    <a16:rowId xmlns:a16="http://schemas.microsoft.com/office/drawing/2014/main" xmlns="" val="881160331"/>
+                    <a16:rowId xmlns:a16="http://schemas.microsoft.com/office/drawing/2014/main" val="881160331"/>
                   </a:ext>
                 </a:extLst>
               </a:tr>
@@ -16334,7 +16328,7 @@
                 </a:tc>
                 <a:extLst>
                   <a:ext uri="{0D108BD9-81ED-4DB2-BD59-A6C34878D82A}">
-                    <a16:rowId xmlns:a16="http://schemas.microsoft.com/office/drawing/2014/main" xmlns="" val="648041670"/>
+                    <a16:rowId xmlns:a16="http://schemas.microsoft.com/office/drawing/2014/main" val="648041670"/>
                   </a:ext>
                 </a:extLst>
               </a:tr>
@@ -16377,7 +16371,7 @@
                 </a:tc>
                 <a:extLst>
                   <a:ext uri="{0D108BD9-81ED-4DB2-BD59-A6C34878D82A}">
-                    <a16:rowId xmlns:a16="http://schemas.microsoft.com/office/drawing/2014/main" xmlns="" val="3843739269"/>
+                    <a16:rowId xmlns:a16="http://schemas.microsoft.com/office/drawing/2014/main" val="3843739269"/>
                   </a:ext>
                 </a:extLst>
               </a:tr>
@@ -16457,7 +16451,7 @@
                 </a:tc>
                 <a:extLst>
                   <a:ext uri="{0D108BD9-81ED-4DB2-BD59-A6C34878D82A}">
-                    <a16:rowId xmlns:a16="http://schemas.microsoft.com/office/drawing/2014/main" xmlns="" val="1097377734"/>
+                    <a16:rowId xmlns:a16="http://schemas.microsoft.com/office/drawing/2014/main" val="1097377734"/>
                   </a:ext>
                 </a:extLst>
               </a:tr>
@@ -16488,7 +16482,7 @@
                 </a:tc>
                 <a:extLst>
                   <a:ext uri="{0D108BD9-81ED-4DB2-BD59-A6C34878D82A}">
-                    <a16:rowId xmlns:a16="http://schemas.microsoft.com/office/drawing/2014/main" xmlns="" val="1647707109"/>
+                    <a16:rowId xmlns:a16="http://schemas.microsoft.com/office/drawing/2014/main" val="1647707109"/>
                   </a:ext>
                 </a:extLst>
               </a:tr>
@@ -16587,14 +16581,14 @@
                 <a:gridCol w="2199934">
                   <a:extLst>
                     <a:ext uri="{9D8B030D-6E8A-4147-A177-3AD203B41FA5}">
-                      <a16:colId xmlns:a16="http://schemas.microsoft.com/office/drawing/2014/main" xmlns="" val="601924521"/>
+                      <a16:colId xmlns:a16="http://schemas.microsoft.com/office/drawing/2014/main" val="601924521"/>
                     </a:ext>
                   </a:extLst>
                 </a:gridCol>
                 <a:gridCol w="5928066">
                   <a:extLst>
                     <a:ext uri="{9D8B030D-6E8A-4147-A177-3AD203B41FA5}">
-                      <a16:colId xmlns:a16="http://schemas.microsoft.com/office/drawing/2014/main" xmlns="" val="1772112701"/>
+                      <a16:colId xmlns:a16="http://schemas.microsoft.com/office/drawing/2014/main" val="1772112701"/>
                     </a:ext>
                   </a:extLst>
                 </a:gridCol>
@@ -16607,11 +16601,7 @@
                     <a:p>
                       <a:r>
                         <a:rPr lang="en-US" dirty="0" smtClean="0"/>
-                        <a:t>Principal  </a:t>
-                      </a:r>
-                      <a:r>
-                        <a:rPr lang="en-US" dirty="0" smtClean="0"/>
-                        <a:t>Investigator</a:t>
+                        <a:t>Principal  Investigator</a:t>
                       </a:r>
                     </a:p>
                   </a:txBody>
@@ -16633,7 +16623,7 @@
                 </a:tc>
                 <a:extLst>
                   <a:ext uri="{0D108BD9-81ED-4DB2-BD59-A6C34878D82A}">
-                    <a16:rowId xmlns:a16="http://schemas.microsoft.com/office/drawing/2014/main" xmlns="" val="368542532"/>
+                    <a16:rowId xmlns:a16="http://schemas.microsoft.com/office/drawing/2014/main" val="368542532"/>
                   </a:ext>
                 </a:extLst>
               </a:tr>
@@ -16667,7 +16657,7 @@
                 </a:tc>
                 <a:extLst>
                   <a:ext uri="{0D108BD9-81ED-4DB2-BD59-A6C34878D82A}">
-                    <a16:rowId xmlns:a16="http://schemas.microsoft.com/office/drawing/2014/main" xmlns="" val="960286342"/>
+                    <a16:rowId xmlns:a16="http://schemas.microsoft.com/office/drawing/2014/main" val="960286342"/>
                   </a:ext>
                 </a:extLst>
               </a:tr>
@@ -16702,7 +16692,7 @@
                 </a:tc>
                 <a:extLst>
                   <a:ext uri="{0D108BD9-81ED-4DB2-BD59-A6C34878D82A}">
-                    <a16:rowId xmlns:a16="http://schemas.microsoft.com/office/drawing/2014/main" xmlns="" val="3060705834"/>
+                    <a16:rowId xmlns:a16="http://schemas.microsoft.com/office/drawing/2014/main" val="3060705834"/>
                   </a:ext>
                 </a:extLst>
               </a:tr>
@@ -16737,7 +16727,7 @@
                 </a:tc>
                 <a:extLst>
                   <a:ext uri="{0D108BD9-81ED-4DB2-BD59-A6C34878D82A}">
-                    <a16:rowId xmlns:a16="http://schemas.microsoft.com/office/drawing/2014/main" xmlns="" val="881160331"/>
+                    <a16:rowId xmlns:a16="http://schemas.microsoft.com/office/drawing/2014/main" val="881160331"/>
                   </a:ext>
                 </a:extLst>
               </a:tr>
@@ -16772,7 +16762,7 @@
                 </a:tc>
                 <a:extLst>
                   <a:ext uri="{0D108BD9-81ED-4DB2-BD59-A6C34878D82A}">
-                    <a16:rowId xmlns:a16="http://schemas.microsoft.com/office/drawing/2014/main" xmlns="" val="648041670"/>
+                    <a16:rowId xmlns:a16="http://schemas.microsoft.com/office/drawing/2014/main" val="648041670"/>
                   </a:ext>
                 </a:extLst>
               </a:tr>
@@ -16815,7 +16805,7 @@
                 </a:tc>
                 <a:extLst>
                   <a:ext uri="{0D108BD9-81ED-4DB2-BD59-A6C34878D82A}">
-                    <a16:rowId xmlns:a16="http://schemas.microsoft.com/office/drawing/2014/main" xmlns="" val="3843739269"/>
+                    <a16:rowId xmlns:a16="http://schemas.microsoft.com/office/drawing/2014/main" val="3843739269"/>
                   </a:ext>
                 </a:extLst>
               </a:tr>
@@ -16846,7 +16836,7 @@
                 </a:tc>
                 <a:extLst>
                   <a:ext uri="{0D108BD9-81ED-4DB2-BD59-A6C34878D82A}">
-                    <a16:rowId xmlns:a16="http://schemas.microsoft.com/office/drawing/2014/main" xmlns="" val="1647707109"/>
+                    <a16:rowId xmlns:a16="http://schemas.microsoft.com/office/drawing/2014/main" val="1647707109"/>
                   </a:ext>
                 </a:extLst>
               </a:tr>
@@ -16969,14 +16959,14 @@
                 <a:gridCol w="2199934">
                   <a:extLst>
                     <a:ext uri="{9D8B030D-6E8A-4147-A177-3AD203B41FA5}">
-                      <a16:colId xmlns:a16="http://schemas.microsoft.com/office/drawing/2014/main" xmlns="" val="601924521"/>
+                      <a16:colId xmlns:a16="http://schemas.microsoft.com/office/drawing/2014/main" val="601924521"/>
                     </a:ext>
                   </a:extLst>
                 </a:gridCol>
                 <a:gridCol w="5928066">
                   <a:extLst>
                     <a:ext uri="{9D8B030D-6E8A-4147-A177-3AD203B41FA5}">
-                      <a16:colId xmlns:a16="http://schemas.microsoft.com/office/drawing/2014/main" xmlns="" val="1772112701"/>
+                      <a16:colId xmlns:a16="http://schemas.microsoft.com/office/drawing/2014/main" val="1772112701"/>
                     </a:ext>
                   </a:extLst>
                 </a:gridCol>
@@ -16989,11 +16979,7 @@
                     <a:p>
                       <a:r>
                         <a:rPr lang="en-US" dirty="0" smtClean="0"/>
-                        <a:t>Principal  </a:t>
-                      </a:r>
-                      <a:r>
-                        <a:rPr lang="en-US" dirty="0" smtClean="0"/>
-                        <a:t>Investigator</a:t>
+                        <a:t>Principal  Investigator</a:t>
                       </a:r>
                     </a:p>
                   </a:txBody>
@@ -17019,7 +17005,7 @@
                 </a:tc>
                 <a:extLst>
                   <a:ext uri="{0D108BD9-81ED-4DB2-BD59-A6C34878D82A}">
-                    <a16:rowId xmlns:a16="http://schemas.microsoft.com/office/drawing/2014/main" xmlns="" val="368542532"/>
+                    <a16:rowId xmlns:a16="http://schemas.microsoft.com/office/drawing/2014/main" val="368542532"/>
                   </a:ext>
                 </a:extLst>
               </a:tr>
@@ -17053,7 +17039,7 @@
                 </a:tc>
                 <a:extLst>
                   <a:ext uri="{0D108BD9-81ED-4DB2-BD59-A6C34878D82A}">
-                    <a16:rowId xmlns:a16="http://schemas.microsoft.com/office/drawing/2014/main" xmlns="" val="960286342"/>
+                    <a16:rowId xmlns:a16="http://schemas.microsoft.com/office/drawing/2014/main" val="960286342"/>
                   </a:ext>
                 </a:extLst>
               </a:tr>
@@ -17088,7 +17074,7 @@
                 </a:tc>
                 <a:extLst>
                   <a:ext uri="{0D108BD9-81ED-4DB2-BD59-A6C34878D82A}">
-                    <a16:rowId xmlns:a16="http://schemas.microsoft.com/office/drawing/2014/main" xmlns="" val="3060705834"/>
+                    <a16:rowId xmlns:a16="http://schemas.microsoft.com/office/drawing/2014/main" val="3060705834"/>
                   </a:ext>
                 </a:extLst>
               </a:tr>
@@ -17123,7 +17109,7 @@
                 </a:tc>
                 <a:extLst>
                   <a:ext uri="{0D108BD9-81ED-4DB2-BD59-A6C34878D82A}">
-                    <a16:rowId xmlns:a16="http://schemas.microsoft.com/office/drawing/2014/main" xmlns="" val="881160331"/>
+                    <a16:rowId xmlns:a16="http://schemas.microsoft.com/office/drawing/2014/main" val="881160331"/>
                   </a:ext>
                 </a:extLst>
               </a:tr>
@@ -17158,7 +17144,7 @@
                 </a:tc>
                 <a:extLst>
                   <a:ext uri="{0D108BD9-81ED-4DB2-BD59-A6C34878D82A}">
-                    <a16:rowId xmlns:a16="http://schemas.microsoft.com/office/drawing/2014/main" xmlns="" val="648041670"/>
+                    <a16:rowId xmlns:a16="http://schemas.microsoft.com/office/drawing/2014/main" val="648041670"/>
                   </a:ext>
                 </a:extLst>
               </a:tr>
@@ -17201,7 +17187,7 @@
                 </a:tc>
                 <a:extLst>
                   <a:ext uri="{0D108BD9-81ED-4DB2-BD59-A6C34878D82A}">
-                    <a16:rowId xmlns:a16="http://schemas.microsoft.com/office/drawing/2014/main" xmlns="" val="3843739269"/>
+                    <a16:rowId xmlns:a16="http://schemas.microsoft.com/office/drawing/2014/main" val="3843739269"/>
                   </a:ext>
                 </a:extLst>
               </a:tr>
@@ -17360,7 +17346,7 @@
                 </a:tc>
                 <a:extLst>
                   <a:ext uri="{0D108BD9-81ED-4DB2-BD59-A6C34878D82A}">
-                    <a16:rowId xmlns:a16="http://schemas.microsoft.com/office/drawing/2014/main" xmlns="" val="502384781"/>
+                    <a16:rowId xmlns:a16="http://schemas.microsoft.com/office/drawing/2014/main" val="502384781"/>
                   </a:ext>
                 </a:extLst>
               </a:tr>
@@ -17391,7 +17377,7 @@
                 </a:tc>
                 <a:extLst>
                   <a:ext uri="{0D108BD9-81ED-4DB2-BD59-A6C34878D82A}">
-                    <a16:rowId xmlns:a16="http://schemas.microsoft.com/office/drawing/2014/main" xmlns="" val="1647707109"/>
+                    <a16:rowId xmlns:a16="http://schemas.microsoft.com/office/drawing/2014/main" val="1647707109"/>
                   </a:ext>
                 </a:extLst>
               </a:tr>
@@ -17514,14 +17500,14 @@
                 <a:gridCol w="2199934">
                   <a:extLst>
                     <a:ext uri="{9D8B030D-6E8A-4147-A177-3AD203B41FA5}">
-                      <a16:colId xmlns:a16="http://schemas.microsoft.com/office/drawing/2014/main" xmlns="" val="601924521"/>
+                      <a16:colId xmlns:a16="http://schemas.microsoft.com/office/drawing/2014/main" val="601924521"/>
                     </a:ext>
                   </a:extLst>
                 </a:gridCol>
                 <a:gridCol w="5928066">
                   <a:extLst>
                     <a:ext uri="{9D8B030D-6E8A-4147-A177-3AD203B41FA5}">
-                      <a16:colId xmlns:a16="http://schemas.microsoft.com/office/drawing/2014/main" xmlns="" val="1772112701"/>
+                      <a16:colId xmlns:a16="http://schemas.microsoft.com/office/drawing/2014/main" val="1772112701"/>
                     </a:ext>
                   </a:extLst>
                 </a:gridCol>
@@ -17534,11 +17520,7 @@
                     <a:p>
                       <a:r>
                         <a:rPr lang="en-US" dirty="0" smtClean="0"/>
-                        <a:t>Principal  </a:t>
-                      </a:r>
-                      <a:r>
-                        <a:rPr lang="en-US" dirty="0" smtClean="0"/>
-                        <a:t>Investigator</a:t>
+                        <a:t>Principal  Investigator</a:t>
                       </a:r>
                     </a:p>
                   </a:txBody>
@@ -17564,7 +17546,7 @@
                 </a:tc>
                 <a:extLst>
                   <a:ext uri="{0D108BD9-81ED-4DB2-BD59-A6C34878D82A}">
-                    <a16:rowId xmlns:a16="http://schemas.microsoft.com/office/drawing/2014/main" xmlns="" val="368542532"/>
+                    <a16:rowId xmlns:a16="http://schemas.microsoft.com/office/drawing/2014/main" val="368542532"/>
                   </a:ext>
                 </a:extLst>
               </a:tr>
@@ -17598,7 +17580,7 @@
                 </a:tc>
                 <a:extLst>
                   <a:ext uri="{0D108BD9-81ED-4DB2-BD59-A6C34878D82A}">
-                    <a16:rowId xmlns:a16="http://schemas.microsoft.com/office/drawing/2014/main" xmlns="" val="960286342"/>
+                    <a16:rowId xmlns:a16="http://schemas.microsoft.com/office/drawing/2014/main" val="960286342"/>
                   </a:ext>
                 </a:extLst>
               </a:tr>
@@ -17633,7 +17615,7 @@
                 </a:tc>
                 <a:extLst>
                   <a:ext uri="{0D108BD9-81ED-4DB2-BD59-A6C34878D82A}">
-                    <a16:rowId xmlns:a16="http://schemas.microsoft.com/office/drawing/2014/main" xmlns="" val="3060705834"/>
+                    <a16:rowId xmlns:a16="http://schemas.microsoft.com/office/drawing/2014/main" val="3060705834"/>
                   </a:ext>
                 </a:extLst>
               </a:tr>
@@ -17668,7 +17650,7 @@
                 </a:tc>
                 <a:extLst>
                   <a:ext uri="{0D108BD9-81ED-4DB2-BD59-A6C34878D82A}">
-                    <a16:rowId xmlns:a16="http://schemas.microsoft.com/office/drawing/2014/main" xmlns="" val="881160331"/>
+                    <a16:rowId xmlns:a16="http://schemas.microsoft.com/office/drawing/2014/main" val="881160331"/>
                   </a:ext>
                 </a:extLst>
               </a:tr>
@@ -17703,7 +17685,7 @@
                 </a:tc>
                 <a:extLst>
                   <a:ext uri="{0D108BD9-81ED-4DB2-BD59-A6C34878D82A}">
-                    <a16:rowId xmlns:a16="http://schemas.microsoft.com/office/drawing/2014/main" xmlns="" val="648041670"/>
+                    <a16:rowId xmlns:a16="http://schemas.microsoft.com/office/drawing/2014/main" val="648041670"/>
                   </a:ext>
                 </a:extLst>
               </a:tr>
@@ -17746,7 +17728,7 @@
                 </a:tc>
                 <a:extLst>
                   <a:ext uri="{0D108BD9-81ED-4DB2-BD59-A6C34878D82A}">
-                    <a16:rowId xmlns:a16="http://schemas.microsoft.com/office/drawing/2014/main" xmlns="" val="3843739269"/>
+                    <a16:rowId xmlns:a16="http://schemas.microsoft.com/office/drawing/2014/main" val="3843739269"/>
                   </a:ext>
                 </a:extLst>
               </a:tr>
@@ -17777,7 +17759,7 @@
                 </a:tc>
                 <a:extLst>
                   <a:ext uri="{0D108BD9-81ED-4DB2-BD59-A6C34878D82A}">
-                    <a16:rowId xmlns:a16="http://schemas.microsoft.com/office/drawing/2014/main" xmlns="" val="1242140295"/>
+                    <a16:rowId xmlns:a16="http://schemas.microsoft.com/office/drawing/2014/main" val="1242140295"/>
                   </a:ext>
                 </a:extLst>
               </a:tr>
@@ -17808,7 +17790,7 @@
                 </a:tc>
                 <a:extLst>
                   <a:ext uri="{0D108BD9-81ED-4DB2-BD59-A6C34878D82A}">
-                    <a16:rowId xmlns:a16="http://schemas.microsoft.com/office/drawing/2014/main" xmlns="" val="1647707109"/>
+                    <a16:rowId xmlns:a16="http://schemas.microsoft.com/office/drawing/2014/main" val="1647707109"/>
                   </a:ext>
                 </a:extLst>
               </a:tr>
@@ -20821,16 +20803,6 @@
               <a:t>Geneva Marshall, MA </a:t>
             </a:r>
             <a:r>
-              <a:rPr lang="en-US" sz="2100" dirty="0">
-                <a:solidFill>
-                  <a:schemeClr val="bg1">
-                    <a:lumMod val="50000"/>
-                  </a:schemeClr>
-                </a:solidFill>
-              </a:rPr>
-              <a:t>joined the </a:t>
-            </a:r>
-            <a:r>
               <a:rPr lang="en-US" sz="2100" dirty="0" smtClean="0">
                 <a:solidFill>
                   <a:schemeClr val="bg1">
@@ -20838,137 +20810,7 @@
                   </a:schemeClr>
                 </a:solidFill>
               </a:rPr>
-              <a:t>CRDW team in August 2020 after </a:t>
-            </a:r>
-            <a:r>
-              <a:rPr lang="en-US" sz="2100" dirty="0">
-                <a:solidFill>
-                  <a:schemeClr val="bg1">
-                    <a:lumMod val="50000"/>
-                  </a:schemeClr>
-                </a:solidFill>
-              </a:rPr>
-              <a:t>spending 8 years </a:t>
-            </a:r>
-            <a:r>
-              <a:rPr lang="en-US" sz="2100" dirty="0" smtClean="0">
-                <a:solidFill>
-                  <a:schemeClr val="bg1">
-                    <a:lumMod val="50000"/>
-                  </a:schemeClr>
-                </a:solidFill>
-              </a:rPr>
-              <a:t>supporting </a:t>
-            </a:r>
-            <a:r>
-              <a:rPr lang="en-US" sz="2100" dirty="0">
-                <a:solidFill>
-                  <a:schemeClr val="bg1">
-                    <a:lumMod val="50000"/>
-                  </a:schemeClr>
-                </a:solidFill>
-              </a:rPr>
-              <a:t>academic research </a:t>
-            </a:r>
-            <a:r>
-              <a:rPr lang="en-US" sz="2100" dirty="0" smtClean="0">
-                <a:solidFill>
-                  <a:schemeClr val="bg1">
-                    <a:lumMod val="50000"/>
-                  </a:schemeClr>
-                </a:solidFill>
-              </a:rPr>
-              <a:t>led by </a:t>
-            </a:r>
-            <a:r>
-              <a:rPr lang="en-US" sz="2100" dirty="0">
-                <a:solidFill>
-                  <a:schemeClr val="bg1">
-                    <a:lumMod val="50000"/>
-                  </a:schemeClr>
-                </a:solidFill>
-              </a:rPr>
-              <a:t>Drs. Bard and Beasley. </a:t>
-            </a:r>
-            <a:r>
-              <a:rPr lang="en-US" sz="2100" dirty="0" smtClean="0">
-                <a:solidFill>
-                  <a:schemeClr val="bg1">
-                    <a:lumMod val="50000"/>
-                  </a:schemeClr>
-                </a:solidFill>
-              </a:rPr>
-              <a:t>Her experience includes the </a:t>
-            </a:r>
-            <a:r>
-              <a:rPr lang="en-US" sz="2100" dirty="0">
-                <a:solidFill>
-                  <a:schemeClr val="bg1">
-                    <a:lumMod val="50000"/>
-                  </a:schemeClr>
-                </a:solidFill>
-              </a:rPr>
-              <a:t>expansion and upkeep of a data pipeline using R and SQL to combine </a:t>
-            </a:r>
-            <a:r>
-              <a:rPr lang="en-US" sz="2100" dirty="0" smtClean="0">
-                <a:solidFill>
-                  <a:schemeClr val="bg1">
-                    <a:lumMod val="50000"/>
-                  </a:schemeClr>
-                </a:solidFill>
-              </a:rPr>
-              <a:t>datasets </a:t>
-            </a:r>
-            <a:r>
-              <a:rPr lang="en-US" sz="2100" dirty="0">
-                <a:solidFill>
-                  <a:schemeClr val="bg1">
-                    <a:lumMod val="50000"/>
-                  </a:schemeClr>
-                </a:solidFill>
-              </a:rPr>
-              <a:t>for the Maternal, Infant, and Early Childhood Home Visiting programs evaluation, as well as </a:t>
-            </a:r>
-            <a:r>
-              <a:rPr lang="en-US" sz="2100" dirty="0" smtClean="0">
-                <a:solidFill>
-                  <a:schemeClr val="bg1">
-                    <a:lumMod val="50000"/>
-                  </a:schemeClr>
-                </a:solidFill>
-              </a:rPr>
-              <a:t>working </a:t>
-            </a:r>
-            <a:r>
-              <a:rPr lang="en-US" sz="2100" dirty="0">
-                <a:solidFill>
-                  <a:schemeClr val="bg1">
-                    <a:lumMod val="50000"/>
-                  </a:schemeClr>
-                </a:solidFill>
-              </a:rPr>
-              <a:t>with biostatisticians to create and streamline a common set of procedures and functions in R for performing multiple imputation, elastic net variable selection, analysis, and visualization on these data. </a:t>
-            </a:r>
-            <a:r>
-              <a:rPr lang="en-US" sz="2100" dirty="0" smtClean="0">
-                <a:solidFill>
-                  <a:schemeClr val="bg1">
-                    <a:lumMod val="50000"/>
-                  </a:schemeClr>
-                </a:solidFill>
-              </a:rPr>
-              <a:t>Geneva anticipates graduating </a:t>
-            </a:r>
-            <a:r>
-              <a:rPr lang="en-US" sz="2100" dirty="0">
-                <a:solidFill>
-                  <a:schemeClr val="bg1">
-                    <a:lumMod val="50000"/>
-                  </a:schemeClr>
-                </a:solidFill>
-              </a:rPr>
-              <a:t>OSU in May with a MS in Business Analytics and an emphasis in Data Science.</a:t>
+              <a:t>joined the CRDW team in August 2020 after spending 8 years supporting academic research led by Drs. Bard and Beasley. Her experience includes the expansion and upkeep of a data pipeline using R and SQL to combine datasets for programs evaluation, as well as working with biostatisticians to create and streamline a common set of procedures in R for analyzing data. Geneva anticipates graduating OSU in May with a MS in Business Analytics specializing in Data Science.</a:t>
             </a:r>
           </a:p>
           <a:p>
@@ -20976,20 +20818,12 @@
               <a:buNone/>
             </a:pPr>
             <a:r>
-              <a:rPr lang="en-US" sz="2200" b="1" dirty="0">
-                <a:latin typeface="+mj-lt"/>
-                <a:ea typeface="+mj-ea"/>
-                <a:cs typeface="+mj-cs"/>
-              </a:rPr>
-              <a:t>Ashley Thumann, </a:t>
-            </a:r>
-            <a:r>
               <a:rPr lang="en-US" sz="2200" b="1" dirty="0" smtClean="0">
                 <a:latin typeface="+mj-lt"/>
                 <a:ea typeface="+mj-ea"/>
                 <a:cs typeface="+mj-cs"/>
               </a:rPr>
-              <a:t>MHA </a:t>
+              <a:t>Ashley Thumann, MHA </a:t>
             </a:r>
             <a:r>
               <a:rPr lang="en-US" sz="2100" dirty="0" smtClean="0">
@@ -21610,14 +21444,14 @@
                 <a:gridCol w="3570567">
                   <a:extLst>
                     <a:ext uri="{9D8B030D-6E8A-4147-A177-3AD203B41FA5}">
-                      <a16:colId xmlns:a16="http://schemas.microsoft.com/office/drawing/2014/main" xmlns="" val="20000"/>
+                      <a16:colId xmlns:a16="http://schemas.microsoft.com/office/drawing/2014/main" val="20000"/>
                     </a:ext>
                   </a:extLst>
                 </a:gridCol>
                 <a:gridCol w="2522122">
                   <a:extLst>
                     <a:ext uri="{9D8B030D-6E8A-4147-A177-3AD203B41FA5}">
-                      <a16:colId xmlns:a16="http://schemas.microsoft.com/office/drawing/2014/main" xmlns="" val="20001"/>
+                      <a16:colId xmlns:a16="http://schemas.microsoft.com/office/drawing/2014/main" val="20001"/>
                     </a:ext>
                   </a:extLst>
                 </a:gridCol>
@@ -21654,7 +21488,7 @@
                 </a:tc>
                 <a:extLst>
                   <a:ext uri="{0D108BD9-81ED-4DB2-BD59-A6C34878D82A}">
-                    <a16:rowId xmlns:a16="http://schemas.microsoft.com/office/drawing/2014/main" xmlns="" val="10000"/>
+                    <a16:rowId xmlns:a16="http://schemas.microsoft.com/office/drawing/2014/main" val="10000"/>
                   </a:ext>
                 </a:extLst>
               </a:tr>
@@ -21686,7 +21520,7 @@
                 </a:tc>
                 <a:extLst>
                   <a:ext uri="{0D108BD9-81ED-4DB2-BD59-A6C34878D82A}">
-                    <a16:rowId xmlns:a16="http://schemas.microsoft.com/office/drawing/2014/main" xmlns="" val="10001"/>
+                    <a16:rowId xmlns:a16="http://schemas.microsoft.com/office/drawing/2014/main" val="10001"/>
                   </a:ext>
                 </a:extLst>
               </a:tr>
@@ -21718,7 +21552,7 @@
                 </a:tc>
                 <a:extLst>
                   <a:ext uri="{0D108BD9-81ED-4DB2-BD59-A6C34878D82A}">
-                    <a16:rowId xmlns:a16="http://schemas.microsoft.com/office/drawing/2014/main" xmlns="" val="10002"/>
+                    <a16:rowId xmlns:a16="http://schemas.microsoft.com/office/drawing/2014/main" val="10002"/>
                   </a:ext>
                 </a:extLst>
               </a:tr>
@@ -21754,7 +21588,7 @@
                 </a:tc>
                 <a:extLst>
                   <a:ext uri="{0D108BD9-81ED-4DB2-BD59-A6C34878D82A}">
-                    <a16:rowId xmlns:a16="http://schemas.microsoft.com/office/drawing/2014/main" xmlns="" val="10003"/>
+                    <a16:rowId xmlns:a16="http://schemas.microsoft.com/office/drawing/2014/main" val="10003"/>
                   </a:ext>
                 </a:extLst>
               </a:tr>
@@ -21786,7 +21620,7 @@
                 </a:tc>
                 <a:extLst>
                   <a:ext uri="{0D108BD9-81ED-4DB2-BD59-A6C34878D82A}">
-                    <a16:rowId xmlns:a16="http://schemas.microsoft.com/office/drawing/2014/main" xmlns="" val="10004"/>
+                    <a16:rowId xmlns:a16="http://schemas.microsoft.com/office/drawing/2014/main" val="10004"/>
                   </a:ext>
                 </a:extLst>
               </a:tr>
@@ -21818,7 +21652,7 @@
                 </a:tc>
                 <a:extLst>
                   <a:ext uri="{0D108BD9-81ED-4DB2-BD59-A6C34878D82A}">
-                    <a16:rowId xmlns:a16="http://schemas.microsoft.com/office/drawing/2014/main" xmlns="" val="10005"/>
+                    <a16:rowId xmlns:a16="http://schemas.microsoft.com/office/drawing/2014/main" val="10005"/>
                   </a:ext>
                 </a:extLst>
               </a:tr>
@@ -21850,7 +21684,7 @@
                 </a:tc>
                 <a:extLst>
                   <a:ext uri="{0D108BD9-81ED-4DB2-BD59-A6C34878D82A}">
-                    <a16:rowId xmlns:a16="http://schemas.microsoft.com/office/drawing/2014/main" xmlns="" val="10006"/>
+                    <a16:rowId xmlns:a16="http://schemas.microsoft.com/office/drawing/2014/main" val="10006"/>
                   </a:ext>
                 </a:extLst>
               </a:tr>
@@ -21886,7 +21720,7 @@
                 </a:tc>
                 <a:extLst>
                   <a:ext uri="{0D108BD9-81ED-4DB2-BD59-A6C34878D82A}">
-                    <a16:rowId xmlns:a16="http://schemas.microsoft.com/office/drawing/2014/main" xmlns="" val="10007"/>
+                    <a16:rowId xmlns:a16="http://schemas.microsoft.com/office/drawing/2014/main" val="10007"/>
                   </a:ext>
                 </a:extLst>
               </a:tr>
@@ -21918,7 +21752,7 @@
                 </a:tc>
                 <a:extLst>
                   <a:ext uri="{0D108BD9-81ED-4DB2-BD59-A6C34878D82A}">
-                    <a16:rowId xmlns:a16="http://schemas.microsoft.com/office/drawing/2014/main" xmlns="" val="10008"/>
+                    <a16:rowId xmlns:a16="http://schemas.microsoft.com/office/drawing/2014/main" val="10008"/>
                   </a:ext>
                 </a:extLst>
               </a:tr>
@@ -21950,7 +21784,7 @@
                 </a:tc>
                 <a:extLst>
                   <a:ext uri="{0D108BD9-81ED-4DB2-BD59-A6C34878D82A}">
-                    <a16:rowId xmlns:a16="http://schemas.microsoft.com/office/drawing/2014/main" xmlns="" val="10009"/>
+                    <a16:rowId xmlns:a16="http://schemas.microsoft.com/office/drawing/2014/main" val="10009"/>
                   </a:ext>
                 </a:extLst>
               </a:tr>
@@ -21982,7 +21816,7 @@
                 </a:tc>
                 <a:extLst>
                   <a:ext uri="{0D108BD9-81ED-4DB2-BD59-A6C34878D82A}">
-                    <a16:rowId xmlns:a16="http://schemas.microsoft.com/office/drawing/2014/main" xmlns="" val="10010"/>
+                    <a16:rowId xmlns:a16="http://schemas.microsoft.com/office/drawing/2014/main" val="10010"/>
                   </a:ext>
                 </a:extLst>
               </a:tr>
@@ -22014,7 +21848,7 @@
                 </a:tc>
                 <a:extLst>
                   <a:ext uri="{0D108BD9-81ED-4DB2-BD59-A6C34878D82A}">
-                    <a16:rowId xmlns:a16="http://schemas.microsoft.com/office/drawing/2014/main" xmlns="" val="10011"/>
+                    <a16:rowId xmlns:a16="http://schemas.microsoft.com/office/drawing/2014/main" val="10011"/>
                   </a:ext>
                 </a:extLst>
               </a:tr>
@@ -22344,21 +22178,21 @@
                 <a:gridCol w="3021582">
                   <a:extLst>
                     <a:ext uri="{9D8B030D-6E8A-4147-A177-3AD203B41FA5}">
-                      <a16:colId xmlns:a16="http://schemas.microsoft.com/office/drawing/2014/main" xmlns="" val="1356431335"/>
+                      <a16:colId xmlns:a16="http://schemas.microsoft.com/office/drawing/2014/main" val="1356431335"/>
                     </a:ext>
                   </a:extLst>
                 </a:gridCol>
                 <a:gridCol w="1175819">
                   <a:extLst>
                     <a:ext uri="{9D8B030D-6E8A-4147-A177-3AD203B41FA5}">
-                      <a16:colId xmlns:a16="http://schemas.microsoft.com/office/drawing/2014/main" xmlns="" val="4074852346"/>
+                      <a16:colId xmlns:a16="http://schemas.microsoft.com/office/drawing/2014/main" val="4074852346"/>
                     </a:ext>
                   </a:extLst>
                 </a:gridCol>
                 <a:gridCol w="1175819">
                   <a:extLst>
                     <a:ext uri="{9D8B030D-6E8A-4147-A177-3AD203B41FA5}">
-                      <a16:colId xmlns:a16="http://schemas.microsoft.com/office/drawing/2014/main" xmlns="" val="715510892"/>
+                      <a16:colId xmlns:a16="http://schemas.microsoft.com/office/drawing/2014/main" val="715510892"/>
                     </a:ext>
                   </a:extLst>
                 </a:gridCol>
@@ -22435,7 +22269,7 @@
                 </a:tc>
                 <a:extLst>
                   <a:ext uri="{0D108BD9-81ED-4DB2-BD59-A6C34878D82A}">
-                    <a16:rowId xmlns:a16="http://schemas.microsoft.com/office/drawing/2014/main" xmlns="" val="1236399335"/>
+                    <a16:rowId xmlns:a16="http://schemas.microsoft.com/office/drawing/2014/main" val="1236399335"/>
                   </a:ext>
                 </a:extLst>
               </a:tr>
@@ -22511,7 +22345,7 @@
                 </a:tc>
                 <a:extLst>
                   <a:ext uri="{0D108BD9-81ED-4DB2-BD59-A6C34878D82A}">
-                    <a16:rowId xmlns:a16="http://schemas.microsoft.com/office/drawing/2014/main" xmlns="" val="3548785687"/>
+                    <a16:rowId xmlns:a16="http://schemas.microsoft.com/office/drawing/2014/main" val="3548785687"/>
                   </a:ext>
                 </a:extLst>
               </a:tr>
@@ -22587,7 +22421,7 @@
                 </a:tc>
                 <a:extLst>
                   <a:ext uri="{0D108BD9-81ED-4DB2-BD59-A6C34878D82A}">
-                    <a16:rowId xmlns:a16="http://schemas.microsoft.com/office/drawing/2014/main" xmlns="" val="949879066"/>
+                    <a16:rowId xmlns:a16="http://schemas.microsoft.com/office/drawing/2014/main" val="949879066"/>
                   </a:ext>
                 </a:extLst>
               </a:tr>
@@ -22663,7 +22497,7 @@
                 </a:tc>
                 <a:extLst>
                   <a:ext uri="{0D108BD9-81ED-4DB2-BD59-A6C34878D82A}">
-                    <a16:rowId xmlns:a16="http://schemas.microsoft.com/office/drawing/2014/main" xmlns="" val="3222670053"/>
+                    <a16:rowId xmlns:a16="http://schemas.microsoft.com/office/drawing/2014/main" val="3222670053"/>
                   </a:ext>
                 </a:extLst>
               </a:tr>
@@ -22739,7 +22573,7 @@
                 </a:tc>
                 <a:extLst>
                   <a:ext uri="{0D108BD9-81ED-4DB2-BD59-A6C34878D82A}">
-                    <a16:rowId xmlns:a16="http://schemas.microsoft.com/office/drawing/2014/main" xmlns="" val="1661099666"/>
+                    <a16:rowId xmlns:a16="http://schemas.microsoft.com/office/drawing/2014/main" val="1661099666"/>
                   </a:ext>
                 </a:extLst>
               </a:tr>
@@ -22815,7 +22649,7 @@
                 </a:tc>
                 <a:extLst>
                   <a:ext uri="{0D108BD9-81ED-4DB2-BD59-A6C34878D82A}">
-                    <a16:rowId xmlns:a16="http://schemas.microsoft.com/office/drawing/2014/main" xmlns="" val="4172047643"/>
+                    <a16:rowId xmlns:a16="http://schemas.microsoft.com/office/drawing/2014/main" val="4172047643"/>
                   </a:ext>
                 </a:extLst>
               </a:tr>
@@ -22891,7 +22725,7 @@
                 </a:tc>
                 <a:extLst>
                   <a:ext uri="{0D108BD9-81ED-4DB2-BD59-A6C34878D82A}">
-                    <a16:rowId xmlns:a16="http://schemas.microsoft.com/office/drawing/2014/main" xmlns="" val="1057878429"/>
+                    <a16:rowId xmlns:a16="http://schemas.microsoft.com/office/drawing/2014/main" val="1057878429"/>
                   </a:ext>
                 </a:extLst>
               </a:tr>
@@ -22967,7 +22801,7 @@
                 </a:tc>
                 <a:extLst>
                   <a:ext uri="{0D108BD9-81ED-4DB2-BD59-A6C34878D82A}">
-                    <a16:rowId xmlns:a16="http://schemas.microsoft.com/office/drawing/2014/main" xmlns="" val="2151953881"/>
+                    <a16:rowId xmlns:a16="http://schemas.microsoft.com/office/drawing/2014/main" val="2151953881"/>
                   </a:ext>
                 </a:extLst>
               </a:tr>
@@ -23043,7 +22877,7 @@
                 </a:tc>
                 <a:extLst>
                   <a:ext uri="{0D108BD9-81ED-4DB2-BD59-A6C34878D82A}">
-                    <a16:rowId xmlns:a16="http://schemas.microsoft.com/office/drawing/2014/main" xmlns="" val="3615318075"/>
+                    <a16:rowId xmlns:a16="http://schemas.microsoft.com/office/drawing/2014/main" val="3615318075"/>
                   </a:ext>
                 </a:extLst>
               </a:tr>
@@ -23119,7 +22953,7 @@
                 </a:tc>
                 <a:extLst>
                   <a:ext uri="{0D108BD9-81ED-4DB2-BD59-A6C34878D82A}">
-                    <a16:rowId xmlns:a16="http://schemas.microsoft.com/office/drawing/2014/main" xmlns="" val="1810581365"/>
+                    <a16:rowId xmlns:a16="http://schemas.microsoft.com/office/drawing/2014/main" val="1810581365"/>
                   </a:ext>
                 </a:extLst>
               </a:tr>
@@ -23195,7 +23029,7 @@
                 </a:tc>
                 <a:extLst>
                   <a:ext uri="{0D108BD9-81ED-4DB2-BD59-A6C34878D82A}">
-                    <a16:rowId xmlns:a16="http://schemas.microsoft.com/office/drawing/2014/main" xmlns="" val="240284698"/>
+                    <a16:rowId xmlns:a16="http://schemas.microsoft.com/office/drawing/2014/main" val="240284698"/>
                   </a:ext>
                 </a:extLst>
               </a:tr>
@@ -23271,7 +23105,7 @@
                 </a:tc>
                 <a:extLst>
                   <a:ext uri="{0D108BD9-81ED-4DB2-BD59-A6C34878D82A}">
-                    <a16:rowId xmlns:a16="http://schemas.microsoft.com/office/drawing/2014/main" xmlns="" val="2906176452"/>
+                    <a16:rowId xmlns:a16="http://schemas.microsoft.com/office/drawing/2014/main" val="2906176452"/>
                   </a:ext>
                 </a:extLst>
               </a:tr>
@@ -23347,7 +23181,7 @@
                 </a:tc>
                 <a:extLst>
                   <a:ext uri="{0D108BD9-81ED-4DB2-BD59-A6C34878D82A}">
-                    <a16:rowId xmlns:a16="http://schemas.microsoft.com/office/drawing/2014/main" xmlns="" val="3562986470"/>
+                    <a16:rowId xmlns:a16="http://schemas.microsoft.com/office/drawing/2014/main" val="3562986470"/>
                   </a:ext>
                 </a:extLst>
               </a:tr>
@@ -23423,7 +23257,7 @@
                 </a:tc>
                 <a:extLst>
                   <a:ext uri="{0D108BD9-81ED-4DB2-BD59-A6C34878D82A}">
-                    <a16:rowId xmlns:a16="http://schemas.microsoft.com/office/drawing/2014/main" xmlns="" val="1671168545"/>
+                    <a16:rowId xmlns:a16="http://schemas.microsoft.com/office/drawing/2014/main" val="1671168545"/>
                   </a:ext>
                 </a:extLst>
               </a:tr>
@@ -23499,7 +23333,7 @@
                 </a:tc>
                 <a:extLst>
                   <a:ext uri="{0D108BD9-81ED-4DB2-BD59-A6C34878D82A}">
-                    <a16:rowId xmlns:a16="http://schemas.microsoft.com/office/drawing/2014/main" xmlns="" val="2432487341"/>
+                    <a16:rowId xmlns:a16="http://schemas.microsoft.com/office/drawing/2014/main" val="2432487341"/>
                   </a:ext>
                 </a:extLst>
               </a:tr>
@@ -23575,7 +23409,7 @@
                 </a:tc>
                 <a:extLst>
                   <a:ext uri="{0D108BD9-81ED-4DB2-BD59-A6C34878D82A}">
-                    <a16:rowId xmlns:a16="http://schemas.microsoft.com/office/drawing/2014/main" xmlns="" val="823347675"/>
+                    <a16:rowId xmlns:a16="http://schemas.microsoft.com/office/drawing/2014/main" val="823347675"/>
                   </a:ext>
                 </a:extLst>
               </a:tr>
@@ -23651,7 +23485,7 @@
                 </a:tc>
                 <a:extLst>
                   <a:ext uri="{0D108BD9-81ED-4DB2-BD59-A6C34878D82A}">
-                    <a16:rowId xmlns:a16="http://schemas.microsoft.com/office/drawing/2014/main" xmlns="" val="3888237083"/>
+                    <a16:rowId xmlns:a16="http://schemas.microsoft.com/office/drawing/2014/main" val="3888237083"/>
                   </a:ext>
                 </a:extLst>
               </a:tr>
@@ -23727,7 +23561,7 @@
                 </a:tc>
                 <a:extLst>
                   <a:ext uri="{0D108BD9-81ED-4DB2-BD59-A6C34878D82A}">
-                    <a16:rowId xmlns:a16="http://schemas.microsoft.com/office/drawing/2014/main" xmlns="" val="1186328292"/>
+                    <a16:rowId xmlns:a16="http://schemas.microsoft.com/office/drawing/2014/main" val="1186328292"/>
                   </a:ext>
                 </a:extLst>
               </a:tr>
@@ -23821,7 +23655,7 @@
                 </a:tc>
                 <a:extLst>
                   <a:ext uri="{0D108BD9-81ED-4DB2-BD59-A6C34878D82A}">
-                    <a16:rowId xmlns:a16="http://schemas.microsoft.com/office/drawing/2014/main" xmlns="" val="4173546526"/>
+                    <a16:rowId xmlns:a16="http://schemas.microsoft.com/office/drawing/2014/main" val="4173546526"/>
                   </a:ext>
                 </a:extLst>
               </a:tr>
@@ -23897,7 +23731,7 @@
                 </a:tc>
                 <a:extLst>
                   <a:ext uri="{0D108BD9-81ED-4DB2-BD59-A6C34878D82A}">
-                    <a16:rowId xmlns:a16="http://schemas.microsoft.com/office/drawing/2014/main" xmlns="" val="4247627454"/>
+                    <a16:rowId xmlns:a16="http://schemas.microsoft.com/office/drawing/2014/main" val="4247627454"/>
                   </a:ext>
                 </a:extLst>
               </a:tr>
@@ -23973,7 +23807,7 @@
                 </a:tc>
                 <a:extLst>
                   <a:ext uri="{0D108BD9-81ED-4DB2-BD59-A6C34878D82A}">
-                    <a16:rowId xmlns:a16="http://schemas.microsoft.com/office/drawing/2014/main" xmlns="" val="2227278853"/>
+                    <a16:rowId xmlns:a16="http://schemas.microsoft.com/office/drawing/2014/main" val="2227278853"/>
                   </a:ext>
                 </a:extLst>
               </a:tr>
@@ -24049,7 +23883,7 @@
                 </a:tc>
                 <a:extLst>
                   <a:ext uri="{0D108BD9-81ED-4DB2-BD59-A6C34878D82A}">
-                    <a16:rowId xmlns:a16="http://schemas.microsoft.com/office/drawing/2014/main" xmlns="" val="2842433311"/>
+                    <a16:rowId xmlns:a16="http://schemas.microsoft.com/office/drawing/2014/main" val="2842433311"/>
                   </a:ext>
                 </a:extLst>
               </a:tr>
@@ -24081,21 +23915,21 @@
                 <a:gridCol w="3036706">
                   <a:extLst>
                     <a:ext uri="{9D8B030D-6E8A-4147-A177-3AD203B41FA5}">
-                      <a16:colId xmlns:a16="http://schemas.microsoft.com/office/drawing/2014/main" xmlns="" val="1022886225"/>
+                      <a16:colId xmlns:a16="http://schemas.microsoft.com/office/drawing/2014/main" val="1022886225"/>
                     </a:ext>
                   </a:extLst>
                 </a:gridCol>
                 <a:gridCol w="1181705">
                   <a:extLst>
                     <a:ext uri="{9D8B030D-6E8A-4147-A177-3AD203B41FA5}">
-                      <a16:colId xmlns:a16="http://schemas.microsoft.com/office/drawing/2014/main" xmlns="" val="2020208361"/>
+                      <a16:colId xmlns:a16="http://schemas.microsoft.com/office/drawing/2014/main" val="2020208361"/>
                     </a:ext>
                   </a:extLst>
                 </a:gridCol>
                 <a:gridCol w="1181705">
                   <a:extLst>
                     <a:ext uri="{9D8B030D-6E8A-4147-A177-3AD203B41FA5}">
-                      <a16:colId xmlns:a16="http://schemas.microsoft.com/office/drawing/2014/main" xmlns="" val="2629210063"/>
+                      <a16:colId xmlns:a16="http://schemas.microsoft.com/office/drawing/2014/main" val="2629210063"/>
                     </a:ext>
                   </a:extLst>
                 </a:gridCol>
@@ -24172,7 +24006,7 @@
                 </a:tc>
                 <a:extLst>
                   <a:ext uri="{0D108BD9-81ED-4DB2-BD59-A6C34878D82A}">
-                    <a16:rowId xmlns:a16="http://schemas.microsoft.com/office/drawing/2014/main" xmlns="" val="3352158023"/>
+                    <a16:rowId xmlns:a16="http://schemas.microsoft.com/office/drawing/2014/main" val="3352158023"/>
                   </a:ext>
                 </a:extLst>
               </a:tr>
@@ -24248,7 +24082,7 @@
                 </a:tc>
                 <a:extLst>
                   <a:ext uri="{0D108BD9-81ED-4DB2-BD59-A6C34878D82A}">
-                    <a16:rowId xmlns:a16="http://schemas.microsoft.com/office/drawing/2014/main" xmlns="" val="4290189252"/>
+                    <a16:rowId xmlns:a16="http://schemas.microsoft.com/office/drawing/2014/main" val="4290189252"/>
                   </a:ext>
                 </a:extLst>
               </a:tr>
@@ -24324,7 +24158,7 @@
                 </a:tc>
                 <a:extLst>
                   <a:ext uri="{0D108BD9-81ED-4DB2-BD59-A6C34878D82A}">
-                    <a16:rowId xmlns:a16="http://schemas.microsoft.com/office/drawing/2014/main" xmlns="" val="3727132500"/>
+                    <a16:rowId xmlns:a16="http://schemas.microsoft.com/office/drawing/2014/main" val="3727132500"/>
                   </a:ext>
                 </a:extLst>
               </a:tr>
@@ -24400,7 +24234,7 @@
                 </a:tc>
                 <a:extLst>
                   <a:ext uri="{0D108BD9-81ED-4DB2-BD59-A6C34878D82A}">
-                    <a16:rowId xmlns:a16="http://schemas.microsoft.com/office/drawing/2014/main" xmlns="" val="4208757681"/>
+                    <a16:rowId xmlns:a16="http://schemas.microsoft.com/office/drawing/2014/main" val="4208757681"/>
                   </a:ext>
                 </a:extLst>
               </a:tr>
@@ -24476,7 +24310,7 @@
                 </a:tc>
                 <a:extLst>
                   <a:ext uri="{0D108BD9-81ED-4DB2-BD59-A6C34878D82A}">
-                    <a16:rowId xmlns:a16="http://schemas.microsoft.com/office/drawing/2014/main" xmlns="" val="2929237673"/>
+                    <a16:rowId xmlns:a16="http://schemas.microsoft.com/office/drawing/2014/main" val="2929237673"/>
                   </a:ext>
                 </a:extLst>
               </a:tr>
@@ -24552,7 +24386,7 @@
                 </a:tc>
                 <a:extLst>
                   <a:ext uri="{0D108BD9-81ED-4DB2-BD59-A6C34878D82A}">
-                    <a16:rowId xmlns:a16="http://schemas.microsoft.com/office/drawing/2014/main" xmlns="" val="2848627066"/>
+                    <a16:rowId xmlns:a16="http://schemas.microsoft.com/office/drawing/2014/main" val="2848627066"/>
                   </a:ext>
                 </a:extLst>
               </a:tr>
@@ -24628,7 +24462,7 @@
                 </a:tc>
                 <a:extLst>
                   <a:ext uri="{0D108BD9-81ED-4DB2-BD59-A6C34878D82A}">
-                    <a16:rowId xmlns:a16="http://schemas.microsoft.com/office/drawing/2014/main" xmlns="" val="1011726148"/>
+                    <a16:rowId xmlns:a16="http://schemas.microsoft.com/office/drawing/2014/main" val="1011726148"/>
                   </a:ext>
                 </a:extLst>
               </a:tr>
@@ -24710,7 +24544,7 @@
                 </a:tc>
                 <a:extLst>
                   <a:ext uri="{0D108BD9-81ED-4DB2-BD59-A6C34878D82A}">
-                    <a16:rowId xmlns:a16="http://schemas.microsoft.com/office/drawing/2014/main" xmlns="" val="17463372"/>
+                    <a16:rowId xmlns:a16="http://schemas.microsoft.com/office/drawing/2014/main" val="17463372"/>
                   </a:ext>
                 </a:extLst>
               </a:tr>
@@ -24786,7 +24620,7 @@
                 </a:tc>
                 <a:extLst>
                   <a:ext uri="{0D108BD9-81ED-4DB2-BD59-A6C34878D82A}">
-                    <a16:rowId xmlns:a16="http://schemas.microsoft.com/office/drawing/2014/main" xmlns="" val="1971138859"/>
+                    <a16:rowId xmlns:a16="http://schemas.microsoft.com/office/drawing/2014/main" val="1971138859"/>
                   </a:ext>
                 </a:extLst>
               </a:tr>
@@ -24862,7 +24696,7 @@
                 </a:tc>
                 <a:extLst>
                   <a:ext uri="{0D108BD9-81ED-4DB2-BD59-A6C34878D82A}">
-                    <a16:rowId xmlns:a16="http://schemas.microsoft.com/office/drawing/2014/main" xmlns="" val="1508729639"/>
+                    <a16:rowId xmlns:a16="http://schemas.microsoft.com/office/drawing/2014/main" val="1508729639"/>
                   </a:ext>
                 </a:extLst>
               </a:tr>
@@ -24944,7 +24778,7 @@
                 </a:tc>
                 <a:extLst>
                   <a:ext uri="{0D108BD9-81ED-4DB2-BD59-A6C34878D82A}">
-                    <a16:rowId xmlns:a16="http://schemas.microsoft.com/office/drawing/2014/main" xmlns="" val="3853913370"/>
+                    <a16:rowId xmlns:a16="http://schemas.microsoft.com/office/drawing/2014/main" val="3853913370"/>
                   </a:ext>
                 </a:extLst>
               </a:tr>
@@ -25020,7 +24854,7 @@
                 </a:tc>
                 <a:extLst>
                   <a:ext uri="{0D108BD9-81ED-4DB2-BD59-A6C34878D82A}">
-                    <a16:rowId xmlns:a16="http://schemas.microsoft.com/office/drawing/2014/main" xmlns="" val="2386013325"/>
+                    <a16:rowId xmlns:a16="http://schemas.microsoft.com/office/drawing/2014/main" val="2386013325"/>
                   </a:ext>
                 </a:extLst>
               </a:tr>
@@ -25096,7 +24930,7 @@
                 </a:tc>
                 <a:extLst>
                   <a:ext uri="{0D108BD9-81ED-4DB2-BD59-A6C34878D82A}">
-                    <a16:rowId xmlns:a16="http://schemas.microsoft.com/office/drawing/2014/main" xmlns="" val="4131206225"/>
+                    <a16:rowId xmlns:a16="http://schemas.microsoft.com/office/drawing/2014/main" val="4131206225"/>
                   </a:ext>
                 </a:extLst>
               </a:tr>
@@ -25172,7 +25006,7 @@
                 </a:tc>
                 <a:extLst>
                   <a:ext uri="{0D108BD9-81ED-4DB2-BD59-A6C34878D82A}">
-                    <a16:rowId xmlns:a16="http://schemas.microsoft.com/office/drawing/2014/main" xmlns="" val="673049777"/>
+                    <a16:rowId xmlns:a16="http://schemas.microsoft.com/office/drawing/2014/main" val="673049777"/>
                   </a:ext>
                 </a:extLst>
               </a:tr>
@@ -25248,7 +25082,7 @@
                 </a:tc>
                 <a:extLst>
                   <a:ext uri="{0D108BD9-81ED-4DB2-BD59-A6C34878D82A}">
-                    <a16:rowId xmlns:a16="http://schemas.microsoft.com/office/drawing/2014/main" xmlns="" val="1698139637"/>
+                    <a16:rowId xmlns:a16="http://schemas.microsoft.com/office/drawing/2014/main" val="1698139637"/>
                   </a:ext>
                 </a:extLst>
               </a:tr>
@@ -25324,7 +25158,7 @@
                 </a:tc>
                 <a:extLst>
                   <a:ext uri="{0D108BD9-81ED-4DB2-BD59-A6C34878D82A}">
-                    <a16:rowId xmlns:a16="http://schemas.microsoft.com/office/drawing/2014/main" xmlns="" val="3929276156"/>
+                    <a16:rowId xmlns:a16="http://schemas.microsoft.com/office/drawing/2014/main" val="3929276156"/>
                   </a:ext>
                 </a:extLst>
               </a:tr>
@@ -25400,7 +25234,7 @@
                 </a:tc>
                 <a:extLst>
                   <a:ext uri="{0D108BD9-81ED-4DB2-BD59-A6C34878D82A}">
-                    <a16:rowId xmlns:a16="http://schemas.microsoft.com/office/drawing/2014/main" xmlns="" val="1881763618"/>
+                    <a16:rowId xmlns:a16="http://schemas.microsoft.com/office/drawing/2014/main" val="1881763618"/>
                   </a:ext>
                 </a:extLst>
               </a:tr>
@@ -25482,7 +25316,7 @@
                 </a:tc>
                 <a:extLst>
                   <a:ext uri="{0D108BD9-81ED-4DB2-BD59-A6C34878D82A}">
-                    <a16:rowId xmlns:a16="http://schemas.microsoft.com/office/drawing/2014/main" xmlns="" val="160454722"/>
+                    <a16:rowId xmlns:a16="http://schemas.microsoft.com/office/drawing/2014/main" val="160454722"/>
                   </a:ext>
                 </a:extLst>
               </a:tr>
@@ -25558,7 +25392,7 @@
                 </a:tc>
                 <a:extLst>
                   <a:ext uri="{0D108BD9-81ED-4DB2-BD59-A6C34878D82A}">
-                    <a16:rowId xmlns:a16="http://schemas.microsoft.com/office/drawing/2014/main" xmlns="" val="3488362082"/>
+                    <a16:rowId xmlns:a16="http://schemas.microsoft.com/office/drawing/2014/main" val="3488362082"/>
                   </a:ext>
                 </a:extLst>
               </a:tr>
@@ -25634,7 +25468,7 @@
                 </a:tc>
                 <a:extLst>
                   <a:ext uri="{0D108BD9-81ED-4DB2-BD59-A6C34878D82A}">
-                    <a16:rowId xmlns:a16="http://schemas.microsoft.com/office/drawing/2014/main" xmlns="" val="1840069665"/>
+                    <a16:rowId xmlns:a16="http://schemas.microsoft.com/office/drawing/2014/main" val="1840069665"/>
                   </a:ext>
                 </a:extLst>
               </a:tr>
@@ -25710,7 +25544,7 @@
                 </a:tc>
                 <a:extLst>
                   <a:ext uri="{0D108BD9-81ED-4DB2-BD59-A6C34878D82A}">
-                    <a16:rowId xmlns:a16="http://schemas.microsoft.com/office/drawing/2014/main" xmlns="" val="985474525"/>
+                    <a16:rowId xmlns:a16="http://schemas.microsoft.com/office/drawing/2014/main" val="985474525"/>
                   </a:ext>
                 </a:extLst>
               </a:tr>
@@ -25786,7 +25620,7 @@
                 </a:tc>
                 <a:extLst>
                   <a:ext uri="{0D108BD9-81ED-4DB2-BD59-A6C34878D82A}">
-                    <a16:rowId xmlns:a16="http://schemas.microsoft.com/office/drawing/2014/main" xmlns="" val="3784109591"/>
+                    <a16:rowId xmlns:a16="http://schemas.microsoft.com/office/drawing/2014/main" val="3784109591"/>
                   </a:ext>
                 </a:extLst>
               </a:tr>
@@ -25868,7 +25702,7 @@
                 </a:tc>
                 <a:extLst>
                   <a:ext uri="{0D108BD9-81ED-4DB2-BD59-A6C34878D82A}">
-                    <a16:rowId xmlns:a16="http://schemas.microsoft.com/office/drawing/2014/main" xmlns="" val="2131307175"/>
+                    <a16:rowId xmlns:a16="http://schemas.microsoft.com/office/drawing/2014/main" val="2131307175"/>
                   </a:ext>
                 </a:extLst>
               </a:tr>
@@ -26017,21 +25851,21 @@
                 <a:gridCol w="3284597">
                   <a:extLst>
                     <a:ext uri="{9D8B030D-6E8A-4147-A177-3AD203B41FA5}">
-                      <a16:colId xmlns:a16="http://schemas.microsoft.com/office/drawing/2014/main" xmlns="" val="1356431335"/>
+                      <a16:colId xmlns:a16="http://schemas.microsoft.com/office/drawing/2014/main" val="1356431335"/>
                     </a:ext>
                   </a:extLst>
                 </a:gridCol>
                 <a:gridCol w="912804">
                   <a:extLst>
                     <a:ext uri="{9D8B030D-6E8A-4147-A177-3AD203B41FA5}">
-                      <a16:colId xmlns:a16="http://schemas.microsoft.com/office/drawing/2014/main" xmlns="" val="4074852346"/>
+                      <a16:colId xmlns:a16="http://schemas.microsoft.com/office/drawing/2014/main" val="4074852346"/>
                     </a:ext>
                   </a:extLst>
                 </a:gridCol>
                 <a:gridCol w="1175819">
                   <a:extLst>
                     <a:ext uri="{9D8B030D-6E8A-4147-A177-3AD203B41FA5}">
-                      <a16:colId xmlns:a16="http://schemas.microsoft.com/office/drawing/2014/main" xmlns="" val="715510892"/>
+                      <a16:colId xmlns:a16="http://schemas.microsoft.com/office/drawing/2014/main" val="715510892"/>
                     </a:ext>
                   </a:extLst>
                 </a:gridCol>
@@ -26108,7 +25942,7 @@
                 </a:tc>
                 <a:extLst>
                   <a:ext uri="{0D108BD9-81ED-4DB2-BD59-A6C34878D82A}">
-                    <a16:rowId xmlns:a16="http://schemas.microsoft.com/office/drawing/2014/main" xmlns="" val="1236399335"/>
+                    <a16:rowId xmlns:a16="http://schemas.microsoft.com/office/drawing/2014/main" val="1236399335"/>
                   </a:ext>
                 </a:extLst>
               </a:tr>
@@ -26184,7 +26018,7 @@
                 </a:tc>
                 <a:extLst>
                   <a:ext uri="{0D108BD9-81ED-4DB2-BD59-A6C34878D82A}">
-                    <a16:rowId xmlns:a16="http://schemas.microsoft.com/office/drawing/2014/main" xmlns="" val="3548785687"/>
+                    <a16:rowId xmlns:a16="http://schemas.microsoft.com/office/drawing/2014/main" val="3548785687"/>
                   </a:ext>
                 </a:extLst>
               </a:tr>
@@ -26282,7 +26116,7 @@
                 </a:tc>
                 <a:extLst>
                   <a:ext uri="{0D108BD9-81ED-4DB2-BD59-A6C34878D82A}">
-                    <a16:rowId xmlns:a16="http://schemas.microsoft.com/office/drawing/2014/main" xmlns="" val="949879066"/>
+                    <a16:rowId xmlns:a16="http://schemas.microsoft.com/office/drawing/2014/main" val="949879066"/>
                   </a:ext>
                 </a:extLst>
               </a:tr>
@@ -26380,7 +26214,7 @@
                 </a:tc>
                 <a:extLst>
                   <a:ext uri="{0D108BD9-81ED-4DB2-BD59-A6C34878D82A}">
-                    <a16:rowId xmlns:a16="http://schemas.microsoft.com/office/drawing/2014/main" xmlns="" val="3222670053"/>
+                    <a16:rowId xmlns:a16="http://schemas.microsoft.com/office/drawing/2014/main" val="3222670053"/>
                   </a:ext>
                 </a:extLst>
               </a:tr>
@@ -26478,7 +26312,7 @@
                 </a:tc>
                 <a:extLst>
                   <a:ext uri="{0D108BD9-81ED-4DB2-BD59-A6C34878D82A}">
-                    <a16:rowId xmlns:a16="http://schemas.microsoft.com/office/drawing/2014/main" xmlns="" val="1661099666"/>
+                    <a16:rowId xmlns:a16="http://schemas.microsoft.com/office/drawing/2014/main" val="1661099666"/>
                   </a:ext>
                 </a:extLst>
               </a:tr>
@@ -26576,7 +26410,7 @@
                 </a:tc>
                 <a:extLst>
                   <a:ext uri="{0D108BD9-81ED-4DB2-BD59-A6C34878D82A}">
-                    <a16:rowId xmlns:a16="http://schemas.microsoft.com/office/drawing/2014/main" xmlns="" val="4172047643"/>
+                    <a16:rowId xmlns:a16="http://schemas.microsoft.com/office/drawing/2014/main" val="4172047643"/>
                   </a:ext>
                 </a:extLst>
               </a:tr>
@@ -26674,7 +26508,7 @@
                 </a:tc>
                 <a:extLst>
                   <a:ext uri="{0D108BD9-81ED-4DB2-BD59-A6C34878D82A}">
-                    <a16:rowId xmlns:a16="http://schemas.microsoft.com/office/drawing/2014/main" xmlns="" val="1057878429"/>
+                    <a16:rowId xmlns:a16="http://schemas.microsoft.com/office/drawing/2014/main" val="1057878429"/>
                   </a:ext>
                 </a:extLst>
               </a:tr>
@@ -26772,7 +26606,7 @@
                 </a:tc>
                 <a:extLst>
                   <a:ext uri="{0D108BD9-81ED-4DB2-BD59-A6C34878D82A}">
-                    <a16:rowId xmlns:a16="http://schemas.microsoft.com/office/drawing/2014/main" xmlns="" val="2151953881"/>
+                    <a16:rowId xmlns:a16="http://schemas.microsoft.com/office/drawing/2014/main" val="2151953881"/>
                   </a:ext>
                 </a:extLst>
               </a:tr>
@@ -26880,7 +26714,7 @@
                 </a:tc>
                 <a:extLst>
                   <a:ext uri="{0D108BD9-81ED-4DB2-BD59-A6C34878D82A}">
-                    <a16:rowId xmlns:a16="http://schemas.microsoft.com/office/drawing/2014/main" xmlns="" val="3615318075"/>
+                    <a16:rowId xmlns:a16="http://schemas.microsoft.com/office/drawing/2014/main" val="3615318075"/>
                   </a:ext>
                 </a:extLst>
               </a:tr>
@@ -27008,7 +26842,7 @@
                 </a:tc>
                 <a:extLst>
                   <a:ext uri="{0D108BD9-81ED-4DB2-BD59-A6C34878D82A}">
-                    <a16:rowId xmlns:a16="http://schemas.microsoft.com/office/drawing/2014/main" xmlns="" val="1810581365"/>
+                    <a16:rowId xmlns:a16="http://schemas.microsoft.com/office/drawing/2014/main" val="1810581365"/>
                   </a:ext>
                 </a:extLst>
               </a:tr>
@@ -27096,7 +26930,7 @@
                 </a:tc>
                 <a:extLst>
                   <a:ext uri="{0D108BD9-81ED-4DB2-BD59-A6C34878D82A}">
-                    <a16:rowId xmlns:a16="http://schemas.microsoft.com/office/drawing/2014/main" xmlns="" val="240284698"/>
+                    <a16:rowId xmlns:a16="http://schemas.microsoft.com/office/drawing/2014/main" val="240284698"/>
                   </a:ext>
                 </a:extLst>
               </a:tr>
@@ -27184,7 +27018,7 @@
                 </a:tc>
                 <a:extLst>
                   <a:ext uri="{0D108BD9-81ED-4DB2-BD59-A6C34878D82A}">
-                    <a16:rowId xmlns:a16="http://schemas.microsoft.com/office/drawing/2014/main" xmlns="" val="2906176452"/>
+                    <a16:rowId xmlns:a16="http://schemas.microsoft.com/office/drawing/2014/main" val="2906176452"/>
                   </a:ext>
                 </a:extLst>
               </a:tr>
@@ -27282,7 +27116,7 @@
                 </a:tc>
                 <a:extLst>
                   <a:ext uri="{0D108BD9-81ED-4DB2-BD59-A6C34878D82A}">
-                    <a16:rowId xmlns:a16="http://schemas.microsoft.com/office/drawing/2014/main" xmlns="" val="3562986470"/>
+                    <a16:rowId xmlns:a16="http://schemas.microsoft.com/office/drawing/2014/main" val="3562986470"/>
                   </a:ext>
                 </a:extLst>
               </a:tr>
@@ -27390,7 +27224,7 @@
                 </a:tc>
                 <a:extLst>
                   <a:ext uri="{0D108BD9-81ED-4DB2-BD59-A6C34878D82A}">
-                    <a16:rowId xmlns:a16="http://schemas.microsoft.com/office/drawing/2014/main" xmlns="" val="1671168545"/>
+                    <a16:rowId xmlns:a16="http://schemas.microsoft.com/office/drawing/2014/main" val="1671168545"/>
                   </a:ext>
                 </a:extLst>
               </a:tr>
@@ -27488,7 +27322,7 @@
                 </a:tc>
                 <a:extLst>
                   <a:ext uri="{0D108BD9-81ED-4DB2-BD59-A6C34878D82A}">
-                    <a16:rowId xmlns:a16="http://schemas.microsoft.com/office/drawing/2014/main" xmlns="" val="2432487341"/>
+                    <a16:rowId xmlns:a16="http://schemas.microsoft.com/office/drawing/2014/main" val="2432487341"/>
                   </a:ext>
                 </a:extLst>
               </a:tr>
@@ -27606,7 +27440,7 @@
                 </a:tc>
                 <a:extLst>
                   <a:ext uri="{0D108BD9-81ED-4DB2-BD59-A6C34878D82A}">
-                    <a16:rowId xmlns:a16="http://schemas.microsoft.com/office/drawing/2014/main" xmlns="" val="823347675"/>
+                    <a16:rowId xmlns:a16="http://schemas.microsoft.com/office/drawing/2014/main" val="823347675"/>
                   </a:ext>
                 </a:extLst>
               </a:tr>
@@ -27704,7 +27538,7 @@
                 </a:tc>
                 <a:extLst>
                   <a:ext uri="{0D108BD9-81ED-4DB2-BD59-A6C34878D82A}">
-                    <a16:rowId xmlns:a16="http://schemas.microsoft.com/office/drawing/2014/main" xmlns="" val="3888237083"/>
+                    <a16:rowId xmlns:a16="http://schemas.microsoft.com/office/drawing/2014/main" val="3888237083"/>
                   </a:ext>
                 </a:extLst>
               </a:tr>
@@ -27792,7 +27626,7 @@
                 </a:tc>
                 <a:extLst>
                   <a:ext uri="{0D108BD9-81ED-4DB2-BD59-A6C34878D82A}">
-                    <a16:rowId xmlns:a16="http://schemas.microsoft.com/office/drawing/2014/main" xmlns="" val="1186328292"/>
+                    <a16:rowId xmlns:a16="http://schemas.microsoft.com/office/drawing/2014/main" val="1186328292"/>
                   </a:ext>
                 </a:extLst>
               </a:tr>
@@ -27890,7 +27724,7 @@
                 </a:tc>
                 <a:extLst>
                   <a:ext uri="{0D108BD9-81ED-4DB2-BD59-A6C34878D82A}">
-                    <a16:rowId xmlns:a16="http://schemas.microsoft.com/office/drawing/2014/main" xmlns="" val="4173546526"/>
+                    <a16:rowId xmlns:a16="http://schemas.microsoft.com/office/drawing/2014/main" val="4173546526"/>
                   </a:ext>
                 </a:extLst>
               </a:tr>
@@ -27990,7 +27824,7 @@
                 </a:tc>
                 <a:extLst>
                   <a:ext uri="{0D108BD9-81ED-4DB2-BD59-A6C34878D82A}">
-                    <a16:rowId xmlns:a16="http://schemas.microsoft.com/office/drawing/2014/main" xmlns="" val="4247627454"/>
+                    <a16:rowId xmlns:a16="http://schemas.microsoft.com/office/drawing/2014/main" val="4247627454"/>
                   </a:ext>
                 </a:extLst>
               </a:tr>
@@ -28088,7 +27922,7 @@
                 </a:tc>
                 <a:extLst>
                   <a:ext uri="{0D108BD9-81ED-4DB2-BD59-A6C34878D82A}">
-                    <a16:rowId xmlns:a16="http://schemas.microsoft.com/office/drawing/2014/main" xmlns="" val="2227278853"/>
+                    <a16:rowId xmlns:a16="http://schemas.microsoft.com/office/drawing/2014/main" val="2227278853"/>
                   </a:ext>
                 </a:extLst>
               </a:tr>
@@ -28186,7 +28020,7 @@
                 </a:tc>
                 <a:extLst>
                   <a:ext uri="{0D108BD9-81ED-4DB2-BD59-A6C34878D82A}">
-                    <a16:rowId xmlns:a16="http://schemas.microsoft.com/office/drawing/2014/main" xmlns="" val="2842433311"/>
+                    <a16:rowId xmlns:a16="http://schemas.microsoft.com/office/drawing/2014/main" val="2842433311"/>
                   </a:ext>
                 </a:extLst>
               </a:tr>
@@ -28218,21 +28052,21 @@
                 <a:gridCol w="3568779">
                   <a:extLst>
                     <a:ext uri="{9D8B030D-6E8A-4147-A177-3AD203B41FA5}">
-                      <a16:colId xmlns:a16="http://schemas.microsoft.com/office/drawing/2014/main" xmlns="" val="1356431335"/>
+                      <a16:colId xmlns:a16="http://schemas.microsoft.com/office/drawing/2014/main" val="1356431335"/>
                     </a:ext>
                   </a:extLst>
                 </a:gridCol>
                 <a:gridCol w="751115">
                   <a:extLst>
                     <a:ext uri="{9D8B030D-6E8A-4147-A177-3AD203B41FA5}">
-                      <a16:colId xmlns:a16="http://schemas.microsoft.com/office/drawing/2014/main" xmlns="" val="4074852346"/>
+                      <a16:colId xmlns:a16="http://schemas.microsoft.com/office/drawing/2014/main" val="4074852346"/>
                     </a:ext>
                   </a:extLst>
                 </a:gridCol>
                 <a:gridCol w="1053326">
                   <a:extLst>
                     <a:ext uri="{9D8B030D-6E8A-4147-A177-3AD203B41FA5}">
-                      <a16:colId xmlns:a16="http://schemas.microsoft.com/office/drawing/2014/main" xmlns="" val="715510892"/>
+                      <a16:colId xmlns:a16="http://schemas.microsoft.com/office/drawing/2014/main" val="715510892"/>
                     </a:ext>
                   </a:extLst>
                 </a:gridCol>
@@ -28309,7 +28143,7 @@
                 </a:tc>
                 <a:extLst>
                   <a:ext uri="{0D108BD9-81ED-4DB2-BD59-A6C34878D82A}">
-                    <a16:rowId xmlns:a16="http://schemas.microsoft.com/office/drawing/2014/main" xmlns="" val="1236399335"/>
+                    <a16:rowId xmlns:a16="http://schemas.microsoft.com/office/drawing/2014/main" val="1236399335"/>
                   </a:ext>
                 </a:extLst>
               </a:tr>
@@ -28397,7 +28231,7 @@
                 </a:tc>
                 <a:extLst>
                   <a:ext uri="{0D108BD9-81ED-4DB2-BD59-A6C34878D82A}">
-                    <a16:rowId xmlns:a16="http://schemas.microsoft.com/office/drawing/2014/main" xmlns="" val="3548785687"/>
+                    <a16:rowId xmlns:a16="http://schemas.microsoft.com/office/drawing/2014/main" val="3548785687"/>
                   </a:ext>
                 </a:extLst>
               </a:tr>
@@ -28485,7 +28319,7 @@
                 </a:tc>
                 <a:extLst>
                   <a:ext uri="{0D108BD9-81ED-4DB2-BD59-A6C34878D82A}">
-                    <a16:rowId xmlns:a16="http://schemas.microsoft.com/office/drawing/2014/main" xmlns="" val="949879066"/>
+                    <a16:rowId xmlns:a16="http://schemas.microsoft.com/office/drawing/2014/main" val="949879066"/>
                   </a:ext>
                 </a:extLst>
               </a:tr>
@@ -28595,7 +28429,7 @@
                 </a:tc>
                 <a:extLst>
                   <a:ext uri="{0D108BD9-81ED-4DB2-BD59-A6C34878D82A}">
-                    <a16:rowId xmlns:a16="http://schemas.microsoft.com/office/drawing/2014/main" xmlns="" val="3222670053"/>
+                    <a16:rowId xmlns:a16="http://schemas.microsoft.com/office/drawing/2014/main" val="3222670053"/>
                   </a:ext>
                 </a:extLst>
               </a:tr>
@@ -28703,7 +28537,7 @@
                 </a:tc>
                 <a:extLst>
                   <a:ext uri="{0D108BD9-81ED-4DB2-BD59-A6C34878D82A}">
-                    <a16:rowId xmlns:a16="http://schemas.microsoft.com/office/drawing/2014/main" xmlns="" val="1661099666"/>
+                    <a16:rowId xmlns:a16="http://schemas.microsoft.com/office/drawing/2014/main" val="1661099666"/>
                   </a:ext>
                 </a:extLst>
               </a:tr>
@@ -28801,7 +28635,7 @@
                 </a:tc>
                 <a:extLst>
                   <a:ext uri="{0D108BD9-81ED-4DB2-BD59-A6C34878D82A}">
-                    <a16:rowId xmlns:a16="http://schemas.microsoft.com/office/drawing/2014/main" xmlns="" val="4172047643"/>
+                    <a16:rowId xmlns:a16="http://schemas.microsoft.com/office/drawing/2014/main" val="4172047643"/>
                   </a:ext>
                 </a:extLst>
               </a:tr>
@@ -28899,7 +28733,7 @@
                 </a:tc>
                 <a:extLst>
                   <a:ext uri="{0D108BD9-81ED-4DB2-BD59-A6C34878D82A}">
-                    <a16:rowId xmlns:a16="http://schemas.microsoft.com/office/drawing/2014/main" xmlns="" val="1057878429"/>
+                    <a16:rowId xmlns:a16="http://schemas.microsoft.com/office/drawing/2014/main" val="1057878429"/>
                   </a:ext>
                 </a:extLst>
               </a:tr>
@@ -28997,7 +28831,7 @@
                 </a:tc>
                 <a:extLst>
                   <a:ext uri="{0D108BD9-81ED-4DB2-BD59-A6C34878D82A}">
-                    <a16:rowId xmlns:a16="http://schemas.microsoft.com/office/drawing/2014/main" xmlns="" val="2151953881"/>
+                    <a16:rowId xmlns:a16="http://schemas.microsoft.com/office/drawing/2014/main" val="2151953881"/>
                   </a:ext>
                 </a:extLst>
               </a:tr>
@@ -29089,7 +28923,7 @@
                 </a:tc>
                 <a:extLst>
                   <a:ext uri="{0D108BD9-81ED-4DB2-BD59-A6C34878D82A}">
-                    <a16:rowId xmlns:a16="http://schemas.microsoft.com/office/drawing/2014/main" xmlns="" val="3615318075"/>
+                    <a16:rowId xmlns:a16="http://schemas.microsoft.com/office/drawing/2014/main" val="3615318075"/>
                   </a:ext>
                 </a:extLst>
               </a:tr>
@@ -29187,7 +29021,7 @@
                 </a:tc>
                 <a:extLst>
                   <a:ext uri="{0D108BD9-81ED-4DB2-BD59-A6C34878D82A}">
-                    <a16:rowId xmlns:a16="http://schemas.microsoft.com/office/drawing/2014/main" xmlns="" val="1810581365"/>
+                    <a16:rowId xmlns:a16="http://schemas.microsoft.com/office/drawing/2014/main" val="1810581365"/>
                   </a:ext>
                 </a:extLst>
               </a:tr>
@@ -29279,7 +29113,7 @@
                 </a:tc>
                 <a:extLst>
                   <a:ext uri="{0D108BD9-81ED-4DB2-BD59-A6C34878D82A}">
-                    <a16:rowId xmlns:a16="http://schemas.microsoft.com/office/drawing/2014/main" xmlns="" val="240284698"/>
+                    <a16:rowId xmlns:a16="http://schemas.microsoft.com/office/drawing/2014/main" val="240284698"/>
                   </a:ext>
                 </a:extLst>
               </a:tr>
@@ -29377,7 +29211,7 @@
                 </a:tc>
                 <a:extLst>
                   <a:ext uri="{0D108BD9-81ED-4DB2-BD59-A6C34878D82A}">
-                    <a16:rowId xmlns:a16="http://schemas.microsoft.com/office/drawing/2014/main" xmlns="" val="2906176452"/>
+                    <a16:rowId xmlns:a16="http://schemas.microsoft.com/office/drawing/2014/main" val="2906176452"/>
                   </a:ext>
                 </a:extLst>
               </a:tr>
@@ -29465,7 +29299,7 @@
                 </a:tc>
                 <a:extLst>
                   <a:ext uri="{0D108BD9-81ED-4DB2-BD59-A6C34878D82A}">
-                    <a16:rowId xmlns:a16="http://schemas.microsoft.com/office/drawing/2014/main" xmlns="" val="3562986470"/>
+                    <a16:rowId xmlns:a16="http://schemas.microsoft.com/office/drawing/2014/main" val="3562986470"/>
                   </a:ext>
                 </a:extLst>
               </a:tr>
@@ -29565,7 +29399,7 @@
                 </a:tc>
                 <a:extLst>
                   <a:ext uri="{0D108BD9-81ED-4DB2-BD59-A6C34878D82A}">
-                    <a16:rowId xmlns:a16="http://schemas.microsoft.com/office/drawing/2014/main" xmlns="" val="1671168545"/>
+                    <a16:rowId xmlns:a16="http://schemas.microsoft.com/office/drawing/2014/main" val="1671168545"/>
                   </a:ext>
                 </a:extLst>
               </a:tr>
@@ -29695,7 +29529,7 @@
                 </a:tc>
                 <a:extLst>
                   <a:ext uri="{0D108BD9-81ED-4DB2-BD59-A6C34878D82A}">
-                    <a16:rowId xmlns:a16="http://schemas.microsoft.com/office/drawing/2014/main" xmlns="" val="2432487341"/>
+                    <a16:rowId xmlns:a16="http://schemas.microsoft.com/office/drawing/2014/main" val="2432487341"/>
                   </a:ext>
                 </a:extLst>
               </a:tr>
@@ -29837,7 +29671,7 @@
                 </a:tc>
                 <a:extLst>
                   <a:ext uri="{0D108BD9-81ED-4DB2-BD59-A6C34878D82A}">
-                    <a16:rowId xmlns:a16="http://schemas.microsoft.com/office/drawing/2014/main" xmlns="" val="823347675"/>
+                    <a16:rowId xmlns:a16="http://schemas.microsoft.com/office/drawing/2014/main" val="823347675"/>
                   </a:ext>
                 </a:extLst>
               </a:tr>
@@ -29943,7 +29777,7 @@
                 </a:tc>
                 <a:extLst>
                   <a:ext uri="{0D108BD9-81ED-4DB2-BD59-A6C34878D82A}">
-                    <a16:rowId xmlns:a16="http://schemas.microsoft.com/office/drawing/2014/main" xmlns="" val="3888237083"/>
+                    <a16:rowId xmlns:a16="http://schemas.microsoft.com/office/drawing/2014/main" val="3888237083"/>
                   </a:ext>
                 </a:extLst>
               </a:tr>
@@ -30041,7 +29875,7 @@
                 </a:tc>
                 <a:extLst>
                   <a:ext uri="{0D108BD9-81ED-4DB2-BD59-A6C34878D82A}">
-                    <a16:rowId xmlns:a16="http://schemas.microsoft.com/office/drawing/2014/main" xmlns="" val="1186328292"/>
+                    <a16:rowId xmlns:a16="http://schemas.microsoft.com/office/drawing/2014/main" val="1186328292"/>
                   </a:ext>
                 </a:extLst>
               </a:tr>
@@ -30190,21 +30024,21 @@
                 <a:gridCol w="3333583">
                   <a:extLst>
                     <a:ext uri="{9D8B030D-6E8A-4147-A177-3AD203B41FA5}">
-                      <a16:colId xmlns:a16="http://schemas.microsoft.com/office/drawing/2014/main" xmlns="" val="1356431335"/>
+                      <a16:colId xmlns:a16="http://schemas.microsoft.com/office/drawing/2014/main" val="1356431335"/>
                     </a:ext>
                   </a:extLst>
                 </a:gridCol>
                 <a:gridCol w="869736">
                   <a:extLst>
                     <a:ext uri="{9D8B030D-6E8A-4147-A177-3AD203B41FA5}">
-                      <a16:colId xmlns:a16="http://schemas.microsoft.com/office/drawing/2014/main" xmlns="" val="4074852346"/>
+                      <a16:colId xmlns:a16="http://schemas.microsoft.com/office/drawing/2014/main" val="4074852346"/>
                     </a:ext>
                   </a:extLst>
                 </a:gridCol>
                 <a:gridCol w="1169901">
                   <a:extLst>
                     <a:ext uri="{9D8B030D-6E8A-4147-A177-3AD203B41FA5}">
-                      <a16:colId xmlns:a16="http://schemas.microsoft.com/office/drawing/2014/main" xmlns="" val="715510892"/>
+                      <a16:colId xmlns:a16="http://schemas.microsoft.com/office/drawing/2014/main" val="715510892"/>
                     </a:ext>
                   </a:extLst>
                 </a:gridCol>
@@ -30281,7 +30115,7 @@
                 </a:tc>
                 <a:extLst>
                   <a:ext uri="{0D108BD9-81ED-4DB2-BD59-A6C34878D82A}">
-                    <a16:rowId xmlns:a16="http://schemas.microsoft.com/office/drawing/2014/main" xmlns="" val="1236399335"/>
+                    <a16:rowId xmlns:a16="http://schemas.microsoft.com/office/drawing/2014/main" val="1236399335"/>
                   </a:ext>
                 </a:extLst>
               </a:tr>
@@ -30373,7 +30207,7 @@
                 </a:tc>
                 <a:extLst>
                   <a:ext uri="{0D108BD9-81ED-4DB2-BD59-A6C34878D82A}">
-                    <a16:rowId xmlns:a16="http://schemas.microsoft.com/office/drawing/2014/main" xmlns="" val="3548785687"/>
+                    <a16:rowId xmlns:a16="http://schemas.microsoft.com/office/drawing/2014/main" val="3548785687"/>
                   </a:ext>
                 </a:extLst>
               </a:tr>
@@ -30465,7 +30299,7 @@
                 </a:tc>
                 <a:extLst>
                   <a:ext uri="{0D108BD9-81ED-4DB2-BD59-A6C34878D82A}">
-                    <a16:rowId xmlns:a16="http://schemas.microsoft.com/office/drawing/2014/main" xmlns="" val="949879066"/>
+                    <a16:rowId xmlns:a16="http://schemas.microsoft.com/office/drawing/2014/main" val="949879066"/>
                   </a:ext>
                 </a:extLst>
               </a:tr>
@@ -30601,7 +30435,7 @@
                 </a:tc>
                 <a:extLst>
                   <a:ext uri="{0D108BD9-81ED-4DB2-BD59-A6C34878D82A}">
-                    <a16:rowId xmlns:a16="http://schemas.microsoft.com/office/drawing/2014/main" xmlns="" val="3222670053"/>
+                    <a16:rowId xmlns:a16="http://schemas.microsoft.com/office/drawing/2014/main" val="3222670053"/>
                   </a:ext>
                 </a:extLst>
               </a:tr>
@@ -30693,7 +30527,7 @@
                 </a:tc>
                 <a:extLst>
                   <a:ext uri="{0D108BD9-81ED-4DB2-BD59-A6C34878D82A}">
-                    <a16:rowId xmlns:a16="http://schemas.microsoft.com/office/drawing/2014/main" xmlns="" val="1661099666"/>
+                    <a16:rowId xmlns:a16="http://schemas.microsoft.com/office/drawing/2014/main" val="1661099666"/>
                   </a:ext>
                 </a:extLst>
               </a:tr>
@@ -30785,7 +30619,7 @@
                 </a:tc>
                 <a:extLst>
                   <a:ext uri="{0D108BD9-81ED-4DB2-BD59-A6C34878D82A}">
-                    <a16:rowId xmlns:a16="http://schemas.microsoft.com/office/drawing/2014/main" xmlns="" val="4172047643"/>
+                    <a16:rowId xmlns:a16="http://schemas.microsoft.com/office/drawing/2014/main" val="4172047643"/>
                   </a:ext>
                 </a:extLst>
               </a:tr>
@@ -30877,7 +30711,7 @@
                 </a:tc>
                 <a:extLst>
                   <a:ext uri="{0D108BD9-81ED-4DB2-BD59-A6C34878D82A}">
-                    <a16:rowId xmlns:a16="http://schemas.microsoft.com/office/drawing/2014/main" xmlns="" val="1057878429"/>
+                    <a16:rowId xmlns:a16="http://schemas.microsoft.com/office/drawing/2014/main" val="1057878429"/>
                   </a:ext>
                 </a:extLst>
               </a:tr>
@@ -30969,7 +30803,7 @@
                 </a:tc>
                 <a:extLst>
                   <a:ext uri="{0D108BD9-81ED-4DB2-BD59-A6C34878D82A}">
-                    <a16:rowId xmlns:a16="http://schemas.microsoft.com/office/drawing/2014/main" xmlns="" val="2151953881"/>
+                    <a16:rowId xmlns:a16="http://schemas.microsoft.com/office/drawing/2014/main" val="2151953881"/>
                   </a:ext>
                 </a:extLst>
               </a:tr>
@@ -31061,7 +30895,7 @@
                 </a:tc>
                 <a:extLst>
                   <a:ext uri="{0D108BD9-81ED-4DB2-BD59-A6C34878D82A}">
-                    <a16:rowId xmlns:a16="http://schemas.microsoft.com/office/drawing/2014/main" xmlns="" val="3615318075"/>
+                    <a16:rowId xmlns:a16="http://schemas.microsoft.com/office/drawing/2014/main" val="3615318075"/>
                   </a:ext>
                 </a:extLst>
               </a:tr>
@@ -31153,7 +30987,7 @@
                 </a:tc>
                 <a:extLst>
                   <a:ext uri="{0D108BD9-81ED-4DB2-BD59-A6C34878D82A}">
-                    <a16:rowId xmlns:a16="http://schemas.microsoft.com/office/drawing/2014/main" xmlns="" val="1810581365"/>
+                    <a16:rowId xmlns:a16="http://schemas.microsoft.com/office/drawing/2014/main" val="1810581365"/>
                   </a:ext>
                 </a:extLst>
               </a:tr>
@@ -31255,7 +31089,7 @@
                 </a:tc>
                 <a:extLst>
                   <a:ext uri="{0D108BD9-81ED-4DB2-BD59-A6C34878D82A}">
-                    <a16:rowId xmlns:a16="http://schemas.microsoft.com/office/drawing/2014/main" xmlns="" val="240284698"/>
+                    <a16:rowId xmlns:a16="http://schemas.microsoft.com/office/drawing/2014/main" val="240284698"/>
                   </a:ext>
                 </a:extLst>
               </a:tr>
@@ -31357,7 +31191,7 @@
                 </a:tc>
                 <a:extLst>
                   <a:ext uri="{0D108BD9-81ED-4DB2-BD59-A6C34878D82A}">
-                    <a16:rowId xmlns:a16="http://schemas.microsoft.com/office/drawing/2014/main" xmlns="" val="2906176452"/>
+                    <a16:rowId xmlns:a16="http://schemas.microsoft.com/office/drawing/2014/main" val="2906176452"/>
                   </a:ext>
                 </a:extLst>
               </a:tr>
@@ -31461,7 +31295,7 @@
                 </a:tc>
                 <a:extLst>
                   <a:ext uri="{0D108BD9-81ED-4DB2-BD59-A6C34878D82A}">
-                    <a16:rowId xmlns:a16="http://schemas.microsoft.com/office/drawing/2014/main" xmlns="" val="3562986470"/>
+                    <a16:rowId xmlns:a16="http://schemas.microsoft.com/office/drawing/2014/main" val="3562986470"/>
                   </a:ext>
                 </a:extLst>
               </a:tr>
@@ -31563,7 +31397,7 @@
                 </a:tc>
                 <a:extLst>
                   <a:ext uri="{0D108BD9-81ED-4DB2-BD59-A6C34878D82A}">
-                    <a16:rowId xmlns:a16="http://schemas.microsoft.com/office/drawing/2014/main" xmlns="" val="1671168545"/>
+                    <a16:rowId xmlns:a16="http://schemas.microsoft.com/office/drawing/2014/main" val="1671168545"/>
                   </a:ext>
                 </a:extLst>
               </a:tr>
@@ -31665,7 +31499,7 @@
                 </a:tc>
                 <a:extLst>
                   <a:ext uri="{0D108BD9-81ED-4DB2-BD59-A6C34878D82A}">
-                    <a16:rowId xmlns:a16="http://schemas.microsoft.com/office/drawing/2014/main" xmlns="" val="2432487341"/>
+                    <a16:rowId xmlns:a16="http://schemas.microsoft.com/office/drawing/2014/main" val="2432487341"/>
                   </a:ext>
                 </a:extLst>
               </a:tr>
@@ -31767,7 +31601,7 @@
                 </a:tc>
                 <a:extLst>
                   <a:ext uri="{0D108BD9-81ED-4DB2-BD59-A6C34878D82A}">
-                    <a16:rowId xmlns:a16="http://schemas.microsoft.com/office/drawing/2014/main" xmlns="" val="823347675"/>
+                    <a16:rowId xmlns:a16="http://schemas.microsoft.com/office/drawing/2014/main" val="823347675"/>
                   </a:ext>
                 </a:extLst>
               </a:tr>
@@ -31883,7 +31717,7 @@
                 </a:tc>
                 <a:extLst>
                   <a:ext uri="{0D108BD9-81ED-4DB2-BD59-A6C34878D82A}">
-                    <a16:rowId xmlns:a16="http://schemas.microsoft.com/office/drawing/2014/main" xmlns="" val="3888237083"/>
+                    <a16:rowId xmlns:a16="http://schemas.microsoft.com/office/drawing/2014/main" val="3888237083"/>
                   </a:ext>
                 </a:extLst>
               </a:tr>
@@ -32030,7 +31864,7 @@
                 </a:tc>
                 <a:extLst>
                   <a:ext uri="{0D108BD9-81ED-4DB2-BD59-A6C34878D82A}">
-                    <a16:rowId xmlns:a16="http://schemas.microsoft.com/office/drawing/2014/main" xmlns="" val="1186328292"/>
+                    <a16:rowId xmlns:a16="http://schemas.microsoft.com/office/drawing/2014/main" val="1186328292"/>
                   </a:ext>
                 </a:extLst>
               </a:tr>
@@ -32066,21 +31900,21 @@
                 <a:gridCol w="3021582">
                   <a:extLst>
                     <a:ext uri="{9D8B030D-6E8A-4147-A177-3AD203B41FA5}">
-                      <a16:colId xmlns:a16="http://schemas.microsoft.com/office/drawing/2014/main" xmlns="" val="1356431335"/>
+                      <a16:colId xmlns:a16="http://schemas.microsoft.com/office/drawing/2014/main" val="1356431335"/>
                     </a:ext>
                   </a:extLst>
                 </a:gridCol>
                 <a:gridCol w="1175819">
                   <a:extLst>
                     <a:ext uri="{9D8B030D-6E8A-4147-A177-3AD203B41FA5}">
-                      <a16:colId xmlns:a16="http://schemas.microsoft.com/office/drawing/2014/main" xmlns="" val="4074852346"/>
+                      <a16:colId xmlns:a16="http://schemas.microsoft.com/office/drawing/2014/main" val="4074852346"/>
                     </a:ext>
                   </a:extLst>
                 </a:gridCol>
                 <a:gridCol w="1175819">
                   <a:extLst>
                     <a:ext uri="{9D8B030D-6E8A-4147-A177-3AD203B41FA5}">
-                      <a16:colId xmlns:a16="http://schemas.microsoft.com/office/drawing/2014/main" xmlns="" val="715510892"/>
+                      <a16:colId xmlns:a16="http://schemas.microsoft.com/office/drawing/2014/main" val="715510892"/>
                     </a:ext>
                   </a:extLst>
                 </a:gridCol>
@@ -32157,7 +31991,7 @@
                 </a:tc>
                 <a:extLst>
                   <a:ext uri="{0D108BD9-81ED-4DB2-BD59-A6C34878D82A}">
-                    <a16:rowId xmlns:a16="http://schemas.microsoft.com/office/drawing/2014/main" xmlns="" val="1236399335"/>
+                    <a16:rowId xmlns:a16="http://schemas.microsoft.com/office/drawing/2014/main" val="1236399335"/>
                   </a:ext>
                 </a:extLst>
               </a:tr>
@@ -32249,7 +32083,7 @@
                 </a:tc>
                 <a:extLst>
                   <a:ext uri="{0D108BD9-81ED-4DB2-BD59-A6C34878D82A}">
-                    <a16:rowId xmlns:a16="http://schemas.microsoft.com/office/drawing/2014/main" xmlns="" val="3548785687"/>
+                    <a16:rowId xmlns:a16="http://schemas.microsoft.com/office/drawing/2014/main" val="3548785687"/>
                   </a:ext>
                 </a:extLst>
               </a:tr>
@@ -32347,7 +32181,7 @@
                 </a:tc>
                 <a:extLst>
                   <a:ext uri="{0D108BD9-81ED-4DB2-BD59-A6C34878D82A}">
-                    <a16:rowId xmlns:a16="http://schemas.microsoft.com/office/drawing/2014/main" xmlns="" val="949879066"/>
+                    <a16:rowId xmlns:a16="http://schemas.microsoft.com/office/drawing/2014/main" val="949879066"/>
                   </a:ext>
                 </a:extLst>
               </a:tr>
@@ -32457,7 +32291,7 @@
                 </a:tc>
                 <a:extLst>
                   <a:ext uri="{0D108BD9-81ED-4DB2-BD59-A6C34878D82A}">
-                    <a16:rowId xmlns:a16="http://schemas.microsoft.com/office/drawing/2014/main" xmlns="" val="3222670053"/>
+                    <a16:rowId xmlns:a16="http://schemas.microsoft.com/office/drawing/2014/main" val="3222670053"/>
                   </a:ext>
                 </a:extLst>
               </a:tr>
@@ -32567,7 +32401,7 @@
                 </a:tc>
                 <a:extLst>
                   <a:ext uri="{0D108BD9-81ED-4DB2-BD59-A6C34878D82A}">
-                    <a16:rowId xmlns:a16="http://schemas.microsoft.com/office/drawing/2014/main" xmlns="" val="1661099666"/>
+                    <a16:rowId xmlns:a16="http://schemas.microsoft.com/office/drawing/2014/main" val="1661099666"/>
                   </a:ext>
                 </a:extLst>
               </a:tr>
@@ -32675,7 +32509,7 @@
                 </a:tc>
                 <a:extLst>
                   <a:ext uri="{0D108BD9-81ED-4DB2-BD59-A6C34878D82A}">
-                    <a16:rowId xmlns:a16="http://schemas.microsoft.com/office/drawing/2014/main" xmlns="" val="4172047643"/>
+                    <a16:rowId xmlns:a16="http://schemas.microsoft.com/office/drawing/2014/main" val="4172047643"/>
                   </a:ext>
                 </a:extLst>
               </a:tr>
@@ -32783,7 +32617,7 @@
                 </a:tc>
                 <a:extLst>
                   <a:ext uri="{0D108BD9-81ED-4DB2-BD59-A6C34878D82A}">
-                    <a16:rowId xmlns:a16="http://schemas.microsoft.com/office/drawing/2014/main" xmlns="" val="1057878429"/>
+                    <a16:rowId xmlns:a16="http://schemas.microsoft.com/office/drawing/2014/main" val="1057878429"/>
                   </a:ext>
                 </a:extLst>
               </a:tr>
@@ -32879,7 +32713,7 @@
                 </a:tc>
                 <a:extLst>
                   <a:ext uri="{0D108BD9-81ED-4DB2-BD59-A6C34878D82A}">
-                    <a16:rowId xmlns:a16="http://schemas.microsoft.com/office/drawing/2014/main" xmlns="" val="2151953881"/>
+                    <a16:rowId xmlns:a16="http://schemas.microsoft.com/office/drawing/2014/main" val="2151953881"/>
                   </a:ext>
                 </a:extLst>
               </a:tr>
@@ -32975,7 +32809,7 @@
                 </a:tc>
                 <a:extLst>
                   <a:ext uri="{0D108BD9-81ED-4DB2-BD59-A6C34878D82A}">
-                    <a16:rowId xmlns:a16="http://schemas.microsoft.com/office/drawing/2014/main" xmlns="" val="3615318075"/>
+                    <a16:rowId xmlns:a16="http://schemas.microsoft.com/office/drawing/2014/main" val="3615318075"/>
                   </a:ext>
                 </a:extLst>
               </a:tr>
@@ -33095,7 +32929,7 @@
                 </a:tc>
                 <a:extLst>
                   <a:ext uri="{0D108BD9-81ED-4DB2-BD59-A6C34878D82A}">
-                    <a16:rowId xmlns:a16="http://schemas.microsoft.com/office/drawing/2014/main" xmlns="" val="1810581365"/>
+                    <a16:rowId xmlns:a16="http://schemas.microsoft.com/office/drawing/2014/main" val="1810581365"/>
                   </a:ext>
                 </a:extLst>
               </a:tr>
@@ -33203,7 +33037,7 @@
                 </a:tc>
                 <a:extLst>
                   <a:ext uri="{0D108BD9-81ED-4DB2-BD59-A6C34878D82A}">
-                    <a16:rowId xmlns:a16="http://schemas.microsoft.com/office/drawing/2014/main" xmlns="" val="240284698"/>
+                    <a16:rowId xmlns:a16="http://schemas.microsoft.com/office/drawing/2014/main" val="240284698"/>
                   </a:ext>
                 </a:extLst>
               </a:tr>
@@ -33295,7 +33129,7 @@
                 </a:tc>
                 <a:extLst>
                   <a:ext uri="{0D108BD9-81ED-4DB2-BD59-A6C34878D82A}">
-                    <a16:rowId xmlns:a16="http://schemas.microsoft.com/office/drawing/2014/main" xmlns="" val="2906176452"/>
+                    <a16:rowId xmlns:a16="http://schemas.microsoft.com/office/drawing/2014/main" val="2906176452"/>
                   </a:ext>
                 </a:extLst>
               </a:tr>
@@ -33387,7 +33221,7 @@
                 </a:tc>
                 <a:extLst>
                   <a:ext uri="{0D108BD9-81ED-4DB2-BD59-A6C34878D82A}">
-                    <a16:rowId xmlns:a16="http://schemas.microsoft.com/office/drawing/2014/main" xmlns="" val="3562986470"/>
+                    <a16:rowId xmlns:a16="http://schemas.microsoft.com/office/drawing/2014/main" val="3562986470"/>
                   </a:ext>
                 </a:extLst>
               </a:tr>
@@ -33481,7 +33315,7 @@
                 </a:tc>
                 <a:extLst>
                   <a:ext uri="{0D108BD9-81ED-4DB2-BD59-A6C34878D82A}">
-                    <a16:rowId xmlns:a16="http://schemas.microsoft.com/office/drawing/2014/main" xmlns="" val="1671168545"/>
+                    <a16:rowId xmlns:a16="http://schemas.microsoft.com/office/drawing/2014/main" val="1671168545"/>
                   </a:ext>
                 </a:extLst>
               </a:tr>
@@ -33583,7 +33417,7 @@
                 </a:tc>
                 <a:extLst>
                   <a:ext uri="{0D108BD9-81ED-4DB2-BD59-A6C34878D82A}">
-                    <a16:rowId xmlns:a16="http://schemas.microsoft.com/office/drawing/2014/main" xmlns="" val="2432487341"/>
+                    <a16:rowId xmlns:a16="http://schemas.microsoft.com/office/drawing/2014/main" val="2432487341"/>
                   </a:ext>
                 </a:extLst>
               </a:tr>
